--- a/src/main/resources/规则引擎分享-20240708 - 副本.pptx
+++ b/src/main/resources/规则引擎分享-20240708 - 副本.pptx
@@ -5,35 +5,35 @@
     <p:sldMasterId id="2147483648" r:id="rId1"/>
   </p:sldMasterIdLst>
   <p:notesMasterIdLst>
-    <p:notesMasterId r:id="rId4"/>
+    <p:notesMasterId r:id="rId20"/>
   </p:notesMasterIdLst>
   <p:handoutMasterIdLst>
-    <p:handoutMasterId r:id="rId22"/>
+    <p:handoutMasterId r:id="rId21"/>
   </p:handoutMasterIdLst>
   <p:sldIdLst>
-    <p:sldId id="402" r:id="rId3"/>
-    <p:sldId id="383" r:id="rId5"/>
-    <p:sldId id="422" r:id="rId6"/>
-    <p:sldId id="360" r:id="rId7"/>
-    <p:sldId id="427" r:id="rId8"/>
-    <p:sldId id="431" r:id="rId9"/>
-    <p:sldId id="435" r:id="rId10"/>
-    <p:sldId id="437" r:id="rId11"/>
-    <p:sldId id="429" r:id="rId12"/>
-    <p:sldId id="442" r:id="rId13"/>
-    <p:sldId id="443" r:id="rId14"/>
-    <p:sldId id="444" r:id="rId15"/>
-    <p:sldId id="448" r:id="rId16"/>
-    <p:sldId id="450" r:id="rId17"/>
-    <p:sldId id="430" r:id="rId18"/>
-    <p:sldId id="432" r:id="rId19"/>
-    <p:sldId id="452" r:id="rId20"/>
-    <p:sldId id="357" r:id="rId21"/>
+    <p:sldId id="402" r:id="rId2"/>
+    <p:sldId id="383" r:id="rId3"/>
+    <p:sldId id="422" r:id="rId4"/>
+    <p:sldId id="360" r:id="rId5"/>
+    <p:sldId id="427" r:id="rId6"/>
+    <p:sldId id="431" r:id="rId7"/>
+    <p:sldId id="435" r:id="rId8"/>
+    <p:sldId id="437" r:id="rId9"/>
+    <p:sldId id="429" r:id="rId10"/>
+    <p:sldId id="442" r:id="rId11"/>
+    <p:sldId id="443" r:id="rId12"/>
+    <p:sldId id="444" r:id="rId13"/>
+    <p:sldId id="448" r:id="rId14"/>
+    <p:sldId id="450" r:id="rId15"/>
+    <p:sldId id="430" r:id="rId16"/>
+    <p:sldId id="432" r:id="rId17"/>
+    <p:sldId id="452" r:id="rId18"/>
+    <p:sldId id="357" r:id="rId19"/>
   </p:sldIdLst>
   <p:sldSz cx="9144000" cy="5143500" type="screen16x9"/>
   <p:notesSz cx="6858000" cy="9144000"/>
   <p:custDataLst>
-    <p:tags r:id="rId27"/>
+    <p:tags r:id="rId22"/>
   </p:custDataLst>
   <p:defaultTextStyle>
     <a:defPPr>
@@ -130,6 +130,11 @@
       </a:defRPr>
     </a:lvl9pPr>
   </p:defaultTextStyle>
+  <p:extLst>
+    <p:ext uri="{EFAFB233-063F-42B5-8137-9DF3F51BA10A}">
+      <p15:sldGuideLst xmlns:p15="http://schemas.microsoft.com/office/powerpoint/2012/main"/>
+    </p:ext>
+  </p:extLst>
 </p:presentation>
 </file>
 
@@ -221,6 +226,7 @@
           <a:p>
             <a:fld id="{24463D7B-40F1-CC4D-A5AC-B9DE16818A89}" type="datetimeFigureOut">
               <a:rPr kumimoji="1" lang="zh-CN" altLang="en-US" smtClean="0"/>
+              <a:t>2024/7/9</a:t>
             </a:fld>
             <a:endParaRPr kumimoji="1" lang="zh-CN" altLang="en-US"/>
           </a:p>
@@ -286,6 +292,7 @@
           <a:p>
             <a:fld id="{5D892F8E-B0AE-5545-8E00-1C0AAE623BC6}" type="slidenum">
               <a:rPr kumimoji="1" lang="zh-CN" altLang="en-US" smtClean="0"/>
+              <a:t>‹#›</a:t>
             </a:fld>
             <a:endParaRPr kumimoji="1" lang="zh-CN" altLang="en-US"/>
           </a:p>
@@ -380,6 +387,7 @@
           <a:p>
             <a:fld id="{78D69968-7645-3546-AAAD-63A43CAE3CCA}" type="datetimeFigureOut">
               <a:rPr kumimoji="1" lang="zh-CN" altLang="en-US" smtClean="0"/>
+              <a:t>2024/7/9</a:t>
             </a:fld>
             <a:endParaRPr kumimoji="1" lang="zh-CN" altLang="en-US"/>
           </a:p>
@@ -446,7 +454,6 @@
               <a:rPr kumimoji="1" lang="zh-CN" altLang="en-US"/>
               <a:t>单击此处编辑母版文本样式</a:t>
             </a:r>
-            <a:endParaRPr kumimoji="1" lang="zh-CN" altLang="en-US"/>
           </a:p>
           <a:p>
             <a:pPr lvl="1"/>
@@ -454,7 +461,6 @@
               <a:rPr kumimoji="1" lang="zh-CN" altLang="en-US"/>
               <a:t>二级</a:t>
             </a:r>
-            <a:endParaRPr kumimoji="1" lang="zh-CN" altLang="en-US"/>
           </a:p>
           <a:p>
             <a:pPr lvl="2"/>
@@ -462,7 +468,6 @@
               <a:rPr kumimoji="1" lang="zh-CN" altLang="en-US"/>
               <a:t>三级</a:t>
             </a:r>
-            <a:endParaRPr kumimoji="1" lang="zh-CN" altLang="en-US"/>
           </a:p>
           <a:p>
             <a:pPr lvl="3"/>
@@ -470,7 +475,6 @@
               <a:rPr kumimoji="1" lang="zh-CN" altLang="en-US"/>
               <a:t>四级</a:t>
             </a:r>
-            <a:endParaRPr kumimoji="1" lang="zh-CN" altLang="en-US"/>
           </a:p>
           <a:p>
             <a:pPr lvl="4"/>
@@ -478,7 +482,6 @@
               <a:rPr kumimoji="1" lang="zh-CN" altLang="en-US"/>
               <a:t>五级</a:t>
             </a:r>
-            <a:endParaRPr kumimoji="1" lang="zh-CN" altLang="en-US"/>
           </a:p>
         </p:txBody>
       </p:sp>
@@ -542,6 +545,7 @@
           <a:p>
             <a:fld id="{4A5F3233-C010-AA43-B94A-4CD36AFCE0D1}" type="slidenum">
               <a:rPr kumimoji="1" lang="zh-CN" altLang="en-US" smtClean="0"/>
+              <a:t>‹#›</a:t>
             </a:fld>
             <a:endParaRPr kumimoji="1" lang="zh-CN" altLang="en-US"/>
           </a:p>
@@ -1743,6 +1747,7 @@
           <a:p>
             <a:fld id="{5E6B2057-C58E-4B80-AFBF-498DFD9887B8}" type="datetime1">
               <a:rPr kumimoji="1" lang="zh-CN" altLang="en-US" smtClean="0"/>
+              <a:t>2024/7/9</a:t>
             </a:fld>
             <a:endParaRPr kumimoji="1" lang="zh-CN" altLang="en-US"/>
           </a:p>
@@ -1800,6 +1805,7 @@
           <a:p>
             <a:fld id="{B208F09D-690D-FC4C-B4EA-A540FD849AA7}" type="slidenum">
               <a:rPr kumimoji="1" lang="zh-CN" altLang="en-US" smtClean="0"/>
+              <a:t>‹#›</a:t>
             </a:fld>
             <a:endParaRPr kumimoji="1" lang="zh-CN" altLang="en-US"/>
           </a:p>
@@ -1889,7 +1895,6 @@
               <a:rPr lang="zh-CN" altLang="en-US"/>
               <a:t>单击此处编辑母版文本样式</a:t>
             </a:r>
-            <a:endParaRPr lang="zh-CN" altLang="en-US"/>
           </a:p>
           <a:p>
             <a:pPr lvl="1"/>
@@ -1897,7 +1902,6 @@
               <a:rPr lang="zh-CN" altLang="en-US"/>
               <a:t>二级</a:t>
             </a:r>
-            <a:endParaRPr lang="zh-CN" altLang="en-US"/>
           </a:p>
           <a:p>
             <a:pPr lvl="2"/>
@@ -1905,7 +1909,6 @@
               <a:rPr lang="zh-CN" altLang="en-US"/>
               <a:t>三级</a:t>
             </a:r>
-            <a:endParaRPr lang="zh-CN" altLang="en-US"/>
           </a:p>
           <a:p>
             <a:pPr lvl="3"/>
@@ -1913,7 +1916,6 @@
               <a:rPr lang="zh-CN" altLang="en-US"/>
               <a:t>四级</a:t>
             </a:r>
-            <a:endParaRPr lang="zh-CN" altLang="en-US"/>
           </a:p>
           <a:p>
             <a:pPr lvl="4"/>
@@ -1950,6 +1952,7 @@
           <a:p>
             <a:fld id="{B4F40FB3-6ACE-4253-B482-45A3F5F4C42C}" type="datetime1">
               <a:rPr kumimoji="1" lang="zh-CN" altLang="en-US" smtClean="0"/>
+              <a:t>2024/7/9</a:t>
             </a:fld>
             <a:endParaRPr kumimoji="1" lang="zh-CN" altLang="en-US"/>
           </a:p>
@@ -2007,6 +2010,7 @@
           <a:p>
             <a:fld id="{B208F09D-690D-FC4C-B4EA-A540FD849AA7}" type="slidenum">
               <a:rPr kumimoji="1" lang="zh-CN" altLang="en-US" smtClean="0"/>
+              <a:t>‹#›</a:t>
             </a:fld>
             <a:endParaRPr kumimoji="1" lang="zh-CN" altLang="en-US"/>
           </a:p>
@@ -2096,7 +2100,6 @@
               <a:rPr lang="zh-CN" altLang="en-US"/>
               <a:t>单击此处编辑母版文本样式</a:t>
             </a:r>
-            <a:endParaRPr lang="zh-CN" altLang="en-US"/>
           </a:p>
           <a:p>
             <a:pPr lvl="1"/>
@@ -2104,7 +2107,6 @@
               <a:rPr lang="zh-CN" altLang="en-US"/>
               <a:t>二级</a:t>
             </a:r>
-            <a:endParaRPr lang="zh-CN" altLang="en-US"/>
           </a:p>
           <a:p>
             <a:pPr lvl="2"/>
@@ -2112,7 +2114,6 @@
               <a:rPr lang="zh-CN" altLang="en-US"/>
               <a:t>三级</a:t>
             </a:r>
-            <a:endParaRPr lang="zh-CN" altLang="en-US"/>
           </a:p>
           <a:p>
             <a:pPr lvl="3"/>
@@ -2120,7 +2121,6 @@
               <a:rPr lang="zh-CN" altLang="en-US"/>
               <a:t>四级</a:t>
             </a:r>
-            <a:endParaRPr lang="zh-CN" altLang="en-US"/>
           </a:p>
           <a:p>
             <a:pPr lvl="4"/>
@@ -2157,6 +2157,7 @@
           <a:p>
             <a:fld id="{9F4C7139-D601-414B-95D5-E75A89D5949B}" type="datetime1">
               <a:rPr kumimoji="1" lang="zh-CN" altLang="en-US" smtClean="0"/>
+              <a:t>2024/7/9</a:t>
             </a:fld>
             <a:endParaRPr kumimoji="1" lang="zh-CN" altLang="en-US"/>
           </a:p>
@@ -2214,6 +2215,7 @@
           <a:p>
             <a:fld id="{B208F09D-690D-FC4C-B4EA-A540FD849AA7}" type="slidenum">
               <a:rPr kumimoji="1" lang="zh-CN" altLang="en-US" smtClean="0"/>
+              <a:t>‹#›</a:t>
             </a:fld>
             <a:endParaRPr kumimoji="1" lang="zh-CN" altLang="en-US"/>
           </a:p>
@@ -2481,6 +2483,7 @@
                   <a:schemeClr val="bg1"/>
                 </a:solidFill>
               </a:rPr>
+              <a:t>‹#›</a:t>
             </a:fld>
             <a:r>
               <a:rPr lang="en-US" sz="750" dirty="0" smtClean="0">
@@ -2490,11 +2493,6 @@
               </a:rPr>
               <a:t> -</a:t>
             </a:r>
-            <a:endParaRPr lang="en-US" sz="750" dirty="0" smtClean="0">
-              <a:solidFill>
-                <a:schemeClr val="bg1"/>
-              </a:solidFill>
-            </a:endParaRPr>
           </a:p>
         </p:txBody>
       </p:sp>
@@ -2535,13 +2533,13 @@
   <p:clrMapOvr>
     <a:masterClrMapping/>
   </p:clrMapOvr>
-  <mc:AlternateContent xmlns:mc="http://schemas.openxmlformats.org/markup-compatibility/2006">
-    <mc:Choice xmlns:p14="http://schemas.microsoft.com/office/powerpoint/2010/main" Requires="p14">
+  <mc:AlternateContent xmlns:mc="http://schemas.openxmlformats.org/markup-compatibility/2006" xmlns:p14="http://schemas.microsoft.com/office/powerpoint/2010/main">
+    <mc:Choice Requires="p14">
       <p:transition spd="med" p14:dur="700">
         <p:fade/>
       </p:transition>
     </mc:Choice>
-    <mc:Fallback>
+    <mc:Fallback xmlns="">
       <p:transition spd="med">
         <p:fade/>
       </p:transition>
@@ -2631,6 +2629,7 @@
           <a:p>
             <a:fld id="{B208F09D-690D-FC4C-B4EA-A540FD849AA7}" type="slidenum">
               <a:rPr kumimoji="1" lang="zh-CN" altLang="en-US" smtClean="0"/>
+              <a:t>‹#›</a:t>
             </a:fld>
             <a:endParaRPr kumimoji="1" lang="zh-CN" altLang="en-US" dirty="0"/>
           </a:p>
@@ -2996,7 +2995,6 @@
               <a:rPr lang="zh-CN" altLang="en-US"/>
               <a:t>单击此处编辑母版文本样式</a:t>
             </a:r>
-            <a:endParaRPr lang="zh-CN" altLang="en-US"/>
           </a:p>
           <a:p>
             <a:pPr lvl="1"/>
@@ -3004,7 +3002,6 @@
               <a:rPr lang="zh-CN" altLang="en-US"/>
               <a:t>二级</a:t>
             </a:r>
-            <a:endParaRPr lang="zh-CN" altLang="en-US"/>
           </a:p>
           <a:p>
             <a:pPr lvl="2"/>
@@ -3012,7 +3009,6 @@
               <a:rPr lang="zh-CN" altLang="en-US"/>
               <a:t>三级</a:t>
             </a:r>
-            <a:endParaRPr lang="zh-CN" altLang="en-US"/>
           </a:p>
           <a:p>
             <a:pPr lvl="3"/>
@@ -3020,7 +3016,6 @@
               <a:rPr lang="zh-CN" altLang="en-US"/>
               <a:t>四级</a:t>
             </a:r>
-            <a:endParaRPr lang="zh-CN" altLang="en-US"/>
           </a:p>
           <a:p>
             <a:pPr lvl="4"/>
@@ -3057,6 +3052,7 @@
           <a:p>
             <a:fld id="{1D8E913D-7163-4043-950F-AD5EADE78AC7}" type="datetime1">
               <a:rPr kumimoji="1" lang="zh-CN" altLang="en-US" smtClean="0"/>
+              <a:t>2024/7/9</a:t>
             </a:fld>
             <a:endParaRPr kumimoji="1" lang="zh-CN" altLang="en-US"/>
           </a:p>
@@ -3114,6 +3110,7 @@
           <a:p>
             <a:fld id="{B208F09D-690D-FC4C-B4EA-A540FD849AA7}" type="slidenum">
               <a:rPr kumimoji="1" lang="zh-CN" altLang="en-US" smtClean="0"/>
+              <a:t>‹#›</a:t>
             </a:fld>
             <a:endParaRPr kumimoji="1" lang="zh-CN" altLang="en-US"/>
           </a:p>
@@ -3298,7 +3295,6 @@
               <a:rPr lang="zh-CN" altLang="en-US"/>
               <a:t>单击此处编辑母版文本样式</a:t>
             </a:r>
-            <a:endParaRPr lang="zh-CN" altLang="en-US"/>
           </a:p>
         </p:txBody>
       </p:sp>
@@ -3327,6 +3323,7 @@
           <a:p>
             <a:fld id="{BF6B0750-E386-43F9-A23D-E8881CA7AD0D}" type="datetime1">
               <a:rPr kumimoji="1" lang="zh-CN" altLang="en-US" smtClean="0"/>
+              <a:t>2024/7/9</a:t>
             </a:fld>
             <a:endParaRPr kumimoji="1" lang="zh-CN" altLang="en-US"/>
           </a:p>
@@ -3384,6 +3381,7 @@
           <a:p>
             <a:fld id="{B208F09D-690D-FC4C-B4EA-A540FD849AA7}" type="slidenum">
               <a:rPr kumimoji="1" lang="zh-CN" altLang="en-US" smtClean="0"/>
+              <a:t>‹#›</a:t>
             </a:fld>
             <a:endParaRPr kumimoji="1" lang="zh-CN" altLang="en-US"/>
           </a:p>
@@ -3473,7 +3471,6 @@
               <a:rPr lang="zh-CN" altLang="en-US"/>
               <a:t>单击此处编辑母版文本样式</a:t>
             </a:r>
-            <a:endParaRPr lang="zh-CN" altLang="en-US"/>
           </a:p>
           <a:p>
             <a:pPr lvl="1"/>
@@ -3481,7 +3478,6 @@
               <a:rPr lang="zh-CN" altLang="en-US"/>
               <a:t>二级</a:t>
             </a:r>
-            <a:endParaRPr lang="zh-CN" altLang="en-US"/>
           </a:p>
           <a:p>
             <a:pPr lvl="2"/>
@@ -3489,7 +3485,6 @@
               <a:rPr lang="zh-CN" altLang="en-US"/>
               <a:t>三级</a:t>
             </a:r>
-            <a:endParaRPr lang="zh-CN" altLang="en-US"/>
           </a:p>
           <a:p>
             <a:pPr lvl="3"/>
@@ -3497,7 +3492,6 @@
               <a:rPr lang="zh-CN" altLang="en-US"/>
               <a:t>四级</a:t>
             </a:r>
-            <a:endParaRPr lang="zh-CN" altLang="en-US"/>
           </a:p>
           <a:p>
             <a:pPr lvl="4"/>
@@ -3537,7 +3531,6 @@
               <a:rPr lang="zh-CN" altLang="en-US"/>
               <a:t>单击此处编辑母版文本样式</a:t>
             </a:r>
-            <a:endParaRPr lang="zh-CN" altLang="en-US"/>
           </a:p>
           <a:p>
             <a:pPr lvl="1"/>
@@ -3545,7 +3538,6 @@
               <a:rPr lang="zh-CN" altLang="en-US"/>
               <a:t>二级</a:t>
             </a:r>
-            <a:endParaRPr lang="zh-CN" altLang="en-US"/>
           </a:p>
           <a:p>
             <a:pPr lvl="2"/>
@@ -3553,7 +3545,6 @@
               <a:rPr lang="zh-CN" altLang="en-US"/>
               <a:t>三级</a:t>
             </a:r>
-            <a:endParaRPr lang="zh-CN" altLang="en-US"/>
           </a:p>
           <a:p>
             <a:pPr lvl="3"/>
@@ -3561,7 +3552,6 @@
               <a:rPr lang="zh-CN" altLang="en-US"/>
               <a:t>四级</a:t>
             </a:r>
-            <a:endParaRPr lang="zh-CN" altLang="en-US"/>
           </a:p>
           <a:p>
             <a:pPr lvl="4"/>
@@ -3598,6 +3588,7 @@
           <a:p>
             <a:fld id="{9D7A2BE0-E08F-4533-B5E2-5310182ACDFA}" type="datetime1">
               <a:rPr kumimoji="1" lang="zh-CN" altLang="en-US" smtClean="0"/>
+              <a:t>2024/7/9</a:t>
             </a:fld>
             <a:endParaRPr kumimoji="1" lang="zh-CN" altLang="en-US"/>
           </a:p>
@@ -3655,6 +3646,7 @@
           <a:p>
             <a:fld id="{B208F09D-690D-FC4C-B4EA-A540FD849AA7}" type="slidenum">
               <a:rPr kumimoji="1" lang="zh-CN" altLang="en-US" smtClean="0"/>
+              <a:t>‹#›</a:t>
             </a:fld>
             <a:endParaRPr kumimoji="1" lang="zh-CN" altLang="en-US"/>
           </a:p>
@@ -3781,7 +3773,6 @@
               <a:rPr lang="zh-CN" altLang="en-US"/>
               <a:t>单击此处编辑母版文本样式</a:t>
             </a:r>
-            <a:endParaRPr lang="zh-CN" altLang="en-US"/>
           </a:p>
         </p:txBody>
       </p:sp>
@@ -3813,7 +3804,6 @@
               <a:rPr lang="zh-CN" altLang="en-US"/>
               <a:t>单击此处编辑母版文本样式</a:t>
             </a:r>
-            <a:endParaRPr lang="zh-CN" altLang="en-US"/>
           </a:p>
           <a:p>
             <a:pPr lvl="1"/>
@@ -3821,7 +3811,6 @@
               <a:rPr lang="zh-CN" altLang="en-US"/>
               <a:t>二级</a:t>
             </a:r>
-            <a:endParaRPr lang="zh-CN" altLang="en-US"/>
           </a:p>
           <a:p>
             <a:pPr lvl="2"/>
@@ -3829,7 +3818,6 @@
               <a:rPr lang="zh-CN" altLang="en-US"/>
               <a:t>三级</a:t>
             </a:r>
-            <a:endParaRPr lang="zh-CN" altLang="en-US"/>
           </a:p>
           <a:p>
             <a:pPr lvl="3"/>
@@ -3837,7 +3825,6 @@
               <a:rPr lang="zh-CN" altLang="en-US"/>
               <a:t>四级</a:t>
             </a:r>
-            <a:endParaRPr lang="zh-CN" altLang="en-US"/>
           </a:p>
           <a:p>
             <a:pPr lvl="4"/>
@@ -3914,7 +3901,6 @@
               <a:rPr lang="zh-CN" altLang="en-US"/>
               <a:t>单击此处编辑母版文本样式</a:t>
             </a:r>
-            <a:endParaRPr lang="zh-CN" altLang="en-US"/>
           </a:p>
         </p:txBody>
       </p:sp>
@@ -3946,7 +3932,6 @@
               <a:rPr lang="zh-CN" altLang="en-US"/>
               <a:t>单击此处编辑母版文本样式</a:t>
             </a:r>
-            <a:endParaRPr lang="zh-CN" altLang="en-US"/>
           </a:p>
           <a:p>
             <a:pPr lvl="1"/>
@@ -3954,7 +3939,6 @@
               <a:rPr lang="zh-CN" altLang="en-US"/>
               <a:t>二级</a:t>
             </a:r>
-            <a:endParaRPr lang="zh-CN" altLang="en-US"/>
           </a:p>
           <a:p>
             <a:pPr lvl="2"/>
@@ -3962,7 +3946,6 @@
               <a:rPr lang="zh-CN" altLang="en-US"/>
               <a:t>三级</a:t>
             </a:r>
-            <a:endParaRPr lang="zh-CN" altLang="en-US"/>
           </a:p>
           <a:p>
             <a:pPr lvl="3"/>
@@ -3970,7 +3953,6 @@
               <a:rPr lang="zh-CN" altLang="en-US"/>
               <a:t>四级</a:t>
             </a:r>
-            <a:endParaRPr lang="zh-CN" altLang="en-US"/>
           </a:p>
           <a:p>
             <a:pPr lvl="4"/>
@@ -4007,6 +3989,7 @@
           <a:p>
             <a:fld id="{3B0EDDAB-0654-4120-B5CC-C010ADC3694D}" type="datetime1">
               <a:rPr kumimoji="1" lang="zh-CN" altLang="en-US" smtClean="0"/>
+              <a:t>2024/7/9</a:t>
             </a:fld>
             <a:endParaRPr kumimoji="1" lang="zh-CN" altLang="en-US"/>
           </a:p>
@@ -4064,6 +4047,7 @@
           <a:p>
             <a:fld id="{B208F09D-690D-FC4C-B4EA-A540FD849AA7}" type="slidenum">
               <a:rPr kumimoji="1" lang="zh-CN" altLang="en-US" smtClean="0"/>
+              <a:t>‹#›</a:t>
             </a:fld>
             <a:endParaRPr kumimoji="1" lang="zh-CN" altLang="en-US"/>
           </a:p>
@@ -4150,6 +4134,7 @@
           <a:p>
             <a:fld id="{ECB1B77A-FF99-4DC5-9D7A-E450CE9628D6}" type="datetime1">
               <a:rPr kumimoji="1" lang="zh-CN" altLang="en-US" smtClean="0"/>
+              <a:t>2024/7/9</a:t>
             </a:fld>
             <a:endParaRPr kumimoji="1" lang="zh-CN" altLang="en-US"/>
           </a:p>
@@ -4207,6 +4192,7 @@
           <a:p>
             <a:fld id="{B208F09D-690D-FC4C-B4EA-A540FD849AA7}" type="slidenum">
               <a:rPr kumimoji="1" lang="zh-CN" altLang="en-US" smtClean="0"/>
+              <a:t>‹#›</a:t>
             </a:fld>
             <a:endParaRPr kumimoji="1" lang="zh-CN" altLang="en-US"/>
           </a:p>
@@ -4262,6 +4248,7 @@
           <a:p>
             <a:fld id="{62FF85C1-56E3-4DE5-9E53-5FE1946C8C3E}" type="datetime1">
               <a:rPr kumimoji="1" lang="zh-CN" altLang="en-US" smtClean="0"/>
+              <a:t>2024/7/9</a:t>
             </a:fld>
             <a:endParaRPr kumimoji="1" lang="zh-CN" altLang="en-US"/>
           </a:p>
@@ -4319,6 +4306,7 @@
           <a:p>
             <a:fld id="{B208F09D-690D-FC4C-B4EA-A540FD849AA7}" type="slidenum">
               <a:rPr kumimoji="1" lang="zh-CN" altLang="en-US" smtClean="0"/>
+              <a:t>‹#›</a:t>
             </a:fld>
             <a:endParaRPr kumimoji="1" lang="zh-CN" altLang="en-US"/>
           </a:p>
@@ -4440,7 +4428,6 @@
               <a:rPr lang="zh-CN" altLang="en-US"/>
               <a:t>单击此处编辑母版文本样式</a:t>
             </a:r>
-            <a:endParaRPr lang="zh-CN" altLang="en-US"/>
           </a:p>
           <a:p>
             <a:pPr lvl="1"/>
@@ -4448,7 +4435,6 @@
               <a:rPr lang="zh-CN" altLang="en-US"/>
               <a:t>二级</a:t>
             </a:r>
-            <a:endParaRPr lang="zh-CN" altLang="en-US"/>
           </a:p>
           <a:p>
             <a:pPr lvl="2"/>
@@ -4456,7 +4442,6 @@
               <a:rPr lang="zh-CN" altLang="en-US"/>
               <a:t>三级</a:t>
             </a:r>
-            <a:endParaRPr lang="zh-CN" altLang="en-US"/>
           </a:p>
           <a:p>
             <a:pPr lvl="3"/>
@@ -4464,7 +4449,6 @@
               <a:rPr lang="zh-CN" altLang="en-US"/>
               <a:t>四级</a:t>
             </a:r>
-            <a:endParaRPr lang="zh-CN" altLang="en-US"/>
           </a:p>
           <a:p>
             <a:pPr lvl="4"/>
@@ -4541,7 +4525,6 @@
               <a:rPr lang="zh-CN" altLang="en-US"/>
               <a:t>单击此处编辑母版文本样式</a:t>
             </a:r>
-            <a:endParaRPr lang="zh-CN" altLang="en-US"/>
           </a:p>
         </p:txBody>
       </p:sp>
@@ -4570,6 +4553,7 @@
           <a:p>
             <a:fld id="{ACC8599C-AFA1-4129-9E21-B9732E9A61BC}" type="datetime1">
               <a:rPr kumimoji="1" lang="zh-CN" altLang="en-US" smtClean="0"/>
+              <a:t>2024/7/9</a:t>
             </a:fld>
             <a:endParaRPr kumimoji="1" lang="zh-CN" altLang="en-US"/>
           </a:p>
@@ -4627,6 +4611,7 @@
           <a:p>
             <a:fld id="{B208F09D-690D-FC4C-B4EA-A540FD849AA7}" type="slidenum">
               <a:rPr kumimoji="1" lang="zh-CN" altLang="en-US" smtClean="0"/>
+              <a:t>‹#›</a:t>
             </a:fld>
             <a:endParaRPr kumimoji="1" lang="zh-CN" altLang="en-US"/>
           </a:p>
@@ -4825,7 +4810,6 @@
               <a:rPr lang="zh-CN" altLang="en-US"/>
               <a:t>单击此处编辑母版文本样式</a:t>
             </a:r>
-            <a:endParaRPr lang="zh-CN" altLang="en-US"/>
           </a:p>
         </p:txBody>
       </p:sp>
@@ -4854,6 +4838,7 @@
           <a:p>
             <a:fld id="{AC01928C-5958-4E2C-80B9-630DC72CA0D6}" type="datetime1">
               <a:rPr kumimoji="1" lang="zh-CN" altLang="en-US" smtClean="0"/>
+              <a:t>2024/7/9</a:t>
             </a:fld>
             <a:endParaRPr kumimoji="1" lang="zh-CN" altLang="en-US"/>
           </a:p>
@@ -4911,6 +4896,7 @@
           <a:p>
             <a:fld id="{B208F09D-690D-FC4C-B4EA-A540FD849AA7}" type="slidenum">
               <a:rPr kumimoji="1" lang="zh-CN" altLang="en-US" smtClean="0"/>
+              <a:t>‹#›</a:t>
             </a:fld>
             <a:endParaRPr kumimoji="1" lang="zh-CN" altLang="en-US"/>
           </a:p>
@@ -4955,7 +4941,7 @@
           <p:nvPr userDrawn="1"/>
         </p:nvPicPr>
         <p:blipFill>
-          <a:blip r:embed="rId15"/>
+          <a:blip r:embed="rId16"/>
           <a:stretch>
             <a:fillRect/>
           </a:stretch>
@@ -5303,12 +5289,12 @@
         <p:spPr/>
         <p:txBody>
           <a:bodyPr/>
+          <a:lstStyle/>
           <a:p>
             <a:r>
               <a:rPr lang="zh-CN" altLang="en-US"/>
               <a:t>规则引擎技术介绍与应用（优化决策流程，提升业务自动化能力）</a:t>
             </a:r>
-            <a:endParaRPr lang="zh-CN" altLang="en-US"/>
           </a:p>
         </p:txBody>
       </p:sp>
@@ -5325,6 +5311,7 @@
         <p:spPr/>
         <p:txBody>
           <a:bodyPr/>
+          <a:lstStyle/>
           <a:p>
             <a:endParaRPr lang="zh-CN" altLang="en-US"/>
           </a:p>
@@ -5339,7 +5326,7 @@
           <p:nvPr/>
         </p:nvPicPr>
         <p:blipFill>
-          <a:blip r:embed="rId1">
+          <a:blip r:embed="rId3">
             <a:extLst>
               <a:ext uri="{28A0092B-C50C-407E-A947-70E740481C1C}">
                 <a14:useLocalDpi xmlns:a14="http://schemas.microsoft.com/office/drawing/2010/main" val="0"/>
@@ -5387,17 +5374,8 @@
               <a:rPr lang="zh-CN" altLang="en-US" sz="3200">
                 <a:sym typeface="+mn-ea"/>
               </a:rPr>
-              <a:t>规则引擎技术</a:t>
+              <a:t>规则引擎技术分享</a:t>
             </a:r>
-            <a:r>
-              <a:rPr lang="zh-CN" altLang="en-US" sz="3200">
-                <a:sym typeface="+mn-ea"/>
-              </a:rPr>
-              <a:t>分享</a:t>
-            </a:r>
-            <a:endParaRPr lang="zh-CN" altLang="en-US" sz="3200">
-              <a:sym typeface="+mn-ea"/>
-            </a:endParaRPr>
           </a:p>
         </p:txBody>
       </p:sp>
@@ -5439,7 +5417,7 @@
           <p:cNvSpPr/>
           <p:nvPr>
             <p:custDataLst>
-              <p:tags r:id="rId1"/>
+              <p:tags r:id="rId2"/>
             </p:custDataLst>
           </p:nvPr>
         </p:nvSpPr>
@@ -5493,13 +5471,13 @@
           </p:cNvGraphicFramePr>
           <p:nvPr>
             <p:custDataLst>
-              <p:tags r:id="rId2"/>
+              <p:tags r:id="rId3"/>
             </p:custDataLst>
           </p:nvPr>
         </p:nvGraphicFramePr>
         <p:xfrm>
           <a:off x="371475" y="594201"/>
-          <a:ext cx="8227060" cy="4119245"/>
+          <a:ext cx="8227060" cy="3651246"/>
         </p:xfrm>
         <a:graphic>
           <a:graphicData uri="http://schemas.openxmlformats.org/drawingml/2006/table">
@@ -5508,17 +5486,54 @@
                 <a:tableStyleId>{5C22544A-7EE6-4342-B048-85BDC9FD1C3A}</a:tableStyleId>
               </a:tblPr>
               <a:tblGrid>
-                <a:gridCol w="1175703"/>
-                <a:gridCol w="1762329"/>
-                <a:gridCol w="1762329"/>
-                <a:gridCol w="1175294"/>
-                <a:gridCol w="1175702"/>
-                <a:gridCol w="1175703"/>
+                <a:gridCol w="1175703">
+                  <a:extLst>
+                    <a:ext uri="{9D8B030D-6E8A-4147-A177-3AD203B41FA5}">
+                      <a16:colId xmlns:a16="http://schemas.microsoft.com/office/drawing/2014/main" val="20000"/>
+                    </a:ext>
+                  </a:extLst>
+                </a:gridCol>
+                <a:gridCol w="1762329">
+                  <a:extLst>
+                    <a:ext uri="{9D8B030D-6E8A-4147-A177-3AD203B41FA5}">
+                      <a16:colId xmlns:a16="http://schemas.microsoft.com/office/drawing/2014/main" val="20001"/>
+                    </a:ext>
+                  </a:extLst>
+                </a:gridCol>
+                <a:gridCol w="1762329">
+                  <a:extLst>
+                    <a:ext uri="{9D8B030D-6E8A-4147-A177-3AD203B41FA5}">
+                      <a16:colId xmlns:a16="http://schemas.microsoft.com/office/drawing/2014/main" val="20002"/>
+                    </a:ext>
+                  </a:extLst>
+                </a:gridCol>
+                <a:gridCol w="1175294">
+                  <a:extLst>
+                    <a:ext uri="{9D8B030D-6E8A-4147-A177-3AD203B41FA5}">
+                      <a16:colId xmlns:a16="http://schemas.microsoft.com/office/drawing/2014/main" val="20003"/>
+                    </a:ext>
+                  </a:extLst>
+                </a:gridCol>
+                <a:gridCol w="1175702">
+                  <a:extLst>
+                    <a:ext uri="{9D8B030D-6E8A-4147-A177-3AD203B41FA5}">
+                      <a16:colId xmlns:a16="http://schemas.microsoft.com/office/drawing/2014/main" val="20004"/>
+                    </a:ext>
+                  </a:extLst>
+                </a:gridCol>
+                <a:gridCol w="1175703">
+                  <a:extLst>
+                    <a:ext uri="{9D8B030D-6E8A-4147-A177-3AD203B41FA5}">
+                      <a16:colId xmlns:a16="http://schemas.microsoft.com/office/drawing/2014/main" val="20005"/>
+                    </a:ext>
+                  </a:extLst>
+                </a:gridCol>
               </a:tblGrid>
               <a:tr h="473710">
                 <a:tc>
                   <a:txBody>
                     <a:bodyPr/>
+                    <a:lstStyle/>
                     <a:p>
                       <a:pPr indent="0" algn="ctr" fontAlgn="ctr">
                         <a:lnSpc>
@@ -5539,11 +5554,6 @@
                         </a:rPr>
                         <a:t>类型</a:t>
                       </a:r>
-                      <a:endParaRPr lang="zh-CN" altLang="en-US" sz="1000" b="1" spc="130" baseline="0" dirty="0">
-                        <a:uFillTx/>
-                        <a:latin typeface="微软雅黑" panose="020B0503020204020204" charset="-122"/>
-                        <a:ea typeface="微软雅黑" panose="020B0503020204020204" charset="-122"/>
-                      </a:endParaRPr>
                     </a:p>
                   </a:txBody>
                   <a:tcPr marL="161925" marR="161925" marT="100012" marB="100012" anchor="ctr"/>
@@ -5551,6 +5561,7 @@
                 <a:tc>
                   <a:txBody>
                     <a:bodyPr/>
+                    <a:lstStyle/>
                     <a:p>
                       <a:pPr indent="0" algn="ctr" fontAlgn="ctr">
                         <a:lnSpc>
@@ -5572,11 +5583,6 @@
                         </a:rPr>
                         <a:t>名称</a:t>
                       </a:r>
-                      <a:endParaRPr lang="zh-CN" altLang="en-US" sz="1000" b="1" spc="130" baseline="0" dirty="0">
-                        <a:uFillTx/>
-                        <a:latin typeface="微软雅黑" panose="020B0503020204020204" charset="-122"/>
-                        <a:ea typeface="微软雅黑" panose="020B0503020204020204" charset="-122"/>
-                      </a:endParaRPr>
                     </a:p>
                   </a:txBody>
                   <a:tcPr marL="161925" marR="161925" marT="100012" marB="100012" anchor="ctr"/>
@@ -5584,6 +5590,7 @@
                 <a:tc>
                   <a:txBody>
                     <a:bodyPr/>
+                    <a:lstStyle/>
                     <a:p>
                       <a:pPr indent="0" algn="ctr" fontAlgn="ctr">
                         <a:lnSpc>
@@ -5604,11 +5611,6 @@
                         </a:rPr>
                         <a:t>特点</a:t>
                       </a:r>
-                      <a:endParaRPr lang="zh-CN" altLang="en-US" sz="1000" b="1" spc="130" baseline="0" dirty="0">
-                        <a:uFillTx/>
-                        <a:latin typeface="微软雅黑" panose="020B0503020204020204" charset="-122"/>
-                        <a:ea typeface="微软雅黑" panose="020B0503020204020204" charset="-122"/>
-                      </a:endParaRPr>
                     </a:p>
                   </a:txBody>
                   <a:tcPr marL="161925" marR="161925" marT="100012" marB="100012" anchor="ctr"/>
@@ -5616,6 +5618,7 @@
                 <a:tc>
                   <a:txBody>
                     <a:bodyPr/>
+                    <a:lstStyle/>
                     <a:p>
                       <a:pPr indent="0" algn="ctr" fontAlgn="ctr">
                         <a:lnSpc>
@@ -5637,11 +5640,6 @@
                         </a:rPr>
                         <a:t>优势</a:t>
                       </a:r>
-                      <a:endParaRPr lang="zh-CN" altLang="en-US" sz="1000" b="1" spc="130" baseline="0" dirty="0">
-                        <a:uFillTx/>
-                        <a:latin typeface="微软雅黑" panose="020B0503020204020204" charset="-122"/>
-                        <a:ea typeface="微软雅黑" panose="020B0503020204020204" charset="-122"/>
-                      </a:endParaRPr>
                     </a:p>
                   </a:txBody>
                   <a:tcPr marL="161925" marR="161925" marT="100012" marB="100012" anchor="ctr"/>
@@ -5649,6 +5647,7 @@
                 <a:tc>
                   <a:txBody>
                     <a:bodyPr/>
+                    <a:lstStyle/>
                     <a:p>
                       <a:pPr indent="0" algn="ctr" fontAlgn="ctr">
                         <a:lnSpc>
@@ -5670,11 +5669,6 @@
                         </a:rPr>
                         <a:t>缺点</a:t>
                       </a:r>
-                      <a:endParaRPr lang="zh-CN" altLang="en-US" sz="1000" b="1" spc="130" baseline="0" dirty="0">
-                        <a:uFillTx/>
-                        <a:latin typeface="微软雅黑" panose="020B0503020204020204" charset="-122"/>
-                        <a:ea typeface="微软雅黑" panose="020B0503020204020204" charset="-122"/>
-                      </a:endParaRPr>
                     </a:p>
                   </a:txBody>
                   <a:tcPr marL="161925" marR="161925" marT="100012" marB="100012" anchor="ctr"/>
@@ -5682,6 +5676,7 @@
                 <a:tc>
                   <a:txBody>
                     <a:bodyPr/>
+                    <a:lstStyle/>
                     <a:p>
                       <a:pPr indent="0" algn="ctr" fontAlgn="ctr">
                         <a:lnSpc>
@@ -5714,11 +5709,17 @@
                   </a:txBody>
                   <a:tcPr marL="161925" marR="161925" marT="100012" marB="100012" anchor="ctr"/>
                 </a:tc>
+                <a:extLst>
+                  <a:ext uri="{0D108BD9-81ED-4DB2-BD59-A6C34878D82A}">
+                    <a16:rowId xmlns:a16="http://schemas.microsoft.com/office/drawing/2014/main" val="10000"/>
+                  </a:ext>
+                </a:extLst>
               </a:tr>
               <a:tr h="457835">
                 <a:tc rowSpan="2">
                   <a:txBody>
                     <a:bodyPr/>
+                    <a:lstStyle/>
                     <a:p>
                       <a:pPr indent="0" algn="ctr" fontAlgn="ctr">
                         <a:lnSpc>
@@ -5754,6 +5755,7 @@
                 <a:tc>
                   <a:txBody>
                     <a:bodyPr/>
+                    <a:lstStyle/>
                     <a:p>
                       <a:pPr indent="0" algn="ctr" fontAlgn="ctr">
                         <a:lnSpc>
@@ -5775,11 +5777,6 @@
                         </a:rPr>
                         <a:t>Drools</a:t>
                       </a:r>
-                      <a:endParaRPr lang="en-US" altLang="zh-CN" sz="1000" b="0" spc="130" baseline="0" dirty="0">
-                        <a:uFillTx/>
-                        <a:latin typeface="微软雅黑" panose="020B0503020204020204" charset="-122"/>
-                        <a:ea typeface="微软雅黑" panose="020B0503020204020204" charset="-122"/>
-                      </a:endParaRPr>
                     </a:p>
                   </a:txBody>
                   <a:tcPr marL="161925" marR="161925" marT="100012" marB="100012" anchor="ctr">
@@ -5791,6 +5788,7 @@
                 <a:tc>
                   <a:txBody>
                     <a:bodyPr/>
+                    <a:lstStyle/>
                     <a:p>
                       <a:pPr indent="0" algn="ctr" fontAlgn="ctr">
                         <a:lnSpc>
@@ -5811,11 +5809,6 @@
                         </a:rPr>
                         <a:t>强大的规则管理与执行框架，支持复杂规则逻辑，广泛应用于Java生态</a:t>
                       </a:r>
-                      <a:endParaRPr lang="en-US" altLang="zh-CN" sz="1000" b="0" spc="130" baseline="0" dirty="0">
-                        <a:uFillTx/>
-                        <a:latin typeface="微软雅黑" panose="020B0503020204020204" charset="-122"/>
-                        <a:ea typeface="微软雅黑" panose="020B0503020204020204" charset="-122"/>
-                      </a:endParaRPr>
                     </a:p>
                   </a:txBody>
                   <a:tcPr marL="161925" marR="161925" marT="100012" marB="100012" anchor="ctr">
@@ -5827,6 +5820,7 @@
                 <a:tc>
                   <a:txBody>
                     <a:bodyPr/>
+                    <a:lstStyle/>
                     <a:p>
                       <a:pPr indent="0" algn="ctr" fontAlgn="ctr">
                         <a:lnSpc>
@@ -5848,11 +5842,6 @@
                         </a:rPr>
                         <a:t>丰富的社区资源，高度可定制化</a:t>
                       </a:r>
-                      <a:endParaRPr lang="zh-CN" altLang="en-US" sz="1000" b="0" spc="130" baseline="0" dirty="0">
-                        <a:uFillTx/>
-                        <a:latin typeface="微软雅黑" panose="020B0503020204020204" charset="-122"/>
-                        <a:ea typeface="微软雅黑" panose="020B0503020204020204" charset="-122"/>
-                      </a:endParaRPr>
                     </a:p>
                   </a:txBody>
                   <a:tcPr marL="161925" marR="161925" marT="100012" marB="100012" anchor="ctr">
@@ -5864,6 +5853,7 @@
                 <a:tc>
                   <a:txBody>
                     <a:bodyPr/>
+                    <a:lstStyle/>
                     <a:p>
                       <a:pPr indent="0" algn="ctr" fontAlgn="ctr">
                         <a:lnSpc>
@@ -5907,6 +5897,7 @@
                 <a:tc>
                   <a:txBody>
                     <a:bodyPr/>
+                    <a:lstStyle/>
                     <a:p>
                       <a:pPr indent="0" algn="ctr" fontAlgn="ctr">
                         <a:lnSpc>
@@ -5928,11 +5919,6 @@
                         </a:rPr>
                         <a:t>企业级应用，复杂业务逻辑处理</a:t>
                       </a:r>
-                      <a:endParaRPr lang="en-US" altLang="zh-CN" sz="1000" b="0" spc="130" baseline="0" dirty="0">
-                        <a:uFillTx/>
-                        <a:latin typeface="微软雅黑" panose="020B0503020204020204" charset="-122"/>
-                        <a:ea typeface="微软雅黑" panose="020B0503020204020204" charset="-122"/>
-                      </a:endParaRPr>
                     </a:p>
                   </a:txBody>
                   <a:tcPr marL="161925" marR="161925" marT="100012" marB="100012" anchor="ctr">
@@ -5941,14 +5927,27 @@
                     </a:solidFill>
                   </a:tcPr>
                 </a:tc>
+                <a:extLst>
+                  <a:ext uri="{0D108BD9-81ED-4DB2-BD59-A6C34878D82A}">
+                    <a16:rowId xmlns:a16="http://schemas.microsoft.com/office/drawing/2014/main" val="10001"/>
+                  </a:ext>
+                </a:extLst>
               </a:tr>
               <a:tr h="458470">
                 <a:tc vMerge="1">
+                  <a:txBody>
+                    <a:bodyPr/>
+                    <a:lstStyle/>
+                    <a:p>
+                      <a:endParaRPr lang="zh-CN"/>
+                    </a:p>
+                  </a:txBody>
                   <a:tcPr marL="161925" marR="161925" marT="100012" marB="100012" anchor="ctr"/>
                 </a:tc>
                 <a:tc>
                   <a:txBody>
                     <a:bodyPr/>
+                    <a:lstStyle/>
                     <a:p>
                       <a:pPr indent="0" algn="ctr" fontAlgn="ctr">
                         <a:lnSpc>
@@ -5970,11 +5969,6 @@
                         </a:rPr>
                         <a:t>Easy Rules</a:t>
                       </a:r>
-                      <a:endParaRPr lang="en-US" altLang="zh-CN" sz="1000" b="0" spc="130" baseline="0" dirty="0">
-                        <a:uFillTx/>
-                        <a:latin typeface="微软雅黑" panose="020B0503020204020204" charset="-122"/>
-                        <a:ea typeface="微软雅黑" panose="020B0503020204020204" charset="-122"/>
-                      </a:endParaRPr>
                     </a:p>
                   </a:txBody>
                   <a:tcPr marL="161925" marR="161925" marT="100012" marB="100012" anchor="ctr"/>
@@ -5982,6 +5976,7 @@
                 <a:tc>
                   <a:txBody>
                     <a:bodyPr/>
+                    <a:lstStyle/>
                     <a:p>
                       <a:pPr indent="0" algn="ctr" fontAlgn="ctr">
                         <a:lnSpc>
@@ -6002,11 +5997,6 @@
                         </a:rPr>
                         <a:t>轻量级，易于上手，适用于简单的业务规则管理</a:t>
                       </a:r>
-                      <a:endParaRPr lang="en-US" altLang="zh-CN" sz="1000" b="0" spc="130" baseline="0" dirty="0">
-                        <a:uFillTx/>
-                        <a:latin typeface="微软雅黑" panose="020B0503020204020204" charset="-122"/>
-                        <a:ea typeface="微软雅黑" panose="020B0503020204020204" charset="-122"/>
-                      </a:endParaRPr>
                     </a:p>
                   </a:txBody>
                   <a:tcPr marL="161925" marR="161925" marT="100012" marB="100012" anchor="ctr"/>
@@ -6014,6 +6004,7 @@
                 <a:tc>
                   <a:txBody>
                     <a:bodyPr/>
+                    <a:lstStyle/>
                     <a:p>
                       <a:pPr indent="0" algn="ctr" fontAlgn="ctr">
                         <a:lnSpc>
@@ -6035,11 +6026,6 @@
                         </a:rPr>
                         <a:t>代码侵入性低，学习曲线平缓</a:t>
                       </a:r>
-                      <a:endParaRPr lang="zh-CN" altLang="en-US" sz="1000" b="0" spc="130" baseline="0" dirty="0">
-                        <a:uFillTx/>
-                        <a:latin typeface="微软雅黑" panose="020B0503020204020204" charset="-122"/>
-                        <a:ea typeface="微软雅黑" panose="020B0503020204020204" charset="-122"/>
-                      </a:endParaRPr>
                     </a:p>
                   </a:txBody>
                   <a:tcPr marL="161925" marR="161925" marT="100012" marB="100012" anchor="ctr"/>
@@ -6047,6 +6033,7 @@
                 <a:tc>
                   <a:txBody>
                     <a:bodyPr/>
+                    <a:lstStyle/>
                     <a:p>
                       <a:pPr indent="0" algn="ctr" fontAlgn="ctr">
                         <a:lnSpc>
@@ -6068,11 +6055,6 @@
                         </a:rPr>
                         <a:t>功能相对有限</a:t>
                       </a:r>
-                      <a:endParaRPr lang="en-US" altLang="zh-CN" sz="1000" b="0" spc="130" baseline="0" dirty="0">
-                        <a:uFillTx/>
-                        <a:latin typeface="微软雅黑" panose="020B0503020204020204" charset="-122"/>
-                        <a:ea typeface="微软雅黑" panose="020B0503020204020204" charset="-122"/>
-                      </a:endParaRPr>
                     </a:p>
                   </a:txBody>
                   <a:tcPr marL="161925" marR="161925" marT="100012" marB="100012" anchor="ctr"/>
@@ -6080,6 +6062,7 @@
                 <a:tc>
                   <a:txBody>
                     <a:bodyPr/>
+                    <a:lstStyle/>
                     <a:p>
                       <a:pPr indent="0" algn="ctr" fontAlgn="ctr">
                         <a:lnSpc>
@@ -6101,20 +6084,21 @@
                         </a:rPr>
                         <a:t>小型项目或快速原型开发</a:t>
                       </a:r>
-                      <a:endParaRPr lang="en-US" altLang="zh-CN" sz="1000" b="0" spc="130" baseline="0" dirty="0">
-                        <a:uFillTx/>
-                        <a:latin typeface="微软雅黑" panose="020B0503020204020204" charset="-122"/>
-                        <a:ea typeface="微软雅黑" panose="020B0503020204020204" charset="-122"/>
-                      </a:endParaRPr>
                     </a:p>
                   </a:txBody>
                   <a:tcPr marL="161925" marR="161925" marT="100012" marB="100012" anchor="ctr"/>
                 </a:tc>
+                <a:extLst>
+                  <a:ext uri="{0D108BD9-81ED-4DB2-BD59-A6C34878D82A}">
+                    <a16:rowId xmlns:a16="http://schemas.microsoft.com/office/drawing/2014/main" val="10002"/>
+                  </a:ext>
+                </a:extLst>
               </a:tr>
               <a:tr h="0">
                 <a:tc rowSpan="2">
                   <a:txBody>
                     <a:bodyPr/>
+                    <a:lstStyle/>
                     <a:p>
                       <a:pPr indent="0" algn="ctr" fontAlgn="ctr">
                         <a:lnSpc>
@@ -6150,6 +6134,7 @@
                 <a:tc>
                   <a:txBody>
                     <a:bodyPr/>
+                    <a:lstStyle/>
                     <a:p>
                       <a:pPr indent="0" algn="ctr" fontAlgn="ctr">
                         <a:lnSpc>
@@ -6171,11 +6156,6 @@
                         </a:rPr>
                         <a:t>URule</a:t>
                       </a:r>
-                      <a:endParaRPr lang="en-US" altLang="zh-CN" sz="1000" b="0" spc="130" baseline="0" dirty="0">
-                        <a:uFillTx/>
-                        <a:latin typeface="微软雅黑" panose="020B0503020204020204" charset="-122"/>
-                        <a:ea typeface="微软雅黑" panose="020B0503020204020204" charset="-122"/>
-                      </a:endParaRPr>
                     </a:p>
                   </a:txBody>
                   <a:tcPr marL="161925" marR="161925" marT="100012" marB="100012" anchor="ctr">
@@ -6187,6 +6167,7 @@
                 <a:tc>
                   <a:txBody>
                     <a:bodyPr/>
+                    <a:lstStyle/>
                     <a:p>
                       <a:pPr indent="0" algn="ctr" fontAlgn="ctr">
                         <a:lnSpc>
@@ -6207,11 +6188,6 @@
                         </a:rPr>
                         <a:t>提供图形化规则编辑界面，支持多执行模式</a:t>
                       </a:r>
-                      <a:endParaRPr lang="en-US" altLang="zh-CN" sz="1000" b="0" spc="130" baseline="0" dirty="0">
-                        <a:uFillTx/>
-                        <a:latin typeface="微软雅黑" panose="020B0503020204020204" charset="-122"/>
-                        <a:ea typeface="微软雅黑" panose="020B0503020204020204" charset="-122"/>
-                      </a:endParaRPr>
                     </a:p>
                   </a:txBody>
                   <a:tcPr marL="161925" marR="161925" marT="100012" marB="100012" anchor="ctr">
@@ -6223,6 +6199,7 @@
                 <a:tc>
                   <a:txBody>
                     <a:bodyPr/>
+                    <a:lstStyle/>
                     <a:p>
                       <a:pPr indent="0" algn="ctr" fontAlgn="ctr">
                         <a:lnSpc>
@@ -6244,11 +6221,6 @@
                         </a:rPr>
                         <a:t>易用性强，良好的中文支持，适合国内企业</a:t>
                       </a:r>
-                      <a:endParaRPr lang="zh-CN" altLang="en-US" sz="1000" b="0" spc="130" baseline="0" dirty="0">
-                        <a:uFillTx/>
-                        <a:latin typeface="微软雅黑" panose="020B0503020204020204" charset="-122"/>
-                        <a:ea typeface="微软雅黑" panose="020B0503020204020204" charset="-122"/>
-                      </a:endParaRPr>
                     </a:p>
                   </a:txBody>
                   <a:tcPr marL="161925" marR="161925" marT="100012" marB="100012" anchor="ctr">
@@ -6260,6 +6232,7 @@
                 <a:tc>
                   <a:txBody>
                     <a:bodyPr/>
+                    <a:lstStyle/>
                     <a:p>
                       <a:pPr indent="0" algn="ctr" fontAlgn="ctr">
                         <a:lnSpc>
@@ -6287,21 +6260,8 @@
                           <a:latin typeface="微软雅黑" panose="020B0503020204020204" charset="-122"/>
                           <a:ea typeface="微软雅黑" panose="020B0503020204020204" charset="-122"/>
                         </a:rPr>
-                        <a:t>化功能需</a:t>
+                        <a:t>化功能需收费</a:t>
                       </a:r>
-                      <a:r>
-                        <a:rPr lang="zh-CN" altLang="en-US" sz="1000" b="0" spc="130" baseline="0" dirty="0">
-                          <a:uFillTx/>
-                          <a:latin typeface="微软雅黑" panose="020B0503020204020204" charset="-122"/>
-                          <a:ea typeface="微软雅黑" panose="020B0503020204020204" charset="-122"/>
-                        </a:rPr>
-                        <a:t>收费</a:t>
-                      </a:r>
-                      <a:endParaRPr lang="zh-CN" altLang="en-US" sz="1000" b="0" spc="130" baseline="0" dirty="0">
-                        <a:uFillTx/>
-                        <a:latin typeface="微软雅黑" panose="020B0503020204020204" charset="-122"/>
-                        <a:ea typeface="微软雅黑" panose="020B0503020204020204" charset="-122"/>
-                      </a:endParaRPr>
                     </a:p>
                   </a:txBody>
                   <a:tcPr marL="161925" marR="161925" marT="100012" marB="100012" anchor="ctr">
@@ -6313,6 +6273,7 @@
                 <a:tc>
                   <a:txBody>
                     <a:bodyPr/>
+                    <a:lstStyle/>
                     <a:p>
                       <a:pPr indent="0" algn="ctr" fontAlgn="ctr">
                         <a:lnSpc>
@@ -6334,11 +6295,6 @@
                         </a:rPr>
                         <a:t>需要快速部署与迭代的项目</a:t>
                       </a:r>
-                      <a:endParaRPr lang="en-US" altLang="zh-CN" sz="1000" b="0" spc="130" baseline="0" dirty="0">
-                        <a:uFillTx/>
-                        <a:latin typeface="微软雅黑" panose="020B0503020204020204" charset="-122"/>
-                        <a:ea typeface="微软雅黑" panose="020B0503020204020204" charset="-122"/>
-                      </a:endParaRPr>
                     </a:p>
                   </a:txBody>
                   <a:tcPr marL="161925" marR="161925" marT="100012" marB="100012" anchor="ctr">
@@ -6347,14 +6303,27 @@
                     </a:solidFill>
                   </a:tcPr>
                 </a:tc>
+                <a:extLst>
+                  <a:ext uri="{0D108BD9-81ED-4DB2-BD59-A6C34878D82A}">
+                    <a16:rowId xmlns:a16="http://schemas.microsoft.com/office/drawing/2014/main" val="10003"/>
+                  </a:ext>
+                </a:extLst>
               </a:tr>
               <a:tr h="457835">
                 <a:tc vMerge="1">
+                  <a:txBody>
+                    <a:bodyPr/>
+                    <a:lstStyle/>
+                    <a:p>
+                      <a:endParaRPr lang="zh-CN"/>
+                    </a:p>
+                  </a:txBody>
                   <a:tcPr marL="161925" marR="161925" marT="100012" marB="100012" anchor="ctr"/>
                 </a:tc>
                 <a:tc>
                   <a:txBody>
                     <a:bodyPr/>
+                    <a:lstStyle/>
                     <a:p>
                       <a:pPr indent="0" algn="ctr" fontAlgn="ctr">
                         <a:lnSpc>
@@ -6376,11 +6345,6 @@
                         </a:rPr>
                         <a:t>SMARTS</a:t>
                       </a:r>
-                      <a:endParaRPr lang="en-US" altLang="zh-CN" sz="1000" b="0" spc="130" baseline="0" dirty="0">
-                        <a:uFillTx/>
-                        <a:latin typeface="微软雅黑" panose="020B0503020204020204" charset="-122"/>
-                        <a:ea typeface="微软雅黑" panose="020B0503020204020204" charset="-122"/>
-                      </a:endParaRPr>
                     </a:p>
                   </a:txBody>
                   <a:tcPr marL="161925" marR="161925" marT="100012" marB="100012" anchor="ctr">
@@ -6392,6 +6356,7 @@
                 <a:tc>
                   <a:txBody>
                     <a:bodyPr/>
+                    <a:lstStyle/>
                     <a:p>
                       <a:pPr indent="0" algn="ctr" fontAlgn="ctr">
                         <a:lnSpc>
@@ -6412,11 +6377,6 @@
                         </a:rPr>
                         <a:t>实时监控与分析能力、功能强大</a:t>
                       </a:r>
-                      <a:endParaRPr lang="zh-CN" altLang="en-US" sz="1000" b="0" spc="130" baseline="0" dirty="0">
-                        <a:uFillTx/>
-                        <a:latin typeface="微软雅黑" panose="020B0503020204020204" charset="-122"/>
-                        <a:ea typeface="微软雅黑" panose="020B0503020204020204" charset="-122"/>
-                      </a:endParaRPr>
                     </a:p>
                   </a:txBody>
                   <a:tcPr marL="161925" marR="161925" marT="100012" marB="100012" anchor="ctr">
@@ -6428,6 +6388,7 @@
                 <a:tc>
                   <a:txBody>
                     <a:bodyPr/>
+                    <a:lstStyle/>
                     <a:p>
                       <a:pPr indent="0" algn="ctr" fontAlgn="ctr">
                         <a:lnSpc>
@@ -6449,11 +6410,6 @@
                         </a:rPr>
                         <a:t>提供技术支持与服务</a:t>
                       </a:r>
-                      <a:endParaRPr lang="zh-CN" altLang="en-US" sz="1000" b="0" spc="130" baseline="0" dirty="0">
-                        <a:uFillTx/>
-                        <a:latin typeface="微软雅黑" panose="020B0503020204020204" charset="-122"/>
-                        <a:ea typeface="微软雅黑" panose="020B0503020204020204" charset="-122"/>
-                      </a:endParaRPr>
                     </a:p>
                   </a:txBody>
                   <a:tcPr marL="161925" marR="161925" marT="100012" marB="100012" anchor="ctr">
@@ -6465,6 +6421,7 @@
                 <a:tc>
                   <a:txBody>
                     <a:bodyPr/>
+                    <a:lstStyle/>
                     <a:p>
                       <a:pPr indent="0" algn="ctr" fontAlgn="ctr">
                         <a:lnSpc>
@@ -6486,11 +6443,6 @@
                         </a:rPr>
                         <a:t>学习成本高、价格昂贵</a:t>
                       </a:r>
-                      <a:endParaRPr lang="zh-CN" altLang="en-US" sz="1000" b="0" spc="130" baseline="0" dirty="0">
-                        <a:uFillTx/>
-                        <a:latin typeface="微软雅黑" panose="020B0503020204020204" charset="-122"/>
-                        <a:ea typeface="微软雅黑" panose="020B0503020204020204" charset="-122"/>
-                      </a:endParaRPr>
                     </a:p>
                   </a:txBody>
                   <a:tcPr marL="161925" marR="161925" marT="100012" marB="100012" anchor="ctr">
@@ -6502,6 +6454,7 @@
                 <a:tc>
                   <a:txBody>
                     <a:bodyPr/>
+                    <a:lstStyle/>
                     <a:p>
                       <a:pPr indent="0" algn="ctr" fontAlgn="ctr">
                         <a:lnSpc>
@@ -6523,11 +6476,6 @@
                         </a:rPr>
                         <a:t>专业领域、大型项目</a:t>
                       </a:r>
-                      <a:endParaRPr lang="zh-CN" altLang="en-US" sz="1000" b="0" spc="130" baseline="0" dirty="0">
-                        <a:uFillTx/>
-                        <a:latin typeface="微软雅黑" panose="020B0503020204020204" charset="-122"/>
-                        <a:ea typeface="微软雅黑" panose="020B0503020204020204" charset="-122"/>
-                      </a:endParaRPr>
                     </a:p>
                   </a:txBody>
                   <a:tcPr marL="161925" marR="161925" marT="100012" marB="100012" anchor="ctr">
@@ -6536,6 +6484,11 @@
                     </a:solidFill>
                   </a:tcPr>
                 </a:tc>
+                <a:extLst>
+                  <a:ext uri="{0D108BD9-81ED-4DB2-BD59-A6C34878D82A}">
+                    <a16:rowId xmlns:a16="http://schemas.microsoft.com/office/drawing/2014/main" val="10004"/>
+                  </a:ext>
+                </a:extLst>
               </a:tr>
             </a:tbl>
           </a:graphicData>
@@ -6543,7 +6496,7 @@
       </p:graphicFrame>
     </p:spTree>
     <p:custDataLst>
-      <p:tags r:id="rId3"/>
+      <p:tags r:id="rId1"/>
     </p:custDataLst>
   </p:cSld>
   <p:clrMapOvr>
@@ -6575,7 +6528,7 @@
           <p:cNvSpPr/>
           <p:nvPr>
             <p:custDataLst>
-              <p:tags r:id="rId1"/>
+              <p:tags r:id="rId2"/>
             </p:custDataLst>
           </p:nvPr>
         </p:nvSpPr>
@@ -6759,7 +6712,7 @@
                 <a:cs typeface="+mn-ea"/>
                 <a:sym typeface="+mn-lt"/>
               </a:rPr>
-              <a:t>URULEPRO </a:t>
+              <a:t>URULE </a:t>
             </a:r>
             <a:r>
               <a:rPr lang="zh-CN" altLang="en-US" sz="2100" dirty="0" smtClean="0">
@@ -6792,7 +6745,7 @@
           <p:nvPr/>
         </p:nvPicPr>
         <p:blipFill>
-          <a:blip r:embed="rId2">
+          <a:blip r:embed="rId5">
             <a:extLst>
               <a:ext uri="{28A0092B-C50C-407E-A947-70E740481C1C}">
                 <a14:useLocalDpi xmlns:a14="http://schemas.microsoft.com/office/drawing/2010/main" val="0"/>
@@ -6815,7 +6768,7 @@
       </p:pic>
     </p:spTree>
     <p:custDataLst>
-      <p:tags r:id="rId3"/>
+      <p:tags r:id="rId1"/>
     </p:custDataLst>
   </p:cSld>
   <p:clrMapOvr>
@@ -6890,6 +6843,7 @@
         </p:style>
         <p:txBody>
           <a:bodyPr rtlCol="0" anchor="ctr"/>
+          <a:lstStyle/>
           <a:p>
             <a:pPr algn="ctr"/>
             <a:endParaRPr lang="zh-CN" altLang="en-US"/>
@@ -6944,6 +6898,7 @@
         </p:style>
         <p:txBody>
           <a:bodyPr rtlCol="0" anchor="ctr"/>
+          <a:lstStyle/>
           <a:p>
             <a:pPr algn="ctr"/>
             <a:r>
@@ -6962,7 +6917,7 @@
           <p:cNvSpPr txBox="1"/>
           <p:nvPr>
             <p:custDataLst>
-              <p:tags r:id="rId1"/>
+              <p:tags r:id="rId2"/>
             </p:custDataLst>
           </p:nvPr>
         </p:nvSpPr>
@@ -6980,6 +6935,7 @@
           <a:bodyPr wrap="square" rtlCol="0">
             <a:normAutofit/>
           </a:bodyPr>
+          <a:lstStyle/>
           <a:p>
             <a:pPr lvl="0" fontAlgn="auto">
               <a:lnSpc>
@@ -7020,12 +6976,12 @@
           </p:cNvPicPr>
           <p:nvPr>
             <p:custDataLst>
-              <p:tags r:id="rId2"/>
+              <p:tags r:id="rId3"/>
             </p:custDataLst>
           </p:nvPr>
         </p:nvPicPr>
         <p:blipFill>
-          <a:blip r:embed="rId3"/>
+          <a:blip r:embed="rId13"/>
           <a:srcRect l="983" r="983"/>
           <a:stretch>
             <a:fillRect/>
@@ -7123,7 +7079,7 @@
           </p:nvPr>
         </p:nvPicPr>
         <p:blipFill>
-          <a:blip r:embed="rId5"/>
+          <a:blip r:embed="rId14"/>
           <a:srcRect l="15120" r="15120"/>
           <a:stretch>
             <a:fillRect/>
@@ -7214,7 +7170,7 @@
           <p:cNvSpPr/>
           <p:nvPr>
             <p:custDataLst>
-              <p:tags r:id="rId6"/>
+              <p:tags r:id="rId5"/>
             </p:custDataLst>
           </p:nvPr>
         </p:nvSpPr>
@@ -7408,7 +7364,7 @@
           <p:cNvSpPr/>
           <p:nvPr>
             <p:custDataLst>
-              <p:tags r:id="rId7"/>
+              <p:tags r:id="rId6"/>
             </p:custDataLst>
           </p:nvPr>
         </p:nvSpPr>
@@ -7617,7 +7573,7 @@
           <p:cNvSpPr/>
           <p:nvPr>
             <p:custDataLst>
-              <p:tags r:id="rId8"/>
+              <p:tags r:id="rId7"/>
             </p:custDataLst>
           </p:nvPr>
         </p:nvSpPr>
@@ -7667,7 +7623,7 @@
           <p:cNvSpPr/>
           <p:nvPr>
             <p:custDataLst>
-              <p:tags r:id="rId9"/>
+              <p:tags r:id="rId8"/>
             </p:custDataLst>
           </p:nvPr>
         </p:nvSpPr>
@@ -7717,7 +7673,7 @@
           <p:cNvSpPr/>
           <p:nvPr>
             <p:custDataLst>
-              <p:tags r:id="rId10"/>
+              <p:tags r:id="rId9"/>
             </p:custDataLst>
           </p:nvPr>
         </p:nvSpPr>
@@ -7988,7 +7944,7 @@
           <p:cNvSpPr/>
           <p:nvPr>
             <p:custDataLst>
-              <p:tags r:id="rId11"/>
+              <p:tags r:id="rId10"/>
             </p:custDataLst>
           </p:nvPr>
         </p:nvSpPr>
@@ -8319,6 +8275,7 @@
         </p:style>
         <p:txBody>
           <a:bodyPr rtlCol="0" anchor="ctr"/>
+          <a:lstStyle/>
           <a:p>
             <a:pPr algn="ctr"/>
             <a:endParaRPr lang="zh-CN" altLang="en-US"/>
@@ -8345,6 +8302,7 @@
           <a:bodyPr wrap="square" rtlCol="0" anchor="t">
             <a:spAutoFit/>
           </a:bodyPr>
+          <a:lstStyle/>
           <a:p>
             <a:r>
               <a:rPr lang="zh-CN" altLang="en-US" sz="1400" b="1" dirty="0">
@@ -8352,9 +8310,6 @@
               </a:rPr>
               <a:t>传统硬编码方式</a:t>
             </a:r>
-            <a:endParaRPr lang="zh-CN" altLang="en-US" sz="1400" b="1" dirty="0">
-              <a:sym typeface="+mn-ea"/>
-            </a:endParaRPr>
           </a:p>
         </p:txBody>
       </p:sp>
@@ -8378,6 +8333,7 @@
           <a:bodyPr wrap="square" rtlCol="0" anchor="t">
             <a:spAutoFit/>
           </a:bodyPr>
+          <a:lstStyle/>
           <a:p>
             <a:r>
               <a:rPr lang="en-US" altLang="zh-CN" sz="1400" b="1" dirty="0">
@@ -8391,15 +8347,12 @@
               </a:rPr>
               <a:t>可视化规则方式</a:t>
             </a:r>
-            <a:endParaRPr lang="zh-CN" altLang="en-US" sz="1400" b="1" dirty="0">
-              <a:sym typeface="+mn-ea"/>
-            </a:endParaRPr>
           </a:p>
         </p:txBody>
       </p:sp>
     </p:spTree>
     <p:custDataLst>
-      <p:tags r:id="rId12"/>
+      <p:tags r:id="rId1"/>
     </p:custDataLst>
   </p:cSld>
   <p:clrMapOvr>
@@ -8632,7 +8585,6 @@
               <a:rPr lang="zh-CN" altLang="en-US" sz="1050" dirty="0"/>
               <a:t>设置变量库</a:t>
             </a:r>
-            <a:endParaRPr lang="zh-CN" altLang="en-US" sz="1050" dirty="0"/>
           </a:p>
         </p:txBody>
       </p:sp>
@@ -8645,7 +8597,7 @@
           <p:nvPr/>
         </p:nvPicPr>
         <p:blipFill>
-          <a:blip r:embed="rId1"/>
+          <a:blip r:embed="rId4"/>
           <a:stretch>
             <a:fillRect/>
           </a:stretch>
@@ -8662,7 +8614,7 @@
       </p:pic>
     </p:spTree>
     <p:custDataLst>
-      <p:tags r:id="rId2"/>
+      <p:tags r:id="rId1"/>
     </p:custDataLst>
   </p:cSld>
   <p:clrMapOvr>
@@ -8785,9 +8737,6 @@
               </a:rPr>
               <a:t>使用决策集编写决策，将规则加入到变量中</a:t>
             </a:r>
-            <a:endParaRPr lang="zh-CN" altLang="en-US" sz="1050" dirty="0">
-              <a:latin typeface="+mn-ea"/>
-            </a:endParaRPr>
           </a:p>
         </p:txBody>
       </p:sp>
@@ -8800,7 +8749,7 @@
           <p:nvPr/>
         </p:nvPicPr>
         <p:blipFill>
-          <a:blip r:embed="rId1"/>
+          <a:blip r:embed="rId4"/>
           <a:stretch>
             <a:fillRect/>
           </a:stretch>
@@ -8849,9 +8798,6 @@
               </a:rPr>
               <a:t>编写规则判断</a:t>
             </a:r>
-            <a:endParaRPr lang="zh-CN" altLang="en-US" sz="1050" dirty="0">
-              <a:latin typeface="+mn-ea"/>
-            </a:endParaRPr>
           </a:p>
         </p:txBody>
       </p:sp>
@@ -8893,7 +8839,6 @@
               <a:rPr lang="zh-CN" altLang="en-US" sz="1050" dirty="0"/>
               <a:t>规则</a:t>
             </a:r>
-            <a:endParaRPr lang="zh-CN" altLang="en-US" sz="1050" dirty="0"/>
           </a:p>
         </p:txBody>
       </p:sp>
@@ -8906,7 +8851,7 @@
           <p:nvPr/>
         </p:nvPicPr>
         <p:blipFill>
-          <a:blip r:embed="rId2"/>
+          <a:blip r:embed="rId5"/>
           <a:stretch>
             <a:fillRect/>
           </a:stretch>
@@ -8967,9 +8912,6 @@
               </a:rPr>
               <a:t>的方式调用。</a:t>
             </a:r>
-            <a:endParaRPr lang="zh-CN" altLang="en-US" sz="1050" dirty="0">
-              <a:latin typeface="+mn-ea"/>
-            </a:endParaRPr>
           </a:p>
         </p:txBody>
       </p:sp>
@@ -8982,7 +8924,7 @@
           <p:nvPr/>
         </p:nvPicPr>
         <p:blipFill>
-          <a:blip r:embed="rId3"/>
+          <a:blip r:embed="rId6"/>
           <a:stretch>
             <a:fillRect/>
           </a:stretch>
@@ -8999,7 +8941,7 @@
       </p:pic>
     </p:spTree>
     <p:custDataLst>
-      <p:tags r:id="rId4"/>
+      <p:tags r:id="rId1"/>
     </p:custDataLst>
   </p:cSld>
   <p:clrMapOvr>
@@ -9038,7 +8980,7 @@
           <p:cNvSpPr txBox="1"/>
           <p:nvPr>
             <p:custDataLst>
-              <p:tags r:id="rId1"/>
+              <p:tags r:id="rId2"/>
             </p:custDataLst>
           </p:nvPr>
         </p:nvSpPr>
@@ -9070,14 +9012,6 @@
               </a:rPr>
               <a:t>04</a:t>
             </a:r>
-            <a:endParaRPr lang="en-US" altLang="zh-CN" sz="6600" b="1" spc="200">
-              <a:solidFill>
-                <a:schemeClr val="accent1"/>
-              </a:solidFill>
-              <a:latin typeface="Arial" panose="020B0604020202020204" pitchFamily="34" charset="0"/>
-              <a:ea typeface="微软雅黑" panose="020B0503020204020204" charset="-122"/>
-              <a:cs typeface="Arial" panose="020B0604020202020204" pitchFamily="34" charset="0"/>
-            </a:endParaRPr>
           </a:p>
         </p:txBody>
       </p:sp>
@@ -9087,7 +9021,7 @@
           <p:cNvSpPr txBox="1"/>
           <p:nvPr>
             <p:custDataLst>
-              <p:tags r:id="rId2"/>
+              <p:tags r:id="rId3"/>
             </p:custDataLst>
           </p:nvPr>
         </p:nvSpPr>
@@ -9136,7 +9070,7 @@
           <p:cNvCxnSpPr/>
           <p:nvPr>
             <p:custDataLst>
-              <p:tags r:id="rId3"/>
+              <p:tags r:id="rId4"/>
             </p:custDataLst>
           </p:nvPr>
         </p:nvCxnSpPr>
@@ -9167,7 +9101,7 @@
           </p:cNvSpPr>
           <p:nvPr>
             <p:custDataLst>
-              <p:tags r:id="rId4"/>
+              <p:tags r:id="rId5"/>
             </p:custDataLst>
           </p:nvPr>
         </p:nvSpPr>
@@ -9218,27 +9152,14 @@
                   <a:schemeClr val="dk1"/>
                 </a:solidFill>
               </a:rPr>
-              <a:t>案例</a:t>
+              <a:t>案例分享</a:t>
             </a:r>
-            <a:r>
-              <a:rPr lang="zh-CN" altLang="en-US" sz="4780">
-                <a:solidFill>
-                  <a:schemeClr val="dk1"/>
-                </a:solidFill>
-              </a:rPr>
-              <a:t>分享</a:t>
-            </a:r>
-            <a:endParaRPr lang="zh-CN" altLang="en-US" sz="4780">
-              <a:solidFill>
-                <a:schemeClr val="dk1"/>
-              </a:solidFill>
-            </a:endParaRPr>
           </a:p>
         </p:txBody>
       </p:sp>
     </p:spTree>
     <p:custDataLst>
-      <p:tags r:id="rId5"/>
+      <p:tags r:id="rId1"/>
     </p:custDataLst>
   </p:cSld>
   <p:clrMapOvr>
@@ -9277,7 +9198,7 @@
           <p:cNvSpPr txBox="1"/>
           <p:nvPr>
             <p:custDataLst>
-              <p:tags r:id="rId1"/>
+              <p:tags r:id="rId2"/>
             </p:custDataLst>
           </p:nvPr>
         </p:nvSpPr>
@@ -9309,14 +9230,6 @@
               </a:rPr>
               <a:t>05</a:t>
             </a:r>
-            <a:endParaRPr lang="en-US" altLang="zh-CN" sz="6600" b="1" spc="200">
-              <a:solidFill>
-                <a:schemeClr val="accent1"/>
-              </a:solidFill>
-              <a:latin typeface="Arial" panose="020B0604020202020204" pitchFamily="34" charset="0"/>
-              <a:ea typeface="微软雅黑" panose="020B0503020204020204" charset="-122"/>
-              <a:cs typeface="Arial" panose="020B0604020202020204" pitchFamily="34" charset="0"/>
-            </a:endParaRPr>
           </a:p>
         </p:txBody>
       </p:sp>
@@ -9326,7 +9239,7 @@
           <p:cNvSpPr txBox="1"/>
           <p:nvPr>
             <p:custDataLst>
-              <p:tags r:id="rId2"/>
+              <p:tags r:id="rId3"/>
             </p:custDataLst>
           </p:nvPr>
         </p:nvSpPr>
@@ -9375,7 +9288,7 @@
           <p:cNvCxnSpPr/>
           <p:nvPr>
             <p:custDataLst>
-              <p:tags r:id="rId3"/>
+              <p:tags r:id="rId4"/>
             </p:custDataLst>
           </p:nvPr>
         </p:nvCxnSpPr>
@@ -9406,7 +9319,7 @@
           </p:cNvSpPr>
           <p:nvPr>
             <p:custDataLst>
-              <p:tags r:id="rId4"/>
+              <p:tags r:id="rId5"/>
             </p:custDataLst>
           </p:nvPr>
         </p:nvSpPr>
@@ -9457,27 +9370,14 @@
                   <a:schemeClr val="dk1"/>
                 </a:solidFill>
               </a:rPr>
-              <a:t>未来趋势与</a:t>
+              <a:t>未来趋势与挑战</a:t>
             </a:r>
-            <a:r>
-              <a:rPr lang="zh-CN" altLang="en-US" sz="4780">
-                <a:solidFill>
-                  <a:schemeClr val="dk1"/>
-                </a:solidFill>
-              </a:rPr>
-              <a:t>挑战</a:t>
-            </a:r>
-            <a:endParaRPr lang="zh-CN" altLang="en-US" sz="4780">
-              <a:solidFill>
-                <a:schemeClr val="dk1"/>
-              </a:solidFill>
-            </a:endParaRPr>
           </a:p>
         </p:txBody>
       </p:sp>
     </p:spTree>
     <p:custDataLst>
-      <p:tags r:id="rId5"/>
+      <p:tags r:id="rId1"/>
     </p:custDataLst>
   </p:cSld>
   <p:clrMapOvr>
@@ -9538,6 +9438,7 @@
           <a:bodyPr wrap="square" rtlCol="0" anchor="t">
             <a:noAutofit/>
           </a:bodyPr>
+          <a:lstStyle/>
           <a:p>
             <a:pPr algn="l" fontAlgn="auto">
               <a:lnSpc>
@@ -9567,23 +9468,6 @@
               </a:rPr>
               <a:t>规则引擎正朝着更加智能化、易用化和云原生化的方向发展，但同时需应对复杂性管理、性能优化和安全性等多重挑战。未来成功的规则引擎将是在保障高效决策的同时，也能灵活适应不断变化的业务和技术环境。</a:t>
             </a:r>
-            <a:endParaRPr lang="zh-CN" altLang="en-US" sz="1000" spc="100" dirty="0">
-              <a:ln w="3175">
-                <a:noFill/>
-                <a:prstDash val="dash"/>
-              </a:ln>
-              <a:solidFill>
-                <a:schemeClr val="dk1">
-                  <a:lumMod val="75000"/>
-                  <a:lumOff val="25000"/>
-                </a:schemeClr>
-              </a:solidFill>
-              <a:uFillTx/>
-              <a:latin typeface="微软雅黑" panose="020B0503020204020204" charset="-122"/>
-              <a:ea typeface="微软雅黑" panose="020B0503020204020204" charset="-122"/>
-              <a:cs typeface="微软雅黑" panose="020B0503020204020204" charset="-122"/>
-              <a:sym typeface="+mn-ea"/>
-            </a:endParaRPr>
           </a:p>
         </p:txBody>
       </p:sp>
@@ -9593,7 +9477,7 @@
           <p:cNvSpPr/>
           <p:nvPr>
             <p:custDataLst>
-              <p:tags r:id="rId1"/>
+              <p:tags r:id="rId2"/>
             </p:custDataLst>
           </p:nvPr>
         </p:nvSpPr>
@@ -9636,6 +9520,7 @@
           <a:bodyPr wrap="square" lIns="233668" tIns="127902" rIns="169177" bIns="127902" rtlCol="0" anchor="ctr">
             <a:noAutofit/>
           </a:bodyPr>
+          <a:lstStyle/>
           <a:p>
             <a:pPr>
               <a:lnSpc>
@@ -9685,16 +9570,6 @@
               </a:rPr>
               <a:t>规则引擎与人工智能（AI）、机器学习深度融合，实现更智能的决策支持，自学习优化规则，提高决策精准度。</a:t>
             </a:r>
-            <a:endParaRPr lang="zh-CN" altLang="en-US" sz="1000" dirty="0">
-              <a:solidFill>
-                <a:schemeClr val="tx1">
-                  <a:lumMod val="85000"/>
-                  <a:lumOff val="15000"/>
-                </a:schemeClr>
-              </a:solidFill>
-              <a:latin typeface="+mn-ea"/>
-              <a:cs typeface="+mn-ea"/>
-            </a:endParaRPr>
           </a:p>
         </p:txBody>
       </p:sp>
@@ -9704,7 +9579,7 @@
           <p:cNvSpPr/>
           <p:nvPr>
             <p:custDataLst>
-              <p:tags r:id="rId2"/>
+              <p:tags r:id="rId3"/>
             </p:custDataLst>
           </p:nvPr>
         </p:nvSpPr>
@@ -9745,6 +9620,7 @@
           <a:bodyPr rtlCol="0" anchor="ctr">
             <a:noAutofit/>
           </a:bodyPr>
+          <a:lstStyle/>
           <a:p>
             <a:pPr algn="ctr"/>
             <a:endParaRPr lang="zh-CN" altLang="en-US" sz="1515"/>
@@ -9757,7 +9633,7 @@
           <p:cNvSpPr/>
           <p:nvPr>
             <p:custDataLst>
-              <p:tags r:id="rId3"/>
+              <p:tags r:id="rId4"/>
             </p:custDataLst>
           </p:nvPr>
         </p:nvSpPr>
@@ -9800,6 +9676,7 @@
           <a:bodyPr wrap="square" lIns="233668" tIns="127902" rIns="169177" bIns="127902" rtlCol="0" anchor="ctr">
             <a:noAutofit/>
           </a:bodyPr>
+          <a:lstStyle/>
           <a:p>
             <a:pPr>
               <a:lnSpc>
@@ -9819,16 +9696,6 @@
               </a:rPr>
               <a:t>低代码/无代码平台</a:t>
             </a:r>
-            <a:endParaRPr lang="zh-CN" altLang="en-US" sz="1000" b="1" dirty="0">
-              <a:solidFill>
-                <a:schemeClr val="tx1">
-                  <a:lumMod val="85000"/>
-                  <a:lumOff val="15000"/>
-                </a:schemeClr>
-              </a:solidFill>
-              <a:latin typeface="+mn-ea"/>
-              <a:cs typeface="+mn-ea"/>
-            </a:endParaRPr>
           </a:p>
           <a:p>
             <a:pPr>
@@ -9868,7 +9735,7 @@
           <p:cNvSpPr/>
           <p:nvPr>
             <p:custDataLst>
-              <p:tags r:id="rId4"/>
+              <p:tags r:id="rId5"/>
             </p:custDataLst>
           </p:nvPr>
         </p:nvSpPr>
@@ -9909,6 +9776,7 @@
           <a:bodyPr rtlCol="0" anchor="ctr">
             <a:noAutofit/>
           </a:bodyPr>
+          <a:lstStyle/>
           <a:p>
             <a:pPr algn="ctr"/>
             <a:endParaRPr lang="zh-CN" altLang="en-US" sz="1515" dirty="0"/>
@@ -9921,7 +9789,7 @@
           <p:cNvSpPr/>
           <p:nvPr>
             <p:custDataLst>
-              <p:tags r:id="rId5"/>
+              <p:tags r:id="rId6"/>
             </p:custDataLst>
           </p:nvPr>
         </p:nvSpPr>
@@ -9964,6 +9832,7 @@
           <a:bodyPr wrap="square" lIns="233668" tIns="127902" rIns="169177" bIns="127902" rtlCol="0" anchor="ctr">
             <a:noAutofit/>
           </a:bodyPr>
+          <a:lstStyle/>
           <a:p>
             <a:pPr>
               <a:lnSpc>
@@ -9983,16 +9852,6 @@
               </a:rPr>
               <a:t>云原生与微服务化</a:t>
             </a:r>
-            <a:endParaRPr lang="zh-CN" altLang="en-US" sz="1000" b="1" dirty="0">
-              <a:solidFill>
-                <a:schemeClr val="tx1">
-                  <a:lumMod val="85000"/>
-                  <a:lumOff val="15000"/>
-                </a:schemeClr>
-              </a:solidFill>
-              <a:latin typeface="+mn-ea"/>
-              <a:cs typeface="+mn-ea"/>
-            </a:endParaRPr>
           </a:p>
           <a:p>
             <a:pPr>
@@ -10013,16 +9872,6 @@
               </a:rPr>
               <a:t>规则引擎将更多地以云原生应用形式部署，支持容器化、微服务架构，实现弹性伸缩和高效运维。</a:t>
             </a:r>
-            <a:endParaRPr lang="zh-CN" altLang="en-US" sz="1000" dirty="0">
-              <a:solidFill>
-                <a:schemeClr val="tx1">
-                  <a:lumMod val="85000"/>
-                  <a:lumOff val="15000"/>
-                </a:schemeClr>
-              </a:solidFill>
-              <a:latin typeface="+mn-ea"/>
-              <a:cs typeface="+mn-ea"/>
-            </a:endParaRPr>
           </a:p>
         </p:txBody>
       </p:sp>
@@ -10032,7 +9881,7 @@
           <p:cNvSpPr/>
           <p:nvPr>
             <p:custDataLst>
-              <p:tags r:id="rId6"/>
+              <p:tags r:id="rId7"/>
             </p:custDataLst>
           </p:nvPr>
         </p:nvSpPr>
@@ -10073,6 +9922,7 @@
           <a:bodyPr rtlCol="0" anchor="ctr">
             <a:noAutofit/>
           </a:bodyPr>
+          <a:lstStyle/>
           <a:p>
             <a:pPr algn="ctr"/>
             <a:endParaRPr lang="zh-CN" altLang="en-US" sz="1515" dirty="0"/>
@@ -10085,7 +9935,7 @@
           <p:cNvSpPr/>
           <p:nvPr>
             <p:custDataLst>
-              <p:tags r:id="rId7"/>
+              <p:tags r:id="rId8"/>
             </p:custDataLst>
           </p:nvPr>
         </p:nvSpPr>
@@ -10128,6 +9978,7 @@
           <a:bodyPr wrap="square" lIns="233668" tIns="127902" rIns="169176" bIns="127902" rtlCol="0" anchor="ctr">
             <a:noAutofit/>
           </a:bodyPr>
+          <a:lstStyle/>
           <a:p>
             <a:pPr>
               <a:lnSpc>
@@ -10147,16 +9998,6 @@
               </a:rPr>
               <a:t>复杂性管理</a:t>
             </a:r>
-            <a:endParaRPr lang="zh-CN" altLang="en-US" sz="1000" b="1" dirty="0">
-              <a:solidFill>
-                <a:schemeClr val="tx1">
-                  <a:lumMod val="85000"/>
-                  <a:lumOff val="15000"/>
-                </a:schemeClr>
-              </a:solidFill>
-              <a:latin typeface="+mn-ea"/>
-              <a:cs typeface="+mn-ea"/>
-            </a:endParaRPr>
           </a:p>
           <a:p>
             <a:pPr>
@@ -10177,16 +10018,6 @@
               </a:rPr>
               <a:t>随着规则数量激增，如何有效管理规则之间的依赖和冲突，保持规则库的清晰和可维护性成为挑战。</a:t>
             </a:r>
-            <a:endParaRPr lang="zh-CN" altLang="en-US" sz="1000" dirty="0">
-              <a:solidFill>
-                <a:schemeClr val="tx1">
-                  <a:lumMod val="85000"/>
-                  <a:lumOff val="15000"/>
-                </a:schemeClr>
-              </a:solidFill>
-              <a:latin typeface="+mn-ea"/>
-              <a:cs typeface="+mn-ea"/>
-            </a:endParaRPr>
           </a:p>
         </p:txBody>
       </p:sp>
@@ -10196,7 +10027,7 @@
           <p:cNvSpPr/>
           <p:nvPr>
             <p:custDataLst>
-              <p:tags r:id="rId8"/>
+              <p:tags r:id="rId9"/>
             </p:custDataLst>
           </p:nvPr>
         </p:nvSpPr>
@@ -10237,6 +10068,7 @@
           <a:bodyPr rtlCol="0" anchor="ctr">
             <a:noAutofit/>
           </a:bodyPr>
+          <a:lstStyle/>
           <a:p>
             <a:pPr algn="ctr"/>
             <a:endParaRPr lang="zh-CN" altLang="en-US" sz="1515" dirty="0"/>
@@ -10249,7 +10081,7 @@
           <p:cNvSpPr/>
           <p:nvPr>
             <p:custDataLst>
-              <p:tags r:id="rId9"/>
+              <p:tags r:id="rId10"/>
             </p:custDataLst>
           </p:nvPr>
         </p:nvSpPr>
@@ -10292,6 +10124,7 @@
           <a:bodyPr wrap="square" lIns="233668" tIns="127902" rIns="169176" bIns="127902" rtlCol="0" anchor="ctr">
             <a:noAutofit/>
           </a:bodyPr>
+          <a:lstStyle/>
           <a:p>
             <a:pPr>
               <a:lnSpc>
@@ -10341,16 +10174,6 @@
               </a:rPr>
               <a:t>在处理大规模数据和高并发请求时，保证规则引擎的高性能和水平扩展能力，避免成为系统瓶颈。</a:t>
             </a:r>
-            <a:endParaRPr lang="zh-CN" altLang="en-US" sz="1000" dirty="0">
-              <a:solidFill>
-                <a:schemeClr val="tx1">
-                  <a:lumMod val="85000"/>
-                  <a:lumOff val="15000"/>
-                </a:schemeClr>
-              </a:solidFill>
-              <a:latin typeface="+mn-ea"/>
-              <a:cs typeface="+mn-ea"/>
-            </a:endParaRPr>
           </a:p>
         </p:txBody>
       </p:sp>
@@ -10360,7 +10183,7 @@
           <p:cNvSpPr/>
           <p:nvPr>
             <p:custDataLst>
-              <p:tags r:id="rId10"/>
+              <p:tags r:id="rId11"/>
             </p:custDataLst>
           </p:nvPr>
         </p:nvSpPr>
@@ -10401,6 +10224,7 @@
           <a:bodyPr rtlCol="0" anchor="ctr">
             <a:noAutofit/>
           </a:bodyPr>
+          <a:lstStyle/>
           <a:p>
             <a:pPr algn="ctr"/>
             <a:endParaRPr lang="zh-CN" altLang="en-US" sz="1515" dirty="0"/>
@@ -10413,7 +10237,7 @@
           <p:cNvSpPr/>
           <p:nvPr>
             <p:custDataLst>
-              <p:tags r:id="rId11"/>
+              <p:tags r:id="rId12"/>
             </p:custDataLst>
           </p:nvPr>
         </p:nvSpPr>
@@ -10456,6 +10280,7 @@
           <a:bodyPr wrap="square" lIns="233668" tIns="127902" rIns="169176" bIns="127902" rtlCol="0" anchor="ctr">
             <a:noAutofit/>
           </a:bodyPr>
+          <a:lstStyle/>
           <a:p>
             <a:pPr>
               <a:lnSpc>
@@ -10475,16 +10300,6 @@
               </a:rPr>
               <a:t>安全与隐私保护</a:t>
             </a:r>
-            <a:endParaRPr lang="zh-CN" altLang="en-US" sz="1000" b="1" dirty="0">
-              <a:solidFill>
-                <a:schemeClr val="tx1">
-                  <a:lumMod val="85000"/>
-                  <a:lumOff val="15000"/>
-                </a:schemeClr>
-              </a:solidFill>
-              <a:latin typeface="+mn-ea"/>
-              <a:cs typeface="+mn-ea"/>
-            </a:endParaRPr>
           </a:p>
           <a:p>
             <a:pPr>
@@ -10505,16 +10320,6 @@
               </a:rPr>
               <a:t>确保规则执行过程中数据的安全性，特别是在云环境和多租户架构中，防止数据泄露和违规访问。</a:t>
             </a:r>
-            <a:endParaRPr lang="zh-CN" altLang="en-US" sz="1000" dirty="0">
-              <a:solidFill>
-                <a:schemeClr val="tx1">
-                  <a:lumMod val="85000"/>
-                  <a:lumOff val="15000"/>
-                </a:schemeClr>
-              </a:solidFill>
-              <a:latin typeface="+mn-ea"/>
-              <a:cs typeface="+mn-ea"/>
-            </a:endParaRPr>
           </a:p>
         </p:txBody>
       </p:sp>
@@ -10524,7 +10329,7 @@
           <p:cNvSpPr/>
           <p:nvPr>
             <p:custDataLst>
-              <p:tags r:id="rId12"/>
+              <p:tags r:id="rId13"/>
             </p:custDataLst>
           </p:nvPr>
         </p:nvSpPr>
@@ -10565,6 +10370,7 @@
           <a:bodyPr rtlCol="0" anchor="ctr">
             <a:noAutofit/>
           </a:bodyPr>
+          <a:lstStyle/>
           <a:p>
             <a:pPr algn="ctr"/>
             <a:endParaRPr lang="zh-CN" altLang="en-US" sz="1515" dirty="0"/>
@@ -10577,7 +10383,7 @@
           <p:cNvSpPr/>
           <p:nvPr>
             <p:custDataLst>
-              <p:tags r:id="rId13"/>
+              <p:tags r:id="rId14"/>
             </p:custDataLst>
           </p:nvPr>
         </p:nvSpPr>
@@ -10616,6 +10422,7 @@
           <a:bodyPr wrap="square" lIns="233668" tIns="127902" rIns="169177" bIns="127902" rtlCol="0" anchor="ctr">
             <a:noAutofit/>
           </a:bodyPr>
+          <a:lstStyle/>
           <a:p>
             <a:pPr>
               <a:lnSpc>
@@ -10636,17 +10443,6 @@
               </a:rPr>
               <a:t>自动化与DevOps集成</a:t>
             </a:r>
-            <a:endParaRPr lang="zh-CN" altLang="en-US" sz="1000" b="1" dirty="0">
-              <a:solidFill>
-                <a:schemeClr val="tx1">
-                  <a:lumMod val="85000"/>
-                  <a:lumOff val="15000"/>
-                </a:schemeClr>
-              </a:solidFill>
-              <a:latin typeface="+mn-ea"/>
-              <a:cs typeface="+mn-ea"/>
-              <a:sym typeface="+mn-ea"/>
-            </a:endParaRPr>
           </a:p>
           <a:p>
             <a:pPr>
@@ -10667,16 +10463,6 @@
               </a:rPr>
               <a:t>集成至DevOps流程，支持规则的自动化测试、部署和持续优化，提高规则迭代效率。</a:t>
             </a:r>
-            <a:endParaRPr lang="zh-CN" altLang="en-US" sz="1000" dirty="0">
-              <a:solidFill>
-                <a:schemeClr val="tx1">
-                  <a:lumMod val="85000"/>
-                  <a:lumOff val="15000"/>
-                </a:schemeClr>
-              </a:solidFill>
-              <a:latin typeface="+mn-ea"/>
-              <a:cs typeface="+mn-ea"/>
-            </a:endParaRPr>
           </a:p>
         </p:txBody>
       </p:sp>
@@ -10686,7 +10472,7 @@
           <p:cNvSpPr/>
           <p:nvPr>
             <p:custDataLst>
-              <p:tags r:id="rId14"/>
+              <p:tags r:id="rId15"/>
             </p:custDataLst>
           </p:nvPr>
         </p:nvSpPr>
@@ -10728,6 +10514,7 @@
           <a:bodyPr rtlCol="0" anchor="ctr">
             <a:noAutofit/>
           </a:bodyPr>
+          <a:lstStyle/>
           <a:p>
             <a:pPr algn="ctr"/>
             <a:endParaRPr lang="zh-CN" altLang="en-US" sz="1515" dirty="0"/>
@@ -10740,7 +10527,7 @@
           <p:cNvSpPr/>
           <p:nvPr>
             <p:custDataLst>
-              <p:tags r:id="rId15"/>
+              <p:tags r:id="rId16"/>
             </p:custDataLst>
           </p:nvPr>
         </p:nvSpPr>
@@ -10783,6 +10570,7 @@
           <a:bodyPr wrap="square" lIns="233668" tIns="127902" rIns="169176" bIns="127902" rtlCol="0" anchor="ctr">
             <a:noAutofit/>
           </a:bodyPr>
+          <a:lstStyle/>
           <a:p>
             <a:pPr>
               <a:lnSpc>
@@ -10832,16 +10620,6 @@
               </a:rPr>
               <a:t>随着规则引擎应用领域的拓展，如何实现与不同行业标准、遗留系统及新兴技术的无缝集成是一大挑战。</a:t>
             </a:r>
-            <a:endParaRPr lang="zh-CN" altLang="en-US" sz="1000" dirty="0">
-              <a:solidFill>
-                <a:schemeClr val="tx1">
-                  <a:lumMod val="85000"/>
-                  <a:lumOff val="15000"/>
-                </a:schemeClr>
-              </a:solidFill>
-              <a:latin typeface="+mn-ea"/>
-              <a:cs typeface="+mn-ea"/>
-            </a:endParaRPr>
           </a:p>
         </p:txBody>
       </p:sp>
@@ -10851,7 +10629,7 @@
           <p:cNvSpPr/>
           <p:nvPr>
             <p:custDataLst>
-              <p:tags r:id="rId16"/>
+              <p:tags r:id="rId17"/>
             </p:custDataLst>
           </p:nvPr>
         </p:nvSpPr>
@@ -10892,6 +10670,7 @@
           <a:bodyPr rtlCol="0" anchor="ctr">
             <a:noAutofit/>
           </a:bodyPr>
+          <a:lstStyle/>
           <a:p>
             <a:pPr algn="ctr"/>
             <a:endParaRPr lang="zh-CN" altLang="en-US" sz="1515" dirty="0"/>
@@ -10964,6 +10743,7 @@
         </p:style>
         <p:txBody>
           <a:bodyPr rtlCol="0" anchor="ctr"/>
+          <a:lstStyle/>
           <a:p>
             <a:pPr algn="ctr"/>
             <a:r>
@@ -10974,11 +10754,6 @@
               </a:rPr>
               <a:t>趋势</a:t>
             </a:r>
-            <a:endParaRPr lang="zh-CN" altLang="en-US" b="1">
-              <a:solidFill>
-                <a:schemeClr val="tx1"/>
-              </a:solidFill>
-            </a:endParaRPr>
           </a:p>
         </p:txBody>
       </p:sp>
@@ -11048,6 +10823,7 @@
         </p:style>
         <p:txBody>
           <a:bodyPr rtlCol="0" anchor="ctr"/>
+          <a:lstStyle/>
           <a:p>
             <a:pPr algn="ctr"/>
             <a:r>
@@ -11058,17 +10834,12 @@
               </a:rPr>
               <a:t>挑战</a:t>
             </a:r>
-            <a:endParaRPr lang="zh-CN" altLang="en-US" b="1">
-              <a:solidFill>
-                <a:schemeClr val="tx1"/>
-              </a:solidFill>
-            </a:endParaRPr>
           </a:p>
         </p:txBody>
       </p:sp>
     </p:spTree>
     <p:custDataLst>
-      <p:tags r:id="rId17"/>
+      <p:tags r:id="rId1"/>
     </p:custDataLst>
   </p:cSld>
   <p:clrMapOvr>
@@ -11197,13 +10968,6 @@
               </a:rPr>
               <a:t>让机器人服务全球家庭</a:t>
             </a:r>
-            <a:endParaRPr kumimoji="1" lang="zh-CN" altLang="en-US" sz="1600" dirty="0">
-              <a:solidFill>
-                <a:srgbClr val="1D374B"/>
-              </a:solidFill>
-              <a:latin typeface="思源黑体 CN Normal" panose="020B0500000000000000" charset="-122"/>
-              <a:ea typeface="思源黑体 CN Normal" panose="020B0500000000000000" charset="-122"/>
-            </a:endParaRPr>
           </a:p>
         </p:txBody>
       </p:sp>
@@ -11245,7 +11009,7 @@
           <p:cNvSpPr txBox="1"/>
           <p:nvPr>
             <p:custDataLst>
-              <p:tags r:id="rId1"/>
+              <p:tags r:id="rId2"/>
             </p:custDataLst>
           </p:nvPr>
         </p:nvSpPr>
@@ -11261,7 +11025,7 @@
         </p:spPr>
         <p:txBody>
           <a:bodyPr wrap="square" rtlCol="0">
-            <a:normAutofit fontScale="90000"/>
+            <a:normAutofit fontScale="97500"/>
           </a:bodyPr>
           <a:lstStyle>
             <a:defPPr>
@@ -11373,17 +11137,6 @@
               </a:rPr>
               <a:t>未来趋势与挑战</a:t>
             </a:r>
-            <a:endParaRPr lang="zh-CN" altLang="en-US" sz="2360" spc="300" dirty="0">
-              <a:solidFill>
-                <a:schemeClr val="dk1">
-                  <a:lumMod val="85000"/>
-                  <a:lumOff val="15000"/>
-                </a:schemeClr>
-              </a:solidFill>
-              <a:latin typeface="微软雅黑" panose="020B0503020204020204" charset="-122"/>
-              <a:ea typeface="微软雅黑" panose="020B0503020204020204" charset="-122"/>
-              <a:cs typeface="Lato Black" charset="0"/>
-            </a:endParaRPr>
           </a:p>
         </p:txBody>
       </p:sp>
@@ -11393,7 +11146,7 @@
           <p:cNvSpPr txBox="1"/>
           <p:nvPr>
             <p:custDataLst>
-              <p:tags r:id="rId2"/>
+              <p:tags r:id="rId3"/>
             </p:custDataLst>
           </p:nvPr>
         </p:nvSpPr>
@@ -11409,7 +11162,7 @@
         </p:spPr>
         <p:txBody>
           <a:bodyPr wrap="square" rtlCol="0">
-            <a:normAutofit fontScale="80000"/>
+            <a:normAutofit fontScale="95000"/>
           </a:bodyPr>
           <a:lstStyle>
             <a:defPPr>
@@ -11518,14 +11271,6 @@
               </a:rPr>
               <a:t>05.</a:t>
             </a:r>
-            <a:endParaRPr lang="en-US" altLang="zh-CN" sz="2400" b="1" spc="300" dirty="0">
-              <a:solidFill>
-                <a:schemeClr val="accent1"/>
-              </a:solidFill>
-              <a:latin typeface="微软雅黑" panose="020B0503020204020204" charset="-122"/>
-              <a:ea typeface="微软雅黑" panose="020B0503020204020204" charset="-122"/>
-              <a:cs typeface="Lato Black" charset="0"/>
-            </a:endParaRPr>
           </a:p>
         </p:txBody>
       </p:sp>
@@ -11535,7 +11280,7 @@
           <p:cNvSpPr txBox="1"/>
           <p:nvPr>
             <p:custDataLst>
-              <p:tags r:id="rId3"/>
+              <p:tags r:id="rId4"/>
             </p:custDataLst>
           </p:nvPr>
         </p:nvSpPr>
@@ -11551,7 +11296,7 @@
         </p:spPr>
         <p:txBody>
           <a:bodyPr wrap="square" rtlCol="0">
-            <a:normAutofit fontScale="90000"/>
+            <a:normAutofit fontScale="97500"/>
           </a:bodyPr>
           <a:lstStyle>
             <a:defPPr>
@@ -11663,17 +11408,6 @@
               </a:rPr>
               <a:t>规则引擎技术选型</a:t>
             </a:r>
-            <a:endParaRPr lang="zh-CN" altLang="en-US" sz="2360" spc="300" dirty="0">
-              <a:solidFill>
-                <a:schemeClr val="dk1">
-                  <a:lumMod val="85000"/>
-                  <a:lumOff val="15000"/>
-                </a:schemeClr>
-              </a:solidFill>
-              <a:latin typeface="微软雅黑" panose="020B0503020204020204" charset="-122"/>
-              <a:ea typeface="微软雅黑" panose="020B0503020204020204" charset="-122"/>
-              <a:cs typeface="Lato Black" charset="0"/>
-            </a:endParaRPr>
           </a:p>
         </p:txBody>
       </p:sp>
@@ -11683,7 +11417,7 @@
           <p:cNvSpPr txBox="1"/>
           <p:nvPr>
             <p:custDataLst>
-              <p:tags r:id="rId4"/>
+              <p:tags r:id="rId5"/>
             </p:custDataLst>
           </p:nvPr>
         </p:nvSpPr>
@@ -11699,7 +11433,7 @@
         </p:spPr>
         <p:txBody>
           <a:bodyPr wrap="square" rtlCol="0">
-            <a:normAutofit fontScale="80000"/>
+            <a:normAutofit fontScale="95000"/>
           </a:bodyPr>
           <a:lstStyle>
             <a:defPPr>
@@ -11808,14 +11542,6 @@
               </a:rPr>
               <a:t>03.</a:t>
             </a:r>
-            <a:endParaRPr lang="en-US" altLang="zh-CN" sz="2400" b="1" spc="300" dirty="0">
-              <a:solidFill>
-                <a:schemeClr val="accent1"/>
-              </a:solidFill>
-              <a:latin typeface="微软雅黑" panose="020B0503020204020204" charset="-122"/>
-              <a:ea typeface="微软雅黑" panose="020B0503020204020204" charset="-122"/>
-              <a:cs typeface="Lato Black" charset="0"/>
-            </a:endParaRPr>
           </a:p>
         </p:txBody>
       </p:sp>
@@ -11825,7 +11551,7 @@
           <p:cNvSpPr txBox="1"/>
           <p:nvPr>
             <p:custDataLst>
-              <p:tags r:id="rId5"/>
+              <p:tags r:id="rId6"/>
             </p:custDataLst>
           </p:nvPr>
         </p:nvSpPr>
@@ -11841,7 +11567,7 @@
         </p:spPr>
         <p:txBody>
           <a:bodyPr wrap="square" rtlCol="0">
-            <a:normAutofit fontScale="90000"/>
+            <a:normAutofit fontScale="97500"/>
           </a:bodyPr>
           <a:lstStyle>
             <a:defPPr>
@@ -11953,17 +11679,6 @@
               </a:rPr>
               <a:t>案例分享</a:t>
             </a:r>
-            <a:endParaRPr lang="zh-CN" altLang="en-US" sz="2360" spc="300" dirty="0">
-              <a:solidFill>
-                <a:schemeClr val="dk1">
-                  <a:lumMod val="85000"/>
-                  <a:lumOff val="15000"/>
-                </a:schemeClr>
-              </a:solidFill>
-              <a:latin typeface="微软雅黑" panose="020B0503020204020204" charset="-122"/>
-              <a:ea typeface="微软雅黑" panose="020B0503020204020204" charset="-122"/>
-              <a:cs typeface="Lato Black" charset="0"/>
-            </a:endParaRPr>
           </a:p>
         </p:txBody>
       </p:sp>
@@ -11973,7 +11688,7 @@
           <p:cNvSpPr txBox="1"/>
           <p:nvPr>
             <p:custDataLst>
-              <p:tags r:id="rId6"/>
+              <p:tags r:id="rId7"/>
             </p:custDataLst>
           </p:nvPr>
         </p:nvSpPr>
@@ -11989,7 +11704,7 @@
         </p:spPr>
         <p:txBody>
           <a:bodyPr wrap="square" rtlCol="0">
-            <a:normAutofit fontScale="80000"/>
+            <a:normAutofit fontScale="95000"/>
           </a:bodyPr>
           <a:lstStyle>
             <a:defPPr>
@@ -12098,14 +11813,6 @@
               </a:rPr>
               <a:t>04.</a:t>
             </a:r>
-            <a:endParaRPr lang="en-US" altLang="zh-CN" sz="2400" b="1" spc="300" dirty="0">
-              <a:solidFill>
-                <a:schemeClr val="accent1"/>
-              </a:solidFill>
-              <a:latin typeface="微软雅黑" panose="020B0503020204020204" charset="-122"/>
-              <a:ea typeface="微软雅黑" panose="020B0503020204020204" charset="-122"/>
-              <a:cs typeface="Lato Black" charset="0"/>
-            </a:endParaRPr>
           </a:p>
         </p:txBody>
       </p:sp>
@@ -12115,7 +11822,7 @@
           <p:cNvSpPr txBox="1"/>
           <p:nvPr>
             <p:custDataLst>
-              <p:tags r:id="rId7"/>
+              <p:tags r:id="rId8"/>
             </p:custDataLst>
           </p:nvPr>
         </p:nvSpPr>
@@ -12131,7 +11838,7 @@
         </p:spPr>
         <p:txBody>
           <a:bodyPr wrap="square" rtlCol="0">
-            <a:normAutofit fontScale="90000"/>
+            <a:normAutofit fontScale="97500"/>
           </a:bodyPr>
           <a:lstStyle>
             <a:defPPr>
@@ -12243,17 +11950,6 @@
               </a:rPr>
               <a:t>为什么使用规则引擎</a:t>
             </a:r>
-            <a:endParaRPr lang="zh-CN" altLang="en-US" sz="2360" spc="300" dirty="0">
-              <a:solidFill>
-                <a:schemeClr val="dk1">
-                  <a:lumMod val="85000"/>
-                  <a:lumOff val="15000"/>
-                </a:schemeClr>
-              </a:solidFill>
-              <a:latin typeface="微软雅黑" panose="020B0503020204020204" charset="-122"/>
-              <a:ea typeface="微软雅黑" panose="020B0503020204020204" charset="-122"/>
-              <a:cs typeface="Lato Black" charset="0"/>
-            </a:endParaRPr>
           </a:p>
         </p:txBody>
       </p:sp>
@@ -12263,7 +11959,7 @@
           <p:cNvSpPr txBox="1"/>
           <p:nvPr>
             <p:custDataLst>
-              <p:tags r:id="rId8"/>
+              <p:tags r:id="rId9"/>
             </p:custDataLst>
           </p:nvPr>
         </p:nvSpPr>
@@ -12279,7 +11975,7 @@
         </p:spPr>
         <p:txBody>
           <a:bodyPr wrap="square" rtlCol="0">
-            <a:normAutofit fontScale="80000"/>
+            <a:normAutofit fontScale="95000"/>
           </a:bodyPr>
           <a:lstStyle>
             <a:defPPr>
@@ -12388,14 +12084,6 @@
               </a:rPr>
               <a:t>01.</a:t>
             </a:r>
-            <a:endParaRPr lang="en-US" altLang="zh-CN" sz="2400" b="1" spc="300" dirty="0">
-              <a:solidFill>
-                <a:schemeClr val="accent1"/>
-              </a:solidFill>
-              <a:latin typeface="微软雅黑" panose="020B0503020204020204" charset="-122"/>
-              <a:ea typeface="微软雅黑" panose="020B0503020204020204" charset="-122"/>
-              <a:cs typeface="Lato Black" charset="0"/>
-            </a:endParaRPr>
           </a:p>
         </p:txBody>
       </p:sp>
@@ -12405,7 +12093,7 @@
           <p:cNvSpPr txBox="1"/>
           <p:nvPr>
             <p:custDataLst>
-              <p:tags r:id="rId9"/>
+              <p:tags r:id="rId10"/>
             </p:custDataLst>
           </p:nvPr>
         </p:nvSpPr>
@@ -12421,7 +12109,7 @@
         </p:spPr>
         <p:txBody>
           <a:bodyPr wrap="square" rtlCol="0">
-            <a:normAutofit fontScale="90000"/>
+            <a:normAutofit fontScale="97500"/>
           </a:bodyPr>
           <a:lstStyle>
             <a:defPPr>
@@ -12533,17 +12221,6 @@
               </a:rPr>
               <a:t>规则引擎的介绍</a:t>
             </a:r>
-            <a:endParaRPr lang="zh-CN" altLang="en-US" sz="2360" spc="300" dirty="0">
-              <a:solidFill>
-                <a:schemeClr val="dk1">
-                  <a:lumMod val="85000"/>
-                  <a:lumOff val="15000"/>
-                </a:schemeClr>
-              </a:solidFill>
-              <a:latin typeface="微软雅黑" panose="020B0503020204020204" charset="-122"/>
-              <a:ea typeface="微软雅黑" panose="020B0503020204020204" charset="-122"/>
-              <a:cs typeface="Lato Black" charset="0"/>
-            </a:endParaRPr>
           </a:p>
         </p:txBody>
       </p:sp>
@@ -12553,7 +12230,7 @@
           <p:cNvSpPr txBox="1"/>
           <p:nvPr>
             <p:custDataLst>
-              <p:tags r:id="rId10"/>
+              <p:tags r:id="rId11"/>
             </p:custDataLst>
           </p:nvPr>
         </p:nvSpPr>
@@ -12569,7 +12246,7 @@
         </p:spPr>
         <p:txBody>
           <a:bodyPr wrap="square" rtlCol="0">
-            <a:normAutofit fontScale="80000"/>
+            <a:normAutofit fontScale="95000"/>
           </a:bodyPr>
           <a:lstStyle>
             <a:defPPr>
@@ -12678,14 +12355,6 @@
               </a:rPr>
               <a:t>02.</a:t>
             </a:r>
-            <a:endParaRPr lang="en-US" altLang="zh-CN" sz="2400" b="1" spc="300" dirty="0">
-              <a:solidFill>
-                <a:schemeClr val="accent1"/>
-              </a:solidFill>
-              <a:latin typeface="微软雅黑" panose="020B0503020204020204" charset="-122"/>
-              <a:ea typeface="微软雅黑" panose="020B0503020204020204" charset="-122"/>
-              <a:cs typeface="Lato Black" charset="0"/>
-            </a:endParaRPr>
           </a:p>
         </p:txBody>
       </p:sp>
@@ -12695,7 +12364,7 @@
           <p:cNvSpPr txBox="1"/>
           <p:nvPr>
             <p:custDataLst>
-              <p:tags r:id="rId11"/>
+              <p:tags r:id="rId12"/>
             </p:custDataLst>
           </p:nvPr>
         </p:nvSpPr>
@@ -12743,18 +12412,12 @@
               </a:rPr>
               <a:t>目录</a:t>
             </a:r>
-            <a:endParaRPr lang="zh-CN" altLang="en-US" sz="4000" spc="0" dirty="0">
-              <a:solidFill>
-                <a:schemeClr val="accent1"/>
-              </a:solidFill>
-              <a:latin typeface="汉仪旗黑-85S" panose="00020600040101010101" pitchFamily="18" charset="-122"/>
-            </a:endParaRPr>
           </a:p>
         </p:txBody>
       </p:sp>
     </p:spTree>
     <p:custDataLst>
-      <p:tags r:id="rId12"/>
+      <p:tags r:id="rId1"/>
     </p:custDataLst>
   </p:cSld>
   <p:clrMapOvr>
@@ -12793,7 +12456,7 @@
           <p:cNvSpPr txBox="1"/>
           <p:nvPr>
             <p:custDataLst>
-              <p:tags r:id="rId1"/>
+              <p:tags r:id="rId2"/>
             </p:custDataLst>
           </p:nvPr>
         </p:nvSpPr>
@@ -12825,14 +12488,6 @@
               </a:rPr>
               <a:t>01</a:t>
             </a:r>
-            <a:endParaRPr lang="en-US" altLang="zh-CN" sz="6600" b="1" spc="200">
-              <a:solidFill>
-                <a:schemeClr val="accent1"/>
-              </a:solidFill>
-              <a:latin typeface="Arial" panose="020B0604020202020204" pitchFamily="34" charset="0"/>
-              <a:ea typeface="微软雅黑" panose="020B0503020204020204" charset="-122"/>
-              <a:cs typeface="Arial" panose="020B0604020202020204" pitchFamily="34" charset="0"/>
-            </a:endParaRPr>
           </a:p>
         </p:txBody>
       </p:sp>
@@ -12842,7 +12497,7 @@
           <p:cNvSpPr txBox="1"/>
           <p:nvPr>
             <p:custDataLst>
-              <p:tags r:id="rId2"/>
+              <p:tags r:id="rId3"/>
             </p:custDataLst>
           </p:nvPr>
         </p:nvSpPr>
@@ -12891,7 +12546,7 @@
           <p:cNvCxnSpPr/>
           <p:nvPr>
             <p:custDataLst>
-              <p:tags r:id="rId3"/>
+              <p:tags r:id="rId4"/>
             </p:custDataLst>
           </p:nvPr>
         </p:nvCxnSpPr>
@@ -12922,7 +12577,7 @@
           </p:cNvSpPr>
           <p:nvPr>
             <p:custDataLst>
-              <p:tags r:id="rId4"/>
+              <p:tags r:id="rId5"/>
             </p:custDataLst>
           </p:nvPr>
         </p:nvSpPr>
@@ -12974,17 +12629,12 @@
               </a:rPr>
               <a:t>为什么使用规则引擎</a:t>
             </a:r>
-            <a:endParaRPr lang="zh-CN" altLang="en-US" sz="4780">
-              <a:solidFill>
-                <a:schemeClr val="dk1"/>
-              </a:solidFill>
-            </a:endParaRPr>
           </a:p>
         </p:txBody>
       </p:sp>
     </p:spTree>
     <p:custDataLst>
-      <p:tags r:id="rId5"/>
+      <p:tags r:id="rId1"/>
     </p:custDataLst>
   </p:cSld>
   <p:clrMapOvr>
@@ -13023,7 +12673,7 @@
           <p:cNvSpPr/>
           <p:nvPr>
             <p:custDataLst>
-              <p:tags r:id="rId1"/>
+              <p:tags r:id="rId2"/>
             </p:custDataLst>
           </p:nvPr>
         </p:nvSpPr>
@@ -13068,6 +12718,7 @@
         </p:style>
         <p:txBody>
           <a:bodyPr rtlCol="0" anchor="ctr"/>
+          <a:lstStyle/>
           <a:p>
             <a:pPr algn="ctr"/>
             <a:endParaRPr lang="zh-CN" altLang="en-US" sz="1525">
@@ -13083,7 +12734,7 @@
           <p:cNvSpPr/>
           <p:nvPr>
             <p:custDataLst>
-              <p:tags r:id="rId2"/>
+              <p:tags r:id="rId3"/>
             </p:custDataLst>
           </p:nvPr>
         </p:nvSpPr>
@@ -13129,6 +12780,7 @@
           <a:bodyPr vertOverflow="overflow" horzOverflow="overflow" vert="horz" wrap="square" numCol="1" spcCol="0" rtlCol="0" fromWordArt="0" anchor="ctr" anchorCtr="0" forceAA="0" compatLnSpc="1">
             <a:noAutofit/>
           </a:bodyPr>
+          <a:lstStyle/>
           <a:p>
             <a:pPr algn="ctr"/>
             <a:endParaRPr lang="zh-CN" altLang="en-US" sz="1525" dirty="0">
@@ -13143,7 +12795,7 @@
           <p:cNvSpPr/>
           <p:nvPr>
             <p:custDataLst>
-              <p:tags r:id="rId3"/>
+              <p:tags r:id="rId4"/>
             </p:custDataLst>
           </p:nvPr>
         </p:nvSpPr>
@@ -13160,6 +12812,7 @@
           <a:bodyPr wrap="square" lIns="0" tIns="0" rIns="0" bIns="0">
             <a:noAutofit/>
           </a:bodyPr>
+          <a:lstStyle/>
           <a:p>
             <a:pPr algn="just">
               <a:lnSpc>
@@ -13187,18 +12840,6 @@
               </a:rPr>
               <a:t>业务逻辑混杂在代码里，难以理解、难以维护，容易造成逻辑错误。</a:t>
             </a:r>
-            <a:endParaRPr lang="zh-CN" altLang="en-US" sz="1200" kern="0" dirty="0">
-              <a:solidFill>
-                <a:schemeClr val="tx1">
-                  <a:lumMod val="85000"/>
-                  <a:lumOff val="15000"/>
-                </a:schemeClr>
-              </a:solidFill>
-              <a:latin typeface="微软雅黑" panose="020B0503020204020204" charset="-122"/>
-              <a:ea typeface="微软雅黑" panose="020B0503020204020204" charset="-122"/>
-              <a:cs typeface="+mn-ea"/>
-              <a:sym typeface="+mn-ea"/>
-            </a:endParaRPr>
           </a:p>
         </p:txBody>
       </p:sp>
@@ -13208,7 +12849,7 @@
           <p:cNvSpPr/>
           <p:nvPr>
             <p:custDataLst>
-              <p:tags r:id="rId4"/>
+              <p:tags r:id="rId5"/>
             </p:custDataLst>
           </p:nvPr>
         </p:nvSpPr>
@@ -13226,6 +12867,7 @@
           <a:bodyPr wrap="square" lIns="0" tIns="0" rIns="0" bIns="0" rtlCol="0" anchor="b">
             <a:noAutofit/>
           </a:bodyPr>
+          <a:lstStyle/>
           <a:p>
             <a:pPr algn="ctr">
               <a:spcBef>
@@ -13244,27 +12886,8 @@
                 <a:cs typeface="+mn-ea"/>
                 <a:sym typeface="+mn-ea"/>
               </a:rPr>
-              <a:t>维护成本</a:t>
+              <a:t>维护成本高</a:t>
             </a:r>
-            <a:r>
-              <a:rPr lang="zh-CN" altLang="en-US" sz="1865" b="1">
-                <a:solidFill>
-                  <a:schemeClr val="accent1"/>
-                </a:solidFill>
-                <a:latin typeface="+mn-ea"/>
-                <a:cs typeface="+mn-ea"/>
-                <a:sym typeface="+mn-ea"/>
-              </a:rPr>
-              <a:t>高</a:t>
-            </a:r>
-            <a:endParaRPr lang="zh-CN" altLang="en-US" sz="1865" b="1">
-              <a:solidFill>
-                <a:schemeClr val="accent1"/>
-              </a:solidFill>
-              <a:latin typeface="+mn-ea"/>
-              <a:cs typeface="+mn-ea"/>
-              <a:sym typeface="+mn-ea"/>
-            </a:endParaRPr>
           </a:p>
         </p:txBody>
       </p:sp>
@@ -13274,7 +12897,7 @@
           <p:cNvCxnSpPr/>
           <p:nvPr>
             <p:custDataLst>
-              <p:tags r:id="rId5"/>
+              <p:tags r:id="rId6"/>
             </p:custDataLst>
           </p:nvPr>
         </p:nvCxnSpPr>
@@ -13313,7 +12936,7 @@
           <p:cNvSpPr/>
           <p:nvPr>
             <p:custDataLst>
-              <p:tags r:id="rId6"/>
+              <p:tags r:id="rId7"/>
             </p:custDataLst>
           </p:nvPr>
         </p:nvSpPr>
@@ -13358,6 +12981,7 @@
         </p:style>
         <p:txBody>
           <a:bodyPr rtlCol="0" anchor="ctr"/>
+          <a:lstStyle/>
           <a:p>
             <a:pPr algn="ctr"/>
             <a:endParaRPr lang="zh-CN" altLang="en-US" sz="1525">
@@ -13373,7 +12997,7 @@
           <p:cNvSpPr/>
           <p:nvPr>
             <p:custDataLst>
-              <p:tags r:id="rId7"/>
+              <p:tags r:id="rId8"/>
             </p:custDataLst>
           </p:nvPr>
         </p:nvSpPr>
@@ -13390,6 +13014,7 @@
           <a:bodyPr wrap="square" lIns="0" tIns="0" rIns="0" bIns="0">
             <a:noAutofit/>
           </a:bodyPr>
+          <a:lstStyle/>
           <a:p>
             <a:pPr algn="just">
               <a:lnSpc>
@@ -13417,18 +13042,6 @@
               </a:rPr>
               <a:t>需求的变更开发周期长，开发测试上线响应时间长。</a:t>
             </a:r>
-            <a:endParaRPr lang="zh-CN" altLang="en-US" sz="1200" kern="0" dirty="0">
-              <a:solidFill>
-                <a:schemeClr val="tx1">
-                  <a:lumMod val="85000"/>
-                  <a:lumOff val="15000"/>
-                </a:schemeClr>
-              </a:solidFill>
-              <a:latin typeface="微软雅黑" panose="020B0503020204020204" charset="-122"/>
-              <a:ea typeface="微软雅黑" panose="020B0503020204020204" charset="-122"/>
-              <a:cs typeface="+mn-ea"/>
-              <a:sym typeface="+mn-ea"/>
-            </a:endParaRPr>
           </a:p>
         </p:txBody>
       </p:sp>
@@ -13438,7 +13051,7 @@
           <p:cNvSpPr/>
           <p:nvPr>
             <p:custDataLst>
-              <p:tags r:id="rId8"/>
+              <p:tags r:id="rId9"/>
             </p:custDataLst>
           </p:nvPr>
         </p:nvSpPr>
@@ -13456,6 +13069,7 @@
           <a:bodyPr wrap="square" lIns="0" tIns="0" rIns="0" bIns="0" rtlCol="0" anchor="b">
             <a:noAutofit/>
           </a:bodyPr>
+          <a:lstStyle/>
           <a:p>
             <a:pPr algn="ctr">
               <a:spcBef>
@@ -13474,27 +13088,8 @@
                 <a:cs typeface="+mn-ea"/>
                 <a:sym typeface="+mn-ea"/>
               </a:rPr>
-              <a:t>响应时间</a:t>
+              <a:t>响应时间长</a:t>
             </a:r>
-            <a:r>
-              <a:rPr lang="zh-CN" altLang="en-US" sz="1865" b="1">
-                <a:solidFill>
-                  <a:schemeClr val="accent1"/>
-                </a:solidFill>
-                <a:latin typeface="+mn-ea"/>
-                <a:cs typeface="+mn-ea"/>
-                <a:sym typeface="+mn-ea"/>
-              </a:rPr>
-              <a:t>长</a:t>
-            </a:r>
-            <a:endParaRPr lang="zh-CN" altLang="en-US" sz="1865" b="1">
-              <a:solidFill>
-                <a:schemeClr val="accent1"/>
-              </a:solidFill>
-              <a:latin typeface="+mn-ea"/>
-              <a:cs typeface="+mn-ea"/>
-              <a:sym typeface="+mn-ea"/>
-            </a:endParaRPr>
           </a:p>
         </p:txBody>
       </p:sp>
@@ -13504,7 +13099,7 @@
           <p:cNvCxnSpPr/>
           <p:nvPr>
             <p:custDataLst>
-              <p:tags r:id="rId9"/>
+              <p:tags r:id="rId10"/>
             </p:custDataLst>
           </p:nvPr>
         </p:nvCxnSpPr>
@@ -13543,7 +13138,7 @@
           <p:cNvSpPr/>
           <p:nvPr>
             <p:custDataLst>
-              <p:tags r:id="rId10"/>
+              <p:tags r:id="rId11"/>
             </p:custDataLst>
           </p:nvPr>
         </p:nvSpPr>
@@ -13588,6 +13183,7 @@
         </p:style>
         <p:txBody>
           <a:bodyPr rtlCol="0" anchor="ctr"/>
+          <a:lstStyle/>
           <a:p>
             <a:pPr algn="ctr"/>
             <a:endParaRPr lang="zh-CN" altLang="en-US" sz="1525">
@@ -13603,7 +13199,7 @@
           <p:cNvSpPr/>
           <p:nvPr>
             <p:custDataLst>
-              <p:tags r:id="rId11"/>
+              <p:tags r:id="rId12"/>
             </p:custDataLst>
           </p:nvPr>
         </p:nvSpPr>
@@ -13620,6 +13216,7 @@
           <a:bodyPr wrap="square" lIns="0" tIns="0" rIns="0" bIns="0">
             <a:noAutofit/>
           </a:bodyPr>
+          <a:lstStyle/>
           <a:p>
             <a:pPr algn="just">
               <a:lnSpc>
@@ -13644,18 +13241,6 @@
               </a:rPr>
               <a:t>随着逻辑的迭代增加，导致执行效率的降低。</a:t>
             </a:r>
-            <a:endParaRPr lang="zh-CN" altLang="en-US" sz="1200" kern="0" dirty="0">
-              <a:solidFill>
-                <a:schemeClr val="tx1">
-                  <a:lumMod val="85000"/>
-                  <a:lumOff val="15000"/>
-                </a:schemeClr>
-              </a:solidFill>
-              <a:latin typeface="微软雅黑" panose="020B0503020204020204" charset="-122"/>
-              <a:ea typeface="微软雅黑" panose="020B0503020204020204" charset="-122"/>
-              <a:cs typeface="+mn-ea"/>
-              <a:sym typeface="+mn-ea"/>
-            </a:endParaRPr>
           </a:p>
         </p:txBody>
       </p:sp>
@@ -13665,7 +13250,7 @@
           <p:cNvSpPr/>
           <p:nvPr>
             <p:custDataLst>
-              <p:tags r:id="rId12"/>
+              <p:tags r:id="rId13"/>
             </p:custDataLst>
           </p:nvPr>
         </p:nvSpPr>
@@ -13683,6 +13268,7 @@
           <a:bodyPr wrap="square" lIns="0" tIns="0" rIns="0" bIns="0" rtlCol="0" anchor="b">
             <a:noAutofit/>
           </a:bodyPr>
+          <a:lstStyle/>
           <a:p>
             <a:pPr algn="ctr">
               <a:spcBef>
@@ -13701,27 +13287,8 @@
                 <a:cs typeface="+mn-ea"/>
                 <a:sym typeface="+mn-ea"/>
               </a:rPr>
-              <a:t>执行效率</a:t>
+              <a:t>执行效率低</a:t>
             </a:r>
-            <a:r>
-              <a:rPr lang="zh-CN" altLang="en-US" sz="1865" b="1">
-                <a:solidFill>
-                  <a:schemeClr val="accent1"/>
-                </a:solidFill>
-                <a:latin typeface="+mn-ea"/>
-                <a:cs typeface="+mn-ea"/>
-                <a:sym typeface="+mn-ea"/>
-              </a:rPr>
-              <a:t>低</a:t>
-            </a:r>
-            <a:endParaRPr lang="zh-CN" altLang="en-US" sz="1865" b="1">
-              <a:solidFill>
-                <a:schemeClr val="accent1"/>
-              </a:solidFill>
-              <a:latin typeface="+mn-ea"/>
-              <a:cs typeface="+mn-ea"/>
-              <a:sym typeface="+mn-ea"/>
-            </a:endParaRPr>
           </a:p>
         </p:txBody>
       </p:sp>
@@ -13731,7 +13298,7 @@
           <p:cNvCxnSpPr/>
           <p:nvPr>
             <p:custDataLst>
-              <p:tags r:id="rId13"/>
+              <p:tags r:id="rId14"/>
             </p:custDataLst>
           </p:nvPr>
         </p:nvCxnSpPr>
@@ -13770,7 +13337,7 @@
           <p:cNvSpPr/>
           <p:nvPr>
             <p:custDataLst>
-              <p:tags r:id="rId14"/>
+              <p:tags r:id="rId15"/>
             </p:custDataLst>
           </p:nvPr>
         </p:nvSpPr>
@@ -13815,6 +13382,7 @@
         </p:style>
         <p:txBody>
           <a:bodyPr rtlCol="0" anchor="ctr"/>
+          <a:lstStyle/>
           <a:p>
             <a:pPr algn="ctr"/>
             <a:endParaRPr lang="zh-CN" altLang="en-US" sz="1525">
@@ -13830,7 +13398,7 @@
           <p:cNvSpPr/>
           <p:nvPr>
             <p:custDataLst>
-              <p:tags r:id="rId15"/>
+              <p:tags r:id="rId16"/>
             </p:custDataLst>
           </p:nvPr>
         </p:nvSpPr>
@@ -13847,6 +13415,7 @@
           <a:bodyPr wrap="square" lIns="0" tIns="0" rIns="0" bIns="0">
             <a:noAutofit/>
           </a:bodyPr>
+          <a:lstStyle/>
           <a:p>
             <a:pPr algn="just">
               <a:lnSpc>
@@ -13871,18 +13440,6 @@
               </a:rPr>
               <a:t>不同的决策逻辑规则分散存在于不同的系统、代码、文档，缺乏统一化，可视化的管理。</a:t>
             </a:r>
-            <a:endParaRPr lang="zh-CN" altLang="en-US" sz="1200" kern="0" dirty="0">
-              <a:solidFill>
-                <a:schemeClr val="tx1">
-                  <a:lumMod val="85000"/>
-                  <a:lumOff val="15000"/>
-                </a:schemeClr>
-              </a:solidFill>
-              <a:latin typeface="微软雅黑" panose="020B0503020204020204" charset="-122"/>
-              <a:ea typeface="微软雅黑" panose="020B0503020204020204" charset="-122"/>
-              <a:cs typeface="+mn-ea"/>
-              <a:sym typeface="+mn-ea"/>
-            </a:endParaRPr>
           </a:p>
         </p:txBody>
       </p:sp>
@@ -13892,7 +13449,7 @@
           <p:cNvSpPr/>
           <p:nvPr>
             <p:custDataLst>
-              <p:tags r:id="rId16"/>
+              <p:tags r:id="rId17"/>
             </p:custDataLst>
           </p:nvPr>
         </p:nvSpPr>
@@ -13910,6 +13467,7 @@
           <a:bodyPr wrap="square" lIns="0" tIns="0" rIns="0" bIns="0" rtlCol="0" anchor="b">
             <a:noAutofit/>
           </a:bodyPr>
+          <a:lstStyle/>
           <a:p>
             <a:pPr algn="ctr">
               <a:spcBef>
@@ -13928,27 +13486,8 @@
                 <a:cs typeface="+mn-ea"/>
                 <a:sym typeface="+mn-ea"/>
               </a:rPr>
-              <a:t>管理成本</a:t>
+              <a:t>管理成本高</a:t>
             </a:r>
-            <a:r>
-              <a:rPr lang="zh-CN" altLang="en-US" sz="1865" b="1">
-                <a:solidFill>
-                  <a:schemeClr val="accent1"/>
-                </a:solidFill>
-                <a:latin typeface="+mn-ea"/>
-                <a:cs typeface="+mn-ea"/>
-                <a:sym typeface="+mn-ea"/>
-              </a:rPr>
-              <a:t>高</a:t>
-            </a:r>
-            <a:endParaRPr lang="zh-CN" altLang="en-US" sz="1865" b="1">
-              <a:solidFill>
-                <a:schemeClr val="accent1"/>
-              </a:solidFill>
-              <a:latin typeface="+mn-ea"/>
-              <a:cs typeface="+mn-ea"/>
-              <a:sym typeface="+mn-ea"/>
-            </a:endParaRPr>
           </a:p>
         </p:txBody>
       </p:sp>
@@ -13958,7 +13497,7 @@
           <p:cNvCxnSpPr/>
           <p:nvPr>
             <p:custDataLst>
-              <p:tags r:id="rId17"/>
+              <p:tags r:id="rId18"/>
             </p:custDataLst>
           </p:nvPr>
         </p:nvCxnSpPr>
@@ -13997,7 +13536,7 @@
           <p:cNvSpPr/>
           <p:nvPr>
             <p:custDataLst>
-              <p:tags r:id="rId18"/>
+              <p:tags r:id="rId19"/>
             </p:custDataLst>
           </p:nvPr>
         </p:nvSpPr>
@@ -14043,6 +13582,7 @@
           <a:bodyPr vertOverflow="overflow" horzOverflow="overflow" vert="horz" wrap="square" numCol="1" spcCol="0" rtlCol="0" fromWordArt="0" anchor="ctr" anchorCtr="0" forceAA="0" compatLnSpc="1">
             <a:noAutofit/>
           </a:bodyPr>
+          <a:lstStyle/>
           <a:p>
             <a:pPr algn="ctr"/>
             <a:endParaRPr lang="zh-CN" altLang="en-US" sz="1525" dirty="0">
@@ -14057,7 +13597,7 @@
           <p:cNvSpPr/>
           <p:nvPr>
             <p:custDataLst>
-              <p:tags r:id="rId19"/>
+              <p:tags r:id="rId20"/>
             </p:custDataLst>
           </p:nvPr>
         </p:nvSpPr>
@@ -14103,6 +13643,7 @@
           <a:bodyPr vertOverflow="overflow" horzOverflow="overflow" vert="horz" wrap="square" numCol="1" spcCol="0" rtlCol="0" fromWordArt="0" anchor="ctr" anchorCtr="0" forceAA="0" compatLnSpc="1">
             <a:noAutofit/>
           </a:bodyPr>
+          <a:lstStyle/>
           <a:p>
             <a:pPr algn="ctr"/>
             <a:endParaRPr lang="zh-CN" altLang="en-US" sz="1525" dirty="0">
@@ -14117,7 +13658,7 @@
           <p:cNvSpPr/>
           <p:nvPr>
             <p:custDataLst>
-              <p:tags r:id="rId20"/>
+              <p:tags r:id="rId21"/>
             </p:custDataLst>
           </p:nvPr>
         </p:nvSpPr>
@@ -14163,6 +13704,7 @@
           <a:bodyPr vertOverflow="overflow" horzOverflow="overflow" vert="horz" wrap="square" numCol="1" spcCol="0" rtlCol="0" fromWordArt="0" anchor="ctr" anchorCtr="0" forceAA="0" compatLnSpc="1">
             <a:noAutofit/>
           </a:bodyPr>
+          <a:lstStyle/>
           <a:p>
             <a:pPr algn="ctr"/>
             <a:endParaRPr lang="zh-CN" altLang="en-US" sz="1525" dirty="0">
@@ -14177,7 +13719,7 @@
           <p:cNvSpPr/>
           <p:nvPr>
             <p:custDataLst>
-              <p:tags r:id="rId21"/>
+              <p:tags r:id="rId22"/>
             </p:custDataLst>
           </p:nvPr>
         </p:nvSpPr>
@@ -14804,6 +14346,7 @@
         </p:spPr>
         <p:txBody>
           <a:bodyPr rtlCol="0" anchor="ctr"/>
+          <a:lstStyle/>
           <a:p>
             <a:endParaRPr lang="zh-CN" altLang="en-US" sz="1525">
               <a:solidFill>
@@ -14819,7 +14362,7 @@
           <p:cNvSpPr/>
           <p:nvPr>
             <p:custDataLst>
-              <p:tags r:id="rId22"/>
+              <p:tags r:id="rId23"/>
             </p:custDataLst>
           </p:nvPr>
         </p:nvSpPr>
@@ -15160,6 +14703,7 @@
         </p:spPr>
         <p:txBody>
           <a:bodyPr rtlCol="0" anchor="ctr"/>
+          <a:lstStyle/>
           <a:p>
             <a:endParaRPr lang="zh-CN" altLang="en-US" sz="1525">
               <a:solidFill>
@@ -15175,7 +14719,7 @@
           <p:cNvSpPr/>
           <p:nvPr>
             <p:custDataLst>
-              <p:tags r:id="rId23"/>
+              <p:tags r:id="rId24"/>
             </p:custDataLst>
           </p:nvPr>
         </p:nvSpPr>
@@ -15724,6 +15268,7 @@
         </p:spPr>
         <p:txBody>
           <a:bodyPr rtlCol="0" anchor="ctr"/>
+          <a:lstStyle/>
           <a:p>
             <a:endParaRPr lang="zh-CN" altLang="en-US" sz="1525">
               <a:solidFill>
@@ -15739,7 +15284,7 @@
           <p:cNvSpPr/>
           <p:nvPr>
             <p:custDataLst>
-              <p:tags r:id="rId24"/>
+              <p:tags r:id="rId25"/>
             </p:custDataLst>
           </p:nvPr>
         </p:nvSpPr>
@@ -16012,6 +15557,7 @@
           <a:bodyPr wrap="square" rtlCol="0" anchor="ctr">
             <a:noAutofit/>
           </a:bodyPr>
+          <a:lstStyle/>
           <a:p>
             <a:endParaRPr lang="zh-CN" altLang="en-US" sz="1525">
               <a:solidFill>
@@ -16027,7 +15573,7 @@
           <p:cNvSpPr txBox="1"/>
           <p:nvPr>
             <p:custDataLst>
-              <p:tags r:id="rId25"/>
+              <p:tags r:id="rId26"/>
             </p:custDataLst>
           </p:nvPr>
         </p:nvSpPr>
@@ -16066,23 +15612,12 @@
               </a:rPr>
               <a:t>业务痛点</a:t>
             </a:r>
-            <a:endParaRPr lang="zh-CN" altLang="en-US" sz="2800" b="1" spc="300" dirty="0">
-              <a:solidFill>
-                <a:schemeClr val="dk1">
-                  <a:lumMod val="85000"/>
-                  <a:lumOff val="15000"/>
-                </a:schemeClr>
-              </a:solidFill>
-              <a:uFillTx/>
-              <a:latin typeface="汉仪旗黑-85S" panose="00020600040101010101" pitchFamily="18" charset="-122"/>
-              <a:ea typeface="汉仪旗黑-85S" panose="00020600040101010101" pitchFamily="18" charset="-122"/>
-            </a:endParaRPr>
           </a:p>
         </p:txBody>
       </p:sp>
     </p:spTree>
     <p:custDataLst>
-      <p:tags r:id="rId26"/>
+      <p:tags r:id="rId1"/>
     </p:custDataLst>
   </p:cSld>
   <p:clrMapOvr>
@@ -16121,7 +15656,7 @@
           <p:cNvSpPr txBox="1"/>
           <p:nvPr>
             <p:custDataLst>
-              <p:tags r:id="rId1"/>
+              <p:tags r:id="rId2"/>
             </p:custDataLst>
           </p:nvPr>
         </p:nvSpPr>
@@ -16160,17 +15695,6 @@
               </a:rPr>
               <a:t>优势</a:t>
             </a:r>
-            <a:endParaRPr lang="zh-CN" altLang="en-US" sz="2800" b="1" spc="300" dirty="0">
-              <a:solidFill>
-                <a:schemeClr val="dk1">
-                  <a:lumMod val="85000"/>
-                  <a:lumOff val="15000"/>
-                </a:schemeClr>
-              </a:solidFill>
-              <a:uFillTx/>
-              <a:latin typeface="汉仪旗黑-85S" panose="00020600040101010101" pitchFamily="18" charset="-122"/>
-              <a:ea typeface="汉仪旗黑-85S" panose="00020600040101010101" pitchFamily="18" charset="-122"/>
-            </a:endParaRPr>
           </a:p>
         </p:txBody>
       </p:sp>
@@ -16180,7 +15704,7 @@
           <p:cNvSpPr/>
           <p:nvPr>
             <p:custDataLst>
-              <p:tags r:id="rId2"/>
+              <p:tags r:id="rId3"/>
             </p:custDataLst>
           </p:nvPr>
         </p:nvSpPr>
@@ -16198,6 +15722,7 @@
           <a:bodyPr wrap="square" lIns="0" tIns="0" rIns="0" bIns="0" rtlCol="0" anchor="t" anchorCtr="0">
             <a:noAutofit/>
           </a:bodyPr>
+          <a:lstStyle/>
           <a:p>
             <a:pPr>
               <a:lnSpc>
@@ -16222,47 +15747,8 @@
                 <a:ea typeface="微软雅黑" panose="020B0503020204020204" charset="-122"/>
                 <a:sym typeface="+mn-ea"/>
               </a:rPr>
-              <a:t>基于预定义规则的</a:t>
+              <a:t>基于预定义规则的自动执行决策过程，减少人为干预，提高决策速度和准确性。</a:t>
             </a:r>
-            <a:r>
-              <a:rPr lang="zh-CN" altLang="en-US" sz="1000" spc="150" dirty="0">
-                <a:solidFill>
-                  <a:schemeClr val="dk1">
-                    <a:lumMod val="75000"/>
-                    <a:lumOff val="25000"/>
-                  </a:schemeClr>
-                </a:solidFill>
-                <a:latin typeface="微软雅黑" panose="020B0503020204020204" charset="-122"/>
-                <a:ea typeface="微软雅黑" panose="020B0503020204020204" charset="-122"/>
-                <a:sym typeface="+mn-ea"/>
-              </a:rPr>
-              <a:t>自动执行</a:t>
-            </a:r>
-            <a:r>
-              <a:rPr lang="zh-CN" altLang="en-US" sz="1000" spc="150" dirty="0">
-                <a:solidFill>
-                  <a:schemeClr val="dk1">
-                    <a:lumMod val="75000"/>
-                    <a:lumOff val="25000"/>
-                  </a:schemeClr>
-                </a:solidFill>
-                <a:latin typeface="微软雅黑" panose="020B0503020204020204" charset="-122"/>
-                <a:ea typeface="微软雅黑" panose="020B0503020204020204" charset="-122"/>
-                <a:sym typeface="+mn-ea"/>
-              </a:rPr>
-              <a:t>决策过程，减少人为干预，提高决策速度和准确性。</a:t>
-            </a:r>
-            <a:endParaRPr lang="zh-CN" altLang="en-US" sz="1000" spc="150" dirty="0">
-              <a:solidFill>
-                <a:schemeClr val="dk1">
-                  <a:lumMod val="75000"/>
-                  <a:lumOff val="25000"/>
-                </a:schemeClr>
-              </a:solidFill>
-              <a:latin typeface="微软雅黑" panose="020B0503020204020204" charset="-122"/>
-              <a:ea typeface="微软雅黑" panose="020B0503020204020204" charset="-122"/>
-              <a:sym typeface="+mn-ea"/>
-            </a:endParaRPr>
           </a:p>
         </p:txBody>
       </p:sp>
@@ -16272,7 +15758,7 @@
           <p:cNvSpPr/>
           <p:nvPr>
             <p:custDataLst>
-              <p:tags r:id="rId3"/>
+              <p:tags r:id="rId4"/>
             </p:custDataLst>
           </p:nvPr>
         </p:nvSpPr>
@@ -16290,6 +15776,7 @@
           <a:bodyPr wrap="square" lIns="0" tIns="0" rIns="0" bIns="0" rtlCol="0" anchor="b">
             <a:noAutofit/>
           </a:bodyPr>
+          <a:lstStyle/>
           <a:p>
             <a:pPr>
               <a:spcBef>
@@ -16313,13 +15800,6 @@
               </a:rPr>
               <a:t>自动化决策与流程优化</a:t>
             </a:r>
-            <a:endParaRPr lang="zh-CN" altLang="en-US" sz="1400" b="1">
-              <a:solidFill>
-                <a:schemeClr val="accent1"/>
-              </a:solidFill>
-              <a:latin typeface="+mn-ea"/>
-              <a:cs typeface="+mn-ea"/>
-            </a:endParaRPr>
           </a:p>
         </p:txBody>
       </p:sp>
@@ -16329,7 +15809,7 @@
           <p:cNvSpPr/>
           <p:nvPr>
             <p:custDataLst>
-              <p:tags r:id="rId4"/>
+              <p:tags r:id="rId5"/>
             </p:custDataLst>
           </p:nvPr>
         </p:nvSpPr>
@@ -16347,6 +15827,7 @@
           <a:bodyPr wrap="square" lIns="0" tIns="0" rIns="0" bIns="0" rtlCol="0" anchor="t" anchorCtr="0">
             <a:noAutofit/>
           </a:bodyPr>
+          <a:lstStyle/>
           <a:p>
             <a:pPr>
               <a:lnSpc>
@@ -16419,7 +15900,7 @@
           <p:cNvSpPr/>
           <p:nvPr>
             <p:custDataLst>
-              <p:tags r:id="rId5"/>
+              <p:tags r:id="rId6"/>
             </p:custDataLst>
           </p:nvPr>
         </p:nvSpPr>
@@ -16437,6 +15918,7 @@
           <a:bodyPr wrap="square" lIns="0" tIns="0" rIns="0" bIns="0" rtlCol="0" anchor="b">
             <a:noAutofit/>
           </a:bodyPr>
+          <a:lstStyle/>
           <a:p>
             <a:pPr>
               <a:spcBef>
@@ -16460,13 +15942,6 @@
               </a:rPr>
               <a:t>灵活性与快速响应市场变化</a:t>
             </a:r>
-            <a:endParaRPr lang="zh-CN" altLang="en-US" sz="1400" b="1" dirty="0">
-              <a:solidFill>
-                <a:schemeClr val="accent1"/>
-              </a:solidFill>
-              <a:latin typeface="+mn-ea"/>
-              <a:cs typeface="+mn-ea"/>
-            </a:endParaRPr>
           </a:p>
         </p:txBody>
       </p:sp>
@@ -16476,7 +15951,7 @@
           <p:cNvSpPr/>
           <p:nvPr>
             <p:custDataLst>
-              <p:tags r:id="rId6"/>
+              <p:tags r:id="rId7"/>
             </p:custDataLst>
           </p:nvPr>
         </p:nvSpPr>
@@ -16494,6 +15969,7 @@
           <a:bodyPr wrap="square" lIns="0" tIns="0" rIns="0" bIns="0" rtlCol="0" anchor="t" anchorCtr="0">
             <a:noAutofit/>
           </a:bodyPr>
+          <a:lstStyle/>
           <a:p>
             <a:pPr>
               <a:lnSpc>
@@ -16566,7 +16042,7 @@
           <p:cNvSpPr/>
           <p:nvPr>
             <p:custDataLst>
-              <p:tags r:id="rId7"/>
+              <p:tags r:id="rId8"/>
             </p:custDataLst>
           </p:nvPr>
         </p:nvSpPr>
@@ -16584,6 +16060,7 @@
           <a:bodyPr wrap="square" lIns="0" tIns="0" rIns="0" bIns="0" rtlCol="0" anchor="b">
             <a:noAutofit/>
           </a:bodyPr>
+          <a:lstStyle/>
           <a:p>
             <a:pPr>
               <a:spcBef>
@@ -16607,13 +16084,6 @@
               </a:rPr>
               <a:t>一致性与合规性保障</a:t>
             </a:r>
-            <a:endParaRPr lang="zh-CN" altLang="en-US" sz="1400" b="1">
-              <a:solidFill>
-                <a:schemeClr val="accent1"/>
-              </a:solidFill>
-              <a:latin typeface="+mn-ea"/>
-              <a:cs typeface="+mn-ea"/>
-            </a:endParaRPr>
           </a:p>
         </p:txBody>
       </p:sp>
@@ -16623,7 +16093,7 @@
           <p:cNvSpPr/>
           <p:nvPr>
             <p:custDataLst>
-              <p:tags r:id="rId8"/>
+              <p:tags r:id="rId9"/>
             </p:custDataLst>
           </p:nvPr>
         </p:nvSpPr>
@@ -16641,6 +16111,7 @@
           <a:bodyPr wrap="square" lIns="0" tIns="0" rIns="0" bIns="0" rtlCol="0" anchor="t" anchorCtr="0">
             <a:noAutofit/>
           </a:bodyPr>
+          <a:lstStyle/>
           <a:p>
             <a:pPr>
               <a:lnSpc>
@@ -16713,7 +16184,7 @@
           <p:cNvSpPr/>
           <p:nvPr>
             <p:custDataLst>
-              <p:tags r:id="rId9"/>
+              <p:tags r:id="rId10"/>
             </p:custDataLst>
           </p:nvPr>
         </p:nvSpPr>
@@ -16731,6 +16202,7 @@
           <a:bodyPr wrap="square" lIns="0" tIns="0" rIns="0" bIns="0" rtlCol="0" anchor="b">
             <a:noAutofit/>
           </a:bodyPr>
+          <a:lstStyle/>
           <a:p>
             <a:pPr>
               <a:spcBef>
@@ -16754,13 +16226,6 @@
               </a:rPr>
               <a:t>个性化与客户体验提升</a:t>
             </a:r>
-            <a:endParaRPr lang="zh-CN" altLang="en-US" sz="1400" b="1">
-              <a:solidFill>
-                <a:schemeClr val="accent1"/>
-              </a:solidFill>
-              <a:latin typeface="+mn-ea"/>
-              <a:cs typeface="+mn-ea"/>
-            </a:endParaRPr>
           </a:p>
         </p:txBody>
       </p:sp>
@@ -16770,7 +16235,7 @@
           <p:cNvSpPr/>
           <p:nvPr>
             <p:custDataLst>
-              <p:tags r:id="rId10"/>
+              <p:tags r:id="rId11"/>
             </p:custDataLst>
           </p:nvPr>
         </p:nvSpPr>
@@ -16788,6 +16253,7 @@
           <a:bodyPr wrap="square" lIns="0" tIns="0" rIns="0" bIns="0" rtlCol="0" anchor="t" anchorCtr="0">
             <a:noAutofit/>
           </a:bodyPr>
+          <a:lstStyle/>
           <a:p>
             <a:pPr>
               <a:lnSpc>
@@ -16813,16 +16279,6 @@
               </a:rPr>
               <a:t>规则引擎与大数据分析相结合，能够基于数据分析结果动态调整规则，实现更加精准的数据驱动型决策，帮助企业挖掘数据价值，优化运营策略。</a:t>
             </a:r>
-            <a:endParaRPr lang="zh-CN" altLang="en-US" sz="1000" spc="150" dirty="0">
-              <a:solidFill>
-                <a:schemeClr val="dk1">
-                  <a:lumMod val="75000"/>
-                  <a:lumOff val="25000"/>
-                </a:schemeClr>
-              </a:solidFill>
-              <a:latin typeface="微软雅黑" panose="020B0503020204020204" charset="-122"/>
-              <a:ea typeface="微软雅黑" panose="020B0503020204020204" charset="-122"/>
-            </a:endParaRPr>
           </a:p>
         </p:txBody>
       </p:sp>
@@ -16832,7 +16288,7 @@
           <p:cNvSpPr/>
           <p:nvPr>
             <p:custDataLst>
-              <p:tags r:id="rId11"/>
+              <p:tags r:id="rId12"/>
             </p:custDataLst>
           </p:nvPr>
         </p:nvSpPr>
@@ -16850,6 +16306,7 @@
           <a:bodyPr wrap="square" lIns="0" tIns="0" rIns="0" bIns="0" rtlCol="0" anchor="b">
             <a:noAutofit/>
           </a:bodyPr>
+          <a:lstStyle/>
           <a:p>
             <a:pPr>
               <a:spcBef>
@@ -16873,13 +16330,6 @@
               </a:rPr>
               <a:t>数据驱动的决策支持</a:t>
             </a:r>
-            <a:endParaRPr lang="zh-CN" altLang="en-US" sz="1400" b="1">
-              <a:solidFill>
-                <a:schemeClr val="accent1"/>
-              </a:solidFill>
-              <a:latin typeface="+mn-ea"/>
-              <a:cs typeface="+mn-ea"/>
-            </a:endParaRPr>
           </a:p>
         </p:txBody>
       </p:sp>
@@ -16889,7 +16339,7 @@
           <p:cNvSpPr/>
           <p:nvPr>
             <p:custDataLst>
-              <p:tags r:id="rId12"/>
+              <p:tags r:id="rId13"/>
             </p:custDataLst>
           </p:nvPr>
         </p:nvSpPr>
@@ -16907,6 +16357,7 @@
           <a:bodyPr wrap="square" lIns="0" tIns="0" rIns="0" bIns="0" rtlCol="0" anchor="t" anchorCtr="0">
             <a:noAutofit/>
           </a:bodyPr>
+          <a:lstStyle/>
           <a:p>
             <a:pPr>
               <a:lnSpc>
@@ -16959,7 +16410,7 @@
           <p:cNvSpPr/>
           <p:nvPr>
             <p:custDataLst>
-              <p:tags r:id="rId13"/>
+              <p:tags r:id="rId14"/>
             </p:custDataLst>
           </p:nvPr>
         </p:nvSpPr>
@@ -16977,6 +16428,7 @@
           <a:bodyPr wrap="square" lIns="0" tIns="0" rIns="0" bIns="0" rtlCol="0" anchor="b">
             <a:noAutofit/>
           </a:bodyPr>
+          <a:lstStyle/>
           <a:p>
             <a:pPr>
               <a:spcBef>
@@ -17000,13 +16452,6 @@
               </a:rPr>
               <a:t>促进IT与业务的深度融合</a:t>
             </a:r>
-            <a:endParaRPr lang="zh-CN" altLang="en-US" sz="1400" b="1" dirty="0">
-              <a:solidFill>
-                <a:schemeClr val="accent1"/>
-              </a:solidFill>
-              <a:latin typeface="+mn-ea"/>
-              <a:cs typeface="+mn-ea"/>
-            </a:endParaRPr>
           </a:p>
         </p:txBody>
       </p:sp>
@@ -17016,7 +16461,7 @@
           <p:cNvSpPr/>
           <p:nvPr>
             <p:custDataLst>
-              <p:tags r:id="rId14"/>
+              <p:tags r:id="rId15"/>
             </p:custDataLst>
           </p:nvPr>
         </p:nvSpPr>
@@ -17329,6 +16774,7 @@
           <a:bodyPr wrap="square" rtlCol="0" anchor="ctr">
             <a:noAutofit/>
           </a:bodyPr>
+          <a:lstStyle/>
           <a:p>
             <a:endParaRPr lang="zh-CN" altLang="en-US" sz="1740"/>
           </a:p>
@@ -17340,7 +16786,7 @@
           <p:cNvSpPr/>
           <p:nvPr>
             <p:custDataLst>
-              <p:tags r:id="rId15"/>
+              <p:tags r:id="rId16"/>
             </p:custDataLst>
           </p:nvPr>
         </p:nvSpPr>
@@ -17646,6 +17092,7 @@
           <a:bodyPr wrap="square" rtlCol="0" anchor="ctr">
             <a:noAutofit/>
           </a:bodyPr>
+          <a:lstStyle/>
           <a:p>
             <a:endParaRPr lang="zh-CN" altLang="en-US" sz="1740"/>
           </a:p>
@@ -17657,7 +17104,7 @@
           <p:cNvSpPr/>
           <p:nvPr>
             <p:custDataLst>
-              <p:tags r:id="rId16"/>
+              <p:tags r:id="rId17"/>
             </p:custDataLst>
           </p:nvPr>
         </p:nvSpPr>
@@ -18063,6 +17510,7 @@
           <a:bodyPr wrap="square" rtlCol="0" anchor="ctr">
             <a:noAutofit/>
           </a:bodyPr>
+          <a:lstStyle/>
           <a:p>
             <a:endParaRPr lang="zh-CN" altLang="en-US" sz="1740"/>
           </a:p>
@@ -18074,7 +17522,7 @@
           <p:cNvSpPr/>
           <p:nvPr>
             <p:custDataLst>
-              <p:tags r:id="rId17"/>
+              <p:tags r:id="rId18"/>
             </p:custDataLst>
           </p:nvPr>
         </p:nvSpPr>
@@ -18538,6 +17986,7 @@
           <a:bodyPr wrap="square" rtlCol="0" anchor="ctr">
             <a:noAutofit/>
           </a:bodyPr>
+          <a:lstStyle/>
           <a:p>
             <a:endParaRPr lang="zh-CN" altLang="en-US" sz="1740"/>
           </a:p>
@@ -18549,7 +17998,7 @@
           <p:cNvSpPr/>
           <p:nvPr>
             <p:custDataLst>
-              <p:tags r:id="rId18"/>
+              <p:tags r:id="rId19"/>
             </p:custDataLst>
           </p:nvPr>
         </p:nvSpPr>
@@ -18882,6 +18331,7 @@
         </p:spPr>
         <p:txBody>
           <a:bodyPr rtlCol="0" anchor="ctr"/>
+          <a:lstStyle/>
           <a:p>
             <a:endParaRPr lang="zh-CN" altLang="en-US" sz="1740"/>
           </a:p>
@@ -18893,7 +18343,7 @@
           <p:cNvSpPr/>
           <p:nvPr>
             <p:custDataLst>
-              <p:tags r:id="rId19"/>
+              <p:tags r:id="rId20"/>
             </p:custDataLst>
           </p:nvPr>
         </p:nvSpPr>
@@ -19252,6 +18702,7 @@
         </p:spPr>
         <p:txBody>
           <a:bodyPr rtlCol="0" anchor="ctr"/>
+          <a:lstStyle/>
           <a:p>
             <a:endParaRPr lang="zh-CN" altLang="en-US" sz="1740"/>
           </a:p>
@@ -19259,7 +18710,7 @@
       </p:sp>
     </p:spTree>
     <p:custDataLst>
-      <p:tags r:id="rId20"/>
+      <p:tags r:id="rId1"/>
     </p:custDataLst>
   </p:cSld>
   <p:clrMapOvr>
@@ -19298,7 +18749,7 @@
           <p:cNvSpPr txBox="1"/>
           <p:nvPr>
             <p:custDataLst>
-              <p:tags r:id="rId1"/>
+              <p:tags r:id="rId2"/>
             </p:custDataLst>
           </p:nvPr>
         </p:nvSpPr>
@@ -19330,14 +18781,6 @@
               </a:rPr>
               <a:t>02</a:t>
             </a:r>
-            <a:endParaRPr lang="en-US" altLang="zh-CN" sz="6600" b="1" spc="200">
-              <a:solidFill>
-                <a:schemeClr val="accent1"/>
-              </a:solidFill>
-              <a:latin typeface="Arial" panose="020B0604020202020204" pitchFamily="34" charset="0"/>
-              <a:ea typeface="微软雅黑" panose="020B0503020204020204" charset="-122"/>
-              <a:cs typeface="Arial" panose="020B0604020202020204" pitchFamily="34" charset="0"/>
-            </a:endParaRPr>
           </a:p>
         </p:txBody>
       </p:sp>
@@ -19347,7 +18790,7 @@
           <p:cNvSpPr txBox="1"/>
           <p:nvPr>
             <p:custDataLst>
-              <p:tags r:id="rId2"/>
+              <p:tags r:id="rId3"/>
             </p:custDataLst>
           </p:nvPr>
         </p:nvSpPr>
@@ -19396,7 +18839,7 @@
           <p:cNvCxnSpPr/>
           <p:nvPr>
             <p:custDataLst>
-              <p:tags r:id="rId3"/>
+              <p:tags r:id="rId4"/>
             </p:custDataLst>
           </p:nvPr>
         </p:nvCxnSpPr>
@@ -19427,7 +18870,7 @@
           </p:cNvSpPr>
           <p:nvPr>
             <p:custDataLst>
-              <p:tags r:id="rId4"/>
+              <p:tags r:id="rId5"/>
             </p:custDataLst>
           </p:nvPr>
         </p:nvSpPr>
@@ -19478,27 +18921,14 @@
                   <a:schemeClr val="dk1"/>
                 </a:solidFill>
               </a:rPr>
-              <a:t>规则引擎的</a:t>
+              <a:t>规则引擎的介绍</a:t>
             </a:r>
-            <a:r>
-              <a:rPr lang="zh-CN" altLang="en-US" sz="4780">
-                <a:solidFill>
-                  <a:schemeClr val="dk1"/>
-                </a:solidFill>
-              </a:rPr>
-              <a:t>介绍</a:t>
-            </a:r>
-            <a:endParaRPr lang="zh-CN" altLang="en-US" sz="4780">
-              <a:solidFill>
-                <a:schemeClr val="dk1"/>
-              </a:solidFill>
-            </a:endParaRPr>
           </a:p>
         </p:txBody>
       </p:sp>
     </p:spTree>
     <p:custDataLst>
-      <p:tags r:id="rId5"/>
+      <p:tags r:id="rId1"/>
     </p:custDataLst>
   </p:cSld>
   <p:clrMapOvr>
@@ -19537,7 +18967,7 @@
           <p:cNvSpPr txBox="1"/>
           <p:nvPr>
             <p:custDataLst>
-              <p:tags r:id="rId1"/>
+              <p:tags r:id="rId2"/>
             </p:custDataLst>
           </p:nvPr>
         </p:nvSpPr>
@@ -19555,6 +18985,7 @@
           <a:bodyPr wrap="square" rtlCol="0">
             <a:normAutofit/>
           </a:bodyPr>
+          <a:lstStyle/>
           <a:p>
             <a:pPr lvl="0" fontAlgn="auto">
               <a:lnSpc>
@@ -19573,33 +19004,8 @@
                 <a:latin typeface="汉仪旗黑-85S" panose="00020600040101010101" pitchFamily="18" charset="-122"/>
                 <a:ea typeface="汉仪旗黑-85S" panose="00020600040101010101" pitchFamily="18" charset="-122"/>
               </a:rPr>
-              <a:t>什么是规则</a:t>
+              <a:t>什么是规则引擎</a:t>
             </a:r>
-            <a:r>
-              <a:rPr lang="zh-CN" altLang="en-US" sz="2800" b="1" spc="300" dirty="0">
-                <a:solidFill>
-                  <a:schemeClr val="dk1">
-                    <a:lumMod val="85000"/>
-                    <a:lumOff val="15000"/>
-                  </a:schemeClr>
-                </a:solidFill>
-                <a:uFillTx/>
-                <a:latin typeface="汉仪旗黑-85S" panose="00020600040101010101" pitchFamily="18" charset="-122"/>
-                <a:ea typeface="汉仪旗黑-85S" panose="00020600040101010101" pitchFamily="18" charset="-122"/>
-              </a:rPr>
-              <a:t>引擎</a:t>
-            </a:r>
-            <a:endParaRPr lang="zh-CN" altLang="en-US" sz="2800" b="1" spc="300" dirty="0">
-              <a:solidFill>
-                <a:schemeClr val="dk1">
-                  <a:lumMod val="85000"/>
-                  <a:lumOff val="15000"/>
-                </a:schemeClr>
-              </a:solidFill>
-              <a:uFillTx/>
-              <a:latin typeface="汉仪旗黑-85S" panose="00020600040101010101" pitchFamily="18" charset="-122"/>
-              <a:ea typeface="汉仪旗黑-85S" panose="00020600040101010101" pitchFamily="18" charset="-122"/>
-            </a:endParaRPr>
           </a:p>
         </p:txBody>
       </p:sp>
@@ -19623,6 +19029,7 @@
           <a:bodyPr wrap="square" rtlCol="0" anchor="t">
             <a:spAutoFit/>
           </a:bodyPr>
+          <a:lstStyle/>
           <a:p>
             <a:pPr algn="l" fontAlgn="auto">
               <a:lnSpc>
@@ -19652,23 +19059,6 @@
               </a:rPr>
               <a:t>规则引擎是一种软件系统，设计用于执行一系列预定义的规则，以自动化复杂的决策过程。 它作为业务逻辑与应用代码之间的中间层，使得规则可独立于程序代码进行管理与执行。</a:t>
             </a:r>
-            <a:endParaRPr lang="zh-CN" altLang="en-US" sz="1200" spc="100" dirty="0">
-              <a:ln w="3175">
-                <a:noFill/>
-                <a:prstDash val="dash"/>
-              </a:ln>
-              <a:solidFill>
-                <a:schemeClr val="dk1">
-                  <a:lumMod val="75000"/>
-                  <a:lumOff val="25000"/>
-                </a:schemeClr>
-              </a:solidFill>
-              <a:uFillTx/>
-              <a:latin typeface="微软雅黑" panose="020B0503020204020204" charset="-122"/>
-              <a:ea typeface="微软雅黑" panose="020B0503020204020204" charset="-122"/>
-              <a:cs typeface="微软雅黑" panose="020B0503020204020204" charset="-122"/>
-              <a:sym typeface="+mn-ea"/>
-            </a:endParaRPr>
           </a:p>
         </p:txBody>
       </p:sp>
@@ -19678,7 +19068,7 @@
           <p:cNvSpPr/>
           <p:nvPr>
             <p:custDataLst>
-              <p:tags r:id="rId2"/>
+              <p:tags r:id="rId3"/>
             </p:custDataLst>
           </p:nvPr>
         </p:nvSpPr>
@@ -19734,6 +19124,7 @@
         </p:style>
         <p:txBody>
           <a:bodyPr rtlCol="0" anchor="ctr"/>
+          <a:lstStyle/>
           <a:p>
             <a:pPr algn="ctr"/>
             <a:endParaRPr lang="zh-CN" altLang="en-US" sz="1525">
@@ -19752,7 +19143,7 @@
           <p:cNvSpPr/>
           <p:nvPr>
             <p:custDataLst>
-              <p:tags r:id="rId3"/>
+              <p:tags r:id="rId4"/>
             </p:custDataLst>
           </p:nvPr>
         </p:nvSpPr>
@@ -19804,6 +19195,7 @@
         </p:style>
         <p:txBody>
           <a:bodyPr rtlCol="0" anchor="ctr"/>
+          <a:lstStyle/>
           <a:p>
             <a:pPr algn="ctr"/>
             <a:endParaRPr lang="zh-CN" altLang="en-US" sz="1525">
@@ -19822,7 +19214,7 @@
           <p:cNvSpPr/>
           <p:nvPr>
             <p:custDataLst>
-              <p:tags r:id="rId4"/>
+              <p:tags r:id="rId5"/>
             </p:custDataLst>
           </p:nvPr>
         </p:nvSpPr>
@@ -19875,6 +19267,7 @@
         </p:style>
         <p:txBody>
           <a:bodyPr rtlCol="0" anchor="ctr"/>
+          <a:lstStyle/>
           <a:p>
             <a:pPr algn="ctr"/>
             <a:endParaRPr lang="zh-CN" altLang="en-US" sz="1525">
@@ -19893,7 +19286,7 @@
           <p:cNvSpPr/>
           <p:nvPr>
             <p:custDataLst>
-              <p:tags r:id="rId5"/>
+              <p:tags r:id="rId6"/>
             </p:custDataLst>
           </p:nvPr>
         </p:nvSpPr>
@@ -19951,6 +19344,7 @@
         </p:style>
         <p:txBody>
           <a:bodyPr rtlCol="0" anchor="ctr"/>
+          <a:lstStyle/>
           <a:p>
             <a:pPr algn="ctr"/>
             <a:endParaRPr lang="zh-CN" altLang="en-US" sz="1525">
@@ -19969,7 +19363,7 @@
           <p:cNvSpPr/>
           <p:nvPr>
             <p:custDataLst>
-              <p:tags r:id="rId6"/>
+              <p:tags r:id="rId7"/>
             </p:custDataLst>
           </p:nvPr>
         </p:nvSpPr>
@@ -20005,8 +19399,9 @@
         </p:style>
         <p:txBody>
           <a:bodyPr rtlCol="0" anchor="ctr">
-            <a:normAutofit fontScale="72500"/>
+            <a:normAutofit fontScale="80000" lnSpcReduction="10000"/>
           </a:bodyPr>
+          <a:lstStyle/>
           <a:p>
             <a:pPr algn="ctr"/>
             <a:endParaRPr lang="zh-CN" altLang="en-US" sz="1525" dirty="0">
@@ -20021,7 +19416,7 @@
           <p:cNvSpPr/>
           <p:nvPr>
             <p:custDataLst>
-              <p:tags r:id="rId7"/>
+              <p:tags r:id="rId8"/>
             </p:custDataLst>
           </p:nvPr>
         </p:nvSpPr>
@@ -20380,6 +19775,7 @@
           <a:bodyPr rot="0" spcFirstLastPara="0" vert="horz" wrap="square" lIns="77359" tIns="38679" rIns="77359" bIns="38679" numCol="1" spcCol="0" rtlCol="0" fromWordArt="0" anchor="ctr" anchorCtr="0" forceAA="0" compatLnSpc="1">
             <a:noAutofit/>
           </a:bodyPr>
+          <a:lstStyle/>
           <a:p>
             <a:pPr algn="ctr"/>
             <a:endParaRPr lang="zh-CN" altLang="en-US" sz="1525"/>
@@ -20392,7 +19788,7 @@
           <p:cNvSpPr/>
           <p:nvPr>
             <p:custDataLst>
-              <p:tags r:id="rId8"/>
+              <p:tags r:id="rId9"/>
             </p:custDataLst>
           </p:nvPr>
         </p:nvSpPr>
@@ -20428,8 +19824,9 @@
         </p:style>
         <p:txBody>
           <a:bodyPr rtlCol="0" anchor="ctr">
-            <a:normAutofit fontScale="72500"/>
+            <a:normAutofit fontScale="80000" lnSpcReduction="10000"/>
           </a:bodyPr>
+          <a:lstStyle/>
           <a:p>
             <a:pPr algn="ctr"/>
             <a:endParaRPr lang="zh-CN" altLang="en-US" sz="1525">
@@ -20444,7 +19841,7 @@
           <p:cNvSpPr/>
           <p:nvPr>
             <p:custDataLst>
-              <p:tags r:id="rId9"/>
+              <p:tags r:id="rId10"/>
             </p:custDataLst>
           </p:nvPr>
         </p:nvSpPr>
@@ -20874,6 +20271,7 @@
           <a:bodyPr rot="0" spcFirstLastPara="0" vert="horz" wrap="square" lIns="77359" tIns="38679" rIns="77359" bIns="38679" numCol="1" spcCol="0" rtlCol="0" fromWordArt="0" anchor="ctr" anchorCtr="0" forceAA="0" compatLnSpc="1">
             <a:noAutofit/>
           </a:bodyPr>
+          <a:lstStyle/>
           <a:p>
             <a:pPr algn="ctr"/>
             <a:endParaRPr lang="zh-CN" altLang="en-US" sz="1525"/>
@@ -20886,7 +20284,7 @@
           <p:cNvSpPr/>
           <p:nvPr>
             <p:custDataLst>
-              <p:tags r:id="rId10"/>
+              <p:tags r:id="rId11"/>
             </p:custDataLst>
           </p:nvPr>
         </p:nvSpPr>
@@ -20904,6 +20302,7 @@
           <a:bodyPr wrap="square" lIns="0" tIns="0" rIns="0" bIns="0" rtlCol="0" anchor="t" anchorCtr="0">
             <a:noAutofit/>
           </a:bodyPr>
+          <a:lstStyle/>
           <a:p>
             <a:pPr>
               <a:lnSpc>
@@ -20929,16 +20328,6 @@
               </a:rPr>
               <a:t>根据规则执行的结果，触发动作或返回决策结果给前端应用或系统。</a:t>
             </a:r>
-            <a:endParaRPr lang="zh-CN" altLang="en-US" sz="1000">
-              <a:solidFill>
-                <a:schemeClr val="tx1">
-                  <a:lumMod val="85000"/>
-                  <a:lumOff val="15000"/>
-                </a:schemeClr>
-              </a:solidFill>
-              <a:latin typeface="+mn-ea"/>
-              <a:cs typeface="+mn-ea"/>
-            </a:endParaRPr>
           </a:p>
         </p:txBody>
       </p:sp>
@@ -20948,7 +20337,7 @@
           <p:cNvSpPr/>
           <p:nvPr>
             <p:custDataLst>
-              <p:tags r:id="rId11"/>
+              <p:tags r:id="rId12"/>
             </p:custDataLst>
           </p:nvPr>
         </p:nvSpPr>
@@ -20966,6 +20355,7 @@
           <a:bodyPr wrap="square" lIns="0" tIns="0" rIns="0" bIns="0" rtlCol="0" anchor="b">
             <a:noAutofit/>
           </a:bodyPr>
+          <a:lstStyle/>
           <a:p>
             <a:pPr>
               <a:spcBef>
@@ -20985,13 +20375,6 @@
               </a:rPr>
               <a:t>结果输出</a:t>
             </a:r>
-            <a:endParaRPr lang="zh-CN" altLang="en-US" sz="1860" b="1">
-              <a:solidFill>
-                <a:schemeClr val="accent1"/>
-              </a:solidFill>
-              <a:latin typeface="+mn-ea"/>
-              <a:cs typeface="+mn-ea"/>
-            </a:endParaRPr>
           </a:p>
         </p:txBody>
       </p:sp>
@@ -21001,7 +20384,7 @@
           <p:cNvSpPr/>
           <p:nvPr>
             <p:custDataLst>
-              <p:tags r:id="rId12"/>
+              <p:tags r:id="rId13"/>
             </p:custDataLst>
           </p:nvPr>
         </p:nvSpPr>
@@ -21019,6 +20402,7 @@
           <a:bodyPr wrap="square" lIns="0" tIns="0" rIns="0" bIns="0" rtlCol="0" anchor="t" anchorCtr="0">
             <a:noAutofit/>
           </a:bodyPr>
+          <a:lstStyle/>
           <a:p>
             <a:pPr algn="r">
               <a:lnSpc>
@@ -21058,16 +20442,6 @@
               </a:rPr>
               <a:t> </a:t>
             </a:r>
-            <a:endParaRPr lang="zh-CN" altLang="en-US" sz="1355">
-              <a:solidFill>
-                <a:schemeClr val="tx1">
-                  <a:lumMod val="85000"/>
-                  <a:lumOff val="15000"/>
-                </a:schemeClr>
-              </a:solidFill>
-              <a:latin typeface="+mn-ea"/>
-              <a:cs typeface="+mn-ea"/>
-            </a:endParaRPr>
           </a:p>
         </p:txBody>
       </p:sp>
@@ -21077,7 +20451,7 @@
           <p:cNvSpPr/>
           <p:nvPr>
             <p:custDataLst>
-              <p:tags r:id="rId13"/>
+              <p:tags r:id="rId14"/>
             </p:custDataLst>
           </p:nvPr>
         </p:nvSpPr>
@@ -21095,6 +20469,7 @@
           <a:bodyPr wrap="square" lIns="0" tIns="0" rIns="0" bIns="0" rtlCol="0" anchor="b">
             <a:noAutofit/>
           </a:bodyPr>
+          <a:lstStyle/>
           <a:p>
             <a:pPr algn="r">
               <a:spcBef>
@@ -21105,16 +20480,16 @@
               </a:spcAft>
             </a:pPr>
             <a:r>
-              <a:rPr lang="zh-CN" altLang="en-US" sz="1860" b="1">
+              <a:rPr lang="zh-CN" altLang="en-US" sz="1860" b="1" dirty="0" smtClean="0">
                 <a:solidFill>
                   <a:schemeClr val="accent1"/>
                 </a:solidFill>
                 <a:latin typeface="+mn-ea"/>
                 <a:cs typeface="+mn-ea"/>
               </a:rPr>
-              <a:t>推理引擎</a:t>
+              <a:t>引擎</a:t>
             </a:r>
-            <a:endParaRPr lang="zh-CN" altLang="en-US" sz="1860" b="1">
+            <a:endParaRPr lang="zh-CN" altLang="en-US" sz="1860" b="1" dirty="0">
               <a:solidFill>
                 <a:schemeClr val="accent1"/>
               </a:solidFill>
@@ -21130,7 +20505,7 @@
           <p:cNvSpPr/>
           <p:nvPr>
             <p:custDataLst>
-              <p:tags r:id="rId14"/>
+              <p:tags r:id="rId15"/>
             </p:custDataLst>
           </p:nvPr>
         </p:nvSpPr>
@@ -21166,8 +20541,9 @@
         </p:style>
         <p:txBody>
           <a:bodyPr rtlCol="0" anchor="ctr">
-            <a:normAutofit fontScale="72500"/>
+            <a:normAutofit fontScale="80000" lnSpcReduction="10000"/>
           </a:bodyPr>
+          <a:lstStyle/>
           <a:p>
             <a:pPr algn="ctr"/>
             <a:endParaRPr lang="zh-CN" altLang="en-US" sz="1525">
@@ -21182,7 +20558,7 @@
           <p:cNvSpPr/>
           <p:nvPr>
             <p:custDataLst>
-              <p:tags r:id="rId15"/>
+              <p:tags r:id="rId16"/>
             </p:custDataLst>
           </p:nvPr>
         </p:nvSpPr>
@@ -21804,6 +21180,7 @@
           <a:bodyPr rot="0" spcFirstLastPara="0" vert="horz" wrap="square" lIns="77359" tIns="38679" rIns="77359" bIns="38679" numCol="1" spcCol="0" rtlCol="0" fromWordArt="0" anchor="ctr" anchorCtr="0" forceAA="0" compatLnSpc="1">
             <a:noAutofit/>
           </a:bodyPr>
+          <a:lstStyle/>
           <a:p>
             <a:pPr algn="ctr"/>
             <a:endParaRPr lang="zh-CN" altLang="en-US" sz="1525"/>
@@ -21816,7 +21193,7 @@
           <p:cNvSpPr/>
           <p:nvPr>
             <p:custDataLst>
-              <p:tags r:id="rId16"/>
+              <p:tags r:id="rId17"/>
             </p:custDataLst>
           </p:nvPr>
         </p:nvSpPr>
@@ -21834,6 +21211,7 @@
           <a:bodyPr wrap="square" lIns="0" tIns="0" rIns="0" bIns="0" rtlCol="0" anchor="t" anchorCtr="0">
             <a:noAutofit/>
           </a:bodyPr>
+          <a:lstStyle/>
           <a:p>
             <a:pPr algn="r">
               <a:lnSpc>
@@ -21874,17 +21252,6 @@
               </a:rPr>
               <a:t> </a:t>
             </a:r>
-            <a:endParaRPr lang="zh-CN" altLang="en-US" sz="1200">
-              <a:solidFill>
-                <a:schemeClr val="tx1">
-                  <a:lumMod val="85000"/>
-                  <a:lumOff val="15000"/>
-                </a:schemeClr>
-              </a:solidFill>
-              <a:latin typeface="微软雅黑" panose="020B0503020204020204" charset="-122"/>
-              <a:ea typeface="微软雅黑" panose="020B0503020204020204" charset="-122"/>
-              <a:cs typeface="微软雅黑" panose="020B0503020204020204" charset="-122"/>
-            </a:endParaRPr>
           </a:p>
         </p:txBody>
       </p:sp>
@@ -21894,7 +21261,7 @@
           <p:cNvSpPr/>
           <p:nvPr>
             <p:custDataLst>
-              <p:tags r:id="rId17"/>
+              <p:tags r:id="rId18"/>
             </p:custDataLst>
           </p:nvPr>
         </p:nvSpPr>
@@ -21912,6 +21279,7 @@
           <a:bodyPr wrap="square" lIns="0" tIns="0" rIns="0" bIns="0" rtlCol="0" anchor="b">
             <a:noAutofit/>
           </a:bodyPr>
+          <a:lstStyle/>
           <a:p>
             <a:pPr algn="r">
               <a:spcBef>
@@ -21931,13 +21299,6 @@
               </a:rPr>
               <a:t>规则库</a:t>
             </a:r>
-            <a:endParaRPr lang="zh-CN" altLang="en-US" sz="1860" b="1">
-              <a:solidFill>
-                <a:schemeClr val="accent1"/>
-              </a:solidFill>
-              <a:latin typeface="+mn-ea"/>
-              <a:cs typeface="+mn-ea"/>
-            </a:endParaRPr>
           </a:p>
         </p:txBody>
       </p:sp>
@@ -21961,6 +21322,7 @@
           <a:bodyPr wrap="square" rtlCol="0" anchor="t">
             <a:spAutoFit/>
           </a:bodyPr>
+          <a:lstStyle/>
           <a:p>
             <a:r>
               <a:rPr lang="zh-CN" altLang="en-US" sz="2000" spc="100" dirty="0">
@@ -21982,29 +21344,12 @@
               </a:rPr>
               <a:t>核心组件</a:t>
             </a:r>
-            <a:endParaRPr lang="zh-CN" altLang="en-US" sz="2000" spc="100" dirty="0">
-              <a:ln w="3175">
-                <a:noFill/>
-                <a:prstDash val="dash"/>
-              </a:ln>
-              <a:solidFill>
-                <a:schemeClr val="dk1">
-                  <a:lumMod val="75000"/>
-                  <a:lumOff val="25000"/>
-                </a:schemeClr>
-              </a:solidFill>
-              <a:uFillTx/>
-              <a:latin typeface="微软雅黑" panose="020B0503020204020204" charset="-122"/>
-              <a:ea typeface="微软雅黑" panose="020B0503020204020204" charset="-122"/>
-              <a:cs typeface="微软雅黑" panose="020B0503020204020204" charset="-122"/>
-              <a:sym typeface="+mn-ea"/>
-            </a:endParaRPr>
           </a:p>
         </p:txBody>
       </p:sp>
     </p:spTree>
     <p:custDataLst>
-      <p:tags r:id="rId18"/>
+      <p:tags r:id="rId1"/>
     </p:custDataLst>
   </p:cSld>
   <p:clrMapOvr>
@@ -22043,7 +21388,7 @@
           <p:cNvSpPr txBox="1"/>
           <p:nvPr>
             <p:custDataLst>
-              <p:tags r:id="rId1"/>
+              <p:tags r:id="rId2"/>
             </p:custDataLst>
           </p:nvPr>
         </p:nvSpPr>
@@ -22061,6 +21406,7 @@
           <a:bodyPr wrap="square" rtlCol="0">
             <a:normAutofit/>
           </a:bodyPr>
+          <a:lstStyle/>
           <a:p>
             <a:pPr lvl="0" fontAlgn="auto">
               <a:lnSpc>
@@ -22130,7 +21476,7 @@
           <p:cNvCxnSpPr/>
           <p:nvPr>
             <p:custDataLst>
-              <p:tags r:id="rId2"/>
+              <p:tags r:id="rId3"/>
             </p:custDataLst>
           </p:nvPr>
         </p:nvCxnSpPr>
@@ -22173,7 +21519,7 @@
           <p:cNvSpPr/>
           <p:nvPr>
             <p:custDataLst>
-              <p:tags r:id="rId3"/>
+              <p:tags r:id="rId4"/>
             </p:custDataLst>
           </p:nvPr>
         </p:nvSpPr>
@@ -22219,6 +21565,7 @@
           <a:bodyPr vertOverflow="overflow" horzOverflow="overflow" vert="horz" wrap="square" numCol="1" spcCol="0" rtlCol="0" fromWordArt="0" anchor="ctr" anchorCtr="0" forceAA="0" compatLnSpc="1">
             <a:noAutofit/>
           </a:bodyPr>
+          <a:lstStyle/>
           <a:p>
             <a:pPr lvl="0" algn="ctr">
               <a:buClrTx/>
@@ -22238,7 +21585,7 @@
           <p:cNvSpPr/>
           <p:nvPr>
             <p:custDataLst>
-              <p:tags r:id="rId4"/>
+              <p:tags r:id="rId5"/>
             </p:custDataLst>
           </p:nvPr>
         </p:nvSpPr>
@@ -22279,6 +21626,7 @@
           <a:bodyPr vertOverflow="overflow" horzOverflow="overflow" vert="horz" wrap="square" lIns="0" tIns="0" rIns="0" bIns="0" numCol="1" spcCol="0" rtlCol="0" fromWordArt="0" anchor="ctr" anchorCtr="0" forceAA="0" compatLnSpc="1">
             <a:noAutofit/>
           </a:bodyPr>
+          <a:lstStyle/>
           <a:p>
             <a:pPr lvl="0" algn="ctr">
               <a:spcBef>
@@ -22331,7 +21679,7 @@
           <p:cNvSpPr/>
           <p:nvPr>
             <p:custDataLst>
-              <p:tags r:id="rId5"/>
+              <p:tags r:id="rId6"/>
             </p:custDataLst>
           </p:nvPr>
         </p:nvSpPr>
@@ -22349,6 +21697,7 @@
           <a:bodyPr wrap="square" lIns="0" tIns="0" rIns="0" bIns="0" rtlCol="0" anchor="ctr" anchorCtr="0">
             <a:noAutofit/>
           </a:bodyPr>
+          <a:lstStyle/>
           <a:p>
             <a:pPr>
               <a:lnSpc>
@@ -22400,7 +21749,7 @@
           <p:cNvSpPr/>
           <p:nvPr>
             <p:custDataLst>
-              <p:tags r:id="rId6"/>
+              <p:tags r:id="rId7"/>
             </p:custDataLst>
           </p:nvPr>
         </p:nvSpPr>
@@ -22444,6 +21793,7 @@
           <a:bodyPr vertOverflow="overflow" horzOverflow="overflow" vert="horz" wrap="none" numCol="1" spcCol="0" rtlCol="0" fromWordArt="0" anchor="ctr" anchorCtr="0" forceAA="0" compatLnSpc="1">
             <a:noAutofit/>
           </a:bodyPr>
+          <a:lstStyle/>
           <a:p>
             <a:pPr lvl="0" algn="ctr">
               <a:spcBef>
@@ -22470,17 +21820,6 @@
               </a:rPr>
               <a:t>1</a:t>
             </a:r>
-            <a:endParaRPr lang="en-US" altLang="zh-CN" sz="1620" dirty="0">
-              <a:solidFill>
-                <a:schemeClr val="tx1">
-                  <a:lumMod val="75000"/>
-                  <a:lumOff val="25000"/>
-                </a:schemeClr>
-              </a:solidFill>
-              <a:latin typeface="+mn-ea"/>
-              <a:cs typeface="+mn-ea"/>
-              <a:sym typeface="+mn-ea"/>
-            </a:endParaRPr>
           </a:p>
         </p:txBody>
       </p:sp>
@@ -22490,7 +21829,7 @@
           <p:cNvSpPr/>
           <p:nvPr>
             <p:custDataLst>
-              <p:tags r:id="rId7"/>
+              <p:tags r:id="rId8"/>
             </p:custDataLst>
           </p:nvPr>
         </p:nvSpPr>
@@ -22536,6 +21875,7 @@
           <a:bodyPr vertOverflow="overflow" horzOverflow="overflow" vert="horz" wrap="square" numCol="1" spcCol="0" rtlCol="0" fromWordArt="0" anchor="ctr" anchorCtr="0" forceAA="0" compatLnSpc="1">
             <a:noAutofit/>
           </a:bodyPr>
+          <a:lstStyle/>
           <a:p>
             <a:pPr lvl="0" algn="ctr">
               <a:buClrTx/>
@@ -22555,7 +21895,7 @@
           <p:cNvSpPr/>
           <p:nvPr>
             <p:custDataLst>
-              <p:tags r:id="rId8"/>
+              <p:tags r:id="rId9"/>
             </p:custDataLst>
           </p:nvPr>
         </p:nvSpPr>
@@ -22596,6 +21936,7 @@
           <a:bodyPr vertOverflow="overflow" horzOverflow="overflow" vert="horz" wrap="square" lIns="0" tIns="0" rIns="0" bIns="0" numCol="1" spcCol="0" rtlCol="0" fromWordArt="0" anchor="ctr" anchorCtr="0" forceAA="0" compatLnSpc="1">
             <a:noAutofit/>
           </a:bodyPr>
+          <a:lstStyle/>
           <a:p>
             <a:pPr lvl="0" algn="ctr">
               <a:spcBef>
@@ -22648,7 +21989,7 @@
           <p:cNvSpPr/>
           <p:nvPr>
             <p:custDataLst>
-              <p:tags r:id="rId9"/>
+              <p:tags r:id="rId10"/>
             </p:custDataLst>
           </p:nvPr>
         </p:nvSpPr>
@@ -22666,6 +22007,7 @@
           <a:bodyPr wrap="square" lIns="0" tIns="0" rIns="0" bIns="0" rtlCol="0" anchor="ctr" anchorCtr="0">
             <a:noAutofit/>
           </a:bodyPr>
+          <a:lstStyle/>
           <a:p>
             <a:pPr>
               <a:lnSpc>
@@ -22717,7 +22059,7 @@
           <p:cNvSpPr/>
           <p:nvPr>
             <p:custDataLst>
-              <p:tags r:id="rId10"/>
+              <p:tags r:id="rId11"/>
             </p:custDataLst>
           </p:nvPr>
         </p:nvSpPr>
@@ -22761,6 +22103,7 @@
           <a:bodyPr vertOverflow="overflow" horzOverflow="overflow" vert="horz" wrap="none" numCol="1" spcCol="0" rtlCol="0" fromWordArt="0" anchor="ctr" anchorCtr="0" forceAA="0" compatLnSpc="1">
             <a:noAutofit/>
           </a:bodyPr>
+          <a:lstStyle/>
           <a:p>
             <a:pPr lvl="0" algn="ctr">
               <a:spcBef>
@@ -22787,17 +22130,6 @@
               </a:rPr>
               <a:t>2</a:t>
             </a:r>
-            <a:endParaRPr lang="en-US" altLang="zh-CN" sz="1620">
-              <a:solidFill>
-                <a:schemeClr val="tx1">
-                  <a:lumMod val="75000"/>
-                  <a:lumOff val="25000"/>
-                </a:schemeClr>
-              </a:solidFill>
-              <a:latin typeface="+mn-ea"/>
-              <a:cs typeface="+mn-ea"/>
-              <a:sym typeface="+mn-ea"/>
-            </a:endParaRPr>
           </a:p>
         </p:txBody>
       </p:sp>
@@ -22807,7 +22139,7 @@
           <p:cNvSpPr/>
           <p:nvPr>
             <p:custDataLst>
-              <p:tags r:id="rId11"/>
+              <p:tags r:id="rId12"/>
             </p:custDataLst>
           </p:nvPr>
         </p:nvSpPr>
@@ -22853,6 +22185,7 @@
           <a:bodyPr vertOverflow="overflow" horzOverflow="overflow" vert="horz" wrap="square" numCol="1" spcCol="0" rtlCol="0" fromWordArt="0" anchor="ctr" anchorCtr="0" forceAA="0" compatLnSpc="1">
             <a:noAutofit/>
           </a:bodyPr>
+          <a:lstStyle/>
           <a:p>
             <a:pPr lvl="0" algn="ctr">
               <a:buClrTx/>
@@ -22872,7 +22205,7 @@
           <p:cNvSpPr/>
           <p:nvPr>
             <p:custDataLst>
-              <p:tags r:id="rId12"/>
+              <p:tags r:id="rId13"/>
             </p:custDataLst>
           </p:nvPr>
         </p:nvSpPr>
@@ -22913,6 +22246,7 @@
           <a:bodyPr vertOverflow="overflow" horzOverflow="overflow" vert="horz" wrap="square" lIns="0" tIns="0" rIns="0" bIns="0" numCol="1" spcCol="0" rtlCol="0" fromWordArt="0" anchor="ctr" anchorCtr="0" forceAA="0" compatLnSpc="1">
             <a:noAutofit/>
           </a:bodyPr>
+          <a:lstStyle/>
           <a:p>
             <a:pPr lvl="0" algn="ctr">
               <a:spcBef>
@@ -22965,7 +22299,7 @@
           <p:cNvSpPr/>
           <p:nvPr>
             <p:custDataLst>
-              <p:tags r:id="rId13"/>
+              <p:tags r:id="rId14"/>
             </p:custDataLst>
           </p:nvPr>
         </p:nvSpPr>
@@ -22983,6 +22317,7 @@
           <a:bodyPr wrap="square" lIns="0" tIns="0" rIns="0" bIns="0" rtlCol="0" anchor="ctr" anchorCtr="0">
             <a:noAutofit/>
           </a:bodyPr>
+          <a:lstStyle/>
           <a:p>
             <a:pPr>
               <a:lnSpc>
@@ -23034,7 +22369,7 @@
           <p:cNvSpPr/>
           <p:nvPr>
             <p:custDataLst>
-              <p:tags r:id="rId14"/>
+              <p:tags r:id="rId15"/>
             </p:custDataLst>
           </p:nvPr>
         </p:nvSpPr>
@@ -23078,6 +22413,7 @@
           <a:bodyPr vertOverflow="overflow" horzOverflow="overflow" vert="horz" wrap="none" numCol="1" spcCol="0" rtlCol="0" fromWordArt="0" anchor="ctr" anchorCtr="0" forceAA="0" compatLnSpc="1">
             <a:noAutofit/>
           </a:bodyPr>
+          <a:lstStyle/>
           <a:p>
             <a:pPr lvl="0" algn="ctr">
               <a:spcBef>
@@ -23104,17 +22440,6 @@
               </a:rPr>
               <a:t>3</a:t>
             </a:r>
-            <a:endParaRPr lang="en-US" altLang="zh-CN" sz="1620">
-              <a:solidFill>
-                <a:schemeClr val="tx1">
-                  <a:lumMod val="75000"/>
-                  <a:lumOff val="25000"/>
-                </a:schemeClr>
-              </a:solidFill>
-              <a:latin typeface="+mn-ea"/>
-              <a:cs typeface="+mn-ea"/>
-              <a:sym typeface="+mn-ea"/>
-            </a:endParaRPr>
           </a:p>
         </p:txBody>
       </p:sp>
@@ -23124,7 +22449,7 @@
           <p:cNvSpPr/>
           <p:nvPr>
             <p:custDataLst>
-              <p:tags r:id="rId15"/>
+              <p:tags r:id="rId16"/>
             </p:custDataLst>
           </p:nvPr>
         </p:nvSpPr>
@@ -23170,6 +22495,7 @@
           <a:bodyPr vertOverflow="overflow" horzOverflow="overflow" vert="horz" wrap="square" numCol="1" spcCol="0" rtlCol="0" fromWordArt="0" anchor="ctr" anchorCtr="0" forceAA="0" compatLnSpc="1">
             <a:noAutofit/>
           </a:bodyPr>
+          <a:lstStyle/>
           <a:p>
             <a:pPr lvl="0" algn="ctr">
               <a:buClrTx/>
@@ -23189,7 +22515,7 @@
           <p:cNvSpPr/>
           <p:nvPr>
             <p:custDataLst>
-              <p:tags r:id="rId16"/>
+              <p:tags r:id="rId17"/>
             </p:custDataLst>
           </p:nvPr>
         </p:nvSpPr>
@@ -23230,6 +22556,7 @@
           <a:bodyPr vertOverflow="overflow" horzOverflow="overflow" vert="horz" wrap="square" lIns="0" tIns="0" rIns="0" bIns="0" numCol="1" spcCol="0" rtlCol="0" fromWordArt="0" anchor="ctr" anchorCtr="0" forceAA="0" compatLnSpc="1">
             <a:noAutofit/>
           </a:bodyPr>
+          <a:lstStyle/>
           <a:p>
             <a:pPr lvl="0" algn="ctr">
               <a:spcBef>
@@ -23282,7 +22609,7 @@
           <p:cNvSpPr/>
           <p:nvPr>
             <p:custDataLst>
-              <p:tags r:id="rId17"/>
+              <p:tags r:id="rId18"/>
             </p:custDataLst>
           </p:nvPr>
         </p:nvSpPr>
@@ -23300,6 +22627,7 @@
           <a:bodyPr wrap="square" lIns="0" tIns="0" rIns="0" bIns="0" rtlCol="0" anchor="ctr" anchorCtr="0">
             <a:noAutofit/>
           </a:bodyPr>
+          <a:lstStyle/>
           <a:p>
             <a:pPr>
               <a:lnSpc>
@@ -23351,7 +22679,7 @@
           <p:cNvSpPr/>
           <p:nvPr>
             <p:custDataLst>
-              <p:tags r:id="rId18"/>
+              <p:tags r:id="rId19"/>
             </p:custDataLst>
           </p:nvPr>
         </p:nvSpPr>
@@ -23395,6 +22723,7 @@
           <a:bodyPr vertOverflow="overflow" horzOverflow="overflow" vert="horz" wrap="none" numCol="1" spcCol="0" rtlCol="0" fromWordArt="0" anchor="ctr" anchorCtr="0" forceAA="0" compatLnSpc="1">
             <a:noAutofit/>
           </a:bodyPr>
+          <a:lstStyle/>
           <a:p>
             <a:pPr lvl="0" algn="ctr">
               <a:spcBef>
@@ -23421,17 +22750,6 @@
               </a:rPr>
               <a:t>4</a:t>
             </a:r>
-            <a:endParaRPr lang="en-US" altLang="zh-CN" sz="1620">
-              <a:solidFill>
-                <a:schemeClr val="tx1">
-                  <a:lumMod val="75000"/>
-                  <a:lumOff val="25000"/>
-                </a:schemeClr>
-              </a:solidFill>
-              <a:latin typeface="+mn-ea"/>
-              <a:cs typeface="+mn-ea"/>
-              <a:sym typeface="+mn-ea"/>
-            </a:endParaRPr>
           </a:p>
         </p:txBody>
       </p:sp>
@@ -23441,7 +22759,7 @@
           <p:cNvCxnSpPr/>
           <p:nvPr>
             <p:custDataLst>
-              <p:tags r:id="rId19"/>
+              <p:tags r:id="rId20"/>
             </p:custDataLst>
           </p:nvPr>
         </p:nvCxnSpPr>
@@ -23484,7 +22802,7 @@
           <p:cNvCxnSpPr/>
           <p:nvPr>
             <p:custDataLst>
-              <p:tags r:id="rId20"/>
+              <p:tags r:id="rId21"/>
             </p:custDataLst>
           </p:nvPr>
         </p:nvCxnSpPr>
@@ -23523,7 +22841,7 @@
       </p:cxnSp>
     </p:spTree>
     <p:custDataLst>
-      <p:tags r:id="rId21"/>
+      <p:tags r:id="rId1"/>
     </p:custDataLst>
   </p:cSld>
   <p:clrMapOvr>
@@ -23562,7 +22880,7 @@
           <p:cNvSpPr txBox="1"/>
           <p:nvPr>
             <p:custDataLst>
-              <p:tags r:id="rId1"/>
+              <p:tags r:id="rId2"/>
             </p:custDataLst>
           </p:nvPr>
         </p:nvSpPr>
@@ -23594,14 +22912,6 @@
               </a:rPr>
               <a:t>03</a:t>
             </a:r>
-            <a:endParaRPr lang="en-US" altLang="zh-CN" sz="6600" b="1" spc="200">
-              <a:solidFill>
-                <a:schemeClr val="accent1"/>
-              </a:solidFill>
-              <a:latin typeface="Arial" panose="020B0604020202020204" pitchFamily="34" charset="0"/>
-              <a:ea typeface="微软雅黑" panose="020B0503020204020204" charset="-122"/>
-              <a:cs typeface="Arial" panose="020B0604020202020204" pitchFamily="34" charset="0"/>
-            </a:endParaRPr>
           </a:p>
         </p:txBody>
       </p:sp>
@@ -23611,7 +22921,7 @@
           <p:cNvSpPr txBox="1"/>
           <p:nvPr>
             <p:custDataLst>
-              <p:tags r:id="rId2"/>
+              <p:tags r:id="rId3"/>
             </p:custDataLst>
           </p:nvPr>
         </p:nvSpPr>
@@ -23660,7 +22970,7 @@
           <p:cNvCxnSpPr/>
           <p:nvPr>
             <p:custDataLst>
-              <p:tags r:id="rId3"/>
+              <p:tags r:id="rId4"/>
             </p:custDataLst>
           </p:nvPr>
         </p:nvCxnSpPr>
@@ -23691,7 +23001,7 @@
           </p:cNvSpPr>
           <p:nvPr>
             <p:custDataLst>
-              <p:tags r:id="rId4"/>
+              <p:tags r:id="rId5"/>
             </p:custDataLst>
           </p:nvPr>
         </p:nvSpPr>
@@ -23742,27 +23052,14 @@
                   <a:schemeClr val="dk1"/>
                 </a:solidFill>
               </a:rPr>
-              <a:t>规则引擎的技术</a:t>
+              <a:t>规则引擎的技术选型</a:t>
             </a:r>
-            <a:r>
-              <a:rPr lang="zh-CN" altLang="en-US" sz="4780">
-                <a:solidFill>
-                  <a:schemeClr val="dk1"/>
-                </a:solidFill>
-              </a:rPr>
-              <a:t>选型</a:t>
-            </a:r>
-            <a:endParaRPr lang="zh-CN" altLang="en-US" sz="4780">
-              <a:solidFill>
-                <a:schemeClr val="dk1"/>
-              </a:solidFill>
-            </a:endParaRPr>
           </a:p>
         </p:txBody>
       </p:sp>
     </p:spTree>
     <p:custDataLst>
-      <p:tags r:id="rId5"/>
+      <p:tags r:id="rId1"/>
     </p:custDataLst>
   </p:cSld>
   <p:clrMapOvr>
@@ -23779,32 +23076,14 @@
 </file>
 
 <file path=ppt/tags/tag1.xml><?xml version="1.0" encoding="utf-8"?>
-<p:tagLst xmlns:p="http://schemas.openxmlformats.org/presentationml/2006/main">
-  <p:tag name="KSO_WM_UNIT_NOCLEAR" val="0"/>
-  <p:tag name="KSO_WM_UNIT_HIGHLIGHT" val="0"/>
-  <p:tag name="KSO_WM_UNIT_COMPATIBLE" val="0"/>
-  <p:tag name="KSO_WM_UNIT_DIAGRAM_ISNUMVISUAL" val="0"/>
-  <p:tag name="KSO_WM_UNIT_DIAGRAM_ISREFERUNIT" val="0"/>
-  <p:tag name="KSO_WM_DIAGRAM_GROUP_CODE" val="l1-1"/>
-  <p:tag name="KSO_WM_UNIT_TYPE" val="l_h_f"/>
-  <p:tag name="KSO_WM_UNIT_INDEX" val="1_5_1"/>
-  <p:tag name="KSO_WM_UNIT_ID" val="custom20202701_6*l_h_f*1_5_1"/>
-  <p:tag name="KSO_WM_TEMPLATE_CATEGORY" val="custom"/>
-  <p:tag name="KSO_WM_TEMPLATE_INDEX" val="20202701"/>
-  <p:tag name="KSO_WM_UNIT_LAYERLEVEL" val="1_1_1"/>
-  <p:tag name="KSO_WM_TAG_VERSION" val="1.0"/>
-  <p:tag name="KSO_WM_BEAUTIFY_FLAG" val="#wm#"/>
-  <p:tag name="KSO_WM_UNIT_PRESET_TEXT" val="在此单击输入文字"/>
-  <p:tag name="KSO_WM_UNIT_SUBTYPE" val="a"/>
-  <p:tag name="KSO_WM_UNIT_TEXT_FILL_FORE_SCHEMECOLOR_INDEX_BRIGHTNESS" val="0.15"/>
-  <p:tag name="KSO_WM_UNIT_TEXT_FILL_FORE_SCHEMECOLOR_INDEX" val="13"/>
-  <p:tag name="KSO_WM_UNIT_TEXT_FILL_TYPE" val="1"/>
-  <p:tag name="KSO_WM_DIAGRAM_VIRTUALLY_FRAME" val="{&quot;height&quot;:192.72629921259846,&quot;left&quot;:42.431574803149616,&quot;top&quot;:132.01574803149606,&quot;width&quot;:644.7815748031496}"/>
+<p:tagLst xmlns:a="http://schemas.openxmlformats.org/drawingml/2006/main" xmlns:r="http://schemas.openxmlformats.org/officeDocument/2006/relationships" xmlns:p="http://schemas.openxmlformats.org/presentationml/2006/main">
+  <p:tag name="COMMONDATA" val="eyJoZGlkIjoiYmM4YzM1MWEzMTFkMzliM2YyZjkwN2NlNGRhNjUyMGIifQ=="/>
+  <p:tag name="RESOURCE_RECORD_KEY" val="{&quot;70&quot;:[3322321,3322005,3330166,3322071,3322187,3319074,3319358,3321846,3327015,3316118]}"/>
 </p:tagLst>
 </file>
 
 <file path=ppt/tags/tag10.xml><?xml version="1.0" encoding="utf-8"?>
-<p:tagLst xmlns:p="http://schemas.openxmlformats.org/presentationml/2006/main">
+<p:tagLst xmlns:a="http://schemas.openxmlformats.org/drawingml/2006/main" xmlns:r="http://schemas.openxmlformats.org/officeDocument/2006/relationships" xmlns:p="http://schemas.openxmlformats.org/presentationml/2006/main">
   <p:tag name="KSO_WM_UNIT_NOCLEAR" val="0"/>
   <p:tag name="KSO_WM_UNIT_HIGHLIGHT" val="0"/>
   <p:tag name="KSO_WM_UNIT_COMPATIBLE" val="0"/>
@@ -23812,8 +23091,8 @@
   <p:tag name="KSO_WM_UNIT_DIAGRAM_ISREFERUNIT" val="0"/>
   <p:tag name="KSO_WM_DIAGRAM_GROUP_CODE" val="l1-1"/>
   <p:tag name="KSO_WM_UNIT_TYPE" val="l_h_i"/>
-  <p:tag name="KSO_WM_UNIT_INDEX" val="1_2_1"/>
-  <p:tag name="KSO_WM_UNIT_ID" val="custom20202701_6*l_h_i*1_2_1"/>
+  <p:tag name="KSO_WM_UNIT_INDEX" val="1_1_1"/>
+  <p:tag name="KSO_WM_UNIT_ID" val="custom20202701_6*l_h_i*1_1_1"/>
   <p:tag name="KSO_WM_TEMPLATE_CATEGORY" val="custom"/>
   <p:tag name="KSO_WM_TEMPLATE_INDEX" val="20202701"/>
   <p:tag name="KSO_WM_UNIT_LAYERLEVEL" val="1_1_1"/>
@@ -23827,7 +23106,75 @@
 </file>
 
 <file path=ppt/tags/tag100.xml><?xml version="1.0" encoding="utf-8"?>
-<p:tagLst xmlns:p="http://schemas.openxmlformats.org/presentationml/2006/main">
+<p:tagLst xmlns:a="http://schemas.openxmlformats.org/drawingml/2006/main" xmlns:r="http://schemas.openxmlformats.org/officeDocument/2006/relationships" xmlns:p="http://schemas.openxmlformats.org/presentationml/2006/main">
+  <p:tag name="KSO_WM_UNIT_ISCONTENTSTITLE" val="0"/>
+  <p:tag name="KSO_WM_UNIT_ISNUMDGMTITLE" val="0"/>
+  <p:tag name="KSO_WM_UNIT_NOCLEAR" val="0"/>
+  <p:tag name="KSO_WM_UNIT_VALUE" val="10"/>
+  <p:tag name="KSO_WM_UNIT_HIGHLIGHT" val="0"/>
+  <p:tag name="KSO_WM_UNIT_COMPATIBLE" val="0"/>
+  <p:tag name="KSO_WM_UNIT_DIAGRAM_ISNUMVISUAL" val="0"/>
+  <p:tag name="KSO_WM_UNIT_DIAGRAM_ISREFERUNIT" val="0"/>
+  <p:tag name="KSO_WM_UNIT_TYPE" val="l_h_a"/>
+  <p:tag name="KSO_WM_UNIT_INDEX" val="1_3_1"/>
+  <p:tag name="KSO_WM_UNIT_ID" val="diagram20231686_2*l_h_a*1_3_1"/>
+  <p:tag name="KSO_WM_TEMPLATE_CATEGORY" val="diagram"/>
+  <p:tag name="KSO_WM_TEMPLATE_INDEX" val="20231686"/>
+  <p:tag name="KSO_WM_UNIT_LAYERLEVEL" val="1_1_1"/>
+  <p:tag name="KSO_WM_TAG_VERSION" val="3.0"/>
+  <p:tag name="KSO_WM_BEAUTIFY_FLAG" val="#wm#"/>
+  <p:tag name="KSO_WM_DIAGRAM_VERSION" val="3"/>
+  <p:tag name="KSO_WM_DIAGRAM_COLOR_TRICK" val="1"/>
+  <p:tag name="KSO_WM_DIAGRAM_COLOR_TEXT_CAN_REMOVE" val="n"/>
+  <p:tag name="KSO_WM_DIAGRAM_GROUP_CODE" val="l1-1"/>
+  <p:tag name="KSO_WM_DIAGRAM_MAX_ITEMCNT" val="6"/>
+  <p:tag name="KSO_WM_DIAGRAM_MIN_ITEMCNT" val="3"/>
+  <p:tag name="KSO_WM_DIAGRAM_VIRTUALLY_FRAME" val="{&quot;height&quot;:296.5997741699219,&quot;left&quot;:-106.57062881589873,&quot;top&quot;:68.97928614338555,&quot;width&quot;:801.1862182617188}"/>
+  <p:tag name="KSO_WM_DIAGRAM_COLOR_MATCH_VALUE" val="{&quot;shape&quot;:{&quot;fill&quot;:{&quot;solid&quot;:{&quot;brightness&quot;:0,&quot;colorType&quot;:1,&quot;foreColorIndex&quot;:5,&quot;transparency&quot;:0},&quot;type&quot;:1},&quot;glow&quot;:{&quot;colorType&quot;:0},&quot;line&quot;:{&quot;type&quot;:0},&quot;shadow&quot;:{&quot;colorType&quot;:0},&quot;threeD&quot;:{&quot;curvedSurface&quot;:{&quot;brightness&quot;:0,&quot;colorType&quot;:2,&quot;rgb&quot;:&quot;#000000&quot;},&quot;depth&quot;:{&quot;colorType&quot;:0}}},&quot;text&quot;:{&quot;fill&quot;:{&quot;solid&quot;:{&quot;brightness&quot;:0,&quot;colorType&quot;:1,&quot;foreColorIndex&quot;:2,&quot;transparency&quot;:0},&quot;type&quot;:1},&quot;glow&quot;:{&quot;colorType&quot;:0},&quot;line&quot;:{&quot;type&quot;:0},&quot;shadow&quot;:{&quot;colorType&quot;:0},&quot;threeD&quot;:{&quot;curvedSurface&quot;:{&quot;brightness&quot;:0,&quot;colorType&quot;:2,&quot;rgb&quot;:&quot;#000000&quot;},&quot;depth&quot;:{&quot;colorType&quot;:0}}}}"/>
+  <p:tag name="KSO_WM_UNIT_PRESET_TEXT" val="添加标题"/>
+  <p:tag name="KSO_WM_UNIT_FILL_TYPE" val="1"/>
+  <p:tag name="KSO_WM_UNIT_FILL_FORE_SCHEMECOLOR_INDEX" val="5"/>
+  <p:tag name="KSO_WM_UNIT_FILL_FORE_SCHEMECOLOR_INDEX_BRIGHTNESS" val="0"/>
+  <p:tag name="KSO_WM_UNIT_TEXT_FILL_FORE_SCHEMECOLOR_INDEX" val="1"/>
+  <p:tag name="KSO_WM_UNIT_TEXT_FILL_TYPE" val="1"/>
+  <p:tag name="KSO_WM_DIAGRAM_USE_COLOR_VALUE" val="{&quot;color_scheme&quot;:1,&quot;color_type&quot;:1,&quot;theme_color_indexes&quot;:[]}"/>
+</p:tagLst>
+</file>
+
+<file path=ppt/tags/tag101.xml><?xml version="1.0" encoding="utf-8"?>
+<p:tagLst xmlns:a="http://schemas.openxmlformats.org/drawingml/2006/main" xmlns:r="http://schemas.openxmlformats.org/officeDocument/2006/relationships" xmlns:p="http://schemas.openxmlformats.org/presentationml/2006/main">
+  <p:tag name="KSO_WM_UNIT_SUBTYPE" val="a"/>
+  <p:tag name="KSO_WM_UNIT_NOCLEAR" val="0"/>
+  <p:tag name="KSO_WM_UNIT_VALUE" val="60"/>
+  <p:tag name="KSO_WM_UNIT_HIGHLIGHT" val="0"/>
+  <p:tag name="KSO_WM_UNIT_COMPATIBLE" val="0"/>
+  <p:tag name="KSO_WM_UNIT_DIAGRAM_ISNUMVISUAL" val="0"/>
+  <p:tag name="KSO_WM_UNIT_DIAGRAM_ISREFERUNIT" val="0"/>
+  <p:tag name="KSO_WM_UNIT_TYPE" val="l_h_f"/>
+  <p:tag name="KSO_WM_UNIT_INDEX" val="1_3_1"/>
+  <p:tag name="KSO_WM_UNIT_ID" val="diagram20231686_2*l_h_f*1_3_1"/>
+  <p:tag name="KSO_WM_TEMPLATE_CATEGORY" val="diagram"/>
+  <p:tag name="KSO_WM_TEMPLATE_INDEX" val="20231686"/>
+  <p:tag name="KSO_WM_UNIT_LAYERLEVEL" val="1_1_1"/>
+  <p:tag name="KSO_WM_TAG_VERSION" val="3.0"/>
+  <p:tag name="KSO_WM_BEAUTIFY_FLAG" val="#wm#"/>
+  <p:tag name="KSO_WM_DIAGRAM_VERSION" val="3"/>
+  <p:tag name="KSO_WM_DIAGRAM_COLOR_TRICK" val="1"/>
+  <p:tag name="KSO_WM_DIAGRAM_COLOR_TEXT_CAN_REMOVE" val="n"/>
+  <p:tag name="KSO_WM_DIAGRAM_GROUP_CODE" val="l1-1"/>
+  <p:tag name="KSO_WM_DIAGRAM_MAX_ITEMCNT" val="6"/>
+  <p:tag name="KSO_WM_DIAGRAM_MIN_ITEMCNT" val="3"/>
+  <p:tag name="KSO_WM_DIAGRAM_VIRTUALLY_FRAME" val="{&quot;height&quot;:296.5997741699219,&quot;left&quot;:-106.57062881589873,&quot;top&quot;:68.97928614338555,&quot;width&quot;:801.1862182617188}"/>
+  <p:tag name="KSO_WM_DIAGRAM_COLOR_MATCH_VALUE" val="{&quot;shape&quot;:{&quot;fill&quot;:{&quot;type&quot;:0},&quot;glow&quot;:{&quot;colorType&quot;:0},&quot;line&quot;:{&quot;type&quot;:0},&quot;shadow&quot;:{&quot;colorType&quot;:0},&quot;threeD&quot;:{&quot;curvedSurface&quot;:{&quot;brightness&quot;:0,&quot;colorType&quot;:2,&quot;rgb&quot;:&quot;#000000&quot;},&quot;depth&quot;:{&quot;colorType&quot;:0}}},&quot;text&quot;:{&quot;fill&quot;:{&quot;solid&quot;:{&quot;brightness&quot;:0.15000000596046448,&quot;colorType&quot;:1,&quot;foreColorIndex&quot;:13,&quot;transparency&quot;:0},&quot;type&quot;:1},&quot;glow&quot;:{&quot;colorType&quot;:0},&quot;line&quot;:{&quot;type&quot;:0},&quot;shadow&quot;:{&quot;colorType&quot;:0},&quot;threeD&quot;:{&quot;curvedSurface&quot;:{&quot;brightness&quot;:0,&quot;colorType&quot;:2,&quot;rgb&quot;:&quot;#000000&quot;},&quot;depth&quot;:{&quot;colorType&quot;:0}}}}"/>
+  <p:tag name="KSO_WM_UNIT_PRESET_TEXT" val="单击此处输入你的项正文，文字是您思想的提炼，请尽量言简意赅的阐述观点"/>
+  <p:tag name="KSO_WM_UNIT_TEXT_FILL_FORE_SCHEMECOLOR_INDEX" val="1"/>
+  <p:tag name="KSO_WM_UNIT_TEXT_FILL_TYPE" val="1"/>
+  <p:tag name="KSO_WM_DIAGRAM_USE_COLOR_VALUE" val="{&quot;color_scheme&quot;:1,&quot;color_type&quot;:1,&quot;theme_color_indexes&quot;:[]}"/>
+</p:tagLst>
+</file>
+
+<file path=ppt/tags/tag102.xml><?xml version="1.0" encoding="utf-8"?>
+<p:tagLst xmlns:a="http://schemas.openxmlformats.org/drawingml/2006/main" xmlns:r="http://schemas.openxmlformats.org/officeDocument/2006/relationships" xmlns:p="http://schemas.openxmlformats.org/presentationml/2006/main">
   <p:tag name="KSO_WM_UNIT_HIGHLIGHT" val="0"/>
   <p:tag name="KSO_WM_UNIT_COMPATIBLE" val="0"/>
   <p:tag name="KSO_WM_UNIT_DIAGRAM_ISNUMVISUAL" val="0"/>
@@ -23860,8 +23207,8 @@
 </p:tagLst>
 </file>
 
-<file path=ppt/tags/tag101.xml><?xml version="1.0" encoding="utf-8"?>
-<p:tagLst xmlns:p="http://schemas.openxmlformats.org/presentationml/2006/main">
+<file path=ppt/tags/tag103.xml><?xml version="1.0" encoding="utf-8"?>
+<p:tagLst xmlns:a="http://schemas.openxmlformats.org/drawingml/2006/main" xmlns:r="http://schemas.openxmlformats.org/officeDocument/2006/relationships" xmlns:p="http://schemas.openxmlformats.org/presentationml/2006/main">
   <p:tag name="KSO_WM_BEAUTIFY_FLAG" val="#wm#"/>
   <p:tag name="KSO_WM_UNIT_HIGHLIGHT" val="0"/>
   <p:tag name="KSO_WM_UNIT_COMPATIBLE" val="0"/>
@@ -23889,8 +23236,8 @@
 </p:tagLst>
 </file>
 
-<file path=ppt/tags/tag102.xml><?xml version="1.0" encoding="utf-8"?>
-<p:tagLst xmlns:p="http://schemas.openxmlformats.org/presentationml/2006/main">
+<file path=ppt/tags/tag104.xml><?xml version="1.0" encoding="utf-8"?>
+<p:tagLst xmlns:a="http://schemas.openxmlformats.org/drawingml/2006/main" xmlns:r="http://schemas.openxmlformats.org/officeDocument/2006/relationships" xmlns:p="http://schemas.openxmlformats.org/presentationml/2006/main">
   <p:tag name="KSO_WM_UNIT_ISCONTENTSTITLE" val="0"/>
   <p:tag name="KSO_WM_UNIT_ISNUMDGMTITLE" val="0"/>
   <p:tag name="KSO_WM_UNIT_NOCLEAR" val="0"/>
@@ -23925,8 +23272,8 @@
 </p:tagLst>
 </file>
 
-<file path=ppt/tags/tag103.xml><?xml version="1.0" encoding="utf-8"?>
-<p:tagLst xmlns:p="http://schemas.openxmlformats.org/presentationml/2006/main">
+<file path=ppt/tags/tag105.xml><?xml version="1.0" encoding="utf-8"?>
+<p:tagLst xmlns:a="http://schemas.openxmlformats.org/drawingml/2006/main" xmlns:r="http://schemas.openxmlformats.org/officeDocument/2006/relationships" xmlns:p="http://schemas.openxmlformats.org/presentationml/2006/main">
   <p:tag name="KSO_WM_UNIT_SUBTYPE" val="a"/>
   <p:tag name="KSO_WM_UNIT_NOCLEAR" val="0"/>
   <p:tag name="KSO_WM_UNIT_VALUE" val="60"/>
@@ -23957,8 +23304,8 @@
 </p:tagLst>
 </file>
 
-<file path=ppt/tags/tag104.xml><?xml version="1.0" encoding="utf-8"?>
-<p:tagLst xmlns:p="http://schemas.openxmlformats.org/presentationml/2006/main">
+<file path=ppt/tags/tag106.xml><?xml version="1.0" encoding="utf-8"?>
+<p:tagLst xmlns:a="http://schemas.openxmlformats.org/drawingml/2006/main" xmlns:r="http://schemas.openxmlformats.org/officeDocument/2006/relationships" xmlns:p="http://schemas.openxmlformats.org/presentationml/2006/main">
   <p:tag name="KSO_WM_UNIT_HIGHLIGHT" val="0"/>
   <p:tag name="KSO_WM_UNIT_COMPATIBLE" val="0"/>
   <p:tag name="KSO_WM_UNIT_DIAGRAM_ISNUMVISUAL" val="0"/>
@@ -23991,8 +23338,8 @@
 </p:tagLst>
 </file>
 
-<file path=ppt/tags/tag105.xml><?xml version="1.0" encoding="utf-8"?>
-<p:tagLst xmlns:p="http://schemas.openxmlformats.org/presentationml/2006/main">
+<file path=ppt/tags/tag107.xml><?xml version="1.0" encoding="utf-8"?>
+<p:tagLst xmlns:a="http://schemas.openxmlformats.org/drawingml/2006/main" xmlns:r="http://schemas.openxmlformats.org/officeDocument/2006/relationships" xmlns:p="http://schemas.openxmlformats.org/presentationml/2006/main">
   <p:tag name="KSO_WM_BEAUTIFY_FLAG" val="#wm#"/>
   <p:tag name="KSO_WM_UNIT_HIGHLIGHT" val="0"/>
   <p:tag name="KSO_WM_UNIT_COMPATIBLE" val="0"/>
@@ -24018,8 +23365,8 @@
 </p:tagLst>
 </file>
 
-<file path=ppt/tags/tag106.xml><?xml version="1.0" encoding="utf-8"?>
-<p:tagLst xmlns:p="http://schemas.openxmlformats.org/presentationml/2006/main">
+<file path=ppt/tags/tag108.xml><?xml version="1.0" encoding="utf-8"?>
+<p:tagLst xmlns:a="http://schemas.openxmlformats.org/drawingml/2006/main" xmlns:r="http://schemas.openxmlformats.org/officeDocument/2006/relationships" xmlns:p="http://schemas.openxmlformats.org/presentationml/2006/main">
   <p:tag name="KSO_WM_BEAUTIFY_FLAG" val="#wm#"/>
   <p:tag name="KSO_WM_UNIT_HIGHLIGHT" val="0"/>
   <p:tag name="KSO_WM_UNIT_COMPATIBLE" val="0"/>
@@ -24045,14 +23392,39 @@
 </p:tagLst>
 </file>
 
-<file path=ppt/tags/tag107.xml><?xml version="1.0" encoding="utf-8"?>
-<p:tagLst xmlns:p="http://schemas.openxmlformats.org/presentationml/2006/main">
-  <p:tag name="RESOURCE_RECORD_KEY" val="{&quot;70&quot;:[3322321,3322005,3330166,3322071,3319074,3319358]}"/>
+<file path=ppt/tags/tag109.xml><?xml version="1.0" encoding="utf-8"?>
+<p:tagLst xmlns:a="http://schemas.openxmlformats.org/drawingml/2006/main" xmlns:r="http://schemas.openxmlformats.org/officeDocument/2006/relationships" xmlns:p="http://schemas.openxmlformats.org/presentationml/2006/main">
+  <p:tag name="ISLIDE.TEMPLATE" val="https://www.islide.cc;"/>
 </p:tagLst>
 </file>
 
-<file path=ppt/tags/tag108.xml><?xml version="1.0" encoding="utf-8"?>
-<p:tagLst xmlns:p="http://schemas.openxmlformats.org/presentationml/2006/main">
+<file path=ppt/tags/tag11.xml><?xml version="1.0" encoding="utf-8"?>
+<p:tagLst xmlns:a="http://schemas.openxmlformats.org/drawingml/2006/main" xmlns:r="http://schemas.openxmlformats.org/officeDocument/2006/relationships" xmlns:p="http://schemas.openxmlformats.org/presentationml/2006/main">
+  <p:tag name="KSO_WM_UNIT_NOCLEAR" val="0"/>
+  <p:tag name="KSO_WM_UNIT_HIGHLIGHT" val="0"/>
+  <p:tag name="KSO_WM_UNIT_COMPATIBLE" val="0"/>
+  <p:tag name="KSO_WM_UNIT_DIAGRAM_ISNUMVISUAL" val="0"/>
+  <p:tag name="KSO_WM_UNIT_DIAGRAM_ISREFERUNIT" val="0"/>
+  <p:tag name="KSO_WM_DIAGRAM_GROUP_CODE" val="l1-1"/>
+  <p:tag name="KSO_WM_UNIT_TYPE" val="l_h_f"/>
+  <p:tag name="KSO_WM_UNIT_INDEX" val="1_2_1"/>
+  <p:tag name="KSO_WM_UNIT_ID" val="custom20202701_6*l_h_f*1_2_1"/>
+  <p:tag name="KSO_WM_TEMPLATE_CATEGORY" val="custom"/>
+  <p:tag name="KSO_WM_TEMPLATE_INDEX" val="20202701"/>
+  <p:tag name="KSO_WM_UNIT_LAYERLEVEL" val="1_1_1"/>
+  <p:tag name="KSO_WM_TAG_VERSION" val="1.0"/>
+  <p:tag name="KSO_WM_BEAUTIFY_FLAG" val="#wm#"/>
+  <p:tag name="KSO_WM_UNIT_PRESET_TEXT" val="在此单击输入文字"/>
+  <p:tag name="KSO_WM_UNIT_SUBTYPE" val="a"/>
+  <p:tag name="KSO_WM_UNIT_TEXT_FILL_FORE_SCHEMECOLOR_INDEX_BRIGHTNESS" val="0.15"/>
+  <p:tag name="KSO_WM_UNIT_TEXT_FILL_FORE_SCHEMECOLOR_INDEX" val="13"/>
+  <p:tag name="KSO_WM_UNIT_TEXT_FILL_TYPE" val="1"/>
+  <p:tag name="KSO_WM_DIAGRAM_VIRTUALLY_FRAME" val="{&quot;height&quot;:192.72629921259846,&quot;left&quot;:42.431574803149616,&quot;top&quot;:132.01574803149606,&quot;width&quot;:644.7815748031496}"/>
+</p:tagLst>
+</file>
+
+<file path=ppt/tags/tag110.xml><?xml version="1.0" encoding="utf-8"?>
+<p:tagLst xmlns:a="http://schemas.openxmlformats.org/drawingml/2006/main" xmlns:r="http://schemas.openxmlformats.org/officeDocument/2006/relationships" xmlns:p="http://schemas.openxmlformats.org/presentationml/2006/main">
   <p:tag name="KSO_WM_UNIT_NOCLEAR" val="0"/>
   <p:tag name="KSO_WM_UNIT_VALUE" val="1"/>
   <p:tag name="KSO_WM_UNIT_HIGHLIGHT" val="0"/>
@@ -24074,8 +23446,8 @@
 </p:tagLst>
 </file>
 
-<file path=ppt/tags/tag109.xml><?xml version="1.0" encoding="utf-8"?>
-<p:tagLst xmlns:p="http://schemas.openxmlformats.org/presentationml/2006/main">
+<file path=ppt/tags/tag111.xml><?xml version="1.0" encoding="utf-8"?>
+<p:tagLst xmlns:a="http://schemas.openxmlformats.org/drawingml/2006/main" xmlns:r="http://schemas.openxmlformats.org/officeDocument/2006/relationships" xmlns:p="http://schemas.openxmlformats.org/presentationml/2006/main">
   <p:tag name="KSO_WM_UNIT_NOCLEAR" val="0"/>
   <p:tag name="KSO_WM_UNIT_SHOW_EDIT_AREA_INDICATION" val="0"/>
   <p:tag name="KSO_WM_UNIT_HIGHLIGHT" val="0"/>
@@ -24096,34 +23468,8 @@
 </p:tagLst>
 </file>
 
-<file path=ppt/tags/tag11.xml><?xml version="1.0" encoding="utf-8"?>
-<p:tagLst xmlns:p="http://schemas.openxmlformats.org/presentationml/2006/main">
-  <p:tag name="KSO_WM_UNIT_ISCONTENTSTITLE" val="1"/>
-  <p:tag name="KSO_WM_UNIT_PRESET_TEXT" val="目录"/>
-  <p:tag name="KSO_WM_UNIT_NOCLEAR" val="0"/>
-  <p:tag name="KSO_WM_UNIT_VALUE" val="9"/>
-  <p:tag name="KSO_WM_UNIT_HIGHLIGHT" val="0"/>
-  <p:tag name="KSO_WM_UNIT_COMPATIBLE" val="0"/>
-  <p:tag name="KSO_WM_UNIT_DIAGRAM_ISNUMVISUAL" val="0"/>
-  <p:tag name="KSO_WM_UNIT_DIAGRAM_ISREFERUNIT" val="0"/>
-  <p:tag name="KSO_WM_UNIT_TYPE" val="a"/>
-  <p:tag name="KSO_WM_UNIT_INDEX" val="1"/>
-  <p:tag name="KSO_WM_UNIT_ID" val="custom20202701_6*a*1"/>
-  <p:tag name="KSO_WM_TEMPLATE_CATEGORY" val="custom"/>
-  <p:tag name="KSO_WM_TEMPLATE_INDEX" val="20202701"/>
-  <p:tag name="KSO_WM_UNIT_LAYERLEVEL" val="1"/>
-  <p:tag name="KSO_WM_TAG_VERSION" val="1.0"/>
-  <p:tag name="KSO_WM_BEAUTIFY_FLAG" val="#wm#"/>
-  <p:tag name="KSO_WM_DIAGRAM_GROUP_CODE" val="l1-1"/>
-  <p:tag name="KSO_WM_UNIT_ISNUMDGMTITLE" val="0"/>
-  <p:tag name="KSO_WM_UNIT_TEXT_FILL_FORE_SCHEMECOLOR_INDEX_BRIGHTNESS" val="0"/>
-  <p:tag name="KSO_WM_UNIT_TEXT_FILL_FORE_SCHEMECOLOR_INDEX" val="5"/>
-  <p:tag name="KSO_WM_UNIT_TEXT_FILL_TYPE" val="1"/>
-</p:tagLst>
-</file>
-
-<file path=ppt/tags/tag110.xml><?xml version="1.0" encoding="utf-8"?>
-<p:tagLst xmlns:p="http://schemas.openxmlformats.org/presentationml/2006/main">
+<file path=ppt/tags/tag112.xml><?xml version="1.0" encoding="utf-8"?>
+<p:tagLst xmlns:a="http://schemas.openxmlformats.org/drawingml/2006/main" xmlns:r="http://schemas.openxmlformats.org/officeDocument/2006/relationships" xmlns:p="http://schemas.openxmlformats.org/presentationml/2006/main">
   <p:tag name="KSO_WM_UNIT_HIGHLIGHT" val="0"/>
   <p:tag name="KSO_WM_UNIT_COMPATIBLE" val="0"/>
   <p:tag name="KSO_WM_UNIT_DIAGRAM_ISNUMVISUAL" val="0"/>
@@ -24142,8 +23488,8 @@
 </p:tagLst>
 </file>
 
-<file path=ppt/tags/tag111.xml><?xml version="1.0" encoding="utf-8"?>
-<p:tagLst xmlns:p="http://schemas.openxmlformats.org/presentationml/2006/main">
+<file path=ppt/tags/tag113.xml><?xml version="1.0" encoding="utf-8"?>
+<p:tagLst xmlns:a="http://schemas.openxmlformats.org/drawingml/2006/main" xmlns:r="http://schemas.openxmlformats.org/officeDocument/2006/relationships" xmlns:p="http://schemas.openxmlformats.org/presentationml/2006/main">
   <p:tag name="KSO_WM_UNIT_ISCONTENTSTITLE" val="0"/>
   <p:tag name="KSO_WM_UNIT_NOCLEAR" val="0"/>
   <p:tag name="KSO_WM_UNIT_VALUE" val="9"/>
@@ -24167,55 +23513,8 @@
 </p:tagLst>
 </file>
 
-<file path=ppt/tags/tag112.xml><?xml version="1.0" encoding="utf-8"?>
-<p:tagLst xmlns:p="http://schemas.openxmlformats.org/presentationml/2006/main">
-  <p:tag name="ISLIDE.TEMPLATE" val="https://www.islide.cc;"/>
-</p:tagLst>
-</file>
-
-<file path=ppt/tags/tag113.xml><?xml version="1.0" encoding="utf-8"?>
-<p:tagLst xmlns:p="http://schemas.openxmlformats.org/presentationml/2006/main">
-  <p:tag name="KSO_WM_UNIT_TEXT_FILL_FORE_SCHEMECOLOR_INDEX_BRIGHTNESS" val="0"/>
-  <p:tag name="KSO_WM_UNIT_TEXT_FILL_FORE_SCHEMECOLOR_INDEX" val="2"/>
-  <p:tag name="KSO_WM_UNIT_TEXT_FILL_TYPE" val="1"/>
-  <p:tag name="KSO_WM_UNIT_HIGHLIGHT" val="0"/>
-  <p:tag name="KSO_WM_UNIT_COMPATIBLE" val="0"/>
-  <p:tag name="KSO_WM_UNIT_DIAGRAM_ISNUMVISUAL" val="0"/>
-  <p:tag name="KSO_WM_UNIT_DIAGRAM_ISREFERUNIT" val="0"/>
-  <p:tag name="KSO_WM_UNIT_TYPE" val="i"/>
-  <p:tag name="KSO_WM_UNIT_INDEX" val="6"/>
-  <p:tag name="KSO_WM_UNIT_ID" val="custom20231324_1*i*6"/>
-  <p:tag name="KSO_WM_TEMPLATE_CATEGORY" val="custom"/>
-  <p:tag name="KSO_WM_TEMPLATE_INDEX" val="20231324"/>
-  <p:tag name="KSO_WM_UNIT_LAYERLEVEL" val="1"/>
-  <p:tag name="KSO_WM_TAG_VERSION" val="3.0"/>
-  <p:tag name="KSO_WM_BEAUTIFY_FLAG" val="#wm#"/>
-</p:tagLst>
-</file>
-
 <file path=ppt/tags/tag114.xml><?xml version="1.0" encoding="utf-8"?>
-<p:tagLst xmlns:p="http://schemas.openxmlformats.org/presentationml/2006/main">
-  <p:tag name="KSO_WM_UNIT_TABLE_BEAUTIFY" val="smartTable{bbdd37ce-43bf-45c7-98c6-74379dc052c5}"/>
-  <p:tag name="TABLE_SKINIDX" val="2"/>
-  <p:tag name="TABLE_ENCOLOR" val="#FFFFFF"/>
-  <p:tag name="KSO_WM_UNIT_VALUE" val="1146*2675"/>
-  <p:tag name="KSO_WM_UNIT_HIGHLIGHT" val="0"/>
-  <p:tag name="KSO_WM_UNIT_COMPATIBLE" val="0"/>
-  <p:tag name="KSO_WM_UNIT_DIAGRAM_ISNUMVISUAL" val="0"/>
-  <p:tag name="KSO_WM_UNIT_DIAGRAM_ISREFERUNIT" val="0"/>
-  <p:tag name="KSO_WM_UNIT_TYPE" val="β"/>
-  <p:tag name="KSO_WM_UNIT_INDEX" val="1"/>
-  <p:tag name="KSO_WM_UNIT_ID" val="mixed20203806_1*β*1"/>
-  <p:tag name="KSO_WM_TEMPLATE_CATEGORY" val="mixed"/>
-  <p:tag name="KSO_WM_TEMPLATE_INDEX" val="20203806"/>
-  <p:tag name="KSO_WM_UNIT_LAYERLEVEL" val="1"/>
-  <p:tag name="KSO_WM_TAG_VERSION" val="1.0"/>
-  <p:tag name="KSO_WM_BEAUTIFY_FLAG" val="#wm#"/>
-</p:tagLst>
-</file>
-
-<file path=ppt/tags/tag115.xml><?xml version="1.0" encoding="utf-8"?>
-<p:tagLst xmlns:p="http://schemas.openxmlformats.org/presentationml/2006/main">
+<p:tagLst xmlns:a="http://schemas.openxmlformats.org/drawingml/2006/main" xmlns:r="http://schemas.openxmlformats.org/officeDocument/2006/relationships" xmlns:p="http://schemas.openxmlformats.org/presentationml/2006/main">
   <p:tag name="KSO_WM_SLIDE_ID" val="custom20231324_1"/>
   <p:tag name="KSO_WM_TEMPLATE_SUBCATEGORY" val="0"/>
   <p:tag name="KSO_WM_TEMPLATE_MASTER_TYPE" val="0"/>
@@ -24236,8 +23535,8 @@
 </p:tagLst>
 </file>
 
-<file path=ppt/tags/tag116.xml><?xml version="1.0" encoding="utf-8"?>
-<p:tagLst xmlns:p="http://schemas.openxmlformats.org/presentationml/2006/main">
+<file path=ppt/tags/tag115.xml><?xml version="1.0" encoding="utf-8"?>
+<p:tagLst xmlns:a="http://schemas.openxmlformats.org/drawingml/2006/main" xmlns:r="http://schemas.openxmlformats.org/officeDocument/2006/relationships" xmlns:p="http://schemas.openxmlformats.org/presentationml/2006/main">
   <p:tag name="KSO_WM_UNIT_TEXT_FILL_FORE_SCHEMECOLOR_INDEX_BRIGHTNESS" val="0"/>
   <p:tag name="KSO_WM_UNIT_TEXT_FILL_FORE_SCHEMECOLOR_INDEX" val="2"/>
   <p:tag name="KSO_WM_UNIT_TEXT_FILL_TYPE" val="1"/>
@@ -24256,8 +23555,29 @@
 </p:tagLst>
 </file>
 
+<file path=ppt/tags/tag116.xml><?xml version="1.0" encoding="utf-8"?>
+<p:tagLst xmlns:a="http://schemas.openxmlformats.org/drawingml/2006/main" xmlns:r="http://schemas.openxmlformats.org/officeDocument/2006/relationships" xmlns:p="http://schemas.openxmlformats.org/presentationml/2006/main">
+  <p:tag name="KSO_WM_UNIT_TABLE_BEAUTIFY" val="smartTable{bbdd37ce-43bf-45c7-98c6-74379dc052c5}"/>
+  <p:tag name="TABLE_SKINIDX" val="2"/>
+  <p:tag name="TABLE_ENCOLOR" val="#FFFFFF"/>
+  <p:tag name="KSO_WM_UNIT_VALUE" val="1146*2675"/>
+  <p:tag name="KSO_WM_UNIT_HIGHLIGHT" val="0"/>
+  <p:tag name="KSO_WM_UNIT_COMPATIBLE" val="0"/>
+  <p:tag name="KSO_WM_UNIT_DIAGRAM_ISNUMVISUAL" val="0"/>
+  <p:tag name="KSO_WM_UNIT_DIAGRAM_ISREFERUNIT" val="0"/>
+  <p:tag name="KSO_WM_UNIT_TYPE" val="β"/>
+  <p:tag name="KSO_WM_UNIT_INDEX" val="1"/>
+  <p:tag name="KSO_WM_UNIT_ID" val="mixed20203806_1*β*1"/>
+  <p:tag name="KSO_WM_TEMPLATE_CATEGORY" val="mixed"/>
+  <p:tag name="KSO_WM_TEMPLATE_INDEX" val="20203806"/>
+  <p:tag name="KSO_WM_UNIT_LAYERLEVEL" val="1"/>
+  <p:tag name="KSO_WM_TAG_VERSION" val="1.0"/>
+  <p:tag name="KSO_WM_BEAUTIFY_FLAG" val="#wm#"/>
+</p:tagLst>
+</file>
+
 <file path=ppt/tags/tag117.xml><?xml version="1.0" encoding="utf-8"?>
-<p:tagLst xmlns:p="http://schemas.openxmlformats.org/presentationml/2006/main">
+<p:tagLst xmlns:a="http://schemas.openxmlformats.org/drawingml/2006/main" xmlns:r="http://schemas.openxmlformats.org/officeDocument/2006/relationships" xmlns:p="http://schemas.openxmlformats.org/presentationml/2006/main">
   <p:tag name="KSO_WM_SLIDE_ID" val="custom20231324_1"/>
   <p:tag name="KSO_WM_TEMPLATE_SUBCATEGORY" val="0"/>
   <p:tag name="KSO_WM_TEMPLATE_MASTER_TYPE" val="0"/>
@@ -24279,7 +23599,56 @@
 </file>
 
 <file path=ppt/tags/tag118.xml><?xml version="1.0" encoding="utf-8"?>
-<p:tagLst xmlns:p="http://schemas.openxmlformats.org/presentationml/2006/main">
+<p:tagLst xmlns:a="http://schemas.openxmlformats.org/drawingml/2006/main" xmlns:r="http://schemas.openxmlformats.org/officeDocument/2006/relationships" xmlns:p="http://schemas.openxmlformats.org/presentationml/2006/main">
+  <p:tag name="KSO_WM_UNIT_TEXT_FILL_FORE_SCHEMECOLOR_INDEX_BRIGHTNESS" val="0"/>
+  <p:tag name="KSO_WM_UNIT_TEXT_FILL_FORE_SCHEMECOLOR_INDEX" val="2"/>
+  <p:tag name="KSO_WM_UNIT_TEXT_FILL_TYPE" val="1"/>
+  <p:tag name="KSO_WM_UNIT_HIGHLIGHT" val="0"/>
+  <p:tag name="KSO_WM_UNIT_COMPATIBLE" val="0"/>
+  <p:tag name="KSO_WM_UNIT_DIAGRAM_ISNUMVISUAL" val="0"/>
+  <p:tag name="KSO_WM_UNIT_DIAGRAM_ISREFERUNIT" val="0"/>
+  <p:tag name="KSO_WM_UNIT_TYPE" val="i"/>
+  <p:tag name="KSO_WM_UNIT_INDEX" val="6"/>
+  <p:tag name="KSO_WM_UNIT_ID" val="custom20231324_1*i*6"/>
+  <p:tag name="KSO_WM_TEMPLATE_CATEGORY" val="custom"/>
+  <p:tag name="KSO_WM_TEMPLATE_INDEX" val="20231324"/>
+  <p:tag name="KSO_WM_UNIT_LAYERLEVEL" val="1"/>
+  <p:tag name="KSO_WM_TAG_VERSION" val="3.0"/>
+  <p:tag name="KSO_WM_BEAUTIFY_FLAG" val="#wm#"/>
+</p:tagLst>
+</file>
+
+<file path=ppt/tags/tag119.xml><?xml version="1.0" encoding="utf-8"?>
+<p:tagLst xmlns:a="http://schemas.openxmlformats.org/drawingml/2006/main" xmlns:r="http://schemas.openxmlformats.org/officeDocument/2006/relationships" xmlns:p="http://schemas.openxmlformats.org/presentationml/2006/main">
+  <p:tag name="RESOURCE_RECORD_KEY" val="{&quot;70&quot;:[3322321,3322005,3330166,3322071,3319074,3319358,3321846,3327015]}"/>
+</p:tagLst>
+</file>
+
+<file path=ppt/tags/tag12.xml><?xml version="1.0" encoding="utf-8"?>
+<p:tagLst xmlns:a="http://schemas.openxmlformats.org/drawingml/2006/main" xmlns:r="http://schemas.openxmlformats.org/officeDocument/2006/relationships" xmlns:p="http://schemas.openxmlformats.org/presentationml/2006/main">
+  <p:tag name="KSO_WM_UNIT_NOCLEAR" val="0"/>
+  <p:tag name="KSO_WM_UNIT_HIGHLIGHT" val="0"/>
+  <p:tag name="KSO_WM_UNIT_COMPATIBLE" val="0"/>
+  <p:tag name="KSO_WM_UNIT_DIAGRAM_ISNUMVISUAL" val="0"/>
+  <p:tag name="KSO_WM_UNIT_DIAGRAM_ISREFERUNIT" val="0"/>
+  <p:tag name="KSO_WM_DIAGRAM_GROUP_CODE" val="l1-1"/>
+  <p:tag name="KSO_WM_UNIT_TYPE" val="l_h_i"/>
+  <p:tag name="KSO_WM_UNIT_INDEX" val="1_2_1"/>
+  <p:tag name="KSO_WM_UNIT_ID" val="custom20202701_6*l_h_i*1_2_1"/>
+  <p:tag name="KSO_WM_TEMPLATE_CATEGORY" val="custom"/>
+  <p:tag name="KSO_WM_TEMPLATE_INDEX" val="20202701"/>
+  <p:tag name="KSO_WM_UNIT_LAYERLEVEL" val="1_1_1"/>
+  <p:tag name="KSO_WM_TAG_VERSION" val="1.0"/>
+  <p:tag name="KSO_WM_BEAUTIFY_FLAG" val="#wm#"/>
+  <p:tag name="KSO_WM_UNIT_TEXT_FILL_FORE_SCHEMECOLOR_INDEX_BRIGHTNESS" val="0"/>
+  <p:tag name="KSO_WM_UNIT_TEXT_FILL_FORE_SCHEMECOLOR_INDEX" val="5"/>
+  <p:tag name="KSO_WM_UNIT_TEXT_FILL_TYPE" val="1"/>
+  <p:tag name="KSO_WM_DIAGRAM_VIRTUALLY_FRAME" val="{&quot;height&quot;:192.72629921259846,&quot;left&quot;:42.431574803149616,&quot;top&quot;:132.01574803149606,&quot;width&quot;:644.7815748031496}"/>
+</p:tagLst>
+</file>
+
+<file path=ppt/tags/tag120.xml><?xml version="1.0" encoding="utf-8"?>
+<p:tagLst xmlns:a="http://schemas.openxmlformats.org/drawingml/2006/main" xmlns:r="http://schemas.openxmlformats.org/officeDocument/2006/relationships" xmlns:p="http://schemas.openxmlformats.org/presentationml/2006/main">
   <p:tag name="KSO_WM_UNIT_ISCONTENTSTITLE" val="0"/>
   <p:tag name="KSO_WM_UNIT_PRESET_TEXT" val="单击此处添加标题"/>
   <p:tag name="KSO_WM_UNIT_NOCLEAR" val="0"/>
@@ -24303,8 +23672,8 @@
 </p:tagLst>
 </file>
 
-<file path=ppt/tags/tag119.xml><?xml version="1.0" encoding="utf-8"?>
-<p:tagLst xmlns:p="http://schemas.openxmlformats.org/presentationml/2006/main">
+<file path=ppt/tags/tag121.xml><?xml version="1.0" encoding="utf-8"?>
+<p:tagLst xmlns:a="http://schemas.openxmlformats.org/drawingml/2006/main" xmlns:r="http://schemas.openxmlformats.org/officeDocument/2006/relationships" xmlns:p="http://schemas.openxmlformats.org/presentationml/2006/main">
   <p:tag name="KSO_WM_DIAGRAM_VERSION" val="3"/>
   <p:tag name="KSO_WM_DIAGRAM_COLOR_TRICK" val="1"/>
   <p:tag name="KSO_WM_DIAGRAM_COLOR_TEXT_CAN_REMOVE" val="n"/>
@@ -24336,14 +23705,8 @@
 </p:tagLst>
 </file>
 
-<file path=ppt/tags/tag12.xml><?xml version="1.0" encoding="utf-8"?>
-<p:tagLst xmlns:p="http://schemas.openxmlformats.org/presentationml/2006/main">
-  <p:tag name="ISLIDE.TEMPLATE" val="https://www.islide.cc;"/>
-</p:tagLst>
-</file>
-
-<file path=ppt/tags/tag120.xml><?xml version="1.0" encoding="utf-8"?>
-<p:tagLst xmlns:p="http://schemas.openxmlformats.org/presentationml/2006/main">
+<file path=ppt/tags/tag122.xml><?xml version="1.0" encoding="utf-8"?>
+<p:tagLst xmlns:a="http://schemas.openxmlformats.org/drawingml/2006/main" xmlns:r="http://schemas.openxmlformats.org/officeDocument/2006/relationships" xmlns:p="http://schemas.openxmlformats.org/presentationml/2006/main">
   <p:tag name="KSO_WM_DIAGRAM_VERSION" val="3"/>
   <p:tag name="KSO_WM_DIAGRAM_COLOR_TRICK" val="1"/>
   <p:tag name="KSO_WM_DIAGRAM_COLOR_TEXT_CAN_REMOVE" val="n"/>
@@ -24375,8 +23738,8 @@
 </p:tagLst>
 </file>
 
-<file path=ppt/tags/tag121.xml><?xml version="1.0" encoding="utf-8"?>
-<p:tagLst xmlns:p="http://schemas.openxmlformats.org/presentationml/2006/main">
+<file path=ppt/tags/tag123.xml><?xml version="1.0" encoding="utf-8"?>
+<p:tagLst xmlns:a="http://schemas.openxmlformats.org/drawingml/2006/main" xmlns:r="http://schemas.openxmlformats.org/officeDocument/2006/relationships" xmlns:p="http://schemas.openxmlformats.org/presentationml/2006/main">
   <p:tag name="KSO_WM_DIAGRAM_VERSION" val="3"/>
   <p:tag name="KSO_WM_DIAGRAM_COLOR_TRICK" val="1"/>
   <p:tag name="KSO_WM_DIAGRAM_COLOR_TEXT_CAN_REMOVE" val="n"/>
@@ -24409,8 +23772,8 @@
 </p:tagLst>
 </file>
 
-<file path=ppt/tags/tag122.xml><?xml version="1.0" encoding="utf-8"?>
-<p:tagLst xmlns:p="http://schemas.openxmlformats.org/presentationml/2006/main">
+<file path=ppt/tags/tag124.xml><?xml version="1.0" encoding="utf-8"?>
+<p:tagLst xmlns:a="http://schemas.openxmlformats.org/drawingml/2006/main" xmlns:r="http://schemas.openxmlformats.org/officeDocument/2006/relationships" xmlns:p="http://schemas.openxmlformats.org/presentationml/2006/main">
   <p:tag name="KSO_WM_DIAGRAM_VERSION" val="3"/>
   <p:tag name="KSO_WM_DIAGRAM_COLOR_TRICK" val="1"/>
   <p:tag name="KSO_WM_DIAGRAM_COLOR_TEXT_CAN_REMOVE" val="n"/>
@@ -24443,8 +23806,8 @@
 </p:tagLst>
 </file>
 
-<file path=ppt/tags/tag123.xml><?xml version="1.0" encoding="utf-8"?>
-<p:tagLst xmlns:p="http://schemas.openxmlformats.org/presentationml/2006/main">
+<file path=ppt/tags/tag125.xml><?xml version="1.0" encoding="utf-8"?>
+<p:tagLst xmlns:a="http://schemas.openxmlformats.org/drawingml/2006/main" xmlns:r="http://schemas.openxmlformats.org/officeDocument/2006/relationships" xmlns:p="http://schemas.openxmlformats.org/presentationml/2006/main">
   <p:tag name="KSO_WM_DIAGRAM_VERSION" val="3"/>
   <p:tag name="KSO_WM_DIAGRAM_COLOR_TRICK" val="1"/>
   <p:tag name="KSO_WM_DIAGRAM_COLOR_TEXT_CAN_REMOVE" val="n"/>
@@ -24471,8 +23834,8 @@
 </p:tagLst>
 </file>
 
-<file path=ppt/tags/tag124.xml><?xml version="1.0" encoding="utf-8"?>
-<p:tagLst xmlns:p="http://schemas.openxmlformats.org/presentationml/2006/main">
+<file path=ppt/tags/tag126.xml><?xml version="1.0" encoding="utf-8"?>
+<p:tagLst xmlns:a="http://schemas.openxmlformats.org/drawingml/2006/main" xmlns:r="http://schemas.openxmlformats.org/officeDocument/2006/relationships" xmlns:p="http://schemas.openxmlformats.org/presentationml/2006/main">
   <p:tag name="KSO_WM_DIAGRAM_VERSION" val="3"/>
   <p:tag name="KSO_WM_DIAGRAM_COLOR_TRICK" val="1"/>
   <p:tag name="KSO_WM_DIAGRAM_COLOR_TEXT_CAN_REMOVE" val="n"/>
@@ -24499,8 +23862,8 @@
 </p:tagLst>
 </file>
 
-<file path=ppt/tags/tag125.xml><?xml version="1.0" encoding="utf-8"?>
-<p:tagLst xmlns:p="http://schemas.openxmlformats.org/presentationml/2006/main">
+<file path=ppt/tags/tag127.xml><?xml version="1.0" encoding="utf-8"?>
+<p:tagLst xmlns:a="http://schemas.openxmlformats.org/drawingml/2006/main" xmlns:r="http://schemas.openxmlformats.org/officeDocument/2006/relationships" xmlns:p="http://schemas.openxmlformats.org/presentationml/2006/main">
   <p:tag name="KSO_WM_DIAGRAM_VERSION" val="3"/>
   <p:tag name="KSO_WM_DIAGRAM_COLOR_TRICK" val="1"/>
   <p:tag name="KSO_WM_DIAGRAM_COLOR_TEXT_CAN_REMOVE" val="n"/>
@@ -24528,8 +23891,8 @@
 </p:tagLst>
 </file>
 
-<file path=ppt/tags/tag126.xml><?xml version="1.0" encoding="utf-8"?>
-<p:tagLst xmlns:p="http://schemas.openxmlformats.org/presentationml/2006/main">
+<file path=ppt/tags/tag128.xml><?xml version="1.0" encoding="utf-8"?>
+<p:tagLst xmlns:a="http://schemas.openxmlformats.org/drawingml/2006/main" xmlns:r="http://schemas.openxmlformats.org/officeDocument/2006/relationships" xmlns:p="http://schemas.openxmlformats.org/presentationml/2006/main">
   <p:tag name="KSO_WM_DIAGRAM_VERSION" val="3"/>
   <p:tag name="KSO_WM_DIAGRAM_COLOR_TRICK" val="1"/>
   <p:tag name="KSO_WM_DIAGRAM_COLOR_TEXT_CAN_REMOVE" val="n"/>
@@ -24558,26 +23921,52 @@
 </p:tagLst>
 </file>
 
-<file path=ppt/tags/tag127.xml><?xml version="1.0" encoding="utf-8"?>
-<p:tagLst xmlns:p="http://schemas.openxmlformats.org/presentationml/2006/main">
-  <p:tag name="RESOURCE_RECORD_KEY" val="{&quot;70&quot;:[3322321,3322005,3330166,3322071,3319074,3319358,3321846,3327015]}"/>
-</p:tagLst>
-</file>
-
-<file path=ppt/tags/tag128.xml><?xml version="1.0" encoding="utf-8"?>
-<p:tagLst xmlns:p="http://schemas.openxmlformats.org/presentationml/2006/main">
-  <p:tag name="RESOURCE_RECORD_KEY" val="{&quot;70&quot;:[3322321,3322005,3330166,3322071,3319074,3319358,3321846,3327015]}"/>
-</p:tagLst>
-</file>
-
 <file path=ppt/tags/tag129.xml><?xml version="1.0" encoding="utf-8"?>
-<p:tagLst xmlns:p="http://schemas.openxmlformats.org/presentationml/2006/main">
+<p:tagLst xmlns:a="http://schemas.openxmlformats.org/drawingml/2006/main" xmlns:r="http://schemas.openxmlformats.org/officeDocument/2006/relationships" xmlns:p="http://schemas.openxmlformats.org/presentationml/2006/main">
   <p:tag name="RESOURCE_RECORD_KEY" val="{&quot;70&quot;:[3322321,3322005,3330166,3322071,3319074,3319358,3321846,3327015]}"/>
 </p:tagLst>
 </file>
 
 <file path=ppt/tags/tag13.xml><?xml version="1.0" encoding="utf-8"?>
-<p:tagLst xmlns:p="http://schemas.openxmlformats.org/presentationml/2006/main">
+<p:tagLst xmlns:a="http://schemas.openxmlformats.org/drawingml/2006/main" xmlns:r="http://schemas.openxmlformats.org/officeDocument/2006/relationships" xmlns:p="http://schemas.openxmlformats.org/presentationml/2006/main">
+  <p:tag name="KSO_WM_UNIT_ISCONTENTSTITLE" val="1"/>
+  <p:tag name="KSO_WM_UNIT_PRESET_TEXT" val="目录"/>
+  <p:tag name="KSO_WM_UNIT_NOCLEAR" val="0"/>
+  <p:tag name="KSO_WM_UNIT_VALUE" val="9"/>
+  <p:tag name="KSO_WM_UNIT_HIGHLIGHT" val="0"/>
+  <p:tag name="KSO_WM_UNIT_COMPATIBLE" val="0"/>
+  <p:tag name="KSO_WM_UNIT_DIAGRAM_ISNUMVISUAL" val="0"/>
+  <p:tag name="KSO_WM_UNIT_DIAGRAM_ISREFERUNIT" val="0"/>
+  <p:tag name="KSO_WM_UNIT_TYPE" val="a"/>
+  <p:tag name="KSO_WM_UNIT_INDEX" val="1"/>
+  <p:tag name="KSO_WM_UNIT_ID" val="custom20202701_6*a*1"/>
+  <p:tag name="KSO_WM_TEMPLATE_CATEGORY" val="custom"/>
+  <p:tag name="KSO_WM_TEMPLATE_INDEX" val="20202701"/>
+  <p:tag name="KSO_WM_UNIT_LAYERLEVEL" val="1"/>
+  <p:tag name="KSO_WM_TAG_VERSION" val="1.0"/>
+  <p:tag name="KSO_WM_BEAUTIFY_FLAG" val="#wm#"/>
+  <p:tag name="KSO_WM_DIAGRAM_GROUP_CODE" val="l1-1"/>
+  <p:tag name="KSO_WM_UNIT_ISNUMDGMTITLE" val="0"/>
+  <p:tag name="KSO_WM_UNIT_TEXT_FILL_FORE_SCHEMECOLOR_INDEX_BRIGHTNESS" val="0"/>
+  <p:tag name="KSO_WM_UNIT_TEXT_FILL_FORE_SCHEMECOLOR_INDEX" val="5"/>
+  <p:tag name="KSO_WM_UNIT_TEXT_FILL_TYPE" val="1"/>
+</p:tagLst>
+</file>
+
+<file path=ppt/tags/tag130.xml><?xml version="1.0" encoding="utf-8"?>
+<p:tagLst xmlns:a="http://schemas.openxmlformats.org/drawingml/2006/main" xmlns:r="http://schemas.openxmlformats.org/officeDocument/2006/relationships" xmlns:p="http://schemas.openxmlformats.org/presentationml/2006/main">
+  <p:tag name="RESOURCE_RECORD_KEY" val="{&quot;70&quot;:[3322321,3322005,3330166,3322071,3319074,3319358,3321846,3327015]}"/>
+</p:tagLst>
+</file>
+
+<file path=ppt/tags/tag131.xml><?xml version="1.0" encoding="utf-8"?>
+<p:tagLst xmlns:a="http://schemas.openxmlformats.org/drawingml/2006/main" xmlns:r="http://schemas.openxmlformats.org/officeDocument/2006/relationships" xmlns:p="http://schemas.openxmlformats.org/presentationml/2006/main">
+  <p:tag name="ISLIDE.TEMPLATE" val="https://www.islide.cc;"/>
+</p:tagLst>
+</file>
+
+<file path=ppt/tags/tag132.xml><?xml version="1.0" encoding="utf-8"?>
+<p:tagLst xmlns:a="http://schemas.openxmlformats.org/drawingml/2006/main" xmlns:r="http://schemas.openxmlformats.org/officeDocument/2006/relationships" xmlns:p="http://schemas.openxmlformats.org/presentationml/2006/main">
   <p:tag name="KSO_WM_UNIT_NOCLEAR" val="0"/>
   <p:tag name="KSO_WM_UNIT_VALUE" val="1"/>
   <p:tag name="KSO_WM_UNIT_HIGHLIGHT" val="0"/>
@@ -24599,31 +23988,8 @@
 </p:tagLst>
 </file>
 
-<file path=ppt/tags/tag130.xml><?xml version="1.0" encoding="utf-8"?>
-<p:tagLst xmlns:p="http://schemas.openxmlformats.org/presentationml/2006/main">
-  <p:tag name="KSO_WM_UNIT_NOCLEAR" val="0"/>
-  <p:tag name="KSO_WM_UNIT_VALUE" val="1"/>
-  <p:tag name="KSO_WM_UNIT_HIGHLIGHT" val="0"/>
-  <p:tag name="KSO_WM_UNIT_COMPATIBLE" val="1"/>
-  <p:tag name="KSO_WM_UNIT_DIAGRAM_ISNUMVISUAL" val="0"/>
-  <p:tag name="KSO_WM_UNIT_DIAGRAM_ISREFERUNIT" val="0"/>
-  <p:tag name="KSO_WM_UNIT_TYPE" val="e"/>
-  <p:tag name="KSO_WM_UNIT_INDEX" val="1"/>
-  <p:tag name="KSO_WM_UNIT_ID" val="custom20204537_7*e*1"/>
-  <p:tag name="KSO_WM_TEMPLATE_CATEGORY" val="custom"/>
-  <p:tag name="KSO_WM_TEMPLATE_INDEX" val="20204537"/>
-  <p:tag name="KSO_WM_UNIT_LAYERLEVEL" val="1"/>
-  <p:tag name="KSO_WM_TAG_VERSION" val="1.0"/>
-  <p:tag name="KSO_WM_BEAUTIFY_FLAG" val="#wm#"/>
-  <p:tag name="KSO_WM_UNIT_PRESET_TEXT" val="01"/>
-  <p:tag name="KSO_WM_UNIT_TEXT_FILL_FORE_SCHEMECOLOR_INDEX_BRIGHTNESS" val="0"/>
-  <p:tag name="KSO_WM_UNIT_TEXT_FILL_FORE_SCHEMECOLOR_INDEX" val="5"/>
-  <p:tag name="KSO_WM_UNIT_TEXT_FILL_TYPE" val="1"/>
-</p:tagLst>
-</file>
-
-<file path=ppt/tags/tag131.xml><?xml version="1.0" encoding="utf-8"?>
-<p:tagLst xmlns:p="http://schemas.openxmlformats.org/presentationml/2006/main">
+<file path=ppt/tags/tag133.xml><?xml version="1.0" encoding="utf-8"?>
+<p:tagLst xmlns:a="http://schemas.openxmlformats.org/drawingml/2006/main" xmlns:r="http://schemas.openxmlformats.org/officeDocument/2006/relationships" xmlns:p="http://schemas.openxmlformats.org/presentationml/2006/main">
   <p:tag name="KSO_WM_UNIT_NOCLEAR" val="0"/>
   <p:tag name="KSO_WM_UNIT_SHOW_EDIT_AREA_INDICATION" val="0"/>
   <p:tag name="KSO_WM_UNIT_HIGHLIGHT" val="0"/>
@@ -24644,8 +24010,8 @@
 </p:tagLst>
 </file>
 
-<file path=ppt/tags/tag132.xml><?xml version="1.0" encoding="utf-8"?>
-<p:tagLst xmlns:p="http://schemas.openxmlformats.org/presentationml/2006/main">
+<file path=ppt/tags/tag134.xml><?xml version="1.0" encoding="utf-8"?>
+<p:tagLst xmlns:a="http://schemas.openxmlformats.org/drawingml/2006/main" xmlns:r="http://schemas.openxmlformats.org/officeDocument/2006/relationships" xmlns:p="http://schemas.openxmlformats.org/presentationml/2006/main">
   <p:tag name="KSO_WM_UNIT_HIGHLIGHT" val="0"/>
   <p:tag name="KSO_WM_UNIT_COMPATIBLE" val="0"/>
   <p:tag name="KSO_WM_UNIT_DIAGRAM_ISNUMVISUAL" val="0"/>
@@ -24664,8 +24030,8 @@
 </p:tagLst>
 </file>
 
-<file path=ppt/tags/tag133.xml><?xml version="1.0" encoding="utf-8"?>
-<p:tagLst xmlns:p="http://schemas.openxmlformats.org/presentationml/2006/main">
+<file path=ppt/tags/tag135.xml><?xml version="1.0" encoding="utf-8"?>
+<p:tagLst xmlns:a="http://schemas.openxmlformats.org/drawingml/2006/main" xmlns:r="http://schemas.openxmlformats.org/officeDocument/2006/relationships" xmlns:p="http://schemas.openxmlformats.org/presentationml/2006/main">
   <p:tag name="KSO_WM_UNIT_ISCONTENTSTITLE" val="0"/>
   <p:tag name="KSO_WM_UNIT_NOCLEAR" val="0"/>
   <p:tag name="KSO_WM_UNIT_VALUE" val="9"/>
@@ -24689,14 +24055,14 @@
 </p:tagLst>
 </file>
 
-<file path=ppt/tags/tag134.xml><?xml version="1.0" encoding="utf-8"?>
-<p:tagLst xmlns:p="http://schemas.openxmlformats.org/presentationml/2006/main">
+<file path=ppt/tags/tag136.xml><?xml version="1.0" encoding="utf-8"?>
+<p:tagLst xmlns:a="http://schemas.openxmlformats.org/drawingml/2006/main" xmlns:r="http://schemas.openxmlformats.org/officeDocument/2006/relationships" xmlns:p="http://schemas.openxmlformats.org/presentationml/2006/main">
   <p:tag name="ISLIDE.TEMPLATE" val="https://www.islide.cc;"/>
 </p:tagLst>
 </file>
 
-<file path=ppt/tags/tag135.xml><?xml version="1.0" encoding="utf-8"?>
-<p:tagLst xmlns:p="http://schemas.openxmlformats.org/presentationml/2006/main">
+<file path=ppt/tags/tag137.xml><?xml version="1.0" encoding="utf-8"?>
+<p:tagLst xmlns:a="http://schemas.openxmlformats.org/drawingml/2006/main" xmlns:r="http://schemas.openxmlformats.org/officeDocument/2006/relationships" xmlns:p="http://schemas.openxmlformats.org/presentationml/2006/main">
   <p:tag name="KSO_WM_UNIT_NOCLEAR" val="0"/>
   <p:tag name="KSO_WM_UNIT_VALUE" val="1"/>
   <p:tag name="KSO_WM_UNIT_HIGHLIGHT" val="0"/>
@@ -24718,8 +24084,8 @@
 </p:tagLst>
 </file>
 
-<file path=ppt/tags/tag136.xml><?xml version="1.0" encoding="utf-8"?>
-<p:tagLst xmlns:p="http://schemas.openxmlformats.org/presentationml/2006/main">
+<file path=ppt/tags/tag138.xml><?xml version="1.0" encoding="utf-8"?>
+<p:tagLst xmlns:a="http://schemas.openxmlformats.org/drawingml/2006/main" xmlns:r="http://schemas.openxmlformats.org/officeDocument/2006/relationships" xmlns:p="http://schemas.openxmlformats.org/presentationml/2006/main">
   <p:tag name="KSO_WM_UNIT_NOCLEAR" val="0"/>
   <p:tag name="KSO_WM_UNIT_SHOW_EDIT_AREA_INDICATION" val="0"/>
   <p:tag name="KSO_WM_UNIT_HIGHLIGHT" val="0"/>
@@ -24740,8 +24106,8 @@
 </p:tagLst>
 </file>
 
-<file path=ppt/tags/tag137.xml><?xml version="1.0" encoding="utf-8"?>
-<p:tagLst xmlns:p="http://schemas.openxmlformats.org/presentationml/2006/main">
+<file path=ppt/tags/tag139.xml><?xml version="1.0" encoding="utf-8"?>
+<p:tagLst xmlns:a="http://schemas.openxmlformats.org/drawingml/2006/main" xmlns:r="http://schemas.openxmlformats.org/officeDocument/2006/relationships" xmlns:p="http://schemas.openxmlformats.org/presentationml/2006/main">
   <p:tag name="KSO_WM_UNIT_HIGHLIGHT" val="0"/>
   <p:tag name="KSO_WM_UNIT_COMPATIBLE" val="0"/>
   <p:tag name="KSO_WM_UNIT_DIAGRAM_ISNUMVISUAL" val="0"/>
@@ -24760,8 +24126,14 @@
 </p:tagLst>
 </file>
 
-<file path=ppt/tags/tag138.xml><?xml version="1.0" encoding="utf-8"?>
-<p:tagLst xmlns:p="http://schemas.openxmlformats.org/presentationml/2006/main">
+<file path=ppt/tags/tag14.xml><?xml version="1.0" encoding="utf-8"?>
+<p:tagLst xmlns:a="http://schemas.openxmlformats.org/drawingml/2006/main" xmlns:r="http://schemas.openxmlformats.org/officeDocument/2006/relationships" xmlns:p="http://schemas.openxmlformats.org/presentationml/2006/main">
+  <p:tag name="ISLIDE.TEMPLATE" val="https://www.islide.cc;"/>
+</p:tagLst>
+</file>
+
+<file path=ppt/tags/tag140.xml><?xml version="1.0" encoding="utf-8"?>
+<p:tagLst xmlns:a="http://schemas.openxmlformats.org/drawingml/2006/main" xmlns:r="http://schemas.openxmlformats.org/officeDocument/2006/relationships" xmlns:p="http://schemas.openxmlformats.org/presentationml/2006/main">
   <p:tag name="KSO_WM_UNIT_ISCONTENTSTITLE" val="0"/>
   <p:tag name="KSO_WM_UNIT_NOCLEAR" val="0"/>
   <p:tag name="KSO_WM_UNIT_VALUE" val="9"/>
@@ -24785,36 +24157,14 @@
 </p:tagLst>
 </file>
 
-<file path=ppt/tags/tag139.xml><?xml version="1.0" encoding="utf-8"?>
-<p:tagLst xmlns:p="http://schemas.openxmlformats.org/presentationml/2006/main">
-  <p:tag name="ISLIDE.TEMPLATE" val="https://www.islide.cc;"/>
+<file path=ppt/tags/tag141.xml><?xml version="1.0" encoding="utf-8"?>
+<p:tagLst xmlns:a="http://schemas.openxmlformats.org/drawingml/2006/main" xmlns:r="http://schemas.openxmlformats.org/officeDocument/2006/relationships" xmlns:p="http://schemas.openxmlformats.org/presentationml/2006/main">
+  <p:tag name="RESOURCE_RECORD_KEY" val="{&quot;70&quot;:[3322321,3322005,3330166,3322071,3319074,3316118]}"/>
 </p:tagLst>
 </file>
 
-<file path=ppt/tags/tag14.xml><?xml version="1.0" encoding="utf-8"?>
-<p:tagLst xmlns:p="http://schemas.openxmlformats.org/presentationml/2006/main">
-  <p:tag name="KSO_WM_UNIT_NOCLEAR" val="0"/>
-  <p:tag name="KSO_WM_UNIT_SHOW_EDIT_AREA_INDICATION" val="0"/>
-  <p:tag name="KSO_WM_UNIT_HIGHLIGHT" val="0"/>
-  <p:tag name="KSO_WM_UNIT_COMPATIBLE" val="0"/>
-  <p:tag name="KSO_WM_UNIT_DIAGRAM_ISNUMVISUAL" val="0"/>
-  <p:tag name="KSO_WM_UNIT_DIAGRAM_ISREFERUNIT" val="0"/>
-  <p:tag name="KSO_WM_UNIT_TYPE" val="i"/>
-  <p:tag name="KSO_WM_UNIT_INDEX" val="1"/>
-  <p:tag name="KSO_WM_UNIT_ID" val="custom20204537_7*i*1"/>
-  <p:tag name="KSO_WM_TEMPLATE_CATEGORY" val="custom"/>
-  <p:tag name="KSO_WM_TEMPLATE_INDEX" val="20204537"/>
-  <p:tag name="KSO_WM_UNIT_LAYERLEVEL" val="1"/>
-  <p:tag name="KSO_WM_TAG_VERSION" val="1.0"/>
-  <p:tag name="KSO_WM_BEAUTIFY_FLAG" val="#wm#"/>
-  <p:tag name="KSO_WM_UNIT_TEXT_FILL_FORE_SCHEMECOLOR_INDEX_BRIGHTNESS" val="0"/>
-  <p:tag name="KSO_WM_UNIT_TEXT_FILL_FORE_SCHEMECOLOR_INDEX" val="5"/>
-  <p:tag name="KSO_WM_UNIT_TEXT_FILL_TYPE" val="1"/>
-</p:tagLst>
-</file>
-
-<file path=ppt/tags/tag140.xml><?xml version="1.0" encoding="utf-8"?>
-<p:tagLst xmlns:p="http://schemas.openxmlformats.org/presentationml/2006/main">
+<file path=ppt/tags/tag142.xml><?xml version="1.0" encoding="utf-8"?>
+<p:tagLst xmlns:a="http://schemas.openxmlformats.org/drawingml/2006/main" xmlns:r="http://schemas.openxmlformats.org/officeDocument/2006/relationships" xmlns:p="http://schemas.openxmlformats.org/presentationml/2006/main">
   <p:tag name="KSO_WM_UNIT_COMPATIBLE" val="0"/>
   <p:tag name="KSO_WM_UNIT_DIAGRAM_ISREFERUNIT" val="0"/>
   <p:tag name="KSO_WM_TEMPLATE_INDEX" val="20231320"/>
@@ -24848,8 +24198,8 @@
 </p:tagLst>
 </file>
 
-<file path=ppt/tags/tag141.xml><?xml version="1.0" encoding="utf-8"?>
-<p:tagLst xmlns:p="http://schemas.openxmlformats.org/presentationml/2006/main">
+<file path=ppt/tags/tag143.xml><?xml version="1.0" encoding="utf-8"?>
+<p:tagLst xmlns:a="http://schemas.openxmlformats.org/drawingml/2006/main" xmlns:r="http://schemas.openxmlformats.org/officeDocument/2006/relationships" xmlns:p="http://schemas.openxmlformats.org/presentationml/2006/main">
   <p:tag name="KSO_WM_UNIT_HIGHLIGHT" val="0"/>
   <p:tag name="KSO_WM_UNIT_COMPATIBLE" val="0"/>
   <p:tag name="KSO_WM_UNIT_DIAGRAM_ISNUMVISUAL" val="0"/>
@@ -24877,8 +24227,8 @@
 </p:tagLst>
 </file>
 
-<file path=ppt/tags/tag142.xml><?xml version="1.0" encoding="utf-8"?>
-<p:tagLst xmlns:p="http://schemas.openxmlformats.org/presentationml/2006/main">
+<file path=ppt/tags/tag144.xml><?xml version="1.0" encoding="utf-8"?>
+<p:tagLst xmlns:a="http://schemas.openxmlformats.org/drawingml/2006/main" xmlns:r="http://schemas.openxmlformats.org/officeDocument/2006/relationships" xmlns:p="http://schemas.openxmlformats.org/presentationml/2006/main">
   <p:tag name="KSO_WM_UNIT_COMPATIBLE" val="0"/>
   <p:tag name="KSO_WM_UNIT_DIAGRAM_ISREFERUNIT" val="0"/>
   <p:tag name="KSO_WM_TEMPLATE_INDEX" val="20231320"/>
@@ -24912,8 +24262,8 @@
 </p:tagLst>
 </file>
 
-<file path=ppt/tags/tag143.xml><?xml version="1.0" encoding="utf-8"?>
-<p:tagLst xmlns:p="http://schemas.openxmlformats.org/presentationml/2006/main">
+<file path=ppt/tags/tag145.xml><?xml version="1.0" encoding="utf-8"?>
+<p:tagLst xmlns:a="http://schemas.openxmlformats.org/drawingml/2006/main" xmlns:r="http://schemas.openxmlformats.org/officeDocument/2006/relationships" xmlns:p="http://schemas.openxmlformats.org/presentationml/2006/main">
   <p:tag name="KSO_WM_UNIT_HIGHLIGHT" val="0"/>
   <p:tag name="KSO_WM_UNIT_COMPATIBLE" val="0"/>
   <p:tag name="KSO_WM_UNIT_DIAGRAM_ISNUMVISUAL" val="0"/>
@@ -24941,8 +24291,8 @@
 </p:tagLst>
 </file>
 
-<file path=ppt/tags/tag144.xml><?xml version="1.0" encoding="utf-8"?>
-<p:tagLst xmlns:p="http://schemas.openxmlformats.org/presentationml/2006/main">
+<file path=ppt/tags/tag146.xml><?xml version="1.0" encoding="utf-8"?>
+<p:tagLst xmlns:a="http://schemas.openxmlformats.org/drawingml/2006/main" xmlns:r="http://schemas.openxmlformats.org/officeDocument/2006/relationships" xmlns:p="http://schemas.openxmlformats.org/presentationml/2006/main">
   <p:tag name="KSO_WM_UNIT_COMPATIBLE" val="0"/>
   <p:tag name="KSO_WM_UNIT_DIAGRAM_ISREFERUNIT" val="0"/>
   <p:tag name="KSO_WM_TEMPLATE_INDEX" val="20231320"/>
@@ -24976,8 +24326,8 @@
 </p:tagLst>
 </file>
 
-<file path=ppt/tags/tag145.xml><?xml version="1.0" encoding="utf-8"?>
-<p:tagLst xmlns:p="http://schemas.openxmlformats.org/presentationml/2006/main">
+<file path=ppt/tags/tag147.xml><?xml version="1.0" encoding="utf-8"?>
+<p:tagLst xmlns:a="http://schemas.openxmlformats.org/drawingml/2006/main" xmlns:r="http://schemas.openxmlformats.org/officeDocument/2006/relationships" xmlns:p="http://schemas.openxmlformats.org/presentationml/2006/main">
   <p:tag name="KSO_WM_UNIT_HIGHLIGHT" val="0"/>
   <p:tag name="KSO_WM_UNIT_COMPATIBLE" val="0"/>
   <p:tag name="KSO_WM_UNIT_DIAGRAM_ISNUMVISUAL" val="0"/>
@@ -25005,8 +24355,8 @@
 </p:tagLst>
 </file>
 
-<file path=ppt/tags/tag146.xml><?xml version="1.0" encoding="utf-8"?>
-<p:tagLst xmlns:p="http://schemas.openxmlformats.org/presentationml/2006/main">
+<file path=ppt/tags/tag148.xml><?xml version="1.0" encoding="utf-8"?>
+<p:tagLst xmlns:a="http://schemas.openxmlformats.org/drawingml/2006/main" xmlns:r="http://schemas.openxmlformats.org/officeDocument/2006/relationships" xmlns:p="http://schemas.openxmlformats.org/presentationml/2006/main">
   <p:tag name="KSO_WM_UNIT_COMPATIBLE" val="0"/>
   <p:tag name="KSO_WM_UNIT_DIAGRAM_ISREFERUNIT" val="0"/>
   <p:tag name="KSO_WM_TEMPLATE_INDEX" val="20231320"/>
@@ -25040,8 +24390,8 @@
 </p:tagLst>
 </file>
 
-<file path=ppt/tags/tag147.xml><?xml version="1.0" encoding="utf-8"?>
-<p:tagLst xmlns:p="http://schemas.openxmlformats.org/presentationml/2006/main">
+<file path=ppt/tags/tag149.xml><?xml version="1.0" encoding="utf-8"?>
+<p:tagLst xmlns:a="http://schemas.openxmlformats.org/drawingml/2006/main" xmlns:r="http://schemas.openxmlformats.org/officeDocument/2006/relationships" xmlns:p="http://schemas.openxmlformats.org/presentationml/2006/main">
   <p:tag name="KSO_WM_UNIT_HIGHLIGHT" val="0"/>
   <p:tag name="KSO_WM_UNIT_COMPATIBLE" val="0"/>
   <p:tag name="KSO_WM_UNIT_DIAGRAM_ISNUMVISUAL" val="0"/>
@@ -25069,8 +24419,31 @@
 </p:tagLst>
 </file>
 
-<file path=ppt/tags/tag148.xml><?xml version="1.0" encoding="utf-8"?>
-<p:tagLst xmlns:p="http://schemas.openxmlformats.org/presentationml/2006/main">
+<file path=ppt/tags/tag15.xml><?xml version="1.0" encoding="utf-8"?>
+<p:tagLst xmlns:a="http://schemas.openxmlformats.org/drawingml/2006/main" xmlns:r="http://schemas.openxmlformats.org/officeDocument/2006/relationships" xmlns:p="http://schemas.openxmlformats.org/presentationml/2006/main">
+  <p:tag name="KSO_WM_UNIT_NOCLEAR" val="0"/>
+  <p:tag name="KSO_WM_UNIT_VALUE" val="1"/>
+  <p:tag name="KSO_WM_UNIT_HIGHLIGHT" val="0"/>
+  <p:tag name="KSO_WM_UNIT_COMPATIBLE" val="1"/>
+  <p:tag name="KSO_WM_UNIT_DIAGRAM_ISNUMVISUAL" val="0"/>
+  <p:tag name="KSO_WM_UNIT_DIAGRAM_ISREFERUNIT" val="0"/>
+  <p:tag name="KSO_WM_UNIT_TYPE" val="e"/>
+  <p:tag name="KSO_WM_UNIT_INDEX" val="1"/>
+  <p:tag name="KSO_WM_UNIT_ID" val="custom20204537_7*e*1"/>
+  <p:tag name="KSO_WM_TEMPLATE_CATEGORY" val="custom"/>
+  <p:tag name="KSO_WM_TEMPLATE_INDEX" val="20204537"/>
+  <p:tag name="KSO_WM_UNIT_LAYERLEVEL" val="1"/>
+  <p:tag name="KSO_WM_TAG_VERSION" val="1.0"/>
+  <p:tag name="KSO_WM_BEAUTIFY_FLAG" val="#wm#"/>
+  <p:tag name="KSO_WM_UNIT_PRESET_TEXT" val="01"/>
+  <p:tag name="KSO_WM_UNIT_TEXT_FILL_FORE_SCHEMECOLOR_INDEX_BRIGHTNESS" val="0"/>
+  <p:tag name="KSO_WM_UNIT_TEXT_FILL_FORE_SCHEMECOLOR_INDEX" val="5"/>
+  <p:tag name="KSO_WM_UNIT_TEXT_FILL_TYPE" val="1"/>
+</p:tagLst>
+</file>
+
+<file path=ppt/tags/tag150.xml><?xml version="1.0" encoding="utf-8"?>
+<p:tagLst xmlns:a="http://schemas.openxmlformats.org/drawingml/2006/main" xmlns:r="http://schemas.openxmlformats.org/officeDocument/2006/relationships" xmlns:p="http://schemas.openxmlformats.org/presentationml/2006/main">
   <p:tag name="KSO_WM_UNIT_COMPATIBLE" val="0"/>
   <p:tag name="KSO_WM_UNIT_DIAGRAM_ISREFERUNIT" val="0"/>
   <p:tag name="KSO_WM_TEMPLATE_INDEX" val="20231320"/>
@@ -25104,8 +24477,8 @@
 </p:tagLst>
 </file>
 
-<file path=ppt/tags/tag149.xml><?xml version="1.0" encoding="utf-8"?>
-<p:tagLst xmlns:p="http://schemas.openxmlformats.org/presentationml/2006/main">
+<file path=ppt/tags/tag151.xml><?xml version="1.0" encoding="utf-8"?>
+<p:tagLst xmlns:a="http://schemas.openxmlformats.org/drawingml/2006/main" xmlns:r="http://schemas.openxmlformats.org/officeDocument/2006/relationships" xmlns:p="http://schemas.openxmlformats.org/presentationml/2006/main">
   <p:tag name="KSO_WM_UNIT_HIGHLIGHT" val="0"/>
   <p:tag name="KSO_WM_UNIT_COMPATIBLE" val="0"/>
   <p:tag name="KSO_WM_UNIT_DIAGRAM_ISNUMVISUAL" val="0"/>
@@ -25133,28 +24506,8 @@
 </p:tagLst>
 </file>
 
-<file path=ppt/tags/tag15.xml><?xml version="1.0" encoding="utf-8"?>
-<p:tagLst xmlns:p="http://schemas.openxmlformats.org/presentationml/2006/main">
-  <p:tag name="KSO_WM_UNIT_HIGHLIGHT" val="0"/>
-  <p:tag name="KSO_WM_UNIT_COMPATIBLE" val="0"/>
-  <p:tag name="KSO_WM_UNIT_DIAGRAM_ISNUMVISUAL" val="0"/>
-  <p:tag name="KSO_WM_UNIT_DIAGRAM_ISREFERUNIT" val="0"/>
-  <p:tag name="KSO_WM_UNIT_TYPE" val="i"/>
-  <p:tag name="KSO_WM_UNIT_INDEX" val="2"/>
-  <p:tag name="KSO_WM_UNIT_ID" val="custom20204537_7*i*2"/>
-  <p:tag name="KSO_WM_TEMPLATE_CATEGORY" val="custom"/>
-  <p:tag name="KSO_WM_TEMPLATE_INDEX" val="20204537"/>
-  <p:tag name="KSO_WM_UNIT_LAYERLEVEL" val="1"/>
-  <p:tag name="KSO_WM_TAG_VERSION" val="1.0"/>
-  <p:tag name="KSO_WM_BEAUTIFY_FLAG" val="#wm#"/>
-  <p:tag name="KSO_WM_UNIT_LINE_FORE_SCHEMECOLOR_INDEX_BRIGHTNESS" val="0"/>
-  <p:tag name="KSO_WM_UNIT_LINE_FORE_SCHEMECOLOR_INDEX" val="5"/>
-  <p:tag name="KSO_WM_UNIT_LINE_FILL_TYPE" val="2"/>
-</p:tagLst>
-</file>
-
-<file path=ppt/tags/tag150.xml><?xml version="1.0" encoding="utf-8"?>
-<p:tagLst xmlns:p="http://schemas.openxmlformats.org/presentationml/2006/main">
+<file path=ppt/tags/tag152.xml><?xml version="1.0" encoding="utf-8"?>
+<p:tagLst xmlns:a="http://schemas.openxmlformats.org/drawingml/2006/main" xmlns:r="http://schemas.openxmlformats.org/officeDocument/2006/relationships" xmlns:p="http://schemas.openxmlformats.org/presentationml/2006/main">
   <p:tag name="KSO_WM_UNIT_COMPATIBLE" val="0"/>
   <p:tag name="KSO_WM_UNIT_DIAGRAM_ISREFERUNIT" val="0"/>
   <p:tag name="KSO_WM_TEMPLATE_INDEX" val="20231320"/>
@@ -25188,8 +24541,8 @@
 </p:tagLst>
 </file>
 
-<file path=ppt/tags/tag151.xml><?xml version="1.0" encoding="utf-8"?>
-<p:tagLst xmlns:p="http://schemas.openxmlformats.org/presentationml/2006/main">
+<file path=ppt/tags/tag153.xml><?xml version="1.0" encoding="utf-8"?>
+<p:tagLst xmlns:a="http://schemas.openxmlformats.org/drawingml/2006/main" xmlns:r="http://schemas.openxmlformats.org/officeDocument/2006/relationships" xmlns:p="http://schemas.openxmlformats.org/presentationml/2006/main">
   <p:tag name="KSO_WM_UNIT_HIGHLIGHT" val="0"/>
   <p:tag name="KSO_WM_UNIT_COMPATIBLE" val="0"/>
   <p:tag name="KSO_WM_UNIT_DIAGRAM_ISNUMVISUAL" val="0"/>
@@ -25217,8 +24570,8 @@
 </p:tagLst>
 </file>
 
-<file path=ppt/tags/tag152.xml><?xml version="1.0" encoding="utf-8"?>
-<p:tagLst xmlns:p="http://schemas.openxmlformats.org/presentationml/2006/main">
+<file path=ppt/tags/tag154.xml><?xml version="1.0" encoding="utf-8"?>
+<p:tagLst xmlns:a="http://schemas.openxmlformats.org/drawingml/2006/main" xmlns:r="http://schemas.openxmlformats.org/officeDocument/2006/relationships" xmlns:p="http://schemas.openxmlformats.org/presentationml/2006/main">
   <p:tag name="KSO_WM_UNIT_COMPATIBLE" val="0"/>
   <p:tag name="KSO_WM_UNIT_DIAGRAM_ISREFERUNIT" val="0"/>
   <p:tag name="KSO_WM_TEMPLATE_INDEX" val="20231320"/>
@@ -25251,8 +24604,8 @@
 </p:tagLst>
 </file>
 
-<file path=ppt/tags/tag153.xml><?xml version="1.0" encoding="utf-8"?>
-<p:tagLst xmlns:p="http://schemas.openxmlformats.org/presentationml/2006/main">
+<file path=ppt/tags/tag155.xml><?xml version="1.0" encoding="utf-8"?>
+<p:tagLst xmlns:a="http://schemas.openxmlformats.org/drawingml/2006/main" xmlns:r="http://schemas.openxmlformats.org/officeDocument/2006/relationships" xmlns:p="http://schemas.openxmlformats.org/presentationml/2006/main">
   <p:tag name="KSO_WM_UNIT_HIGHLIGHT" val="0"/>
   <p:tag name="KSO_WM_UNIT_COMPATIBLE" val="0"/>
   <p:tag name="KSO_WM_UNIT_DIAGRAM_ISNUMVISUAL" val="0"/>
@@ -25279,8 +24632,8 @@
 </p:tagLst>
 </file>
 
-<file path=ppt/tags/tag154.xml><?xml version="1.0" encoding="utf-8"?>
-<p:tagLst xmlns:p="http://schemas.openxmlformats.org/presentationml/2006/main">
+<file path=ppt/tags/tag156.xml><?xml version="1.0" encoding="utf-8"?>
+<p:tagLst xmlns:a="http://schemas.openxmlformats.org/drawingml/2006/main" xmlns:r="http://schemas.openxmlformats.org/officeDocument/2006/relationships" xmlns:p="http://schemas.openxmlformats.org/presentationml/2006/main">
   <p:tag name="KSO_WM_UNIT_COMPATIBLE" val="0"/>
   <p:tag name="KSO_WM_UNIT_DIAGRAM_ISREFERUNIT" val="0"/>
   <p:tag name="KSO_WM_TEMPLATE_INDEX" val="20231320"/>
@@ -25313,8 +24666,8 @@
 </p:tagLst>
 </file>
 
-<file path=ppt/tags/tag155.xml><?xml version="1.0" encoding="utf-8"?>
-<p:tagLst xmlns:p="http://schemas.openxmlformats.org/presentationml/2006/main">
+<file path=ppt/tags/tag157.xml><?xml version="1.0" encoding="utf-8"?>
+<p:tagLst xmlns:a="http://schemas.openxmlformats.org/drawingml/2006/main" xmlns:r="http://schemas.openxmlformats.org/officeDocument/2006/relationships" xmlns:p="http://schemas.openxmlformats.org/presentationml/2006/main">
   <p:tag name="KSO_WM_UNIT_HIGHLIGHT" val="0"/>
   <p:tag name="KSO_WM_UNIT_COMPATIBLE" val="0"/>
   <p:tag name="KSO_WM_UNIT_DIAGRAM_ISNUMVISUAL" val="0"/>
@@ -25341,21 +24694,50 @@
 </p:tagLst>
 </file>
 
-<file path=ppt/tags/tag156.xml><?xml version="1.0" encoding="utf-8"?>
-<p:tagLst xmlns:p="http://schemas.openxmlformats.org/presentationml/2006/main">
-  <p:tag name="RESOURCE_RECORD_KEY" val="{&quot;70&quot;:[3322321,3322005,3330166,3322071,3319074,3316118]}"/>
+<file path=ppt/tags/tag16.xml><?xml version="1.0" encoding="utf-8"?>
+<p:tagLst xmlns:a="http://schemas.openxmlformats.org/drawingml/2006/main" xmlns:r="http://schemas.openxmlformats.org/officeDocument/2006/relationships" xmlns:p="http://schemas.openxmlformats.org/presentationml/2006/main">
+  <p:tag name="KSO_WM_UNIT_NOCLEAR" val="0"/>
+  <p:tag name="KSO_WM_UNIT_SHOW_EDIT_AREA_INDICATION" val="0"/>
+  <p:tag name="KSO_WM_UNIT_HIGHLIGHT" val="0"/>
+  <p:tag name="KSO_WM_UNIT_COMPATIBLE" val="0"/>
+  <p:tag name="KSO_WM_UNIT_DIAGRAM_ISNUMVISUAL" val="0"/>
+  <p:tag name="KSO_WM_UNIT_DIAGRAM_ISREFERUNIT" val="0"/>
+  <p:tag name="KSO_WM_UNIT_TYPE" val="i"/>
+  <p:tag name="KSO_WM_UNIT_INDEX" val="1"/>
+  <p:tag name="KSO_WM_UNIT_ID" val="custom20204537_7*i*1"/>
+  <p:tag name="KSO_WM_TEMPLATE_CATEGORY" val="custom"/>
+  <p:tag name="KSO_WM_TEMPLATE_INDEX" val="20204537"/>
+  <p:tag name="KSO_WM_UNIT_LAYERLEVEL" val="1"/>
+  <p:tag name="KSO_WM_TAG_VERSION" val="1.0"/>
+  <p:tag name="KSO_WM_BEAUTIFY_FLAG" val="#wm#"/>
+  <p:tag name="KSO_WM_UNIT_TEXT_FILL_FORE_SCHEMECOLOR_INDEX_BRIGHTNESS" val="0"/>
+  <p:tag name="KSO_WM_UNIT_TEXT_FILL_FORE_SCHEMECOLOR_INDEX" val="5"/>
+  <p:tag name="KSO_WM_UNIT_TEXT_FILL_TYPE" val="1"/>
 </p:tagLst>
 </file>
 
-<file path=ppt/tags/tag157.xml><?xml version="1.0" encoding="utf-8"?>
-<p:tagLst xmlns:p="http://schemas.openxmlformats.org/presentationml/2006/main">
-  <p:tag name="commondata" val="eyJoZGlkIjoiYmM4YzM1MWEzMTFkMzliM2YyZjkwN2NlNGRhNjUyMGIifQ=="/>
-  <p:tag name="resource_record_key" val="{&quot;70&quot;:[3322321,3322005,3330166,3322071,3322187,3319074,3319358,3321846,3327015,3316118]}"/>
+<file path=ppt/tags/tag17.xml><?xml version="1.0" encoding="utf-8"?>
+<p:tagLst xmlns:a="http://schemas.openxmlformats.org/drawingml/2006/main" xmlns:r="http://schemas.openxmlformats.org/officeDocument/2006/relationships" xmlns:p="http://schemas.openxmlformats.org/presentationml/2006/main">
+  <p:tag name="KSO_WM_UNIT_HIGHLIGHT" val="0"/>
+  <p:tag name="KSO_WM_UNIT_COMPATIBLE" val="0"/>
+  <p:tag name="KSO_WM_UNIT_DIAGRAM_ISNUMVISUAL" val="0"/>
+  <p:tag name="KSO_WM_UNIT_DIAGRAM_ISREFERUNIT" val="0"/>
+  <p:tag name="KSO_WM_UNIT_TYPE" val="i"/>
+  <p:tag name="KSO_WM_UNIT_INDEX" val="2"/>
+  <p:tag name="KSO_WM_UNIT_ID" val="custom20204537_7*i*2"/>
+  <p:tag name="KSO_WM_TEMPLATE_CATEGORY" val="custom"/>
+  <p:tag name="KSO_WM_TEMPLATE_INDEX" val="20204537"/>
+  <p:tag name="KSO_WM_UNIT_LAYERLEVEL" val="1"/>
+  <p:tag name="KSO_WM_TAG_VERSION" val="1.0"/>
+  <p:tag name="KSO_WM_BEAUTIFY_FLAG" val="#wm#"/>
+  <p:tag name="KSO_WM_UNIT_LINE_FORE_SCHEMECOLOR_INDEX_BRIGHTNESS" val="0"/>
+  <p:tag name="KSO_WM_UNIT_LINE_FORE_SCHEMECOLOR_INDEX" val="5"/>
+  <p:tag name="KSO_WM_UNIT_LINE_FILL_TYPE" val="2"/>
 </p:tagLst>
 </file>
 
-<file path=ppt/tags/tag16.xml><?xml version="1.0" encoding="utf-8"?>
-<p:tagLst xmlns:p="http://schemas.openxmlformats.org/presentationml/2006/main">
+<file path=ppt/tags/tag18.xml><?xml version="1.0" encoding="utf-8"?>
+<p:tagLst xmlns:a="http://schemas.openxmlformats.org/drawingml/2006/main" xmlns:r="http://schemas.openxmlformats.org/officeDocument/2006/relationships" xmlns:p="http://schemas.openxmlformats.org/presentationml/2006/main">
   <p:tag name="KSO_WM_UNIT_ISCONTENTSTITLE" val="0"/>
   <p:tag name="KSO_WM_UNIT_NOCLEAR" val="0"/>
   <p:tag name="KSO_WM_UNIT_VALUE" val="9"/>
@@ -25379,14 +24761,20 @@
 </p:tagLst>
 </file>
 
-<file path=ppt/tags/tag17.xml><?xml version="1.0" encoding="utf-8"?>
-<p:tagLst xmlns:p="http://schemas.openxmlformats.org/presentationml/2006/main">
+<file path=ppt/tags/tag19.xml><?xml version="1.0" encoding="utf-8"?>
+<p:tagLst xmlns:a="http://schemas.openxmlformats.org/drawingml/2006/main" xmlns:r="http://schemas.openxmlformats.org/officeDocument/2006/relationships" xmlns:p="http://schemas.openxmlformats.org/presentationml/2006/main">
+  <p:tag name="RESOURCE_RECORD_KEY" val="{&quot;70&quot;:[3322321,3322005,3330166,3322071]}"/>
+</p:tagLst>
+</file>
+
+<file path=ppt/tags/tag2.xml><?xml version="1.0" encoding="utf-8"?>
+<p:tagLst xmlns:a="http://schemas.openxmlformats.org/drawingml/2006/main" xmlns:r="http://schemas.openxmlformats.org/officeDocument/2006/relationships" xmlns:p="http://schemas.openxmlformats.org/presentationml/2006/main">
   <p:tag name="ISLIDE.TEMPLATE" val="https://www.islide.cc;"/>
 </p:tagLst>
 </file>
 
-<file path=ppt/tags/tag18.xml><?xml version="1.0" encoding="utf-8"?>
-<p:tagLst xmlns:p="http://schemas.openxmlformats.org/presentationml/2006/main">
+<file path=ppt/tags/tag20.xml><?xml version="1.0" encoding="utf-8"?>
+<p:tagLst xmlns:a="http://schemas.openxmlformats.org/drawingml/2006/main" xmlns:r="http://schemas.openxmlformats.org/officeDocument/2006/relationships" xmlns:p="http://schemas.openxmlformats.org/presentationml/2006/main">
   <p:tag name="KSO_WM_UNIT_HIGHLIGHT" val="0"/>
   <p:tag name="KSO_WM_UNIT_COMPATIBLE" val="0"/>
   <p:tag name="KSO_WM_UNIT_DIAGRAM_ISNUMVISUAL" val="0"/>
@@ -25414,8 +24802,8 @@
 </p:tagLst>
 </file>
 
-<file path=ppt/tags/tag19.xml><?xml version="1.0" encoding="utf-8"?>
-<p:tagLst xmlns:p="http://schemas.openxmlformats.org/presentationml/2006/main">
+<file path=ppt/tags/tag21.xml><?xml version="1.0" encoding="utf-8"?>
+<p:tagLst xmlns:a="http://schemas.openxmlformats.org/drawingml/2006/main" xmlns:r="http://schemas.openxmlformats.org/officeDocument/2006/relationships" xmlns:p="http://schemas.openxmlformats.org/presentationml/2006/main">
   <p:tag name="KSO_WM_UNIT_HIGHLIGHT" val="0"/>
   <p:tag name="KSO_WM_UNIT_COMPATIBLE" val="0"/>
   <p:tag name="KSO_WM_UNIT_DIAGRAM_ISNUMVISUAL" val="0"/>
@@ -25444,31 +24832,8 @@
 </p:tagLst>
 </file>
 
-<file path=ppt/tags/tag2.xml><?xml version="1.0" encoding="utf-8"?>
-<p:tagLst xmlns:p="http://schemas.openxmlformats.org/presentationml/2006/main">
-  <p:tag name="KSO_WM_UNIT_NOCLEAR" val="0"/>
-  <p:tag name="KSO_WM_UNIT_HIGHLIGHT" val="0"/>
-  <p:tag name="KSO_WM_UNIT_COMPATIBLE" val="0"/>
-  <p:tag name="KSO_WM_UNIT_DIAGRAM_ISNUMVISUAL" val="0"/>
-  <p:tag name="KSO_WM_UNIT_DIAGRAM_ISREFERUNIT" val="0"/>
-  <p:tag name="KSO_WM_DIAGRAM_GROUP_CODE" val="l1-1"/>
-  <p:tag name="KSO_WM_UNIT_TYPE" val="l_h_i"/>
-  <p:tag name="KSO_WM_UNIT_INDEX" val="1_5_1"/>
-  <p:tag name="KSO_WM_UNIT_ID" val="custom20202701_6*l_h_i*1_5_1"/>
-  <p:tag name="KSO_WM_TEMPLATE_CATEGORY" val="custom"/>
-  <p:tag name="KSO_WM_TEMPLATE_INDEX" val="20202701"/>
-  <p:tag name="KSO_WM_UNIT_LAYERLEVEL" val="1_1_1"/>
-  <p:tag name="KSO_WM_TAG_VERSION" val="1.0"/>
-  <p:tag name="KSO_WM_BEAUTIFY_FLAG" val="#wm#"/>
-  <p:tag name="KSO_WM_UNIT_TEXT_FILL_FORE_SCHEMECOLOR_INDEX_BRIGHTNESS" val="0"/>
-  <p:tag name="KSO_WM_UNIT_TEXT_FILL_FORE_SCHEMECOLOR_INDEX" val="5"/>
-  <p:tag name="KSO_WM_UNIT_TEXT_FILL_TYPE" val="1"/>
-  <p:tag name="KSO_WM_DIAGRAM_VIRTUALLY_FRAME" val="{&quot;height&quot;:192.72629921259846,&quot;left&quot;:42.431574803149616,&quot;top&quot;:132.01574803149606,&quot;width&quot;:644.7815748031496}"/>
-</p:tagLst>
-</file>
-
-<file path=ppt/tags/tag20.xml><?xml version="1.0" encoding="utf-8"?>
-<p:tagLst xmlns:p="http://schemas.openxmlformats.org/presentationml/2006/main">
+<file path=ppt/tags/tag22.xml><?xml version="1.0" encoding="utf-8"?>
+<p:tagLst xmlns:a="http://schemas.openxmlformats.org/drawingml/2006/main" xmlns:r="http://schemas.openxmlformats.org/officeDocument/2006/relationships" xmlns:p="http://schemas.openxmlformats.org/presentationml/2006/main">
   <p:tag name="KSO_WM_UNIT_SUBTYPE" val="a"/>
   <p:tag name="KSO_WM_UNIT_NOCLEAR" val="0"/>
   <p:tag name="KSO_WM_UNIT_HIGHLIGHT" val="0"/>
@@ -25499,8 +24864,8 @@
 </p:tagLst>
 </file>
 
-<file path=ppt/tags/tag21.xml><?xml version="1.0" encoding="utf-8"?>
-<p:tagLst xmlns:p="http://schemas.openxmlformats.org/presentationml/2006/main">
+<file path=ppt/tags/tag23.xml><?xml version="1.0" encoding="utf-8"?>
+<p:tagLst xmlns:a="http://schemas.openxmlformats.org/drawingml/2006/main" xmlns:r="http://schemas.openxmlformats.org/officeDocument/2006/relationships" xmlns:p="http://schemas.openxmlformats.org/presentationml/2006/main">
   <p:tag name="KSO_WM_UNIT_ISCONTENTSTITLE" val="0"/>
   <p:tag name="KSO_WM_UNIT_ISNUMDGMTITLE" val="0"/>
   <p:tag name="KSO_WM_UNIT_NOCLEAR" val="0"/>
@@ -25532,8 +24897,8 @@
 </p:tagLst>
 </file>
 
-<file path=ppt/tags/tag22.xml><?xml version="1.0" encoding="utf-8"?>
-<p:tagLst xmlns:p="http://schemas.openxmlformats.org/presentationml/2006/main">
+<file path=ppt/tags/tag24.xml><?xml version="1.0" encoding="utf-8"?>
+<p:tagLst xmlns:a="http://schemas.openxmlformats.org/drawingml/2006/main" xmlns:r="http://schemas.openxmlformats.org/officeDocument/2006/relationships" xmlns:p="http://schemas.openxmlformats.org/presentationml/2006/main">
   <p:tag name="KSO_WM_UNIT_HIGHLIGHT" val="0"/>
   <p:tag name="KSO_WM_UNIT_COMPATIBLE" val="0"/>
   <p:tag name="KSO_WM_UNIT_DIAGRAM_ISNUMVISUAL" val="0"/>
@@ -25559,8 +24924,8 @@
 </p:tagLst>
 </file>
 
-<file path=ppt/tags/tag23.xml><?xml version="1.0" encoding="utf-8"?>
-<p:tagLst xmlns:p="http://schemas.openxmlformats.org/presentationml/2006/main">
+<file path=ppt/tags/tag25.xml><?xml version="1.0" encoding="utf-8"?>
+<p:tagLst xmlns:a="http://schemas.openxmlformats.org/drawingml/2006/main" xmlns:r="http://schemas.openxmlformats.org/officeDocument/2006/relationships" xmlns:p="http://schemas.openxmlformats.org/presentationml/2006/main">
   <p:tag name="KSO_WM_UNIT_HIGHLIGHT" val="0"/>
   <p:tag name="KSO_WM_UNIT_COMPATIBLE" val="0"/>
   <p:tag name="KSO_WM_UNIT_DIAGRAM_ISNUMVISUAL" val="0"/>
@@ -25588,8 +24953,8 @@
 </p:tagLst>
 </file>
 
-<file path=ppt/tags/tag24.xml><?xml version="1.0" encoding="utf-8"?>
-<p:tagLst xmlns:p="http://schemas.openxmlformats.org/presentationml/2006/main">
+<file path=ppt/tags/tag26.xml><?xml version="1.0" encoding="utf-8"?>
+<p:tagLst xmlns:a="http://schemas.openxmlformats.org/drawingml/2006/main" xmlns:r="http://schemas.openxmlformats.org/officeDocument/2006/relationships" xmlns:p="http://schemas.openxmlformats.org/presentationml/2006/main">
   <p:tag name="KSO_WM_UNIT_SUBTYPE" val="a"/>
   <p:tag name="KSO_WM_UNIT_NOCLEAR" val="0"/>
   <p:tag name="KSO_WM_UNIT_HIGHLIGHT" val="0"/>
@@ -25620,8 +24985,8 @@
 </p:tagLst>
 </file>
 
-<file path=ppt/tags/tag25.xml><?xml version="1.0" encoding="utf-8"?>
-<p:tagLst xmlns:p="http://schemas.openxmlformats.org/presentationml/2006/main">
+<file path=ppt/tags/tag27.xml><?xml version="1.0" encoding="utf-8"?>
+<p:tagLst xmlns:a="http://schemas.openxmlformats.org/drawingml/2006/main" xmlns:r="http://schemas.openxmlformats.org/officeDocument/2006/relationships" xmlns:p="http://schemas.openxmlformats.org/presentationml/2006/main">
   <p:tag name="KSO_WM_UNIT_ISCONTENTSTITLE" val="0"/>
   <p:tag name="KSO_WM_UNIT_ISNUMDGMTITLE" val="0"/>
   <p:tag name="KSO_WM_UNIT_NOCLEAR" val="0"/>
@@ -25653,8 +25018,8 @@
 </p:tagLst>
 </file>
 
-<file path=ppt/tags/tag26.xml><?xml version="1.0" encoding="utf-8"?>
-<p:tagLst xmlns:p="http://schemas.openxmlformats.org/presentationml/2006/main">
+<file path=ppt/tags/tag28.xml><?xml version="1.0" encoding="utf-8"?>
+<p:tagLst xmlns:a="http://schemas.openxmlformats.org/drawingml/2006/main" xmlns:r="http://schemas.openxmlformats.org/officeDocument/2006/relationships" xmlns:p="http://schemas.openxmlformats.org/presentationml/2006/main">
   <p:tag name="KSO_WM_UNIT_HIGHLIGHT" val="0"/>
   <p:tag name="KSO_WM_UNIT_COMPATIBLE" val="0"/>
   <p:tag name="KSO_WM_UNIT_DIAGRAM_ISNUMVISUAL" val="0"/>
@@ -25680,8 +25045,8 @@
 </p:tagLst>
 </file>
 
-<file path=ppt/tags/tag27.xml><?xml version="1.0" encoding="utf-8"?>
-<p:tagLst xmlns:p="http://schemas.openxmlformats.org/presentationml/2006/main">
+<file path=ppt/tags/tag29.xml><?xml version="1.0" encoding="utf-8"?>
+<p:tagLst xmlns:a="http://schemas.openxmlformats.org/drawingml/2006/main" xmlns:r="http://schemas.openxmlformats.org/officeDocument/2006/relationships" xmlns:p="http://schemas.openxmlformats.org/presentationml/2006/main">
   <p:tag name="KSO_WM_UNIT_HIGHLIGHT" val="0"/>
   <p:tag name="KSO_WM_UNIT_COMPATIBLE" val="0"/>
   <p:tag name="KSO_WM_UNIT_DIAGRAM_ISNUMVISUAL" val="0"/>
@@ -25709,8 +25074,33 @@
 </p:tagLst>
 </file>
 
-<file path=ppt/tags/tag28.xml><?xml version="1.0" encoding="utf-8"?>
-<p:tagLst xmlns:p="http://schemas.openxmlformats.org/presentationml/2006/main">
+<file path=ppt/tags/tag3.xml><?xml version="1.0" encoding="utf-8"?>
+<p:tagLst xmlns:a="http://schemas.openxmlformats.org/drawingml/2006/main" xmlns:r="http://schemas.openxmlformats.org/officeDocument/2006/relationships" xmlns:p="http://schemas.openxmlformats.org/presentationml/2006/main">
+  <p:tag name="KSO_WM_UNIT_NOCLEAR" val="0"/>
+  <p:tag name="KSO_WM_UNIT_HIGHLIGHT" val="0"/>
+  <p:tag name="KSO_WM_UNIT_COMPATIBLE" val="0"/>
+  <p:tag name="KSO_WM_UNIT_DIAGRAM_ISNUMVISUAL" val="0"/>
+  <p:tag name="KSO_WM_UNIT_DIAGRAM_ISREFERUNIT" val="0"/>
+  <p:tag name="KSO_WM_DIAGRAM_GROUP_CODE" val="l1-1"/>
+  <p:tag name="KSO_WM_UNIT_TYPE" val="l_h_f"/>
+  <p:tag name="KSO_WM_UNIT_INDEX" val="1_5_1"/>
+  <p:tag name="KSO_WM_UNIT_ID" val="custom20202701_6*l_h_f*1_5_1"/>
+  <p:tag name="KSO_WM_TEMPLATE_CATEGORY" val="custom"/>
+  <p:tag name="KSO_WM_TEMPLATE_INDEX" val="20202701"/>
+  <p:tag name="KSO_WM_UNIT_LAYERLEVEL" val="1_1_1"/>
+  <p:tag name="KSO_WM_TAG_VERSION" val="1.0"/>
+  <p:tag name="KSO_WM_BEAUTIFY_FLAG" val="#wm#"/>
+  <p:tag name="KSO_WM_UNIT_PRESET_TEXT" val="在此单击输入文字"/>
+  <p:tag name="KSO_WM_UNIT_SUBTYPE" val="a"/>
+  <p:tag name="KSO_WM_UNIT_TEXT_FILL_FORE_SCHEMECOLOR_INDEX_BRIGHTNESS" val="0.15"/>
+  <p:tag name="KSO_WM_UNIT_TEXT_FILL_FORE_SCHEMECOLOR_INDEX" val="13"/>
+  <p:tag name="KSO_WM_UNIT_TEXT_FILL_TYPE" val="1"/>
+  <p:tag name="KSO_WM_DIAGRAM_VIRTUALLY_FRAME" val="{&quot;height&quot;:192.72629921259846,&quot;left&quot;:42.431574803149616,&quot;top&quot;:132.01574803149606,&quot;width&quot;:644.7815748031496}"/>
+</p:tagLst>
+</file>
+
+<file path=ppt/tags/tag30.xml><?xml version="1.0" encoding="utf-8"?>
+<p:tagLst xmlns:a="http://schemas.openxmlformats.org/drawingml/2006/main" xmlns:r="http://schemas.openxmlformats.org/officeDocument/2006/relationships" xmlns:p="http://schemas.openxmlformats.org/presentationml/2006/main">
   <p:tag name="KSO_WM_UNIT_SUBTYPE" val="a"/>
   <p:tag name="KSO_WM_UNIT_NOCLEAR" val="0"/>
   <p:tag name="KSO_WM_UNIT_HIGHLIGHT" val="0"/>
@@ -25741,8 +25131,8 @@
 </p:tagLst>
 </file>
 
-<file path=ppt/tags/tag29.xml><?xml version="1.0" encoding="utf-8"?>
-<p:tagLst xmlns:p="http://schemas.openxmlformats.org/presentationml/2006/main">
+<file path=ppt/tags/tag31.xml><?xml version="1.0" encoding="utf-8"?>
+<p:tagLst xmlns:a="http://schemas.openxmlformats.org/drawingml/2006/main" xmlns:r="http://schemas.openxmlformats.org/officeDocument/2006/relationships" xmlns:p="http://schemas.openxmlformats.org/presentationml/2006/main">
   <p:tag name="KSO_WM_UNIT_ISCONTENTSTITLE" val="0"/>
   <p:tag name="KSO_WM_UNIT_ISNUMDGMTITLE" val="0"/>
   <p:tag name="KSO_WM_UNIT_NOCLEAR" val="0"/>
@@ -25774,33 +25164,8 @@
 </p:tagLst>
 </file>
 
-<file path=ppt/tags/tag3.xml><?xml version="1.0" encoding="utf-8"?>
-<p:tagLst xmlns:p="http://schemas.openxmlformats.org/presentationml/2006/main">
-  <p:tag name="KSO_WM_UNIT_NOCLEAR" val="0"/>
-  <p:tag name="KSO_WM_UNIT_HIGHLIGHT" val="0"/>
-  <p:tag name="KSO_WM_UNIT_COMPATIBLE" val="0"/>
-  <p:tag name="KSO_WM_UNIT_DIAGRAM_ISNUMVISUAL" val="0"/>
-  <p:tag name="KSO_WM_UNIT_DIAGRAM_ISREFERUNIT" val="0"/>
-  <p:tag name="KSO_WM_DIAGRAM_GROUP_CODE" val="l1-1"/>
-  <p:tag name="KSO_WM_UNIT_TYPE" val="l_h_f"/>
-  <p:tag name="KSO_WM_UNIT_INDEX" val="1_3_1"/>
-  <p:tag name="KSO_WM_UNIT_ID" val="custom20202701_6*l_h_f*1_3_1"/>
-  <p:tag name="KSO_WM_TEMPLATE_CATEGORY" val="custom"/>
-  <p:tag name="KSO_WM_TEMPLATE_INDEX" val="20202701"/>
-  <p:tag name="KSO_WM_UNIT_LAYERLEVEL" val="1_1_1"/>
-  <p:tag name="KSO_WM_TAG_VERSION" val="1.0"/>
-  <p:tag name="KSO_WM_BEAUTIFY_FLAG" val="#wm#"/>
-  <p:tag name="KSO_WM_UNIT_PRESET_TEXT" val="在此单击输入文字"/>
-  <p:tag name="KSO_WM_UNIT_SUBTYPE" val="a"/>
-  <p:tag name="KSO_WM_UNIT_TEXT_FILL_FORE_SCHEMECOLOR_INDEX_BRIGHTNESS" val="0.15"/>
-  <p:tag name="KSO_WM_UNIT_TEXT_FILL_FORE_SCHEMECOLOR_INDEX" val="13"/>
-  <p:tag name="KSO_WM_UNIT_TEXT_FILL_TYPE" val="1"/>
-  <p:tag name="KSO_WM_DIAGRAM_VIRTUALLY_FRAME" val="{&quot;height&quot;:192.72629921259846,&quot;left&quot;:42.431574803149616,&quot;top&quot;:132.01574803149606,&quot;width&quot;:644.7815748031496}"/>
-</p:tagLst>
-</file>
-
-<file path=ppt/tags/tag30.xml><?xml version="1.0" encoding="utf-8"?>
-<p:tagLst xmlns:p="http://schemas.openxmlformats.org/presentationml/2006/main">
+<file path=ppt/tags/tag32.xml><?xml version="1.0" encoding="utf-8"?>
+<p:tagLst xmlns:a="http://schemas.openxmlformats.org/drawingml/2006/main" xmlns:r="http://schemas.openxmlformats.org/officeDocument/2006/relationships" xmlns:p="http://schemas.openxmlformats.org/presentationml/2006/main">
   <p:tag name="KSO_WM_UNIT_HIGHLIGHT" val="0"/>
   <p:tag name="KSO_WM_UNIT_COMPATIBLE" val="0"/>
   <p:tag name="KSO_WM_UNIT_DIAGRAM_ISNUMVISUAL" val="0"/>
@@ -25826,8 +25191,8 @@
 </p:tagLst>
 </file>
 
-<file path=ppt/tags/tag31.xml><?xml version="1.0" encoding="utf-8"?>
-<p:tagLst xmlns:p="http://schemas.openxmlformats.org/presentationml/2006/main">
+<file path=ppt/tags/tag33.xml><?xml version="1.0" encoding="utf-8"?>
+<p:tagLst xmlns:a="http://schemas.openxmlformats.org/drawingml/2006/main" xmlns:r="http://schemas.openxmlformats.org/officeDocument/2006/relationships" xmlns:p="http://schemas.openxmlformats.org/presentationml/2006/main">
   <p:tag name="KSO_WM_UNIT_HIGHLIGHT" val="0"/>
   <p:tag name="KSO_WM_UNIT_COMPATIBLE" val="0"/>
   <p:tag name="KSO_WM_UNIT_DIAGRAM_ISNUMVISUAL" val="0"/>
@@ -25855,8 +25220,8 @@
 </p:tagLst>
 </file>
 
-<file path=ppt/tags/tag32.xml><?xml version="1.0" encoding="utf-8"?>
-<p:tagLst xmlns:p="http://schemas.openxmlformats.org/presentationml/2006/main">
+<file path=ppt/tags/tag34.xml><?xml version="1.0" encoding="utf-8"?>
+<p:tagLst xmlns:a="http://schemas.openxmlformats.org/drawingml/2006/main" xmlns:r="http://schemas.openxmlformats.org/officeDocument/2006/relationships" xmlns:p="http://schemas.openxmlformats.org/presentationml/2006/main">
   <p:tag name="KSO_WM_UNIT_SUBTYPE" val="a"/>
   <p:tag name="KSO_WM_UNIT_NOCLEAR" val="0"/>
   <p:tag name="KSO_WM_UNIT_HIGHLIGHT" val="0"/>
@@ -25887,8 +25252,8 @@
 </p:tagLst>
 </file>
 
-<file path=ppt/tags/tag33.xml><?xml version="1.0" encoding="utf-8"?>
-<p:tagLst xmlns:p="http://schemas.openxmlformats.org/presentationml/2006/main">
+<file path=ppt/tags/tag35.xml><?xml version="1.0" encoding="utf-8"?>
+<p:tagLst xmlns:a="http://schemas.openxmlformats.org/drawingml/2006/main" xmlns:r="http://schemas.openxmlformats.org/officeDocument/2006/relationships" xmlns:p="http://schemas.openxmlformats.org/presentationml/2006/main">
   <p:tag name="KSO_WM_UNIT_ISCONTENTSTITLE" val="0"/>
   <p:tag name="KSO_WM_UNIT_ISNUMDGMTITLE" val="0"/>
   <p:tag name="KSO_WM_UNIT_NOCLEAR" val="0"/>
@@ -25920,8 +25285,8 @@
 </p:tagLst>
 </file>
 
-<file path=ppt/tags/tag34.xml><?xml version="1.0" encoding="utf-8"?>
-<p:tagLst xmlns:p="http://schemas.openxmlformats.org/presentationml/2006/main">
+<file path=ppt/tags/tag36.xml><?xml version="1.0" encoding="utf-8"?>
+<p:tagLst xmlns:a="http://schemas.openxmlformats.org/drawingml/2006/main" xmlns:r="http://schemas.openxmlformats.org/officeDocument/2006/relationships" xmlns:p="http://schemas.openxmlformats.org/presentationml/2006/main">
   <p:tag name="KSO_WM_UNIT_HIGHLIGHT" val="0"/>
   <p:tag name="KSO_WM_UNIT_COMPATIBLE" val="0"/>
   <p:tag name="KSO_WM_UNIT_DIAGRAM_ISNUMVISUAL" val="0"/>
@@ -25947,8 +25312,8 @@
 </p:tagLst>
 </file>
 
-<file path=ppt/tags/tag35.xml><?xml version="1.0" encoding="utf-8"?>
-<p:tagLst xmlns:p="http://schemas.openxmlformats.org/presentationml/2006/main">
+<file path=ppt/tags/tag37.xml><?xml version="1.0" encoding="utf-8"?>
+<p:tagLst xmlns:a="http://schemas.openxmlformats.org/drawingml/2006/main" xmlns:r="http://schemas.openxmlformats.org/officeDocument/2006/relationships" xmlns:p="http://schemas.openxmlformats.org/presentationml/2006/main">
   <p:tag name="KSO_WM_UNIT_HIGHLIGHT" val="0"/>
   <p:tag name="KSO_WM_UNIT_COMPATIBLE" val="0"/>
   <p:tag name="KSO_WM_UNIT_DIAGRAM_ISNUMVISUAL" val="0"/>
@@ -25977,8 +25342,8 @@
 </p:tagLst>
 </file>
 
-<file path=ppt/tags/tag36.xml><?xml version="1.0" encoding="utf-8"?>
-<p:tagLst xmlns:p="http://schemas.openxmlformats.org/presentationml/2006/main">
+<file path=ppt/tags/tag38.xml><?xml version="1.0" encoding="utf-8"?>
+<p:tagLst xmlns:a="http://schemas.openxmlformats.org/drawingml/2006/main" xmlns:r="http://schemas.openxmlformats.org/officeDocument/2006/relationships" xmlns:p="http://schemas.openxmlformats.org/presentationml/2006/main">
   <p:tag name="KSO_WM_UNIT_HIGHLIGHT" val="0"/>
   <p:tag name="KSO_WM_UNIT_COMPATIBLE" val="0"/>
   <p:tag name="KSO_WM_UNIT_DIAGRAM_ISNUMVISUAL" val="0"/>
@@ -26007,8 +25372,8 @@
 </p:tagLst>
 </file>
 
-<file path=ppt/tags/tag37.xml><?xml version="1.0" encoding="utf-8"?>
-<p:tagLst xmlns:p="http://schemas.openxmlformats.org/presentationml/2006/main">
+<file path=ppt/tags/tag39.xml><?xml version="1.0" encoding="utf-8"?>
+<p:tagLst xmlns:a="http://schemas.openxmlformats.org/drawingml/2006/main" xmlns:r="http://schemas.openxmlformats.org/officeDocument/2006/relationships" xmlns:p="http://schemas.openxmlformats.org/presentationml/2006/main">
   <p:tag name="KSO_WM_UNIT_HIGHLIGHT" val="0"/>
   <p:tag name="KSO_WM_UNIT_COMPATIBLE" val="0"/>
   <p:tag name="KSO_WM_UNIT_DIAGRAM_ISNUMVISUAL" val="0"/>
@@ -26037,8 +25402,31 @@
 </p:tagLst>
 </file>
 
-<file path=ppt/tags/tag38.xml><?xml version="1.0" encoding="utf-8"?>
-<p:tagLst xmlns:p="http://schemas.openxmlformats.org/presentationml/2006/main">
+<file path=ppt/tags/tag4.xml><?xml version="1.0" encoding="utf-8"?>
+<p:tagLst xmlns:a="http://schemas.openxmlformats.org/drawingml/2006/main" xmlns:r="http://schemas.openxmlformats.org/officeDocument/2006/relationships" xmlns:p="http://schemas.openxmlformats.org/presentationml/2006/main">
+  <p:tag name="KSO_WM_UNIT_NOCLEAR" val="0"/>
+  <p:tag name="KSO_WM_UNIT_HIGHLIGHT" val="0"/>
+  <p:tag name="KSO_WM_UNIT_COMPATIBLE" val="0"/>
+  <p:tag name="KSO_WM_UNIT_DIAGRAM_ISNUMVISUAL" val="0"/>
+  <p:tag name="KSO_WM_UNIT_DIAGRAM_ISREFERUNIT" val="0"/>
+  <p:tag name="KSO_WM_DIAGRAM_GROUP_CODE" val="l1-1"/>
+  <p:tag name="KSO_WM_UNIT_TYPE" val="l_h_i"/>
+  <p:tag name="KSO_WM_UNIT_INDEX" val="1_5_1"/>
+  <p:tag name="KSO_WM_UNIT_ID" val="custom20202701_6*l_h_i*1_5_1"/>
+  <p:tag name="KSO_WM_TEMPLATE_CATEGORY" val="custom"/>
+  <p:tag name="KSO_WM_TEMPLATE_INDEX" val="20202701"/>
+  <p:tag name="KSO_WM_UNIT_LAYERLEVEL" val="1_1_1"/>
+  <p:tag name="KSO_WM_TAG_VERSION" val="1.0"/>
+  <p:tag name="KSO_WM_BEAUTIFY_FLAG" val="#wm#"/>
+  <p:tag name="KSO_WM_UNIT_TEXT_FILL_FORE_SCHEMECOLOR_INDEX_BRIGHTNESS" val="0"/>
+  <p:tag name="KSO_WM_UNIT_TEXT_FILL_FORE_SCHEMECOLOR_INDEX" val="5"/>
+  <p:tag name="KSO_WM_UNIT_TEXT_FILL_TYPE" val="1"/>
+  <p:tag name="KSO_WM_DIAGRAM_VIRTUALLY_FRAME" val="{&quot;height&quot;:192.72629921259846,&quot;left&quot;:42.431574803149616,&quot;top&quot;:132.01574803149606,&quot;width&quot;:644.7815748031496}"/>
+</p:tagLst>
+</file>
+
+<file path=ppt/tags/tag40.xml><?xml version="1.0" encoding="utf-8"?>
+<p:tagLst xmlns:a="http://schemas.openxmlformats.org/drawingml/2006/main" xmlns:r="http://schemas.openxmlformats.org/officeDocument/2006/relationships" xmlns:p="http://schemas.openxmlformats.org/presentationml/2006/main">
   <p:tag name="KSO_WM_UNIT_HIGHLIGHT" val="0"/>
   <p:tag name="KSO_WM_UNIT_COMPATIBLE" val="0"/>
   <p:tag name="KSO_WM_UNIT_DIAGRAM_ISNUMVISUAL" val="0"/>
@@ -26067,8 +25455,8 @@
 </p:tagLst>
 </file>
 
-<file path=ppt/tags/tag39.xml><?xml version="1.0" encoding="utf-8"?>
-<p:tagLst xmlns:p="http://schemas.openxmlformats.org/presentationml/2006/main">
+<file path=ppt/tags/tag41.xml><?xml version="1.0" encoding="utf-8"?>
+<p:tagLst xmlns:a="http://schemas.openxmlformats.org/drawingml/2006/main" xmlns:r="http://schemas.openxmlformats.org/officeDocument/2006/relationships" xmlns:p="http://schemas.openxmlformats.org/presentationml/2006/main">
   <p:tag name="KSO_WM_UNIT_HIGHLIGHT" val="0"/>
   <p:tag name="KSO_WM_UNIT_COMPATIBLE" val="0"/>
   <p:tag name="KSO_WM_UNIT_DIAGRAM_ISNUMVISUAL" val="0"/>
@@ -26097,31 +25485,8 @@
 </p:tagLst>
 </file>
 
-<file path=ppt/tags/tag4.xml><?xml version="1.0" encoding="utf-8"?>
-<p:tagLst xmlns:p="http://schemas.openxmlformats.org/presentationml/2006/main">
-  <p:tag name="KSO_WM_UNIT_NOCLEAR" val="0"/>
-  <p:tag name="KSO_WM_UNIT_HIGHLIGHT" val="0"/>
-  <p:tag name="KSO_WM_UNIT_COMPATIBLE" val="0"/>
-  <p:tag name="KSO_WM_UNIT_DIAGRAM_ISNUMVISUAL" val="0"/>
-  <p:tag name="KSO_WM_UNIT_DIAGRAM_ISREFERUNIT" val="0"/>
-  <p:tag name="KSO_WM_DIAGRAM_GROUP_CODE" val="l1-1"/>
-  <p:tag name="KSO_WM_UNIT_TYPE" val="l_h_i"/>
-  <p:tag name="KSO_WM_UNIT_INDEX" val="1_3_1"/>
-  <p:tag name="KSO_WM_UNIT_ID" val="custom20202701_6*l_h_i*1_3_1"/>
-  <p:tag name="KSO_WM_TEMPLATE_CATEGORY" val="custom"/>
-  <p:tag name="KSO_WM_TEMPLATE_INDEX" val="20202701"/>
-  <p:tag name="KSO_WM_UNIT_LAYERLEVEL" val="1_1_1"/>
-  <p:tag name="KSO_WM_TAG_VERSION" val="1.0"/>
-  <p:tag name="KSO_WM_BEAUTIFY_FLAG" val="#wm#"/>
-  <p:tag name="KSO_WM_UNIT_TEXT_FILL_FORE_SCHEMECOLOR_INDEX_BRIGHTNESS" val="0"/>
-  <p:tag name="KSO_WM_UNIT_TEXT_FILL_FORE_SCHEMECOLOR_INDEX" val="5"/>
-  <p:tag name="KSO_WM_UNIT_TEXT_FILL_TYPE" val="1"/>
-  <p:tag name="KSO_WM_DIAGRAM_VIRTUALLY_FRAME" val="{&quot;height&quot;:192.72629921259846,&quot;left&quot;:42.431574803149616,&quot;top&quot;:132.01574803149606,&quot;width&quot;:644.7815748031496}"/>
-</p:tagLst>
-</file>
-
-<file path=ppt/tags/tag40.xml><?xml version="1.0" encoding="utf-8"?>
-<p:tagLst xmlns:p="http://schemas.openxmlformats.org/presentationml/2006/main">
+<file path=ppt/tags/tag42.xml><?xml version="1.0" encoding="utf-8"?>
+<p:tagLst xmlns:a="http://schemas.openxmlformats.org/drawingml/2006/main" xmlns:r="http://schemas.openxmlformats.org/officeDocument/2006/relationships" xmlns:p="http://schemas.openxmlformats.org/presentationml/2006/main">
   <p:tag name="KSO_WM_UNIT_HIGHLIGHT" val="0"/>
   <p:tag name="KSO_WM_UNIT_COMPATIBLE" val="0"/>
   <p:tag name="KSO_WM_UNIT_DIAGRAM_ISNUMVISUAL" val="0"/>
@@ -26150,8 +25515,8 @@
 </p:tagLst>
 </file>
 
-<file path=ppt/tags/tag41.xml><?xml version="1.0" encoding="utf-8"?>
-<p:tagLst xmlns:p="http://schemas.openxmlformats.org/presentationml/2006/main">
+<file path=ppt/tags/tag43.xml><?xml version="1.0" encoding="utf-8"?>
+<p:tagLst xmlns:a="http://schemas.openxmlformats.org/drawingml/2006/main" xmlns:r="http://schemas.openxmlformats.org/officeDocument/2006/relationships" xmlns:p="http://schemas.openxmlformats.org/presentationml/2006/main">
   <p:tag name="KSO_WM_DIAGRAM_VERSION" val="3"/>
   <p:tag name="KSO_WM_DIAGRAM_COLOR_TRICK" val="1"/>
   <p:tag name="KSO_WM_DIAGRAM_COLOR_TEXT_CAN_REMOVE" val="n"/>
@@ -26180,39 +25545,8 @@
 </p:tagLst>
 </file>
 
-<file path=ppt/tags/tag42.xml><?xml version="1.0" encoding="utf-8"?>
-<p:tagLst xmlns:p="http://schemas.openxmlformats.org/presentationml/2006/main">
-  <p:tag name="KSO_WM_UNIT_ISCONTENTSTITLE" val="0"/>
-  <p:tag name="KSO_WM_UNIT_PRESET_TEXT" val="单击此处添加标题"/>
-  <p:tag name="KSO_WM_UNIT_NOCLEAR" val="0"/>
-  <p:tag name="KSO_WM_UNIT_VALUE" val="18"/>
-  <p:tag name="KSO_WM_UNIT_HIGHLIGHT" val="0"/>
-  <p:tag name="KSO_WM_UNIT_COMPATIBLE" val="0"/>
-  <p:tag name="KSO_WM_UNIT_DIAGRAM_ISNUMVISUAL" val="0"/>
-  <p:tag name="KSO_WM_UNIT_DIAGRAM_ISREFERUNIT" val="0"/>
-  <p:tag name="KSO_WM_UNIT_TYPE" val="a"/>
-  <p:tag name="KSO_WM_UNIT_INDEX" val="1"/>
-  <p:tag name="KSO_WM_UNIT_ID" val="diagram20202156_1*a*1"/>
-  <p:tag name="KSO_WM_TEMPLATE_CATEGORY" val="diagram"/>
-  <p:tag name="KSO_WM_TEMPLATE_INDEX" val="20202156"/>
-  <p:tag name="KSO_WM_UNIT_LAYERLEVEL" val="1"/>
-  <p:tag name="KSO_WM_TAG_VERSION" val="1.0"/>
-  <p:tag name="KSO_WM_BEAUTIFY_FLAG" val="#wm#"/>
-  <p:tag name="KSO_WM_UNIT_ISNUMDGMTITLE" val="0"/>
-  <p:tag name="KSO_WM_UNIT_TEXT_FILL_FORE_SCHEMECOLOR_INDEX_BRIGHTNESS" val="0.15"/>
-  <p:tag name="KSO_WM_UNIT_TEXT_FILL_FORE_SCHEMECOLOR_INDEX" val="13"/>
-  <p:tag name="KSO_WM_UNIT_TEXT_FILL_TYPE" val="1"/>
-</p:tagLst>
-</file>
-
-<file path=ppt/tags/tag43.xml><?xml version="1.0" encoding="utf-8"?>
-<p:tagLst xmlns:p="http://schemas.openxmlformats.org/presentationml/2006/main">
-  <p:tag name="RESOURCE_RECORD_KEY" val="{&quot;70&quot;:[3322321,3322005,3330166,3322071]}"/>
-</p:tagLst>
-</file>
-
 <file path=ppt/tags/tag44.xml><?xml version="1.0" encoding="utf-8"?>
-<p:tagLst xmlns:p="http://schemas.openxmlformats.org/presentationml/2006/main">
+<p:tagLst xmlns:a="http://schemas.openxmlformats.org/drawingml/2006/main" xmlns:r="http://schemas.openxmlformats.org/officeDocument/2006/relationships" xmlns:p="http://schemas.openxmlformats.org/presentationml/2006/main">
   <p:tag name="KSO_WM_UNIT_ISCONTENTSTITLE" val="0"/>
   <p:tag name="KSO_WM_UNIT_PRESET_TEXT" val="单击此处添加标题"/>
   <p:tag name="KSO_WM_UNIT_NOCLEAR" val="0"/>
@@ -26237,7 +25571,38 @@
 </file>
 
 <file path=ppt/tags/tag45.xml><?xml version="1.0" encoding="utf-8"?>
-<p:tagLst xmlns:p="http://schemas.openxmlformats.org/presentationml/2006/main">
+<p:tagLst xmlns:a="http://schemas.openxmlformats.org/drawingml/2006/main" xmlns:r="http://schemas.openxmlformats.org/officeDocument/2006/relationships" xmlns:p="http://schemas.openxmlformats.org/presentationml/2006/main">
+  <p:tag name="RESOURCE_RECORD_KEY" val="{&quot;70&quot;:[3322321,3322005,3330166,3322071,3322187]}"/>
+</p:tagLst>
+</file>
+
+<file path=ppt/tags/tag46.xml><?xml version="1.0" encoding="utf-8"?>
+<p:tagLst xmlns:a="http://schemas.openxmlformats.org/drawingml/2006/main" xmlns:r="http://schemas.openxmlformats.org/officeDocument/2006/relationships" xmlns:p="http://schemas.openxmlformats.org/presentationml/2006/main">
+  <p:tag name="KSO_WM_UNIT_ISCONTENTSTITLE" val="0"/>
+  <p:tag name="KSO_WM_UNIT_PRESET_TEXT" val="单击此处添加标题"/>
+  <p:tag name="KSO_WM_UNIT_NOCLEAR" val="0"/>
+  <p:tag name="KSO_WM_UNIT_VALUE" val="18"/>
+  <p:tag name="KSO_WM_UNIT_HIGHLIGHT" val="0"/>
+  <p:tag name="KSO_WM_UNIT_COMPATIBLE" val="0"/>
+  <p:tag name="KSO_WM_UNIT_DIAGRAM_ISNUMVISUAL" val="0"/>
+  <p:tag name="KSO_WM_UNIT_DIAGRAM_ISREFERUNIT" val="0"/>
+  <p:tag name="KSO_WM_UNIT_TYPE" val="a"/>
+  <p:tag name="KSO_WM_UNIT_INDEX" val="1"/>
+  <p:tag name="KSO_WM_UNIT_ID" val="diagram20202156_1*a*1"/>
+  <p:tag name="KSO_WM_TEMPLATE_CATEGORY" val="diagram"/>
+  <p:tag name="KSO_WM_TEMPLATE_INDEX" val="20202156"/>
+  <p:tag name="KSO_WM_UNIT_LAYERLEVEL" val="1"/>
+  <p:tag name="KSO_WM_TAG_VERSION" val="1.0"/>
+  <p:tag name="KSO_WM_BEAUTIFY_FLAG" val="#wm#"/>
+  <p:tag name="KSO_WM_UNIT_ISNUMDGMTITLE" val="0"/>
+  <p:tag name="KSO_WM_UNIT_TEXT_FILL_FORE_SCHEMECOLOR_INDEX_BRIGHTNESS" val="0.15"/>
+  <p:tag name="KSO_WM_UNIT_TEXT_FILL_FORE_SCHEMECOLOR_INDEX" val="13"/>
+  <p:tag name="KSO_WM_UNIT_TEXT_FILL_TYPE" val="1"/>
+</p:tagLst>
+</file>
+
+<file path=ppt/tags/tag47.xml><?xml version="1.0" encoding="utf-8"?>
+<p:tagLst xmlns:a="http://schemas.openxmlformats.org/drawingml/2006/main" xmlns:r="http://schemas.openxmlformats.org/officeDocument/2006/relationships" xmlns:p="http://schemas.openxmlformats.org/presentationml/2006/main">
   <p:tag name="KSO_WM_DIAGRAM_VERSION" val="3"/>
   <p:tag name="KSO_WM_DIAGRAM_COLOR_TRICK" val="1"/>
   <p:tag name="KSO_WM_DIAGRAM_COLOR_TEXT_CAN_REMOVE" val="n"/>
@@ -26268,8 +25633,8 @@
 </p:tagLst>
 </file>
 
-<file path=ppt/tags/tag46.xml><?xml version="1.0" encoding="utf-8"?>
-<p:tagLst xmlns:p="http://schemas.openxmlformats.org/presentationml/2006/main">
+<file path=ppt/tags/tag48.xml><?xml version="1.0" encoding="utf-8"?>
+<p:tagLst xmlns:a="http://schemas.openxmlformats.org/drawingml/2006/main" xmlns:r="http://schemas.openxmlformats.org/officeDocument/2006/relationships" xmlns:p="http://schemas.openxmlformats.org/presentationml/2006/main">
   <p:tag name="KSO_WM_DIAGRAM_VERSION" val="3"/>
   <p:tag name="KSO_WM_DIAGRAM_COLOR_TRICK" val="1"/>
   <p:tag name="KSO_WM_DIAGRAM_COLOR_TEXT_CAN_REMOVE" val="n"/>
@@ -26301,8 +25666,8 @@
 </p:tagLst>
 </file>
 
-<file path=ppt/tags/tag47.xml><?xml version="1.0" encoding="utf-8"?>
-<p:tagLst xmlns:p="http://schemas.openxmlformats.org/presentationml/2006/main">
+<file path=ppt/tags/tag49.xml><?xml version="1.0" encoding="utf-8"?>
+<p:tagLst xmlns:a="http://schemas.openxmlformats.org/drawingml/2006/main" xmlns:r="http://schemas.openxmlformats.org/officeDocument/2006/relationships" xmlns:p="http://schemas.openxmlformats.org/presentationml/2006/main">
   <p:tag name="KSO_WM_DIAGRAM_VERSION" val="3"/>
   <p:tag name="KSO_WM_DIAGRAM_COLOR_TRICK" val="1"/>
   <p:tag name="KSO_WM_DIAGRAM_COLOR_TEXT_CAN_REMOVE" val="n"/>
@@ -26333,8 +25698,33 @@
 </p:tagLst>
 </file>
 
-<file path=ppt/tags/tag48.xml><?xml version="1.0" encoding="utf-8"?>
-<p:tagLst xmlns:p="http://schemas.openxmlformats.org/presentationml/2006/main">
+<file path=ppt/tags/tag5.xml><?xml version="1.0" encoding="utf-8"?>
+<p:tagLst xmlns:a="http://schemas.openxmlformats.org/drawingml/2006/main" xmlns:r="http://schemas.openxmlformats.org/officeDocument/2006/relationships" xmlns:p="http://schemas.openxmlformats.org/presentationml/2006/main">
+  <p:tag name="KSO_WM_UNIT_NOCLEAR" val="0"/>
+  <p:tag name="KSO_WM_UNIT_HIGHLIGHT" val="0"/>
+  <p:tag name="KSO_WM_UNIT_COMPATIBLE" val="0"/>
+  <p:tag name="KSO_WM_UNIT_DIAGRAM_ISNUMVISUAL" val="0"/>
+  <p:tag name="KSO_WM_UNIT_DIAGRAM_ISREFERUNIT" val="0"/>
+  <p:tag name="KSO_WM_DIAGRAM_GROUP_CODE" val="l1-1"/>
+  <p:tag name="KSO_WM_UNIT_TYPE" val="l_h_f"/>
+  <p:tag name="KSO_WM_UNIT_INDEX" val="1_3_1"/>
+  <p:tag name="KSO_WM_UNIT_ID" val="custom20202701_6*l_h_f*1_3_1"/>
+  <p:tag name="KSO_WM_TEMPLATE_CATEGORY" val="custom"/>
+  <p:tag name="KSO_WM_TEMPLATE_INDEX" val="20202701"/>
+  <p:tag name="KSO_WM_UNIT_LAYERLEVEL" val="1_1_1"/>
+  <p:tag name="KSO_WM_TAG_VERSION" val="1.0"/>
+  <p:tag name="KSO_WM_BEAUTIFY_FLAG" val="#wm#"/>
+  <p:tag name="KSO_WM_UNIT_PRESET_TEXT" val="在此单击输入文字"/>
+  <p:tag name="KSO_WM_UNIT_SUBTYPE" val="a"/>
+  <p:tag name="KSO_WM_UNIT_TEXT_FILL_FORE_SCHEMECOLOR_INDEX_BRIGHTNESS" val="0.15"/>
+  <p:tag name="KSO_WM_UNIT_TEXT_FILL_FORE_SCHEMECOLOR_INDEX" val="13"/>
+  <p:tag name="KSO_WM_UNIT_TEXT_FILL_TYPE" val="1"/>
+  <p:tag name="KSO_WM_DIAGRAM_VIRTUALLY_FRAME" val="{&quot;height&quot;:192.72629921259846,&quot;left&quot;:42.431574803149616,&quot;top&quot;:132.01574803149606,&quot;width&quot;:644.7815748031496}"/>
+</p:tagLst>
+</file>
+
+<file path=ppt/tags/tag50.xml><?xml version="1.0" encoding="utf-8"?>
+<p:tagLst xmlns:a="http://schemas.openxmlformats.org/drawingml/2006/main" xmlns:r="http://schemas.openxmlformats.org/officeDocument/2006/relationships" xmlns:p="http://schemas.openxmlformats.org/presentationml/2006/main">
   <p:tag name="KSO_WM_DIAGRAM_VERSION" val="3"/>
   <p:tag name="KSO_WM_DIAGRAM_COLOR_TRICK" val="1"/>
   <p:tag name="KSO_WM_DIAGRAM_COLOR_TEXT_CAN_REMOVE" val="n"/>
@@ -26366,8 +25756,8 @@
 </p:tagLst>
 </file>
 
-<file path=ppt/tags/tag49.xml><?xml version="1.0" encoding="utf-8"?>
-<p:tagLst xmlns:p="http://schemas.openxmlformats.org/presentationml/2006/main">
+<file path=ppt/tags/tag51.xml><?xml version="1.0" encoding="utf-8"?>
+<p:tagLst xmlns:a="http://schemas.openxmlformats.org/drawingml/2006/main" xmlns:r="http://schemas.openxmlformats.org/officeDocument/2006/relationships" xmlns:p="http://schemas.openxmlformats.org/presentationml/2006/main">
   <p:tag name="KSO_WM_DIAGRAM_VERSION" val="3"/>
   <p:tag name="KSO_WM_DIAGRAM_COLOR_TRICK" val="1"/>
   <p:tag name="KSO_WM_DIAGRAM_COLOR_TEXT_CAN_REMOVE" val="n"/>
@@ -26398,33 +25788,8 @@
 </p:tagLst>
 </file>
 
-<file path=ppt/tags/tag5.xml><?xml version="1.0" encoding="utf-8"?>
-<p:tagLst xmlns:p="http://schemas.openxmlformats.org/presentationml/2006/main">
-  <p:tag name="KSO_WM_UNIT_NOCLEAR" val="0"/>
-  <p:tag name="KSO_WM_UNIT_HIGHLIGHT" val="0"/>
-  <p:tag name="KSO_WM_UNIT_COMPATIBLE" val="0"/>
-  <p:tag name="KSO_WM_UNIT_DIAGRAM_ISNUMVISUAL" val="0"/>
-  <p:tag name="KSO_WM_UNIT_DIAGRAM_ISREFERUNIT" val="0"/>
-  <p:tag name="KSO_WM_DIAGRAM_GROUP_CODE" val="l1-1"/>
-  <p:tag name="KSO_WM_UNIT_TYPE" val="l_h_f"/>
-  <p:tag name="KSO_WM_UNIT_INDEX" val="1_4_1"/>
-  <p:tag name="KSO_WM_UNIT_ID" val="custom20202701_6*l_h_f*1_4_1"/>
-  <p:tag name="KSO_WM_TEMPLATE_CATEGORY" val="custom"/>
-  <p:tag name="KSO_WM_TEMPLATE_INDEX" val="20202701"/>
-  <p:tag name="KSO_WM_UNIT_LAYERLEVEL" val="1_1_1"/>
-  <p:tag name="KSO_WM_TAG_VERSION" val="1.0"/>
-  <p:tag name="KSO_WM_BEAUTIFY_FLAG" val="#wm#"/>
-  <p:tag name="KSO_WM_UNIT_PRESET_TEXT" val="在此单击输入文字"/>
-  <p:tag name="KSO_WM_UNIT_SUBTYPE" val="a"/>
-  <p:tag name="KSO_WM_UNIT_TEXT_FILL_FORE_SCHEMECOLOR_INDEX_BRIGHTNESS" val="0.15"/>
-  <p:tag name="KSO_WM_UNIT_TEXT_FILL_FORE_SCHEMECOLOR_INDEX" val="13"/>
-  <p:tag name="KSO_WM_UNIT_TEXT_FILL_TYPE" val="1"/>
-  <p:tag name="KSO_WM_DIAGRAM_VIRTUALLY_FRAME" val="{&quot;height&quot;:192.72629921259846,&quot;left&quot;:42.431574803149616,&quot;top&quot;:132.01574803149606,&quot;width&quot;:644.7815748031496}"/>
-</p:tagLst>
-</file>
-
-<file path=ppt/tags/tag50.xml><?xml version="1.0" encoding="utf-8"?>
-<p:tagLst xmlns:p="http://schemas.openxmlformats.org/presentationml/2006/main">
+<file path=ppt/tags/tag52.xml><?xml version="1.0" encoding="utf-8"?>
+<p:tagLst xmlns:a="http://schemas.openxmlformats.org/drawingml/2006/main" xmlns:r="http://schemas.openxmlformats.org/officeDocument/2006/relationships" xmlns:p="http://schemas.openxmlformats.org/presentationml/2006/main">
   <p:tag name="KSO_WM_DIAGRAM_VERSION" val="3"/>
   <p:tag name="KSO_WM_DIAGRAM_COLOR_TRICK" val="1"/>
   <p:tag name="KSO_WM_DIAGRAM_COLOR_TEXT_CAN_REMOVE" val="n"/>
@@ -26456,8 +25821,8 @@
 </p:tagLst>
 </file>
 
-<file path=ppt/tags/tag51.xml><?xml version="1.0" encoding="utf-8"?>
-<p:tagLst xmlns:p="http://schemas.openxmlformats.org/presentationml/2006/main">
+<file path=ppt/tags/tag53.xml><?xml version="1.0" encoding="utf-8"?>
+<p:tagLst xmlns:a="http://schemas.openxmlformats.org/drawingml/2006/main" xmlns:r="http://schemas.openxmlformats.org/officeDocument/2006/relationships" xmlns:p="http://schemas.openxmlformats.org/presentationml/2006/main">
   <p:tag name="KSO_WM_DIAGRAM_VERSION" val="3"/>
   <p:tag name="KSO_WM_DIAGRAM_COLOR_TRICK" val="1"/>
   <p:tag name="KSO_WM_DIAGRAM_COLOR_TEXT_CAN_REMOVE" val="n"/>
@@ -26488,8 +25853,8 @@
 </p:tagLst>
 </file>
 
-<file path=ppt/tags/tag52.xml><?xml version="1.0" encoding="utf-8"?>
-<p:tagLst xmlns:p="http://schemas.openxmlformats.org/presentationml/2006/main">
+<file path=ppt/tags/tag54.xml><?xml version="1.0" encoding="utf-8"?>
+<p:tagLst xmlns:a="http://schemas.openxmlformats.org/drawingml/2006/main" xmlns:r="http://schemas.openxmlformats.org/officeDocument/2006/relationships" xmlns:p="http://schemas.openxmlformats.org/presentationml/2006/main">
   <p:tag name="KSO_WM_DIAGRAM_VERSION" val="3"/>
   <p:tag name="KSO_WM_DIAGRAM_COLOR_TRICK" val="1"/>
   <p:tag name="KSO_WM_DIAGRAM_COLOR_TEXT_CAN_REMOVE" val="n"/>
@@ -26521,8 +25886,8 @@
 </p:tagLst>
 </file>
 
-<file path=ppt/tags/tag53.xml><?xml version="1.0" encoding="utf-8"?>
-<p:tagLst xmlns:p="http://schemas.openxmlformats.org/presentationml/2006/main">
+<file path=ppt/tags/tag55.xml><?xml version="1.0" encoding="utf-8"?>
+<p:tagLst xmlns:a="http://schemas.openxmlformats.org/drawingml/2006/main" xmlns:r="http://schemas.openxmlformats.org/officeDocument/2006/relationships" xmlns:p="http://schemas.openxmlformats.org/presentationml/2006/main">
   <p:tag name="KSO_WM_DIAGRAM_VERSION" val="3"/>
   <p:tag name="KSO_WM_DIAGRAM_COLOR_TRICK" val="1"/>
   <p:tag name="KSO_WM_DIAGRAM_COLOR_TEXT_CAN_REMOVE" val="n"/>
@@ -26553,8 +25918,8 @@
 </p:tagLst>
 </file>
 
-<file path=ppt/tags/tag54.xml><?xml version="1.0" encoding="utf-8"?>
-<p:tagLst xmlns:p="http://schemas.openxmlformats.org/presentationml/2006/main">
+<file path=ppt/tags/tag56.xml><?xml version="1.0" encoding="utf-8"?>
+<p:tagLst xmlns:a="http://schemas.openxmlformats.org/drawingml/2006/main" xmlns:r="http://schemas.openxmlformats.org/officeDocument/2006/relationships" xmlns:p="http://schemas.openxmlformats.org/presentationml/2006/main">
   <p:tag name="KSO_WM_DIAGRAM_VERSION" val="3"/>
   <p:tag name="KSO_WM_DIAGRAM_COLOR_TRICK" val="1"/>
   <p:tag name="KSO_WM_DIAGRAM_COLOR_TEXT_CAN_REMOVE" val="n"/>
@@ -26586,8 +25951,8 @@
 </p:tagLst>
 </file>
 
-<file path=ppt/tags/tag55.xml><?xml version="1.0" encoding="utf-8"?>
-<p:tagLst xmlns:p="http://schemas.openxmlformats.org/presentationml/2006/main">
+<file path=ppt/tags/tag57.xml><?xml version="1.0" encoding="utf-8"?>
+<p:tagLst xmlns:a="http://schemas.openxmlformats.org/drawingml/2006/main" xmlns:r="http://schemas.openxmlformats.org/officeDocument/2006/relationships" xmlns:p="http://schemas.openxmlformats.org/presentationml/2006/main">
   <p:tag name="KSO_WM_DIAGRAM_VERSION" val="3"/>
   <p:tag name="KSO_WM_DIAGRAM_COLOR_TRICK" val="1"/>
   <p:tag name="KSO_WM_DIAGRAM_COLOR_TEXT_CAN_REMOVE" val="n"/>
@@ -26618,8 +25983,8 @@
 </p:tagLst>
 </file>
 
-<file path=ppt/tags/tag56.xml><?xml version="1.0" encoding="utf-8"?>
-<p:tagLst xmlns:p="http://schemas.openxmlformats.org/presentationml/2006/main">
+<file path=ppt/tags/tag58.xml><?xml version="1.0" encoding="utf-8"?>
+<p:tagLst xmlns:a="http://schemas.openxmlformats.org/drawingml/2006/main" xmlns:r="http://schemas.openxmlformats.org/officeDocument/2006/relationships" xmlns:p="http://schemas.openxmlformats.org/presentationml/2006/main">
   <p:tag name="KSO_WM_DIAGRAM_VERSION" val="3"/>
   <p:tag name="KSO_WM_DIAGRAM_COLOR_TRICK" val="1"/>
   <p:tag name="KSO_WM_DIAGRAM_COLOR_TEXT_CAN_REMOVE" val="n"/>
@@ -26651,8 +26016,8 @@
 </p:tagLst>
 </file>
 
-<file path=ppt/tags/tag57.xml><?xml version="1.0" encoding="utf-8"?>
-<p:tagLst xmlns:p="http://schemas.openxmlformats.org/presentationml/2006/main">
+<file path=ppt/tags/tag59.xml><?xml version="1.0" encoding="utf-8"?>
+<p:tagLst xmlns:a="http://schemas.openxmlformats.org/drawingml/2006/main" xmlns:r="http://schemas.openxmlformats.org/officeDocument/2006/relationships" xmlns:p="http://schemas.openxmlformats.org/presentationml/2006/main">
   <p:tag name="KSO_WM_UNIT_HIGHLIGHT" val="0"/>
   <p:tag name="KSO_WM_UNIT_COMPATIBLE" val="0"/>
   <p:tag name="KSO_WM_UNIT_DIAGRAM_ISNUMVISUAL" val="0"/>
@@ -26681,8 +26046,31 @@
 </p:tagLst>
 </file>
 
-<file path=ppt/tags/tag58.xml><?xml version="1.0" encoding="utf-8"?>
-<p:tagLst xmlns:p="http://schemas.openxmlformats.org/presentationml/2006/main">
+<file path=ppt/tags/tag6.xml><?xml version="1.0" encoding="utf-8"?>
+<p:tagLst xmlns:a="http://schemas.openxmlformats.org/drawingml/2006/main" xmlns:r="http://schemas.openxmlformats.org/officeDocument/2006/relationships" xmlns:p="http://schemas.openxmlformats.org/presentationml/2006/main">
+  <p:tag name="KSO_WM_UNIT_NOCLEAR" val="0"/>
+  <p:tag name="KSO_WM_UNIT_HIGHLIGHT" val="0"/>
+  <p:tag name="KSO_WM_UNIT_COMPATIBLE" val="0"/>
+  <p:tag name="KSO_WM_UNIT_DIAGRAM_ISNUMVISUAL" val="0"/>
+  <p:tag name="KSO_WM_UNIT_DIAGRAM_ISREFERUNIT" val="0"/>
+  <p:tag name="KSO_WM_DIAGRAM_GROUP_CODE" val="l1-1"/>
+  <p:tag name="KSO_WM_UNIT_TYPE" val="l_h_i"/>
+  <p:tag name="KSO_WM_UNIT_INDEX" val="1_3_1"/>
+  <p:tag name="KSO_WM_UNIT_ID" val="custom20202701_6*l_h_i*1_3_1"/>
+  <p:tag name="KSO_WM_TEMPLATE_CATEGORY" val="custom"/>
+  <p:tag name="KSO_WM_TEMPLATE_INDEX" val="20202701"/>
+  <p:tag name="KSO_WM_UNIT_LAYERLEVEL" val="1_1_1"/>
+  <p:tag name="KSO_WM_TAG_VERSION" val="1.0"/>
+  <p:tag name="KSO_WM_BEAUTIFY_FLAG" val="#wm#"/>
+  <p:tag name="KSO_WM_UNIT_TEXT_FILL_FORE_SCHEMECOLOR_INDEX_BRIGHTNESS" val="0"/>
+  <p:tag name="KSO_WM_UNIT_TEXT_FILL_FORE_SCHEMECOLOR_INDEX" val="5"/>
+  <p:tag name="KSO_WM_UNIT_TEXT_FILL_TYPE" val="1"/>
+  <p:tag name="KSO_WM_DIAGRAM_VIRTUALLY_FRAME" val="{&quot;height&quot;:192.72629921259846,&quot;left&quot;:42.431574803149616,&quot;top&quot;:132.01574803149606,&quot;width&quot;:644.7815748031496}"/>
+</p:tagLst>
+</file>
+
+<file path=ppt/tags/tag60.xml><?xml version="1.0" encoding="utf-8"?>
+<p:tagLst xmlns:a="http://schemas.openxmlformats.org/drawingml/2006/main" xmlns:r="http://schemas.openxmlformats.org/officeDocument/2006/relationships" xmlns:p="http://schemas.openxmlformats.org/presentationml/2006/main">
   <p:tag name="KSO_WM_UNIT_HIGHLIGHT" val="0"/>
   <p:tag name="KSO_WM_UNIT_COMPATIBLE" val="0"/>
   <p:tag name="KSO_WM_UNIT_DIAGRAM_ISNUMVISUAL" val="0"/>
@@ -26711,8 +26099,8 @@
 </p:tagLst>
 </file>
 
-<file path=ppt/tags/tag59.xml><?xml version="1.0" encoding="utf-8"?>
-<p:tagLst xmlns:p="http://schemas.openxmlformats.org/presentationml/2006/main">
+<file path=ppt/tags/tag61.xml><?xml version="1.0" encoding="utf-8"?>
+<p:tagLst xmlns:a="http://schemas.openxmlformats.org/drawingml/2006/main" xmlns:r="http://schemas.openxmlformats.org/officeDocument/2006/relationships" xmlns:p="http://schemas.openxmlformats.org/presentationml/2006/main">
   <p:tag name="KSO_WM_UNIT_HIGHLIGHT" val="0"/>
   <p:tag name="KSO_WM_UNIT_COMPATIBLE" val="0"/>
   <p:tag name="KSO_WM_UNIT_DIAGRAM_ISNUMVISUAL" val="0"/>
@@ -26741,31 +26129,8 @@
 </p:tagLst>
 </file>
 
-<file path=ppt/tags/tag6.xml><?xml version="1.0" encoding="utf-8"?>
-<p:tagLst xmlns:p="http://schemas.openxmlformats.org/presentationml/2006/main">
-  <p:tag name="KSO_WM_UNIT_NOCLEAR" val="0"/>
-  <p:tag name="KSO_WM_UNIT_HIGHLIGHT" val="0"/>
-  <p:tag name="KSO_WM_UNIT_COMPATIBLE" val="0"/>
-  <p:tag name="KSO_WM_UNIT_DIAGRAM_ISNUMVISUAL" val="0"/>
-  <p:tag name="KSO_WM_UNIT_DIAGRAM_ISREFERUNIT" val="0"/>
-  <p:tag name="KSO_WM_DIAGRAM_GROUP_CODE" val="l1-1"/>
-  <p:tag name="KSO_WM_UNIT_TYPE" val="l_h_i"/>
-  <p:tag name="KSO_WM_UNIT_INDEX" val="1_4_1"/>
-  <p:tag name="KSO_WM_UNIT_ID" val="custom20202701_6*l_h_i*1_4_1"/>
-  <p:tag name="KSO_WM_TEMPLATE_CATEGORY" val="custom"/>
-  <p:tag name="KSO_WM_TEMPLATE_INDEX" val="20202701"/>
-  <p:tag name="KSO_WM_UNIT_LAYERLEVEL" val="1_1_1"/>
-  <p:tag name="KSO_WM_TAG_VERSION" val="1.0"/>
-  <p:tag name="KSO_WM_BEAUTIFY_FLAG" val="#wm#"/>
-  <p:tag name="KSO_WM_UNIT_TEXT_FILL_FORE_SCHEMECOLOR_INDEX_BRIGHTNESS" val="0"/>
-  <p:tag name="KSO_WM_UNIT_TEXT_FILL_FORE_SCHEMECOLOR_INDEX" val="5"/>
-  <p:tag name="KSO_WM_UNIT_TEXT_FILL_TYPE" val="1"/>
-  <p:tag name="KSO_WM_DIAGRAM_VIRTUALLY_FRAME" val="{&quot;height&quot;:192.72629921259846,&quot;left&quot;:42.431574803149616,&quot;top&quot;:132.01574803149606,&quot;width&quot;:644.7815748031496}"/>
-</p:tagLst>
-</file>
-
-<file path=ppt/tags/tag60.xml><?xml version="1.0" encoding="utf-8"?>
-<p:tagLst xmlns:p="http://schemas.openxmlformats.org/presentationml/2006/main">
+<file path=ppt/tags/tag62.xml><?xml version="1.0" encoding="utf-8"?>
+<p:tagLst xmlns:a="http://schemas.openxmlformats.org/drawingml/2006/main" xmlns:r="http://schemas.openxmlformats.org/officeDocument/2006/relationships" xmlns:p="http://schemas.openxmlformats.org/presentationml/2006/main">
   <p:tag name="KSO_WM_UNIT_HIGHLIGHT" val="0"/>
   <p:tag name="KSO_WM_UNIT_COMPATIBLE" val="0"/>
   <p:tag name="KSO_WM_UNIT_DIAGRAM_ISNUMVISUAL" val="0"/>
@@ -26794,8 +26159,8 @@
 </p:tagLst>
 </file>
 
-<file path=ppt/tags/tag61.xml><?xml version="1.0" encoding="utf-8"?>
-<p:tagLst xmlns:p="http://schemas.openxmlformats.org/presentationml/2006/main">
+<file path=ppt/tags/tag63.xml><?xml version="1.0" encoding="utf-8"?>
+<p:tagLst xmlns:a="http://schemas.openxmlformats.org/drawingml/2006/main" xmlns:r="http://schemas.openxmlformats.org/officeDocument/2006/relationships" xmlns:p="http://schemas.openxmlformats.org/presentationml/2006/main">
   <p:tag name="KSO_WM_UNIT_HIGHLIGHT" val="0"/>
   <p:tag name="KSO_WM_UNIT_COMPATIBLE" val="0"/>
   <p:tag name="KSO_WM_UNIT_DIAGRAM_ISNUMVISUAL" val="0"/>
@@ -26824,8 +26189,8 @@
 </p:tagLst>
 </file>
 
-<file path=ppt/tags/tag62.xml><?xml version="1.0" encoding="utf-8"?>
-<p:tagLst xmlns:p="http://schemas.openxmlformats.org/presentationml/2006/main">
+<file path=ppt/tags/tag64.xml><?xml version="1.0" encoding="utf-8"?>
+<p:tagLst xmlns:a="http://schemas.openxmlformats.org/drawingml/2006/main" xmlns:r="http://schemas.openxmlformats.org/officeDocument/2006/relationships" xmlns:p="http://schemas.openxmlformats.org/presentationml/2006/main">
   <p:tag name="KSO_WM_UNIT_HIGHLIGHT" val="0"/>
   <p:tag name="KSO_WM_UNIT_COMPATIBLE" val="0"/>
   <p:tag name="KSO_WM_UNIT_DIAGRAM_ISNUMVISUAL" val="0"/>
@@ -26854,14 +26219,14 @@
 </p:tagLst>
 </file>
 
-<file path=ppt/tags/tag63.xml><?xml version="1.0" encoding="utf-8"?>
-<p:tagLst xmlns:p="http://schemas.openxmlformats.org/presentationml/2006/main">
-  <p:tag name="RESOURCE_RECORD_KEY" val="{&quot;70&quot;:[3322321,3322005,3330166,3322071,3322187]}"/>
+<file path=ppt/tags/tag65.xml><?xml version="1.0" encoding="utf-8"?>
+<p:tagLst xmlns:a="http://schemas.openxmlformats.org/drawingml/2006/main" xmlns:r="http://schemas.openxmlformats.org/officeDocument/2006/relationships" xmlns:p="http://schemas.openxmlformats.org/presentationml/2006/main">
+  <p:tag name="ISLIDE.TEMPLATE" val="https://www.islide.cc;"/>
 </p:tagLst>
 </file>
 
-<file path=ppt/tags/tag64.xml><?xml version="1.0" encoding="utf-8"?>
-<p:tagLst xmlns:p="http://schemas.openxmlformats.org/presentationml/2006/main">
+<file path=ppt/tags/tag66.xml><?xml version="1.0" encoding="utf-8"?>
+<p:tagLst xmlns:a="http://schemas.openxmlformats.org/drawingml/2006/main" xmlns:r="http://schemas.openxmlformats.org/officeDocument/2006/relationships" xmlns:p="http://schemas.openxmlformats.org/presentationml/2006/main">
   <p:tag name="KSO_WM_UNIT_NOCLEAR" val="0"/>
   <p:tag name="KSO_WM_UNIT_VALUE" val="1"/>
   <p:tag name="KSO_WM_UNIT_HIGHLIGHT" val="0"/>
@@ -26883,8 +26248,8 @@
 </p:tagLst>
 </file>
 
-<file path=ppt/tags/tag65.xml><?xml version="1.0" encoding="utf-8"?>
-<p:tagLst xmlns:p="http://schemas.openxmlformats.org/presentationml/2006/main">
+<file path=ppt/tags/tag67.xml><?xml version="1.0" encoding="utf-8"?>
+<p:tagLst xmlns:a="http://schemas.openxmlformats.org/drawingml/2006/main" xmlns:r="http://schemas.openxmlformats.org/officeDocument/2006/relationships" xmlns:p="http://schemas.openxmlformats.org/presentationml/2006/main">
   <p:tag name="KSO_WM_UNIT_NOCLEAR" val="0"/>
   <p:tag name="KSO_WM_UNIT_SHOW_EDIT_AREA_INDICATION" val="0"/>
   <p:tag name="KSO_WM_UNIT_HIGHLIGHT" val="0"/>
@@ -26905,8 +26270,8 @@
 </p:tagLst>
 </file>
 
-<file path=ppt/tags/tag66.xml><?xml version="1.0" encoding="utf-8"?>
-<p:tagLst xmlns:p="http://schemas.openxmlformats.org/presentationml/2006/main">
+<file path=ppt/tags/tag68.xml><?xml version="1.0" encoding="utf-8"?>
+<p:tagLst xmlns:a="http://schemas.openxmlformats.org/drawingml/2006/main" xmlns:r="http://schemas.openxmlformats.org/officeDocument/2006/relationships" xmlns:p="http://schemas.openxmlformats.org/presentationml/2006/main">
   <p:tag name="KSO_WM_UNIT_HIGHLIGHT" val="0"/>
   <p:tag name="KSO_WM_UNIT_COMPATIBLE" val="0"/>
   <p:tag name="KSO_WM_UNIT_DIAGRAM_ISNUMVISUAL" val="0"/>
@@ -26925,8 +26290,8 @@
 </p:tagLst>
 </file>
 
-<file path=ppt/tags/tag67.xml><?xml version="1.0" encoding="utf-8"?>
-<p:tagLst xmlns:p="http://schemas.openxmlformats.org/presentationml/2006/main">
+<file path=ppt/tags/tag69.xml><?xml version="1.0" encoding="utf-8"?>
+<p:tagLst xmlns:a="http://schemas.openxmlformats.org/drawingml/2006/main" xmlns:r="http://schemas.openxmlformats.org/officeDocument/2006/relationships" xmlns:p="http://schemas.openxmlformats.org/presentationml/2006/main">
   <p:tag name="KSO_WM_UNIT_ISCONTENTSTITLE" val="0"/>
   <p:tag name="KSO_WM_UNIT_NOCLEAR" val="0"/>
   <p:tag name="KSO_WM_UNIT_VALUE" val="9"/>
@@ -26950,14 +26315,39 @@
 </p:tagLst>
 </file>
 
-<file path=ppt/tags/tag68.xml><?xml version="1.0" encoding="utf-8"?>
-<p:tagLst xmlns:p="http://schemas.openxmlformats.org/presentationml/2006/main">
-  <p:tag name="ISLIDE.TEMPLATE" val="https://www.islide.cc;"/>
+<file path=ppt/tags/tag7.xml><?xml version="1.0" encoding="utf-8"?>
+<p:tagLst xmlns:a="http://schemas.openxmlformats.org/drawingml/2006/main" xmlns:r="http://schemas.openxmlformats.org/officeDocument/2006/relationships" xmlns:p="http://schemas.openxmlformats.org/presentationml/2006/main">
+  <p:tag name="KSO_WM_UNIT_NOCLEAR" val="0"/>
+  <p:tag name="KSO_WM_UNIT_HIGHLIGHT" val="0"/>
+  <p:tag name="KSO_WM_UNIT_COMPATIBLE" val="0"/>
+  <p:tag name="KSO_WM_UNIT_DIAGRAM_ISNUMVISUAL" val="0"/>
+  <p:tag name="KSO_WM_UNIT_DIAGRAM_ISREFERUNIT" val="0"/>
+  <p:tag name="KSO_WM_DIAGRAM_GROUP_CODE" val="l1-1"/>
+  <p:tag name="KSO_WM_UNIT_TYPE" val="l_h_f"/>
+  <p:tag name="KSO_WM_UNIT_INDEX" val="1_4_1"/>
+  <p:tag name="KSO_WM_UNIT_ID" val="custom20202701_6*l_h_f*1_4_1"/>
+  <p:tag name="KSO_WM_TEMPLATE_CATEGORY" val="custom"/>
+  <p:tag name="KSO_WM_TEMPLATE_INDEX" val="20202701"/>
+  <p:tag name="KSO_WM_UNIT_LAYERLEVEL" val="1_1_1"/>
+  <p:tag name="KSO_WM_TAG_VERSION" val="1.0"/>
+  <p:tag name="KSO_WM_BEAUTIFY_FLAG" val="#wm#"/>
+  <p:tag name="KSO_WM_UNIT_PRESET_TEXT" val="在此单击输入文字"/>
+  <p:tag name="KSO_WM_UNIT_SUBTYPE" val="a"/>
+  <p:tag name="KSO_WM_UNIT_TEXT_FILL_FORE_SCHEMECOLOR_INDEX_BRIGHTNESS" val="0.15"/>
+  <p:tag name="KSO_WM_UNIT_TEXT_FILL_FORE_SCHEMECOLOR_INDEX" val="13"/>
+  <p:tag name="KSO_WM_UNIT_TEXT_FILL_TYPE" val="1"/>
+  <p:tag name="KSO_WM_DIAGRAM_VIRTUALLY_FRAME" val="{&quot;height&quot;:192.72629921259846,&quot;left&quot;:42.431574803149616,&quot;top&quot;:132.01574803149606,&quot;width&quot;:644.7815748031496}"/>
 </p:tagLst>
 </file>
 
-<file path=ppt/tags/tag69.xml><?xml version="1.0" encoding="utf-8"?>
-<p:tagLst xmlns:p="http://schemas.openxmlformats.org/presentationml/2006/main">
+<file path=ppt/tags/tag70.xml><?xml version="1.0" encoding="utf-8"?>
+<p:tagLst xmlns:a="http://schemas.openxmlformats.org/drawingml/2006/main" xmlns:r="http://schemas.openxmlformats.org/officeDocument/2006/relationships" xmlns:p="http://schemas.openxmlformats.org/presentationml/2006/main">
+  <p:tag name="RESOURCE_RECORD_KEY" val="{&quot;70&quot;:[3322321,3322005,3330166,3322071,3319074]}"/>
+</p:tagLst>
+</file>
+
+<file path=ppt/tags/tag71.xml><?xml version="1.0" encoding="utf-8"?>
+<p:tagLst xmlns:a="http://schemas.openxmlformats.org/drawingml/2006/main" xmlns:r="http://schemas.openxmlformats.org/officeDocument/2006/relationships" xmlns:p="http://schemas.openxmlformats.org/presentationml/2006/main">
   <p:tag name="KSO_WM_UNIT_ISCONTENTSTITLE" val="0"/>
   <p:tag name="KSO_WM_UNIT_PRESET_TEXT" val="单击此处添加标题"/>
   <p:tag name="KSO_WM_UNIT_NOCLEAR" val="0"/>
@@ -26981,33 +26371,8 @@
 </p:tagLst>
 </file>
 
-<file path=ppt/tags/tag7.xml><?xml version="1.0" encoding="utf-8"?>
-<p:tagLst xmlns:p="http://schemas.openxmlformats.org/presentationml/2006/main">
-  <p:tag name="KSO_WM_UNIT_NOCLEAR" val="0"/>
-  <p:tag name="KSO_WM_UNIT_HIGHLIGHT" val="0"/>
-  <p:tag name="KSO_WM_UNIT_COMPATIBLE" val="0"/>
-  <p:tag name="KSO_WM_UNIT_DIAGRAM_ISNUMVISUAL" val="0"/>
-  <p:tag name="KSO_WM_UNIT_DIAGRAM_ISREFERUNIT" val="0"/>
-  <p:tag name="KSO_WM_DIAGRAM_GROUP_CODE" val="l1-1"/>
-  <p:tag name="KSO_WM_UNIT_TYPE" val="l_h_f"/>
-  <p:tag name="KSO_WM_UNIT_INDEX" val="1_1_1"/>
-  <p:tag name="KSO_WM_UNIT_ID" val="custom20202701_6*l_h_f*1_1_1"/>
-  <p:tag name="KSO_WM_TEMPLATE_CATEGORY" val="custom"/>
-  <p:tag name="KSO_WM_TEMPLATE_INDEX" val="20202701"/>
-  <p:tag name="KSO_WM_UNIT_LAYERLEVEL" val="1_1_1"/>
-  <p:tag name="KSO_WM_TAG_VERSION" val="1.0"/>
-  <p:tag name="KSO_WM_BEAUTIFY_FLAG" val="#wm#"/>
-  <p:tag name="KSO_WM_UNIT_PRESET_TEXT" val="在此单击输入文字"/>
-  <p:tag name="KSO_WM_UNIT_SUBTYPE" val="a"/>
-  <p:tag name="KSO_WM_UNIT_TEXT_FILL_FORE_SCHEMECOLOR_INDEX_BRIGHTNESS" val="0.15"/>
-  <p:tag name="KSO_WM_UNIT_TEXT_FILL_FORE_SCHEMECOLOR_INDEX" val="13"/>
-  <p:tag name="KSO_WM_UNIT_TEXT_FILL_TYPE" val="1"/>
-  <p:tag name="KSO_WM_DIAGRAM_VIRTUALLY_FRAME" val="{&quot;height&quot;:192.72629921259846,&quot;left&quot;:42.431574803149616,&quot;top&quot;:132.01574803149606,&quot;width&quot;:644.7815748031496}"/>
-</p:tagLst>
-</file>
-
-<file path=ppt/tags/tag70.xml><?xml version="1.0" encoding="utf-8"?>
-<p:tagLst xmlns:p="http://schemas.openxmlformats.org/presentationml/2006/main">
+<file path=ppt/tags/tag72.xml><?xml version="1.0" encoding="utf-8"?>
+<p:tagLst xmlns:a="http://schemas.openxmlformats.org/drawingml/2006/main" xmlns:r="http://schemas.openxmlformats.org/officeDocument/2006/relationships" xmlns:p="http://schemas.openxmlformats.org/presentationml/2006/main">
   <p:tag name="KSO_WM_UNIT_HIGHLIGHT" val="0"/>
   <p:tag name="KSO_WM_UNIT_COMPATIBLE" val="0"/>
   <p:tag name="KSO_WM_UNIT_DIAGRAM_ISNUMVISUAL" val="0"/>
@@ -27033,8 +26398,8 @@
 </p:tagLst>
 </file>
 
-<file path=ppt/tags/tag71.xml><?xml version="1.0" encoding="utf-8"?>
-<p:tagLst xmlns:p="http://schemas.openxmlformats.org/presentationml/2006/main">
+<file path=ppt/tags/tag73.xml><?xml version="1.0" encoding="utf-8"?>
+<p:tagLst xmlns:a="http://schemas.openxmlformats.org/drawingml/2006/main" xmlns:r="http://schemas.openxmlformats.org/officeDocument/2006/relationships" xmlns:p="http://schemas.openxmlformats.org/presentationml/2006/main">
   <p:tag name="KSO_WM_UNIT_HIGHLIGHT" val="0"/>
   <p:tag name="KSO_WM_UNIT_COMPATIBLE" val="0"/>
   <p:tag name="KSO_WM_UNIT_DIAGRAM_ISNUMVISUAL" val="0"/>
@@ -27059,8 +26424,8 @@
 </p:tagLst>
 </file>
 
-<file path=ppt/tags/tag72.xml><?xml version="1.0" encoding="utf-8"?>
-<p:tagLst xmlns:p="http://schemas.openxmlformats.org/presentationml/2006/main">
+<file path=ppt/tags/tag74.xml><?xml version="1.0" encoding="utf-8"?>
+<p:tagLst xmlns:a="http://schemas.openxmlformats.org/drawingml/2006/main" xmlns:r="http://schemas.openxmlformats.org/officeDocument/2006/relationships" xmlns:p="http://schemas.openxmlformats.org/presentationml/2006/main">
   <p:tag name="KSO_WM_UNIT_HIGHLIGHT" val="0"/>
   <p:tag name="KSO_WM_UNIT_COMPATIBLE" val="0"/>
   <p:tag name="KSO_WM_UNIT_DIAGRAM_ISNUMVISUAL" val="0"/>
@@ -27085,8 +26450,8 @@
 </p:tagLst>
 </file>
 
-<file path=ppt/tags/tag73.xml><?xml version="1.0" encoding="utf-8"?>
-<p:tagLst xmlns:p="http://schemas.openxmlformats.org/presentationml/2006/main">
+<file path=ppt/tags/tag75.xml><?xml version="1.0" encoding="utf-8"?>
+<p:tagLst xmlns:a="http://schemas.openxmlformats.org/drawingml/2006/main" xmlns:r="http://schemas.openxmlformats.org/officeDocument/2006/relationships" xmlns:p="http://schemas.openxmlformats.org/presentationml/2006/main">
   <p:tag name="KSO_WM_UNIT_HIGHLIGHT" val="0"/>
   <p:tag name="KSO_WM_UNIT_COMPATIBLE" val="0"/>
   <p:tag name="KSO_WM_UNIT_DIAGRAM_ISNUMVISUAL" val="0"/>
@@ -27111,8 +26476,8 @@
 </p:tagLst>
 </file>
 
-<file path=ppt/tags/tag74.xml><?xml version="1.0" encoding="utf-8"?>
-<p:tagLst xmlns:p="http://schemas.openxmlformats.org/presentationml/2006/main">
+<file path=ppt/tags/tag76.xml><?xml version="1.0" encoding="utf-8"?>
+<p:tagLst xmlns:a="http://schemas.openxmlformats.org/drawingml/2006/main" xmlns:r="http://schemas.openxmlformats.org/officeDocument/2006/relationships" xmlns:p="http://schemas.openxmlformats.org/presentationml/2006/main">
   <p:tag name="KSO_WM_UNIT_HIGHLIGHT" val="0"/>
   <p:tag name="KSO_WM_UNIT_COMPATIBLE" val="0"/>
   <p:tag name="KSO_WM_UNIT_DIAGRAM_ISNUMVISUAL" val="0"/>
@@ -27140,8 +26505,8 @@
 </p:tagLst>
 </file>
 
-<file path=ppt/tags/tag75.xml><?xml version="1.0" encoding="utf-8"?>
-<p:tagLst xmlns:p="http://schemas.openxmlformats.org/presentationml/2006/main">
+<file path=ppt/tags/tag77.xml><?xml version="1.0" encoding="utf-8"?>
+<p:tagLst xmlns:a="http://schemas.openxmlformats.org/drawingml/2006/main" xmlns:r="http://schemas.openxmlformats.org/officeDocument/2006/relationships" xmlns:p="http://schemas.openxmlformats.org/presentationml/2006/main">
   <p:tag name="KSO_WM_UNIT_HIGHLIGHT" val="0"/>
   <p:tag name="KSO_WM_UNIT_COMPATIBLE" val="0"/>
   <p:tag name="KSO_WM_UNIT_DIAGRAM_ISNUMVISUAL" val="0"/>
@@ -27170,8 +26535,8 @@
 </p:tagLst>
 </file>
 
-<file path=ppt/tags/tag76.xml><?xml version="1.0" encoding="utf-8"?>
-<p:tagLst xmlns:p="http://schemas.openxmlformats.org/presentationml/2006/main">
+<file path=ppt/tags/tag78.xml><?xml version="1.0" encoding="utf-8"?>
+<p:tagLst xmlns:a="http://schemas.openxmlformats.org/drawingml/2006/main" xmlns:r="http://schemas.openxmlformats.org/officeDocument/2006/relationships" xmlns:p="http://schemas.openxmlformats.org/presentationml/2006/main">
   <p:tag name="KSO_WM_UNIT_HIGHLIGHT" val="0"/>
   <p:tag name="KSO_WM_UNIT_COMPATIBLE" val="0"/>
   <p:tag name="KSO_WM_UNIT_DIAGRAM_ISNUMVISUAL" val="0"/>
@@ -27199,8 +26564,8 @@
 </p:tagLst>
 </file>
 
-<file path=ppt/tags/tag77.xml><?xml version="1.0" encoding="utf-8"?>
-<p:tagLst xmlns:p="http://schemas.openxmlformats.org/presentationml/2006/main">
+<file path=ppt/tags/tag79.xml><?xml version="1.0" encoding="utf-8"?>
+<p:tagLst xmlns:a="http://schemas.openxmlformats.org/drawingml/2006/main" xmlns:r="http://schemas.openxmlformats.org/officeDocument/2006/relationships" xmlns:p="http://schemas.openxmlformats.org/presentationml/2006/main">
   <p:tag name="KSO_WM_UNIT_HIGHLIGHT" val="0"/>
   <p:tag name="KSO_WM_UNIT_COMPATIBLE" val="0"/>
   <p:tag name="KSO_WM_UNIT_DIAGRAM_ISNUMVISUAL" val="0"/>
@@ -27229,8 +26594,31 @@
 </p:tagLst>
 </file>
 
-<file path=ppt/tags/tag78.xml><?xml version="1.0" encoding="utf-8"?>
-<p:tagLst xmlns:p="http://schemas.openxmlformats.org/presentationml/2006/main">
+<file path=ppt/tags/tag8.xml><?xml version="1.0" encoding="utf-8"?>
+<p:tagLst xmlns:a="http://schemas.openxmlformats.org/drawingml/2006/main" xmlns:r="http://schemas.openxmlformats.org/officeDocument/2006/relationships" xmlns:p="http://schemas.openxmlformats.org/presentationml/2006/main">
+  <p:tag name="KSO_WM_UNIT_NOCLEAR" val="0"/>
+  <p:tag name="KSO_WM_UNIT_HIGHLIGHT" val="0"/>
+  <p:tag name="KSO_WM_UNIT_COMPATIBLE" val="0"/>
+  <p:tag name="KSO_WM_UNIT_DIAGRAM_ISNUMVISUAL" val="0"/>
+  <p:tag name="KSO_WM_UNIT_DIAGRAM_ISREFERUNIT" val="0"/>
+  <p:tag name="KSO_WM_DIAGRAM_GROUP_CODE" val="l1-1"/>
+  <p:tag name="KSO_WM_UNIT_TYPE" val="l_h_i"/>
+  <p:tag name="KSO_WM_UNIT_INDEX" val="1_4_1"/>
+  <p:tag name="KSO_WM_UNIT_ID" val="custom20202701_6*l_h_i*1_4_1"/>
+  <p:tag name="KSO_WM_TEMPLATE_CATEGORY" val="custom"/>
+  <p:tag name="KSO_WM_TEMPLATE_INDEX" val="20202701"/>
+  <p:tag name="KSO_WM_UNIT_LAYERLEVEL" val="1_1_1"/>
+  <p:tag name="KSO_WM_TAG_VERSION" val="1.0"/>
+  <p:tag name="KSO_WM_BEAUTIFY_FLAG" val="#wm#"/>
+  <p:tag name="KSO_WM_UNIT_TEXT_FILL_FORE_SCHEMECOLOR_INDEX_BRIGHTNESS" val="0"/>
+  <p:tag name="KSO_WM_UNIT_TEXT_FILL_FORE_SCHEMECOLOR_INDEX" val="5"/>
+  <p:tag name="KSO_WM_UNIT_TEXT_FILL_TYPE" val="1"/>
+  <p:tag name="KSO_WM_DIAGRAM_VIRTUALLY_FRAME" val="{&quot;height&quot;:192.72629921259846,&quot;left&quot;:42.431574803149616,&quot;top&quot;:132.01574803149606,&quot;width&quot;:644.7815748031496}"/>
+</p:tagLst>
+</file>
+
+<file path=ppt/tags/tag80.xml><?xml version="1.0" encoding="utf-8"?>
+<p:tagLst xmlns:a="http://schemas.openxmlformats.org/drawingml/2006/main" xmlns:r="http://schemas.openxmlformats.org/officeDocument/2006/relationships" xmlns:p="http://schemas.openxmlformats.org/presentationml/2006/main">
   <p:tag name="KSO_WM_UNIT_SUBTYPE" val="a"/>
   <p:tag name="KSO_WM_UNIT_NOCLEAR" val="0"/>
   <p:tag name="KSO_WM_UNIT_VALUE" val="60"/>
@@ -27261,8 +26649,8 @@
 </p:tagLst>
 </file>
 
-<file path=ppt/tags/tag79.xml><?xml version="1.0" encoding="utf-8"?>
-<p:tagLst xmlns:p="http://schemas.openxmlformats.org/presentationml/2006/main">
+<file path=ppt/tags/tag81.xml><?xml version="1.0" encoding="utf-8"?>
+<p:tagLst xmlns:a="http://schemas.openxmlformats.org/drawingml/2006/main" xmlns:r="http://schemas.openxmlformats.org/officeDocument/2006/relationships" xmlns:p="http://schemas.openxmlformats.org/presentationml/2006/main">
   <p:tag name="KSO_WM_UNIT_ISCONTENTSTITLE" val="0"/>
   <p:tag name="KSO_WM_UNIT_ISNUMDGMTITLE" val="0"/>
   <p:tag name="KSO_WM_UNIT_NOCLEAR" val="0"/>
@@ -27294,31 +26682,8 @@
 </p:tagLst>
 </file>
 
-<file path=ppt/tags/tag8.xml><?xml version="1.0" encoding="utf-8"?>
-<p:tagLst xmlns:p="http://schemas.openxmlformats.org/presentationml/2006/main">
-  <p:tag name="KSO_WM_UNIT_NOCLEAR" val="0"/>
-  <p:tag name="KSO_WM_UNIT_HIGHLIGHT" val="0"/>
-  <p:tag name="KSO_WM_UNIT_COMPATIBLE" val="0"/>
-  <p:tag name="KSO_WM_UNIT_DIAGRAM_ISNUMVISUAL" val="0"/>
-  <p:tag name="KSO_WM_UNIT_DIAGRAM_ISREFERUNIT" val="0"/>
-  <p:tag name="KSO_WM_DIAGRAM_GROUP_CODE" val="l1-1"/>
-  <p:tag name="KSO_WM_UNIT_TYPE" val="l_h_i"/>
-  <p:tag name="KSO_WM_UNIT_INDEX" val="1_1_1"/>
-  <p:tag name="KSO_WM_UNIT_ID" val="custom20202701_6*l_h_i*1_1_1"/>
-  <p:tag name="KSO_WM_TEMPLATE_CATEGORY" val="custom"/>
-  <p:tag name="KSO_WM_TEMPLATE_INDEX" val="20202701"/>
-  <p:tag name="KSO_WM_UNIT_LAYERLEVEL" val="1_1_1"/>
-  <p:tag name="KSO_WM_TAG_VERSION" val="1.0"/>
-  <p:tag name="KSO_WM_BEAUTIFY_FLAG" val="#wm#"/>
-  <p:tag name="KSO_WM_UNIT_TEXT_FILL_FORE_SCHEMECOLOR_INDEX_BRIGHTNESS" val="0"/>
-  <p:tag name="KSO_WM_UNIT_TEXT_FILL_FORE_SCHEMECOLOR_INDEX" val="5"/>
-  <p:tag name="KSO_WM_UNIT_TEXT_FILL_TYPE" val="1"/>
-  <p:tag name="KSO_WM_DIAGRAM_VIRTUALLY_FRAME" val="{&quot;height&quot;:192.72629921259846,&quot;left&quot;:42.431574803149616,&quot;top&quot;:132.01574803149606,&quot;width&quot;:644.7815748031496}"/>
-</p:tagLst>
-</file>
-
-<file path=ppt/tags/tag80.xml><?xml version="1.0" encoding="utf-8"?>
-<p:tagLst xmlns:p="http://schemas.openxmlformats.org/presentationml/2006/main">
+<file path=ppt/tags/tag82.xml><?xml version="1.0" encoding="utf-8"?>
+<p:tagLst xmlns:a="http://schemas.openxmlformats.org/drawingml/2006/main" xmlns:r="http://schemas.openxmlformats.org/officeDocument/2006/relationships" xmlns:p="http://schemas.openxmlformats.org/presentationml/2006/main">
   <p:tag name="KSO_WM_UNIT_SUBTYPE" val="a"/>
   <p:tag name="KSO_WM_UNIT_NOCLEAR" val="0"/>
   <p:tag name="KSO_WM_UNIT_VALUE" val="60"/>
@@ -27349,8 +26714,8 @@
 </p:tagLst>
 </file>
 
-<file path=ppt/tags/tag81.xml><?xml version="1.0" encoding="utf-8"?>
-<p:tagLst xmlns:p="http://schemas.openxmlformats.org/presentationml/2006/main">
+<file path=ppt/tags/tag83.xml><?xml version="1.0" encoding="utf-8"?>
+<p:tagLst xmlns:a="http://schemas.openxmlformats.org/drawingml/2006/main" xmlns:r="http://schemas.openxmlformats.org/officeDocument/2006/relationships" xmlns:p="http://schemas.openxmlformats.org/presentationml/2006/main">
   <p:tag name="KSO_WM_UNIT_ISCONTENTSTITLE" val="0"/>
   <p:tag name="KSO_WM_UNIT_ISNUMDGMTITLE" val="0"/>
   <p:tag name="KSO_WM_UNIT_NOCLEAR" val="0"/>
@@ -27382,8 +26747,8 @@
 </p:tagLst>
 </file>
 
-<file path=ppt/tags/tag82.xml><?xml version="1.0" encoding="utf-8"?>
-<p:tagLst xmlns:p="http://schemas.openxmlformats.org/presentationml/2006/main">
+<file path=ppt/tags/tag84.xml><?xml version="1.0" encoding="utf-8"?>
+<p:tagLst xmlns:a="http://schemas.openxmlformats.org/drawingml/2006/main" xmlns:r="http://schemas.openxmlformats.org/officeDocument/2006/relationships" xmlns:p="http://schemas.openxmlformats.org/presentationml/2006/main">
   <p:tag name="KSO_WM_UNIT_HIGHLIGHT" val="0"/>
   <p:tag name="KSO_WM_UNIT_COMPATIBLE" val="0"/>
   <p:tag name="KSO_WM_UNIT_DIAGRAM_ISNUMVISUAL" val="0"/>
@@ -27411,8 +26776,8 @@
 </p:tagLst>
 </file>
 
-<file path=ppt/tags/tag83.xml><?xml version="1.0" encoding="utf-8"?>
-<p:tagLst xmlns:p="http://schemas.openxmlformats.org/presentationml/2006/main">
+<file path=ppt/tags/tag85.xml><?xml version="1.0" encoding="utf-8"?>
+<p:tagLst xmlns:a="http://schemas.openxmlformats.org/drawingml/2006/main" xmlns:r="http://schemas.openxmlformats.org/officeDocument/2006/relationships" xmlns:p="http://schemas.openxmlformats.org/presentationml/2006/main">
   <p:tag name="KSO_WM_UNIT_HIGHLIGHT" val="0"/>
   <p:tag name="KSO_WM_UNIT_COMPATIBLE" val="0"/>
   <p:tag name="KSO_WM_UNIT_DIAGRAM_ISNUMVISUAL" val="0"/>
@@ -27441,8 +26806,8 @@
 </p:tagLst>
 </file>
 
-<file path=ppt/tags/tag84.xml><?xml version="1.0" encoding="utf-8"?>
-<p:tagLst xmlns:p="http://schemas.openxmlformats.org/presentationml/2006/main">
+<file path=ppt/tags/tag86.xml><?xml version="1.0" encoding="utf-8"?>
+<p:tagLst xmlns:a="http://schemas.openxmlformats.org/drawingml/2006/main" xmlns:r="http://schemas.openxmlformats.org/officeDocument/2006/relationships" xmlns:p="http://schemas.openxmlformats.org/presentationml/2006/main">
   <p:tag name="KSO_WM_UNIT_SUBTYPE" val="a"/>
   <p:tag name="KSO_WM_UNIT_NOCLEAR" val="0"/>
   <p:tag name="KSO_WM_UNIT_VALUE" val="60"/>
@@ -27473,8 +26838,8 @@
 </p:tagLst>
 </file>
 
-<file path=ppt/tags/tag85.xml><?xml version="1.0" encoding="utf-8"?>
-<p:tagLst xmlns:p="http://schemas.openxmlformats.org/presentationml/2006/main">
+<file path=ppt/tags/tag87.xml><?xml version="1.0" encoding="utf-8"?>
+<p:tagLst xmlns:a="http://schemas.openxmlformats.org/drawingml/2006/main" xmlns:r="http://schemas.openxmlformats.org/officeDocument/2006/relationships" xmlns:p="http://schemas.openxmlformats.org/presentationml/2006/main">
   <p:tag name="KSO_WM_UNIT_ISCONTENTSTITLE" val="0"/>
   <p:tag name="KSO_WM_UNIT_ISNUMDGMTITLE" val="0"/>
   <p:tag name="KSO_WM_UNIT_NOCLEAR" val="0"/>
@@ -27506,14 +26871,14 @@
 </p:tagLst>
 </file>
 
-<file path=ppt/tags/tag86.xml><?xml version="1.0" encoding="utf-8"?>
-<p:tagLst xmlns:p="http://schemas.openxmlformats.org/presentationml/2006/main">
-  <p:tag name="RESOURCE_RECORD_KEY" val="{&quot;70&quot;:[3322321,3322005,3330166,3322071,3319074]}"/>
+<file path=ppt/tags/tag88.xml><?xml version="1.0" encoding="utf-8"?>
+<p:tagLst xmlns:a="http://schemas.openxmlformats.org/drawingml/2006/main" xmlns:r="http://schemas.openxmlformats.org/officeDocument/2006/relationships" xmlns:p="http://schemas.openxmlformats.org/presentationml/2006/main">
+  <p:tag name="RESOURCE_RECORD_KEY" val="{&quot;70&quot;:[3322321,3322005,3330166,3322071,3319074,3319358]}"/>
 </p:tagLst>
 </file>
 
-<file path=ppt/tags/tag87.xml><?xml version="1.0" encoding="utf-8"?>
-<p:tagLst xmlns:p="http://schemas.openxmlformats.org/presentationml/2006/main">
+<file path=ppt/tags/tag89.xml><?xml version="1.0" encoding="utf-8"?>
+<p:tagLst xmlns:a="http://schemas.openxmlformats.org/drawingml/2006/main" xmlns:r="http://schemas.openxmlformats.org/officeDocument/2006/relationships" xmlns:p="http://schemas.openxmlformats.org/presentationml/2006/main">
   <p:tag name="KSO_WM_UNIT_ISCONTENTSTITLE" val="0"/>
   <p:tag name="KSO_WM_UNIT_PRESET_TEXT" val="单击此处添加标题"/>
   <p:tag name="KSO_WM_UNIT_NOCLEAR" val="0"/>
@@ -27537,8 +26902,33 @@
 </p:tagLst>
 </file>
 
-<file path=ppt/tags/tag88.xml><?xml version="1.0" encoding="utf-8"?>
-<p:tagLst xmlns:p="http://schemas.openxmlformats.org/presentationml/2006/main">
+<file path=ppt/tags/tag9.xml><?xml version="1.0" encoding="utf-8"?>
+<p:tagLst xmlns:a="http://schemas.openxmlformats.org/drawingml/2006/main" xmlns:r="http://schemas.openxmlformats.org/officeDocument/2006/relationships" xmlns:p="http://schemas.openxmlformats.org/presentationml/2006/main">
+  <p:tag name="KSO_WM_UNIT_NOCLEAR" val="0"/>
+  <p:tag name="KSO_WM_UNIT_HIGHLIGHT" val="0"/>
+  <p:tag name="KSO_WM_UNIT_COMPATIBLE" val="0"/>
+  <p:tag name="KSO_WM_UNIT_DIAGRAM_ISNUMVISUAL" val="0"/>
+  <p:tag name="KSO_WM_UNIT_DIAGRAM_ISREFERUNIT" val="0"/>
+  <p:tag name="KSO_WM_DIAGRAM_GROUP_CODE" val="l1-1"/>
+  <p:tag name="KSO_WM_UNIT_TYPE" val="l_h_f"/>
+  <p:tag name="KSO_WM_UNIT_INDEX" val="1_1_1"/>
+  <p:tag name="KSO_WM_UNIT_ID" val="custom20202701_6*l_h_f*1_1_1"/>
+  <p:tag name="KSO_WM_TEMPLATE_CATEGORY" val="custom"/>
+  <p:tag name="KSO_WM_TEMPLATE_INDEX" val="20202701"/>
+  <p:tag name="KSO_WM_UNIT_LAYERLEVEL" val="1_1_1"/>
+  <p:tag name="KSO_WM_TAG_VERSION" val="1.0"/>
+  <p:tag name="KSO_WM_BEAUTIFY_FLAG" val="#wm#"/>
+  <p:tag name="KSO_WM_UNIT_PRESET_TEXT" val="在此单击输入文字"/>
+  <p:tag name="KSO_WM_UNIT_SUBTYPE" val="a"/>
+  <p:tag name="KSO_WM_UNIT_TEXT_FILL_FORE_SCHEMECOLOR_INDEX_BRIGHTNESS" val="0.15"/>
+  <p:tag name="KSO_WM_UNIT_TEXT_FILL_FORE_SCHEMECOLOR_INDEX" val="13"/>
+  <p:tag name="KSO_WM_UNIT_TEXT_FILL_TYPE" val="1"/>
+  <p:tag name="KSO_WM_DIAGRAM_VIRTUALLY_FRAME" val="{&quot;height&quot;:192.72629921259846,&quot;left&quot;:42.431574803149616,&quot;top&quot;:132.01574803149606,&quot;width&quot;:644.7815748031496}"/>
+</p:tagLst>
+</file>
+
+<file path=ppt/tags/tag90.xml><?xml version="1.0" encoding="utf-8"?>
+<p:tagLst xmlns:a="http://schemas.openxmlformats.org/drawingml/2006/main" xmlns:r="http://schemas.openxmlformats.org/officeDocument/2006/relationships" xmlns:p="http://schemas.openxmlformats.org/presentationml/2006/main">
   <p:tag name="KSO_WM_BEAUTIFY_FLAG" val="#wm#"/>
   <p:tag name="KSO_WM_UNIT_HIGHLIGHT" val="0"/>
   <p:tag name="KSO_WM_UNIT_COMPATIBLE" val="0"/>
@@ -27564,8 +26954,8 @@
 </p:tagLst>
 </file>
 
-<file path=ppt/tags/tag89.xml><?xml version="1.0" encoding="utf-8"?>
-<p:tagLst xmlns:p="http://schemas.openxmlformats.org/presentationml/2006/main">
+<file path=ppt/tags/tag91.xml><?xml version="1.0" encoding="utf-8"?>
+<p:tagLst xmlns:a="http://schemas.openxmlformats.org/drawingml/2006/main" xmlns:r="http://schemas.openxmlformats.org/officeDocument/2006/relationships" xmlns:p="http://schemas.openxmlformats.org/presentationml/2006/main">
   <p:tag name="KSO_WM_BEAUTIFY_FLAG" val="#wm#"/>
   <p:tag name="KSO_WM_UNIT_HIGHLIGHT" val="0"/>
   <p:tag name="KSO_WM_UNIT_COMPATIBLE" val="0"/>
@@ -27593,33 +26983,8 @@
 </p:tagLst>
 </file>
 
-<file path=ppt/tags/tag9.xml><?xml version="1.0" encoding="utf-8"?>
-<p:tagLst xmlns:p="http://schemas.openxmlformats.org/presentationml/2006/main">
-  <p:tag name="KSO_WM_UNIT_NOCLEAR" val="0"/>
-  <p:tag name="KSO_WM_UNIT_HIGHLIGHT" val="0"/>
-  <p:tag name="KSO_WM_UNIT_COMPATIBLE" val="0"/>
-  <p:tag name="KSO_WM_UNIT_DIAGRAM_ISNUMVISUAL" val="0"/>
-  <p:tag name="KSO_WM_UNIT_DIAGRAM_ISREFERUNIT" val="0"/>
-  <p:tag name="KSO_WM_DIAGRAM_GROUP_CODE" val="l1-1"/>
-  <p:tag name="KSO_WM_UNIT_TYPE" val="l_h_f"/>
-  <p:tag name="KSO_WM_UNIT_INDEX" val="1_2_1"/>
-  <p:tag name="KSO_WM_UNIT_ID" val="custom20202701_6*l_h_f*1_2_1"/>
-  <p:tag name="KSO_WM_TEMPLATE_CATEGORY" val="custom"/>
-  <p:tag name="KSO_WM_TEMPLATE_INDEX" val="20202701"/>
-  <p:tag name="KSO_WM_UNIT_LAYERLEVEL" val="1_1_1"/>
-  <p:tag name="KSO_WM_TAG_VERSION" val="1.0"/>
-  <p:tag name="KSO_WM_BEAUTIFY_FLAG" val="#wm#"/>
-  <p:tag name="KSO_WM_UNIT_PRESET_TEXT" val="在此单击输入文字"/>
-  <p:tag name="KSO_WM_UNIT_SUBTYPE" val="a"/>
-  <p:tag name="KSO_WM_UNIT_TEXT_FILL_FORE_SCHEMECOLOR_INDEX_BRIGHTNESS" val="0.15"/>
-  <p:tag name="KSO_WM_UNIT_TEXT_FILL_FORE_SCHEMECOLOR_INDEX" val="13"/>
-  <p:tag name="KSO_WM_UNIT_TEXT_FILL_TYPE" val="1"/>
-  <p:tag name="KSO_WM_DIAGRAM_VIRTUALLY_FRAME" val="{&quot;height&quot;:192.72629921259846,&quot;left&quot;:42.431574803149616,&quot;top&quot;:132.01574803149606,&quot;width&quot;:644.7815748031496}"/>
-</p:tagLst>
-</file>
-
-<file path=ppt/tags/tag90.xml><?xml version="1.0" encoding="utf-8"?>
-<p:tagLst xmlns:p="http://schemas.openxmlformats.org/presentationml/2006/main">
+<file path=ppt/tags/tag92.xml><?xml version="1.0" encoding="utf-8"?>
+<p:tagLst xmlns:a="http://schemas.openxmlformats.org/drawingml/2006/main" xmlns:r="http://schemas.openxmlformats.org/officeDocument/2006/relationships" xmlns:p="http://schemas.openxmlformats.org/presentationml/2006/main">
   <p:tag name="KSO_WM_UNIT_ISCONTENTSTITLE" val="0"/>
   <p:tag name="KSO_WM_UNIT_ISNUMDGMTITLE" val="0"/>
   <p:tag name="KSO_WM_UNIT_NOCLEAR" val="0"/>
@@ -27654,8 +27019,8 @@
 </p:tagLst>
 </file>
 
-<file path=ppt/tags/tag91.xml><?xml version="1.0" encoding="utf-8"?>
-<p:tagLst xmlns:p="http://schemas.openxmlformats.org/presentationml/2006/main">
+<file path=ppt/tags/tag93.xml><?xml version="1.0" encoding="utf-8"?>
+<p:tagLst xmlns:a="http://schemas.openxmlformats.org/drawingml/2006/main" xmlns:r="http://schemas.openxmlformats.org/officeDocument/2006/relationships" xmlns:p="http://schemas.openxmlformats.org/presentationml/2006/main">
   <p:tag name="KSO_WM_UNIT_SUBTYPE" val="a"/>
   <p:tag name="KSO_WM_UNIT_NOCLEAR" val="0"/>
   <p:tag name="KSO_WM_UNIT_VALUE" val="60"/>
@@ -27686,8 +27051,8 @@
 </p:tagLst>
 </file>
 
-<file path=ppt/tags/tag92.xml><?xml version="1.0" encoding="utf-8"?>
-<p:tagLst xmlns:p="http://schemas.openxmlformats.org/presentationml/2006/main">
+<file path=ppt/tags/tag94.xml><?xml version="1.0" encoding="utf-8"?>
+<p:tagLst xmlns:a="http://schemas.openxmlformats.org/drawingml/2006/main" xmlns:r="http://schemas.openxmlformats.org/officeDocument/2006/relationships" xmlns:p="http://schemas.openxmlformats.org/presentationml/2006/main">
   <p:tag name="KSO_WM_UNIT_HIGHLIGHT" val="0"/>
   <p:tag name="KSO_WM_UNIT_COMPATIBLE" val="0"/>
   <p:tag name="KSO_WM_UNIT_DIAGRAM_ISNUMVISUAL" val="0"/>
@@ -27720,8 +27085,8 @@
 </p:tagLst>
 </file>
 
-<file path=ppt/tags/tag93.xml><?xml version="1.0" encoding="utf-8"?>
-<p:tagLst xmlns:p="http://schemas.openxmlformats.org/presentationml/2006/main">
+<file path=ppt/tags/tag95.xml><?xml version="1.0" encoding="utf-8"?>
+<p:tagLst xmlns:a="http://schemas.openxmlformats.org/drawingml/2006/main" xmlns:r="http://schemas.openxmlformats.org/officeDocument/2006/relationships" xmlns:p="http://schemas.openxmlformats.org/presentationml/2006/main">
   <p:tag name="KSO_WM_BEAUTIFY_FLAG" val="#wm#"/>
   <p:tag name="KSO_WM_UNIT_HIGHLIGHT" val="0"/>
   <p:tag name="KSO_WM_UNIT_COMPATIBLE" val="0"/>
@@ -27749,8 +27114,8 @@
 </p:tagLst>
 </file>
 
-<file path=ppt/tags/tag94.xml><?xml version="1.0" encoding="utf-8"?>
-<p:tagLst xmlns:p="http://schemas.openxmlformats.org/presentationml/2006/main">
+<file path=ppt/tags/tag96.xml><?xml version="1.0" encoding="utf-8"?>
+<p:tagLst xmlns:a="http://schemas.openxmlformats.org/drawingml/2006/main" xmlns:r="http://schemas.openxmlformats.org/officeDocument/2006/relationships" xmlns:p="http://schemas.openxmlformats.org/presentationml/2006/main">
   <p:tag name="KSO_WM_UNIT_ISCONTENTSTITLE" val="0"/>
   <p:tag name="KSO_WM_UNIT_ISNUMDGMTITLE" val="0"/>
   <p:tag name="KSO_WM_UNIT_NOCLEAR" val="0"/>
@@ -27785,8 +27150,8 @@
 </p:tagLst>
 </file>
 
-<file path=ppt/tags/tag95.xml><?xml version="1.0" encoding="utf-8"?>
-<p:tagLst xmlns:p="http://schemas.openxmlformats.org/presentationml/2006/main">
+<file path=ppt/tags/tag97.xml><?xml version="1.0" encoding="utf-8"?>
+<p:tagLst xmlns:a="http://schemas.openxmlformats.org/drawingml/2006/main" xmlns:r="http://schemas.openxmlformats.org/officeDocument/2006/relationships" xmlns:p="http://schemas.openxmlformats.org/presentationml/2006/main">
   <p:tag name="KSO_WM_UNIT_SUBTYPE" val="a"/>
   <p:tag name="KSO_WM_UNIT_NOCLEAR" val="0"/>
   <p:tag name="KSO_WM_UNIT_VALUE" val="60"/>
@@ -27817,8 +27182,8 @@
 </p:tagLst>
 </file>
 
-<file path=ppt/tags/tag96.xml><?xml version="1.0" encoding="utf-8"?>
-<p:tagLst xmlns:p="http://schemas.openxmlformats.org/presentationml/2006/main">
+<file path=ppt/tags/tag98.xml><?xml version="1.0" encoding="utf-8"?>
+<p:tagLst xmlns:a="http://schemas.openxmlformats.org/drawingml/2006/main" xmlns:r="http://schemas.openxmlformats.org/officeDocument/2006/relationships" xmlns:p="http://schemas.openxmlformats.org/presentationml/2006/main">
   <p:tag name="KSO_WM_UNIT_HIGHLIGHT" val="0"/>
   <p:tag name="KSO_WM_UNIT_COMPATIBLE" val="0"/>
   <p:tag name="KSO_WM_UNIT_DIAGRAM_ISNUMVISUAL" val="0"/>
@@ -27851,8 +27216,8 @@
 </p:tagLst>
 </file>
 
-<file path=ppt/tags/tag97.xml><?xml version="1.0" encoding="utf-8"?>
-<p:tagLst xmlns:p="http://schemas.openxmlformats.org/presentationml/2006/main">
+<file path=ppt/tags/tag99.xml><?xml version="1.0" encoding="utf-8"?>
+<p:tagLst xmlns:a="http://schemas.openxmlformats.org/drawingml/2006/main" xmlns:r="http://schemas.openxmlformats.org/officeDocument/2006/relationships" xmlns:p="http://schemas.openxmlformats.org/presentationml/2006/main">
   <p:tag name="KSO_WM_BEAUTIFY_FLAG" val="#wm#"/>
   <p:tag name="KSO_WM_UNIT_HIGHLIGHT" val="0"/>
   <p:tag name="KSO_WM_UNIT_COMPATIBLE" val="0"/>
@@ -27876,74 +27241,6 @@
   <p:tag name="KSO_WM_UNIT_FILL_TYPE" val="1"/>
   <p:tag name="KSO_WM_UNIT_FILL_FORE_SCHEMECOLOR_INDEX" val="13"/>
   <p:tag name="KSO_WM_UNIT_FILL_FORE_SCHEMECOLOR_INDEX_BRIGHTNESS" val="0.25"/>
-  <p:tag name="KSO_WM_DIAGRAM_USE_COLOR_VALUE" val="{&quot;color_scheme&quot;:1,&quot;color_type&quot;:1,&quot;theme_color_indexes&quot;:[]}"/>
-</p:tagLst>
-</file>
-
-<file path=ppt/tags/tag98.xml><?xml version="1.0" encoding="utf-8"?>
-<p:tagLst xmlns:p="http://schemas.openxmlformats.org/presentationml/2006/main">
-  <p:tag name="KSO_WM_UNIT_ISCONTENTSTITLE" val="0"/>
-  <p:tag name="KSO_WM_UNIT_ISNUMDGMTITLE" val="0"/>
-  <p:tag name="KSO_WM_UNIT_NOCLEAR" val="0"/>
-  <p:tag name="KSO_WM_UNIT_VALUE" val="10"/>
-  <p:tag name="KSO_WM_UNIT_HIGHLIGHT" val="0"/>
-  <p:tag name="KSO_WM_UNIT_COMPATIBLE" val="0"/>
-  <p:tag name="KSO_WM_UNIT_DIAGRAM_ISNUMVISUAL" val="0"/>
-  <p:tag name="KSO_WM_UNIT_DIAGRAM_ISREFERUNIT" val="0"/>
-  <p:tag name="KSO_WM_UNIT_TYPE" val="l_h_a"/>
-  <p:tag name="KSO_WM_UNIT_INDEX" val="1_3_1"/>
-  <p:tag name="KSO_WM_UNIT_ID" val="diagram20231686_2*l_h_a*1_3_1"/>
-  <p:tag name="KSO_WM_TEMPLATE_CATEGORY" val="diagram"/>
-  <p:tag name="KSO_WM_TEMPLATE_INDEX" val="20231686"/>
-  <p:tag name="KSO_WM_UNIT_LAYERLEVEL" val="1_1_1"/>
-  <p:tag name="KSO_WM_TAG_VERSION" val="3.0"/>
-  <p:tag name="KSO_WM_BEAUTIFY_FLAG" val="#wm#"/>
-  <p:tag name="KSO_WM_DIAGRAM_VERSION" val="3"/>
-  <p:tag name="KSO_WM_DIAGRAM_COLOR_TRICK" val="1"/>
-  <p:tag name="KSO_WM_DIAGRAM_COLOR_TEXT_CAN_REMOVE" val="n"/>
-  <p:tag name="KSO_WM_DIAGRAM_GROUP_CODE" val="l1-1"/>
-  <p:tag name="KSO_WM_DIAGRAM_MAX_ITEMCNT" val="6"/>
-  <p:tag name="KSO_WM_DIAGRAM_MIN_ITEMCNT" val="3"/>
-  <p:tag name="KSO_WM_DIAGRAM_VIRTUALLY_FRAME" val="{&quot;height&quot;:296.5997741699219,&quot;left&quot;:-106.57062881589873,&quot;top&quot;:68.97928614338555,&quot;width&quot;:801.1862182617188}"/>
-  <p:tag name="KSO_WM_DIAGRAM_COLOR_MATCH_VALUE" val="{&quot;shape&quot;:{&quot;fill&quot;:{&quot;solid&quot;:{&quot;brightness&quot;:0,&quot;colorType&quot;:1,&quot;foreColorIndex&quot;:5,&quot;transparency&quot;:0},&quot;type&quot;:1},&quot;glow&quot;:{&quot;colorType&quot;:0},&quot;line&quot;:{&quot;type&quot;:0},&quot;shadow&quot;:{&quot;colorType&quot;:0},&quot;threeD&quot;:{&quot;curvedSurface&quot;:{&quot;brightness&quot;:0,&quot;colorType&quot;:2,&quot;rgb&quot;:&quot;#000000&quot;},&quot;depth&quot;:{&quot;colorType&quot;:0}}},&quot;text&quot;:{&quot;fill&quot;:{&quot;solid&quot;:{&quot;brightness&quot;:0,&quot;colorType&quot;:1,&quot;foreColorIndex&quot;:2,&quot;transparency&quot;:0},&quot;type&quot;:1},&quot;glow&quot;:{&quot;colorType&quot;:0},&quot;line&quot;:{&quot;type&quot;:0},&quot;shadow&quot;:{&quot;colorType&quot;:0},&quot;threeD&quot;:{&quot;curvedSurface&quot;:{&quot;brightness&quot;:0,&quot;colorType&quot;:2,&quot;rgb&quot;:&quot;#000000&quot;},&quot;depth&quot;:{&quot;colorType&quot;:0}}}}"/>
-  <p:tag name="KSO_WM_UNIT_PRESET_TEXT" val="添加标题"/>
-  <p:tag name="KSO_WM_UNIT_FILL_TYPE" val="1"/>
-  <p:tag name="KSO_WM_UNIT_FILL_FORE_SCHEMECOLOR_INDEX" val="5"/>
-  <p:tag name="KSO_WM_UNIT_FILL_FORE_SCHEMECOLOR_INDEX_BRIGHTNESS" val="0"/>
-  <p:tag name="KSO_WM_UNIT_TEXT_FILL_FORE_SCHEMECOLOR_INDEX" val="1"/>
-  <p:tag name="KSO_WM_UNIT_TEXT_FILL_TYPE" val="1"/>
-  <p:tag name="KSO_WM_DIAGRAM_USE_COLOR_VALUE" val="{&quot;color_scheme&quot;:1,&quot;color_type&quot;:1,&quot;theme_color_indexes&quot;:[]}"/>
-</p:tagLst>
-</file>
-
-<file path=ppt/tags/tag99.xml><?xml version="1.0" encoding="utf-8"?>
-<p:tagLst xmlns:p="http://schemas.openxmlformats.org/presentationml/2006/main">
-  <p:tag name="KSO_WM_UNIT_SUBTYPE" val="a"/>
-  <p:tag name="KSO_WM_UNIT_NOCLEAR" val="0"/>
-  <p:tag name="KSO_WM_UNIT_VALUE" val="60"/>
-  <p:tag name="KSO_WM_UNIT_HIGHLIGHT" val="0"/>
-  <p:tag name="KSO_WM_UNIT_COMPATIBLE" val="0"/>
-  <p:tag name="KSO_WM_UNIT_DIAGRAM_ISNUMVISUAL" val="0"/>
-  <p:tag name="KSO_WM_UNIT_DIAGRAM_ISREFERUNIT" val="0"/>
-  <p:tag name="KSO_WM_UNIT_TYPE" val="l_h_f"/>
-  <p:tag name="KSO_WM_UNIT_INDEX" val="1_3_1"/>
-  <p:tag name="KSO_WM_UNIT_ID" val="diagram20231686_2*l_h_f*1_3_1"/>
-  <p:tag name="KSO_WM_TEMPLATE_CATEGORY" val="diagram"/>
-  <p:tag name="KSO_WM_TEMPLATE_INDEX" val="20231686"/>
-  <p:tag name="KSO_WM_UNIT_LAYERLEVEL" val="1_1_1"/>
-  <p:tag name="KSO_WM_TAG_VERSION" val="3.0"/>
-  <p:tag name="KSO_WM_BEAUTIFY_FLAG" val="#wm#"/>
-  <p:tag name="KSO_WM_DIAGRAM_VERSION" val="3"/>
-  <p:tag name="KSO_WM_DIAGRAM_COLOR_TRICK" val="1"/>
-  <p:tag name="KSO_WM_DIAGRAM_COLOR_TEXT_CAN_REMOVE" val="n"/>
-  <p:tag name="KSO_WM_DIAGRAM_GROUP_CODE" val="l1-1"/>
-  <p:tag name="KSO_WM_DIAGRAM_MAX_ITEMCNT" val="6"/>
-  <p:tag name="KSO_WM_DIAGRAM_MIN_ITEMCNT" val="3"/>
-  <p:tag name="KSO_WM_DIAGRAM_VIRTUALLY_FRAME" val="{&quot;height&quot;:296.5997741699219,&quot;left&quot;:-106.57062881589873,&quot;top&quot;:68.97928614338555,&quot;width&quot;:801.1862182617188}"/>
-  <p:tag name="KSO_WM_DIAGRAM_COLOR_MATCH_VALUE" val="{&quot;shape&quot;:{&quot;fill&quot;:{&quot;type&quot;:0},&quot;glow&quot;:{&quot;colorType&quot;:0},&quot;line&quot;:{&quot;type&quot;:0},&quot;shadow&quot;:{&quot;colorType&quot;:0},&quot;threeD&quot;:{&quot;curvedSurface&quot;:{&quot;brightness&quot;:0,&quot;colorType&quot;:2,&quot;rgb&quot;:&quot;#000000&quot;},&quot;depth&quot;:{&quot;colorType&quot;:0}}},&quot;text&quot;:{&quot;fill&quot;:{&quot;solid&quot;:{&quot;brightness&quot;:0.15000000596046448,&quot;colorType&quot;:1,&quot;foreColorIndex&quot;:13,&quot;transparency&quot;:0},&quot;type&quot;:1},&quot;glow&quot;:{&quot;colorType&quot;:0},&quot;line&quot;:{&quot;type&quot;:0},&quot;shadow&quot;:{&quot;colorType&quot;:0},&quot;threeD&quot;:{&quot;curvedSurface&quot;:{&quot;brightness&quot;:0,&quot;colorType&quot;:2,&quot;rgb&quot;:&quot;#000000&quot;},&quot;depth&quot;:{&quot;colorType&quot;:0}}}}"/>
-  <p:tag name="KSO_WM_UNIT_PRESET_TEXT" val="单击此处输入你的项正文，文字是您思想的提炼，请尽量言简意赅的阐述观点"/>
-  <p:tag name="KSO_WM_UNIT_TEXT_FILL_FORE_SCHEMECOLOR_INDEX" val="1"/>
-  <p:tag name="KSO_WM_UNIT_TEXT_FILL_TYPE" val="1"/>
   <p:tag name="KSO_WM_DIAGRAM_USE_COLOR_VALUE" val="{&quot;color_scheme&quot;:1,&quot;color_type&quot;:1,&quot;theme_color_indexes&quot;:[]}"/>
 </p:tagLst>
 </file>
@@ -28199,6 +27496,8 @@
       </a:bgFillStyleLst>
     </a:fmtScheme>
   </a:themeElements>
+  <a:objectDefaults/>
+  <a:extraClrSchemeLst/>
   <a:extLst>
     <a:ext uri="{05A4C25C-085E-4340-85A3-A5531E510DB2}">
       <thm15:themeFamily xmlns:thm15="http://schemas.microsoft.com/office/thememl/2012/main" name="Office Theme" id="{62F939B6-93AF-4DB8-9C6B-D6C7DFDC589F}" vid="{4A3C46E8-61CC-4603-A589-7422A47A8E4A}"/>
@@ -28458,6 +27757,8 @@
       </a:bgFillStyleLst>
     </a:fmtScheme>
   </a:themeElements>
+  <a:objectDefaults/>
+  <a:extraClrSchemeLst/>
   <a:extLst>
     <a:ext uri="{05A4C25C-085E-4340-85A3-A5531E510DB2}">
       <thm15:themeFamily xmlns:thm15="http://schemas.microsoft.com/office/thememl/2012/main" name="Office Theme" id="{62F939B6-93AF-4DB8-9C6B-D6C7DFDC589F}" vid="{4A3C46E8-61CC-4603-A589-7422A47A8E4A}"/>
@@ -28717,6 +28018,8 @@
       </a:bgFillStyleLst>
     </a:fmtScheme>
   </a:themeElements>
+  <a:objectDefaults/>
+  <a:extraClrSchemeLst/>
   <a:extLst>
     <a:ext uri="{05A4C25C-085E-4340-85A3-A5531E510DB2}">
       <thm15:themeFamily xmlns:thm15="http://schemas.microsoft.com/office/thememl/2012/main" name="Office Theme" id="{62F939B6-93AF-4DB8-9C6B-D6C7DFDC589F}" vid="{4A3C46E8-61CC-4603-A589-7422A47A8E4A}"/>
